--- a/fun-with-k8s.pptx
+++ b/fun-with-k8s.pptx
@@ -10,13 +10,14 @@
     <p:sldId id="258" r:id="rId4"/>
     <p:sldId id="260" r:id="rId5"/>
     <p:sldId id="272" r:id="rId6"/>
-    <p:sldId id="273" r:id="rId7"/>
-    <p:sldId id="278" r:id="rId8"/>
-    <p:sldId id="279" r:id="rId9"/>
-    <p:sldId id="280" r:id="rId10"/>
-    <p:sldId id="277" r:id="rId11"/>
-    <p:sldId id="259" r:id="rId12"/>
-    <p:sldId id="268" r:id="rId13"/>
+    <p:sldId id="281" r:id="rId7"/>
+    <p:sldId id="273" r:id="rId8"/>
+    <p:sldId id="278" r:id="rId9"/>
+    <p:sldId id="279" r:id="rId10"/>
+    <p:sldId id="280" r:id="rId11"/>
+    <p:sldId id="277" r:id="rId12"/>
+    <p:sldId id="259" r:id="rId13"/>
+    <p:sldId id="268" r:id="rId14"/>
   </p:sldIdLst>
   <p:sldSz cx="12192000" cy="6858000"/>
   <p:notesSz cx="6858000" cy="9144000"/>
@@ -8759,7 +8760,7 @@
           <a:p>
             <a:fld id="{0117283B-F0A5-4202-AA1A-3796A1F2E447}" type="datetimeFigureOut">
               <a:rPr lang="en-US" smtClean="0"/>
-              <a:t>2/7/2020</a:t>
+              <a:t>2/24/2020</a:t>
             </a:fld>
             <a:endParaRPr lang="en-US"/>
           </a:p>
@@ -8957,7 +8958,7 @@
           <a:p>
             <a:fld id="{0117283B-F0A5-4202-AA1A-3796A1F2E447}" type="datetimeFigureOut">
               <a:rPr lang="en-US" smtClean="0"/>
-              <a:t>2/7/2020</a:t>
+              <a:t>2/24/2020</a:t>
             </a:fld>
             <a:endParaRPr lang="en-US"/>
           </a:p>
@@ -9165,7 +9166,7 @@
           <a:p>
             <a:fld id="{0117283B-F0A5-4202-AA1A-3796A1F2E447}" type="datetimeFigureOut">
               <a:rPr lang="en-US" smtClean="0"/>
-              <a:t>2/7/2020</a:t>
+              <a:t>2/24/2020</a:t>
             </a:fld>
             <a:endParaRPr lang="en-US"/>
           </a:p>
@@ -9363,7 +9364,7 @@
           <a:p>
             <a:fld id="{0117283B-F0A5-4202-AA1A-3796A1F2E447}" type="datetimeFigureOut">
               <a:rPr lang="en-US" smtClean="0"/>
-              <a:t>2/7/2020</a:t>
+              <a:t>2/24/2020</a:t>
             </a:fld>
             <a:endParaRPr lang="en-US"/>
           </a:p>
@@ -9638,7 +9639,7 @@
           <a:p>
             <a:fld id="{0117283B-F0A5-4202-AA1A-3796A1F2E447}" type="datetimeFigureOut">
               <a:rPr lang="en-US" smtClean="0"/>
-              <a:t>2/7/2020</a:t>
+              <a:t>2/24/2020</a:t>
             </a:fld>
             <a:endParaRPr lang="en-US"/>
           </a:p>
@@ -9903,7 +9904,7 @@
           <a:p>
             <a:fld id="{0117283B-F0A5-4202-AA1A-3796A1F2E447}" type="datetimeFigureOut">
               <a:rPr lang="en-US" smtClean="0"/>
-              <a:t>2/7/2020</a:t>
+              <a:t>2/24/2020</a:t>
             </a:fld>
             <a:endParaRPr lang="en-US"/>
           </a:p>
@@ -10315,7 +10316,7 @@
           <a:p>
             <a:fld id="{0117283B-F0A5-4202-AA1A-3796A1F2E447}" type="datetimeFigureOut">
               <a:rPr lang="en-US" smtClean="0"/>
-              <a:t>2/7/2020</a:t>
+              <a:t>2/24/2020</a:t>
             </a:fld>
             <a:endParaRPr lang="en-US"/>
           </a:p>
@@ -10456,7 +10457,7 @@
           <a:p>
             <a:fld id="{0117283B-F0A5-4202-AA1A-3796A1F2E447}" type="datetimeFigureOut">
               <a:rPr lang="en-US" smtClean="0"/>
-              <a:t>2/7/2020</a:t>
+              <a:t>2/24/2020</a:t>
             </a:fld>
             <a:endParaRPr lang="en-US"/>
           </a:p>
@@ -10569,7 +10570,7 @@
           <a:p>
             <a:fld id="{0117283B-F0A5-4202-AA1A-3796A1F2E447}" type="datetimeFigureOut">
               <a:rPr lang="en-US" smtClean="0"/>
-              <a:t>2/7/2020</a:t>
+              <a:t>2/24/2020</a:t>
             </a:fld>
             <a:endParaRPr lang="en-US"/>
           </a:p>
@@ -10880,7 +10881,7 @@
           <a:p>
             <a:fld id="{0117283B-F0A5-4202-AA1A-3796A1F2E447}" type="datetimeFigureOut">
               <a:rPr lang="en-US" smtClean="0"/>
-              <a:t>2/7/2020</a:t>
+              <a:t>2/24/2020</a:t>
             </a:fld>
             <a:endParaRPr lang="en-US"/>
           </a:p>
@@ -11168,7 +11169,7 @@
           <a:p>
             <a:fld id="{0117283B-F0A5-4202-AA1A-3796A1F2E447}" type="datetimeFigureOut">
               <a:rPr lang="en-US" smtClean="0"/>
-              <a:t>2/7/2020</a:t>
+              <a:t>2/24/2020</a:t>
             </a:fld>
             <a:endParaRPr lang="en-US"/>
           </a:p>
@@ -11409,7 +11410,7 @@
           <a:p>
             <a:fld id="{0117283B-F0A5-4202-AA1A-3796A1F2E447}" type="datetimeFigureOut">
               <a:rPr lang="en-US" smtClean="0"/>
-              <a:t>2/7/2020</a:t>
+              <a:t>2/24/2020</a:t>
             </a:fld>
             <a:endParaRPr lang="en-US"/>
           </a:p>
@@ -12094,6 +12095,357 @@
     <p:bg>
       <p:bgPr>
         <a:solidFill>
+          <a:schemeClr val="bg1">
+            <a:tint val="95000"/>
+            <a:satMod val="170000"/>
+          </a:schemeClr>
+        </a:solidFill>
+        <a:effectLst/>
+      </p:bgPr>
+    </p:bg>
+    <p:spTree>
+      <p:nvGrpSpPr>
+        <p:cNvPr id="1" name=""/>
+        <p:cNvGrpSpPr/>
+        <p:nvPr/>
+      </p:nvGrpSpPr>
+      <p:grpSpPr>
+        <a:xfrm>
+          <a:off x="0" y="0"/>
+          <a:ext cx="0" cy="0"/>
+          <a:chOff x="0" y="0"/>
+          <a:chExt cx="0" cy="0"/>
+        </a:xfrm>
+      </p:grpSpPr>
+      <p:sp>
+        <p:nvSpPr>
+          <p:cNvPr id="2" name="Title 1">
+            <a:extLst>
+              <a:ext uri="{FF2B5EF4-FFF2-40B4-BE49-F238E27FC236}">
+                <a16:creationId xmlns:a16="http://schemas.microsoft.com/office/drawing/2014/main" id="{E32B1E46-F181-4C14-89B8-14D0DC17B5E0}"/>
+              </a:ext>
+            </a:extLst>
+          </p:cNvPr>
+          <p:cNvSpPr>
+            <a:spLocks noGrp="1"/>
+          </p:cNvSpPr>
+          <p:nvPr>
+            <p:ph type="title"/>
+          </p:nvPr>
+        </p:nvSpPr>
+        <p:spPr>
+          <a:xfrm>
+            <a:off x="6746628" y="1783959"/>
+            <a:ext cx="4645250" cy="2889114"/>
+          </a:xfrm>
+        </p:spPr>
+        <p:txBody>
+          <a:bodyPr vert="horz" lIns="91440" tIns="45720" rIns="91440" bIns="45720" rtlCol="0" anchor="b">
+            <a:normAutofit/>
+          </a:bodyPr>
+          <a:lstStyle/>
+          <a:p>
+            <a:r>
+              <a:rPr lang="en-US" sz="6000" dirty="0"/>
+              <a:t>Now What?</a:t>
+            </a:r>
+          </a:p>
+        </p:txBody>
+      </p:sp>
+      <p:sp>
+        <p:nvSpPr>
+          <p:cNvPr id="14" name="Freeform: Shape 13">
+            <a:extLst>
+              <a:ext uri="{FF2B5EF4-FFF2-40B4-BE49-F238E27FC236}">
+                <a16:creationId xmlns:a16="http://schemas.microsoft.com/office/drawing/2014/main" id="{1DB7C82F-AB7E-4F0C-B829-FA1B9C415180}"/>
+              </a:ext>
+              <a:ext uri="{C183D7F6-B498-43B3-948B-1728B52AA6E4}">
+                <adec:decorative xmlns:adec="http://schemas.microsoft.com/office/drawing/2017/decorative" val="1"/>
+              </a:ext>
+            </a:extLst>
+          </p:cNvPr>
+          <p:cNvSpPr>
+            <a:spLocks noGrp="1" noRot="1" noChangeAspect="1" noMove="1" noResize="1" noEditPoints="1" noAdjustHandles="1" noChangeArrowheads="1" noChangeShapeType="1" noTextEdit="1"/>
+          </p:cNvSpPr>
+          <p:nvPr>
+            <p:extLst>
+              <p:ext uri="{386F3935-93C4-4BCD-93E2-E3B085C9AB24}">
+                <p16:designElem xmlns:p16="http://schemas.microsoft.com/office/powerpoint/2015/main" val="1"/>
+              </p:ext>
+            </p:extLst>
+          </p:nvPr>
+        </p:nvSpPr>
+        <p:spPr>
+          <a:xfrm flipH="1">
+            <a:off x="0" y="0"/>
+            <a:ext cx="6172782" cy="6858000"/>
+          </a:xfrm>
+          <a:custGeom>
+            <a:avLst/>
+            <a:gdLst>
+              <a:gd name="connsiteX0" fmla="*/ 6172782 w 6172782"/>
+              <a:gd name="connsiteY0" fmla="*/ 0 h 6858000"/>
+              <a:gd name="connsiteX1" fmla="*/ 69075 w 6172782"/>
+              <a:gd name="connsiteY1" fmla="*/ 0 h 6858000"/>
+              <a:gd name="connsiteX2" fmla="*/ 35131 w 6172782"/>
+              <a:gd name="connsiteY2" fmla="*/ 267128 h 6858000"/>
+              <a:gd name="connsiteX3" fmla="*/ 0 w 6172782"/>
+              <a:gd name="connsiteY3" fmla="*/ 962845 h 6858000"/>
+              <a:gd name="connsiteX4" fmla="*/ 3276103 w 6172782"/>
+              <a:gd name="connsiteY4" fmla="*/ 6782205 h 6858000"/>
+              <a:gd name="connsiteX5" fmla="*/ 3407923 w 6172782"/>
+              <a:gd name="connsiteY5" fmla="*/ 6858000 h 6858000"/>
+              <a:gd name="connsiteX6" fmla="*/ 6172782 w 6172782"/>
+              <a:gd name="connsiteY6" fmla="*/ 6858000 h 6858000"/>
+            </a:gdLst>
+            <a:ahLst/>
+            <a:cxnLst>
+              <a:cxn ang="0">
+                <a:pos x="connsiteX0" y="connsiteY0"/>
+              </a:cxn>
+              <a:cxn ang="0">
+                <a:pos x="connsiteX1" y="connsiteY1"/>
+              </a:cxn>
+              <a:cxn ang="0">
+                <a:pos x="connsiteX2" y="connsiteY2"/>
+              </a:cxn>
+              <a:cxn ang="0">
+                <a:pos x="connsiteX3" y="connsiteY3"/>
+              </a:cxn>
+              <a:cxn ang="0">
+                <a:pos x="connsiteX4" y="connsiteY4"/>
+              </a:cxn>
+              <a:cxn ang="0">
+                <a:pos x="connsiteX5" y="connsiteY5"/>
+              </a:cxn>
+              <a:cxn ang="0">
+                <a:pos x="connsiteX6" y="connsiteY6"/>
+              </a:cxn>
+            </a:cxnLst>
+            <a:rect l="l" t="t" r="r" b="b"/>
+            <a:pathLst>
+              <a:path w="6172782" h="6858000">
+                <a:moveTo>
+                  <a:pt x="6172782" y="0"/>
+                </a:moveTo>
+                <a:lnTo>
+                  <a:pt x="69075" y="0"/>
+                </a:lnTo>
+                <a:lnTo>
+                  <a:pt x="35131" y="267128"/>
+                </a:lnTo>
+                <a:cubicBezTo>
+                  <a:pt x="11901" y="495874"/>
+                  <a:pt x="0" y="727970"/>
+                  <a:pt x="0" y="962845"/>
+                </a:cubicBezTo>
+                <a:cubicBezTo>
+                  <a:pt x="0" y="3429034"/>
+                  <a:pt x="1312002" y="5588789"/>
+                  <a:pt x="3276103" y="6782205"/>
+                </a:cubicBezTo>
+                <a:lnTo>
+                  <a:pt x="3407923" y="6858000"/>
+                </a:lnTo>
+                <a:lnTo>
+                  <a:pt x="6172782" y="6858000"/>
+                </a:lnTo>
+                <a:close/>
+              </a:path>
+            </a:pathLst>
+          </a:custGeom>
+          <a:solidFill>
+            <a:srgbClr val="FFFFFF">
+              <a:alpha val="80000"/>
+            </a:srgbClr>
+          </a:solidFill>
+          <a:ln>
+            <a:noFill/>
+          </a:ln>
+        </p:spPr>
+        <p:style>
+          <a:lnRef idx="2">
+            <a:schemeClr val="accent1">
+              <a:shade val="50000"/>
+            </a:schemeClr>
+          </a:lnRef>
+          <a:fillRef idx="1">
+            <a:schemeClr val="accent1"/>
+          </a:fillRef>
+          <a:effectRef idx="0">
+            <a:schemeClr val="accent1"/>
+          </a:effectRef>
+          <a:fontRef idx="minor">
+            <a:schemeClr val="lt1"/>
+          </a:fontRef>
+        </p:style>
+        <p:txBody>
+          <a:bodyPr wrap="square" rtlCol="0" anchor="ctr">
+            <a:noAutofit/>
+          </a:bodyPr>
+          <a:lstStyle/>
+          <a:p>
+            <a:pPr marL="0" marR="0" lvl="0" indent="0" algn="ctr" defTabSz="914400" rtl="0" eaLnBrk="1" fontAlgn="auto" latinLnBrk="0" hangingPunct="1">
+              <a:lnSpc>
+                <a:spcPct val="100000"/>
+              </a:lnSpc>
+              <a:spcBef>
+                <a:spcPts val="0"/>
+              </a:spcBef>
+              <a:spcAft>
+                <a:spcPts val="0"/>
+              </a:spcAft>
+              <a:buClrTx/>
+              <a:buSzTx/>
+              <a:buFontTx/>
+              <a:buNone/>
+              <a:tabLst/>
+              <a:defRPr/>
+            </a:pPr>
+            <a:endParaRPr kumimoji="0" lang="en-US" sz="1800" b="0" i="0" u="none" strike="noStrike" kern="1200" cap="none" spc="0" normalizeH="0" baseline="0" noProof="0">
+              <a:ln>
+                <a:noFill/>
+              </a:ln>
+              <a:solidFill>
+                <a:prstClr val="white"/>
+              </a:solidFill>
+              <a:effectLst/>
+              <a:uLnTx/>
+              <a:uFillTx/>
+              <a:latin typeface="Calibri" panose="020F0502020204030204"/>
+              <a:ea typeface="+mn-ea"/>
+              <a:cs typeface="+mn-cs"/>
+            </a:endParaRPr>
+          </a:p>
+        </p:txBody>
+      </p:sp>
+      <p:pic>
+        <p:nvPicPr>
+          <p:cNvPr id="9" name="Content Placeholder 8">
+            <a:extLst>
+              <a:ext uri="{FF2B5EF4-FFF2-40B4-BE49-F238E27FC236}">
+                <a16:creationId xmlns:a16="http://schemas.microsoft.com/office/drawing/2014/main" id="{86B229AE-80C9-4323-9EE5-94D0DC5C0A5A}"/>
+              </a:ext>
+            </a:extLst>
+          </p:cNvPr>
+          <p:cNvPicPr>
+            <a:picLocks noGrp="1" noChangeAspect="1"/>
+          </p:cNvPicPr>
+          <p:nvPr>
+            <p:ph idx="1"/>
+          </p:nvPr>
+        </p:nvPicPr>
+        <p:blipFill rotWithShape="1">
+          <a:blip r:embed="rId2">
+            <a:extLst>
+              <a:ext uri="{28A0092B-C50C-407E-A947-70E740481C1C}">
+                <a14:useLocalDpi xmlns:a14="http://schemas.microsoft.com/office/drawing/2010/main" val="0"/>
+              </a:ext>
+            </a:extLst>
+          </a:blip>
+          <a:srcRect r="1" b="19458"/>
+          <a:stretch/>
+        </p:blipFill>
+        <p:spPr>
+          <a:xfrm>
+            <a:off x="20" y="10"/>
+            <a:ext cx="6024134" cy="6857990"/>
+          </a:xfrm>
+          <a:custGeom>
+            <a:avLst/>
+            <a:gdLst>
+              <a:gd name="connsiteX0" fmla="*/ 0 w 6024154"/>
+              <a:gd name="connsiteY0" fmla="*/ 0 h 6858000"/>
+              <a:gd name="connsiteX1" fmla="*/ 5953780 w 6024154"/>
+              <a:gd name="connsiteY1" fmla="*/ 0 h 6858000"/>
+              <a:gd name="connsiteX2" fmla="*/ 5989880 w 6024154"/>
+              <a:gd name="connsiteY2" fmla="*/ 284091 h 6858000"/>
+              <a:gd name="connsiteX3" fmla="*/ 6024154 w 6024154"/>
+              <a:gd name="connsiteY3" fmla="*/ 962844 h 6858000"/>
+              <a:gd name="connsiteX4" fmla="*/ 2549934 w 6024154"/>
+              <a:gd name="connsiteY4" fmla="*/ 6800152 h 6858000"/>
+              <a:gd name="connsiteX5" fmla="*/ 2436987 w 6024154"/>
+              <a:gd name="connsiteY5" fmla="*/ 6858000 h 6858000"/>
+              <a:gd name="connsiteX6" fmla="*/ 0 w 6024154"/>
+              <a:gd name="connsiteY6" fmla="*/ 6858000 h 6858000"/>
+            </a:gdLst>
+            <a:ahLst/>
+            <a:cxnLst>
+              <a:cxn ang="0">
+                <a:pos x="connsiteX0" y="connsiteY0"/>
+              </a:cxn>
+              <a:cxn ang="0">
+                <a:pos x="connsiteX1" y="connsiteY1"/>
+              </a:cxn>
+              <a:cxn ang="0">
+                <a:pos x="connsiteX2" y="connsiteY2"/>
+              </a:cxn>
+              <a:cxn ang="0">
+                <a:pos x="connsiteX3" y="connsiteY3"/>
+              </a:cxn>
+              <a:cxn ang="0">
+                <a:pos x="connsiteX4" y="connsiteY4"/>
+              </a:cxn>
+              <a:cxn ang="0">
+                <a:pos x="connsiteX5" y="connsiteY5"/>
+              </a:cxn>
+              <a:cxn ang="0">
+                <a:pos x="connsiteX6" y="connsiteY6"/>
+              </a:cxn>
+            </a:cxnLst>
+            <a:rect l="l" t="t" r="r" b="b"/>
+            <a:pathLst>
+              <a:path w="6024154" h="6858000">
+                <a:moveTo>
+                  <a:pt x="0" y="0"/>
+                </a:moveTo>
+                <a:lnTo>
+                  <a:pt x="5953780" y="0"/>
+                </a:lnTo>
+                <a:lnTo>
+                  <a:pt x="5989880" y="284091"/>
+                </a:lnTo>
+                <a:cubicBezTo>
+                  <a:pt x="6012544" y="507260"/>
+                  <a:pt x="6024154" y="733696"/>
+                  <a:pt x="6024154" y="962844"/>
+                </a:cubicBezTo>
+                <a:cubicBezTo>
+                  <a:pt x="6024154" y="3483472"/>
+                  <a:pt x="4619336" y="5675986"/>
+                  <a:pt x="2549934" y="6800152"/>
+                </a:cubicBezTo>
+                <a:lnTo>
+                  <a:pt x="2436987" y="6858000"/>
+                </a:lnTo>
+                <a:lnTo>
+                  <a:pt x="0" y="6858000"/>
+                </a:lnTo>
+                <a:close/>
+              </a:path>
+            </a:pathLst>
+          </a:custGeom>
+        </p:spPr>
+      </p:pic>
+    </p:spTree>
+    <p:extLst>
+      <p:ext uri="{BB962C8B-B14F-4D97-AF65-F5344CB8AC3E}">
+        <p14:creationId xmlns:p14="http://schemas.microsoft.com/office/powerpoint/2010/main" val="4253113840"/>
+      </p:ext>
+    </p:extLst>
+  </p:cSld>
+  <p:clrMapOvr>
+    <a:overrideClrMapping bg1="dk1" tx1="lt1" bg2="dk2" tx2="lt2" accent1="accent1" accent2="accent2" accent3="accent3" accent4="accent4" accent5="accent5" accent6="accent6" hlink="hlink" folHlink="folHlink"/>
+  </p:clrMapOvr>
+</p:sld>
+</file>
+
+<file path=ppt/slides/slide11.xml><?xml version="1.0" encoding="utf-8"?>
+<p:sld xmlns:a="http://schemas.openxmlformats.org/drawingml/2006/main" xmlns:r="http://schemas.openxmlformats.org/officeDocument/2006/relationships" xmlns:p="http://schemas.openxmlformats.org/presentationml/2006/main">
+  <p:cSld>
+    <p:bg>
+      <p:bgPr>
+        <a:solidFill>
           <a:schemeClr val="bg1"/>
         </a:solidFill>
         <a:effectLst/>
@@ -12381,7 +12733,7 @@
 </p:sld>
 </file>
 
-<file path=ppt/slides/slide11.xml><?xml version="1.0" encoding="utf-8"?>
+<file path=ppt/slides/slide12.xml><?xml version="1.0" encoding="utf-8"?>
 <p:sld xmlns:a="http://schemas.openxmlformats.org/drawingml/2006/main" xmlns:r="http://schemas.openxmlformats.org/officeDocument/2006/relationships" xmlns:p="http://schemas.openxmlformats.org/presentationml/2006/main">
   <p:cSld>
     <p:bg>
@@ -12672,7 +13024,7 @@
 </p:sld>
 </file>
 
-<file path=ppt/slides/slide12.xml><?xml version="1.0" encoding="utf-8"?>
+<file path=ppt/slides/slide13.xml><?xml version="1.0" encoding="utf-8"?>
 <p:sld xmlns:a="http://schemas.openxmlformats.org/drawingml/2006/main" xmlns:r="http://schemas.openxmlformats.org/officeDocument/2006/relationships" xmlns:p="http://schemas.openxmlformats.org/presentationml/2006/main">
   <p:cSld>
     <p:bg>
@@ -14878,6 +15230,14 @@
 <file path=ppt/slides/slide5.xml><?xml version="1.0" encoding="utf-8"?>
 <p:sld xmlns:a="http://schemas.openxmlformats.org/drawingml/2006/main" xmlns:r="http://schemas.openxmlformats.org/officeDocument/2006/relationships" xmlns:p="http://schemas.openxmlformats.org/presentationml/2006/main">
   <p:cSld>
+    <p:bg>
+      <p:bgPr>
+        <a:solidFill>
+          <a:schemeClr val="bg1"/>
+        </a:solidFill>
+        <a:effectLst/>
+      </p:bgPr>
+    </p:bg>
     <p:spTree>
       <p:nvGrpSpPr>
         <p:cNvPr id="1" name=""/>
@@ -14908,14 +15268,21 @@
             <p:ph type="title"/>
           </p:nvPr>
         </p:nvSpPr>
-        <p:spPr/>
+        <p:spPr>
+          <a:xfrm>
+            <a:off x="648929" y="629266"/>
+            <a:ext cx="5127031" cy="1676603"/>
+          </a:xfrm>
+        </p:spPr>
         <p:txBody>
-          <a:bodyPr/>
+          <a:bodyPr>
+            <a:normAutofit/>
+          </a:bodyPr>
           <a:lstStyle/>
           <a:p>
             <a:r>
               <a:rPr lang="en-US" dirty="0"/>
-              <a:t>What Kubernetes Does</a:t>
+              <a:t>What Kubernetes Does (1 of 2)</a:t>
             </a:r>
           </a:p>
         </p:txBody>
@@ -14936,57 +15303,64 @@
             <p:ph idx="1"/>
           </p:nvPr>
         </p:nvSpPr>
-        <p:spPr/>
+        <p:spPr>
+          <a:xfrm>
+            <a:off x="648930" y="2438400"/>
+            <a:ext cx="5127029" cy="3785419"/>
+          </a:xfrm>
+        </p:spPr>
         <p:txBody>
-          <a:bodyPr/>
+          <a:bodyPr>
+            <a:normAutofit/>
+          </a:bodyPr>
           <a:lstStyle/>
           <a:p>
             <a:r>
-              <a:rPr lang="en-US" dirty="0"/>
+              <a:rPr lang="en-US" sz="2000" dirty="0"/>
               <a:t>Provides management of container deployments</a:t>
             </a:r>
           </a:p>
           <a:p>
             <a:r>
-              <a:rPr lang="en-US" dirty="0"/>
-              <a:t>Places containers into </a:t>
-            </a:r>
-            <a:r>
-              <a:rPr lang="en-US" b="1" i="1" dirty="0"/>
-              <a:t>Pods</a:t>
-            </a:r>
-            <a:r>
-              <a:rPr lang="en-US" dirty="0"/>
-              <a:t> which get placed onto the appropriate </a:t>
-            </a:r>
-            <a:r>
-              <a:rPr lang="en-US" b="1" i="1" dirty="0"/>
-              <a:t>Worker Nodes</a:t>
-            </a:r>
-          </a:p>
-          <a:p>
-            <a:r>
-              <a:rPr lang="en-US" dirty="0"/>
+              <a:rPr lang="en-US" sz="2000" dirty="0"/>
               <a:t>Provides a communication mechanism for the pods to talk to each other</a:t>
             </a:r>
           </a:p>
           <a:p>
-            <a:r>
-              <a:rPr lang="en-US" dirty="0"/>
-              <a:t>Monitors pods and replaces them upon failure</a:t>
-            </a:r>
-          </a:p>
-          <a:p>
-            <a:r>
-              <a:rPr lang="en-US" dirty="0"/>
-              <a:t>Provides mechanisms for rolling pod upgrades to minimize downtime and for rollbacks upon failures</a:t>
-            </a:r>
-          </a:p>
-          <a:p>
-            <a:endParaRPr lang="en-US" dirty="0"/>
+            <a:endParaRPr lang="en-US" sz="2000" dirty="0"/>
           </a:p>
         </p:txBody>
       </p:sp>
+      <p:pic>
+        <p:nvPicPr>
+          <p:cNvPr id="4" name="Picture 3">
+            <a:extLst>
+              <a:ext uri="{FF2B5EF4-FFF2-40B4-BE49-F238E27FC236}">
+                <a16:creationId xmlns:a16="http://schemas.microsoft.com/office/drawing/2014/main" id="{3CB0F577-41AD-4BBB-A35D-0B5344ED3C72}"/>
+              </a:ext>
+            </a:extLst>
+          </p:cNvPr>
+          <p:cNvPicPr>
+            <a:picLocks noChangeAspect="1"/>
+          </p:cNvPicPr>
+          <p:nvPr/>
+        </p:nvPicPr>
+        <p:blipFill rotWithShape="1">
+          <a:blip r:embed="rId2"/>
+          <a:srcRect b="4349"/>
+          <a:stretch/>
+        </p:blipFill>
+        <p:spPr>
+          <a:xfrm>
+            <a:off x="6090612" y="10"/>
+            <a:ext cx="6101387" cy="6857990"/>
+          </a:xfrm>
+          <a:prstGeom prst="rect">
+            <a:avLst/>
+          </a:prstGeom>
+          <a:effectLst/>
+        </p:spPr>
+      </p:pic>
     </p:spTree>
     <p:extLst>
       <p:ext uri="{BB962C8B-B14F-4D97-AF65-F5344CB8AC3E}">
@@ -15001,6 +15375,230 @@
 </file>
 
 <file path=ppt/slides/slide6.xml><?xml version="1.0" encoding="utf-8"?>
+<p:sld xmlns:a="http://schemas.openxmlformats.org/drawingml/2006/main" xmlns:r="http://schemas.openxmlformats.org/officeDocument/2006/relationships" xmlns:p="http://schemas.openxmlformats.org/presentationml/2006/main">
+  <p:cSld>
+    <p:bg>
+      <p:bgPr>
+        <a:solidFill>
+          <a:schemeClr val="bg1"/>
+        </a:solidFill>
+        <a:effectLst/>
+      </p:bgPr>
+    </p:bg>
+    <p:spTree>
+      <p:nvGrpSpPr>
+        <p:cNvPr id="1" name=""/>
+        <p:cNvGrpSpPr/>
+        <p:nvPr/>
+      </p:nvGrpSpPr>
+      <p:grpSpPr>
+        <a:xfrm>
+          <a:off x="0" y="0"/>
+          <a:ext cx="0" cy="0"/>
+          <a:chOff x="0" y="0"/>
+          <a:chExt cx="0" cy="0"/>
+        </a:xfrm>
+      </p:grpSpPr>
+      <p:sp>
+        <p:nvSpPr>
+          <p:cNvPr id="2" name="Title 1">
+            <a:extLst>
+              <a:ext uri="{FF2B5EF4-FFF2-40B4-BE49-F238E27FC236}">
+                <a16:creationId xmlns:a16="http://schemas.microsoft.com/office/drawing/2014/main" id="{0058170F-4D5A-4838-A138-9734173FAA21}"/>
+              </a:ext>
+            </a:extLst>
+          </p:cNvPr>
+          <p:cNvSpPr>
+            <a:spLocks noGrp="1"/>
+          </p:cNvSpPr>
+          <p:nvPr>
+            <p:ph type="title"/>
+          </p:nvPr>
+        </p:nvSpPr>
+        <p:spPr>
+          <a:xfrm>
+            <a:off x="960100" y="978102"/>
+            <a:ext cx="10588434" cy="1062644"/>
+          </a:xfrm>
+        </p:spPr>
+        <p:txBody>
+          <a:bodyPr anchor="b">
+            <a:normAutofit/>
+          </a:bodyPr>
+          <a:lstStyle/>
+          <a:p>
+            <a:r>
+              <a:rPr lang="en-US"/>
+              <a:t>What Kubernetes Does (2 of 2)</a:t>
+            </a:r>
+            <a:endParaRPr lang="en-US" dirty="0"/>
+          </a:p>
+        </p:txBody>
+      </p:sp>
+      <p:cxnSp>
+        <p:nvCxnSpPr>
+          <p:cNvPr id="15" name="Straight Connector 8">
+            <a:extLst>
+              <a:ext uri="{FF2B5EF4-FFF2-40B4-BE49-F238E27FC236}">
+                <a16:creationId xmlns:a16="http://schemas.microsoft.com/office/drawing/2014/main" id="{39B7FDC9-F0CE-43A7-9F2A-83DD09DC3453}"/>
+              </a:ext>
+              <a:ext uri="{C183D7F6-B498-43B3-948B-1728B52AA6E4}">
+                <adec:decorative xmlns:adec="http://schemas.microsoft.com/office/drawing/2017/decorative" val="1"/>
+              </a:ext>
+            </a:extLst>
+          </p:cNvPr>
+          <p:cNvCxnSpPr>
+            <a:cxnSpLocks noGrp="1" noRot="1" noChangeAspect="1" noMove="1" noResize="1" noEditPoints="1" noAdjustHandles="1" noChangeArrowheads="1" noChangeShapeType="1"/>
+          </p:cNvCxnSpPr>
+          <p:nvPr>
+            <p:extLst>
+              <p:ext uri="{386F3935-93C4-4BCD-93E2-E3B085C9AB24}">
+                <p16:designElem xmlns:p16="http://schemas.microsoft.com/office/powerpoint/2015/main" val="1"/>
+              </p:ext>
+            </p:extLst>
+          </p:nvPr>
+        </p:nvCxnSpPr>
+        <p:spPr>
+          <a:xfrm>
+            <a:off x="1047624" y="2265037"/>
+            <a:ext cx="10125012" cy="0"/>
+          </a:xfrm>
+          <a:prstGeom prst="line">
+            <a:avLst/>
+          </a:prstGeom>
+          <a:ln w="15875">
+            <a:solidFill>
+              <a:schemeClr val="tx1">
+                <a:lumMod val="65000"/>
+                <a:lumOff val="35000"/>
+              </a:schemeClr>
+            </a:solidFill>
+          </a:ln>
+        </p:spPr>
+        <p:style>
+          <a:lnRef idx="1">
+            <a:schemeClr val="accent1"/>
+          </a:lnRef>
+          <a:fillRef idx="0">
+            <a:schemeClr val="accent1"/>
+          </a:fillRef>
+          <a:effectRef idx="0">
+            <a:schemeClr val="accent1"/>
+          </a:effectRef>
+          <a:fontRef idx="minor">
+            <a:schemeClr val="tx1"/>
+          </a:fontRef>
+        </p:style>
+      </p:cxnSp>
+      <p:pic>
+        <p:nvPicPr>
+          <p:cNvPr id="4" name="Picture 3">
+            <a:extLst>
+              <a:ext uri="{FF2B5EF4-FFF2-40B4-BE49-F238E27FC236}">
+                <a16:creationId xmlns:a16="http://schemas.microsoft.com/office/drawing/2014/main" id="{F82A105A-A8E0-44AE-AF4C-0814E01DD9CA}"/>
+              </a:ext>
+            </a:extLst>
+          </p:cNvPr>
+          <p:cNvPicPr>
+            <a:picLocks noChangeAspect="1"/>
+          </p:cNvPicPr>
+          <p:nvPr/>
+        </p:nvPicPr>
+        <p:blipFill>
+          <a:blip r:embed="rId2"/>
+          <a:stretch>
+            <a:fillRect/>
+          </a:stretch>
+        </p:blipFill>
+        <p:spPr>
+          <a:xfrm>
+            <a:off x="1114023" y="2811104"/>
+            <a:ext cx="3366480" cy="2880540"/>
+          </a:xfrm>
+          <a:prstGeom prst="rect">
+            <a:avLst/>
+          </a:prstGeom>
+        </p:spPr>
+      </p:pic>
+      <p:sp>
+        <p:nvSpPr>
+          <p:cNvPr id="3" name="Content Placeholder 2">
+            <a:extLst>
+              <a:ext uri="{FF2B5EF4-FFF2-40B4-BE49-F238E27FC236}">
+                <a16:creationId xmlns:a16="http://schemas.microsoft.com/office/drawing/2014/main" id="{577AC1DB-3130-4129-BB88-E95A4EB06902}"/>
+              </a:ext>
+            </a:extLst>
+          </p:cNvPr>
+          <p:cNvSpPr>
+            <a:spLocks noGrp="1"/>
+          </p:cNvSpPr>
+          <p:nvPr>
+            <p:ph idx="1"/>
+          </p:nvPr>
+        </p:nvSpPr>
+        <p:spPr>
+          <a:xfrm>
+            <a:off x="4955354" y="2682433"/>
+            <a:ext cx="6282169" cy="3215749"/>
+          </a:xfrm>
+        </p:spPr>
+        <p:txBody>
+          <a:bodyPr>
+            <a:normAutofit/>
+          </a:bodyPr>
+          <a:lstStyle/>
+          <a:p>
+            <a:r>
+              <a:rPr lang="en-US" sz="2400"/>
+              <a:t>Places containers into </a:t>
+            </a:r>
+            <a:r>
+              <a:rPr lang="en-US" sz="2400" b="1" i="1"/>
+              <a:t>Pods</a:t>
+            </a:r>
+            <a:r>
+              <a:rPr lang="en-US" sz="2400"/>
+              <a:t> which get placed onto the appropriate </a:t>
+            </a:r>
+            <a:r>
+              <a:rPr lang="en-US" sz="2400" b="1" i="1"/>
+              <a:t>Worker Nodes</a:t>
+            </a:r>
+          </a:p>
+          <a:p>
+            <a:r>
+              <a:rPr lang="en-US" sz="2400"/>
+              <a:t>Monitors pods and replaces them upon failure</a:t>
+            </a:r>
+          </a:p>
+          <a:p>
+            <a:r>
+              <a:rPr lang="en-US" sz="2400"/>
+              <a:t>Provides mechanisms for rolling pod upgrades to minimize downtime and for rollbacks upon failures</a:t>
+            </a:r>
+          </a:p>
+          <a:p>
+            <a:endParaRPr lang="en-US" sz="2400" b="1" i="1"/>
+          </a:p>
+          <a:p>
+            <a:endParaRPr lang="en-US" sz="2400"/>
+          </a:p>
+        </p:txBody>
+      </p:sp>
+    </p:spTree>
+    <p:extLst>
+      <p:ext uri="{BB962C8B-B14F-4D97-AF65-F5344CB8AC3E}">
+        <p14:creationId xmlns:p14="http://schemas.microsoft.com/office/powerpoint/2010/main" val="2321922204"/>
+      </p:ext>
+    </p:extLst>
+  </p:cSld>
+  <p:clrMapOvr>
+    <a:masterClrMapping/>
+  </p:clrMapOvr>
+</p:sld>
+</file>
+
+<file path=ppt/slides/slide7.xml><?xml version="1.0" encoding="utf-8"?>
 <p:sld xmlns:a="http://schemas.openxmlformats.org/drawingml/2006/main" xmlns:r="http://schemas.openxmlformats.org/officeDocument/2006/relationships" xmlns:p="http://schemas.openxmlformats.org/presentationml/2006/main">
   <p:cSld>
     <p:bg>
@@ -15404,7 +16002,7 @@
 </p:sld>
 </file>
 
-<file path=ppt/slides/slide7.xml><?xml version="1.0" encoding="utf-8"?>
+<file path=ppt/slides/slide8.xml><?xml version="1.0" encoding="utf-8"?>
 <p:sld xmlns:a="http://schemas.openxmlformats.org/drawingml/2006/main" xmlns:r="http://schemas.openxmlformats.org/officeDocument/2006/relationships" xmlns:p="http://schemas.openxmlformats.org/presentationml/2006/main">
   <p:cSld>
     <p:spTree>
@@ -15658,7 +16256,7 @@
 </p:sld>
 </file>
 
-<file path=ppt/slides/slide8.xml><?xml version="1.0" encoding="utf-8"?>
+<file path=ppt/slides/slide9.xml><?xml version="1.0" encoding="utf-8"?>
 <p:sld xmlns:a="http://schemas.openxmlformats.org/drawingml/2006/main" xmlns:r="http://schemas.openxmlformats.org/officeDocument/2006/relationships" xmlns:p="http://schemas.openxmlformats.org/presentationml/2006/main">
   <p:cSld>
     <p:bg>
@@ -16061,357 +16659,6 @@
   </p:cSld>
   <p:clrMapOvr>
     <a:masterClrMapping/>
-  </p:clrMapOvr>
-</p:sld>
-</file>
-
-<file path=ppt/slides/slide9.xml><?xml version="1.0" encoding="utf-8"?>
-<p:sld xmlns:a="http://schemas.openxmlformats.org/drawingml/2006/main" xmlns:r="http://schemas.openxmlformats.org/officeDocument/2006/relationships" xmlns:p="http://schemas.openxmlformats.org/presentationml/2006/main">
-  <p:cSld>
-    <p:bg>
-      <p:bgPr>
-        <a:solidFill>
-          <a:schemeClr val="bg1">
-            <a:tint val="95000"/>
-            <a:satMod val="170000"/>
-          </a:schemeClr>
-        </a:solidFill>
-        <a:effectLst/>
-      </p:bgPr>
-    </p:bg>
-    <p:spTree>
-      <p:nvGrpSpPr>
-        <p:cNvPr id="1" name=""/>
-        <p:cNvGrpSpPr/>
-        <p:nvPr/>
-      </p:nvGrpSpPr>
-      <p:grpSpPr>
-        <a:xfrm>
-          <a:off x="0" y="0"/>
-          <a:ext cx="0" cy="0"/>
-          <a:chOff x="0" y="0"/>
-          <a:chExt cx="0" cy="0"/>
-        </a:xfrm>
-      </p:grpSpPr>
-      <p:sp>
-        <p:nvSpPr>
-          <p:cNvPr id="2" name="Title 1">
-            <a:extLst>
-              <a:ext uri="{FF2B5EF4-FFF2-40B4-BE49-F238E27FC236}">
-                <a16:creationId xmlns:a16="http://schemas.microsoft.com/office/drawing/2014/main" id="{E32B1E46-F181-4C14-89B8-14D0DC17B5E0}"/>
-              </a:ext>
-            </a:extLst>
-          </p:cNvPr>
-          <p:cNvSpPr>
-            <a:spLocks noGrp="1"/>
-          </p:cNvSpPr>
-          <p:nvPr>
-            <p:ph type="title"/>
-          </p:nvPr>
-        </p:nvSpPr>
-        <p:spPr>
-          <a:xfrm>
-            <a:off x="6746628" y="1783959"/>
-            <a:ext cx="4645250" cy="2889114"/>
-          </a:xfrm>
-        </p:spPr>
-        <p:txBody>
-          <a:bodyPr vert="horz" lIns="91440" tIns="45720" rIns="91440" bIns="45720" rtlCol="0" anchor="b">
-            <a:normAutofit/>
-          </a:bodyPr>
-          <a:lstStyle/>
-          <a:p>
-            <a:r>
-              <a:rPr lang="en-US" sz="6000" dirty="0"/>
-              <a:t>Now What?</a:t>
-            </a:r>
-          </a:p>
-        </p:txBody>
-      </p:sp>
-      <p:sp>
-        <p:nvSpPr>
-          <p:cNvPr id="14" name="Freeform: Shape 13">
-            <a:extLst>
-              <a:ext uri="{FF2B5EF4-FFF2-40B4-BE49-F238E27FC236}">
-                <a16:creationId xmlns:a16="http://schemas.microsoft.com/office/drawing/2014/main" id="{1DB7C82F-AB7E-4F0C-B829-FA1B9C415180}"/>
-              </a:ext>
-              <a:ext uri="{C183D7F6-B498-43B3-948B-1728B52AA6E4}">
-                <adec:decorative xmlns:adec="http://schemas.microsoft.com/office/drawing/2017/decorative" val="1"/>
-              </a:ext>
-            </a:extLst>
-          </p:cNvPr>
-          <p:cNvSpPr>
-            <a:spLocks noGrp="1" noRot="1" noChangeAspect="1" noMove="1" noResize="1" noEditPoints="1" noAdjustHandles="1" noChangeArrowheads="1" noChangeShapeType="1" noTextEdit="1"/>
-          </p:cNvSpPr>
-          <p:nvPr>
-            <p:extLst>
-              <p:ext uri="{386F3935-93C4-4BCD-93E2-E3B085C9AB24}">
-                <p16:designElem xmlns:p16="http://schemas.microsoft.com/office/powerpoint/2015/main" val="1"/>
-              </p:ext>
-            </p:extLst>
-          </p:nvPr>
-        </p:nvSpPr>
-        <p:spPr>
-          <a:xfrm flipH="1">
-            <a:off x="0" y="0"/>
-            <a:ext cx="6172782" cy="6858000"/>
-          </a:xfrm>
-          <a:custGeom>
-            <a:avLst/>
-            <a:gdLst>
-              <a:gd name="connsiteX0" fmla="*/ 6172782 w 6172782"/>
-              <a:gd name="connsiteY0" fmla="*/ 0 h 6858000"/>
-              <a:gd name="connsiteX1" fmla="*/ 69075 w 6172782"/>
-              <a:gd name="connsiteY1" fmla="*/ 0 h 6858000"/>
-              <a:gd name="connsiteX2" fmla="*/ 35131 w 6172782"/>
-              <a:gd name="connsiteY2" fmla="*/ 267128 h 6858000"/>
-              <a:gd name="connsiteX3" fmla="*/ 0 w 6172782"/>
-              <a:gd name="connsiteY3" fmla="*/ 962845 h 6858000"/>
-              <a:gd name="connsiteX4" fmla="*/ 3276103 w 6172782"/>
-              <a:gd name="connsiteY4" fmla="*/ 6782205 h 6858000"/>
-              <a:gd name="connsiteX5" fmla="*/ 3407923 w 6172782"/>
-              <a:gd name="connsiteY5" fmla="*/ 6858000 h 6858000"/>
-              <a:gd name="connsiteX6" fmla="*/ 6172782 w 6172782"/>
-              <a:gd name="connsiteY6" fmla="*/ 6858000 h 6858000"/>
-            </a:gdLst>
-            <a:ahLst/>
-            <a:cxnLst>
-              <a:cxn ang="0">
-                <a:pos x="connsiteX0" y="connsiteY0"/>
-              </a:cxn>
-              <a:cxn ang="0">
-                <a:pos x="connsiteX1" y="connsiteY1"/>
-              </a:cxn>
-              <a:cxn ang="0">
-                <a:pos x="connsiteX2" y="connsiteY2"/>
-              </a:cxn>
-              <a:cxn ang="0">
-                <a:pos x="connsiteX3" y="connsiteY3"/>
-              </a:cxn>
-              <a:cxn ang="0">
-                <a:pos x="connsiteX4" y="connsiteY4"/>
-              </a:cxn>
-              <a:cxn ang="0">
-                <a:pos x="connsiteX5" y="connsiteY5"/>
-              </a:cxn>
-              <a:cxn ang="0">
-                <a:pos x="connsiteX6" y="connsiteY6"/>
-              </a:cxn>
-            </a:cxnLst>
-            <a:rect l="l" t="t" r="r" b="b"/>
-            <a:pathLst>
-              <a:path w="6172782" h="6858000">
-                <a:moveTo>
-                  <a:pt x="6172782" y="0"/>
-                </a:moveTo>
-                <a:lnTo>
-                  <a:pt x="69075" y="0"/>
-                </a:lnTo>
-                <a:lnTo>
-                  <a:pt x="35131" y="267128"/>
-                </a:lnTo>
-                <a:cubicBezTo>
-                  <a:pt x="11901" y="495874"/>
-                  <a:pt x="0" y="727970"/>
-                  <a:pt x="0" y="962845"/>
-                </a:cubicBezTo>
-                <a:cubicBezTo>
-                  <a:pt x="0" y="3429034"/>
-                  <a:pt x="1312002" y="5588789"/>
-                  <a:pt x="3276103" y="6782205"/>
-                </a:cubicBezTo>
-                <a:lnTo>
-                  <a:pt x="3407923" y="6858000"/>
-                </a:lnTo>
-                <a:lnTo>
-                  <a:pt x="6172782" y="6858000"/>
-                </a:lnTo>
-                <a:close/>
-              </a:path>
-            </a:pathLst>
-          </a:custGeom>
-          <a:solidFill>
-            <a:srgbClr val="FFFFFF">
-              <a:alpha val="80000"/>
-            </a:srgbClr>
-          </a:solidFill>
-          <a:ln>
-            <a:noFill/>
-          </a:ln>
-        </p:spPr>
-        <p:style>
-          <a:lnRef idx="2">
-            <a:schemeClr val="accent1">
-              <a:shade val="50000"/>
-            </a:schemeClr>
-          </a:lnRef>
-          <a:fillRef idx="1">
-            <a:schemeClr val="accent1"/>
-          </a:fillRef>
-          <a:effectRef idx="0">
-            <a:schemeClr val="accent1"/>
-          </a:effectRef>
-          <a:fontRef idx="minor">
-            <a:schemeClr val="lt1"/>
-          </a:fontRef>
-        </p:style>
-        <p:txBody>
-          <a:bodyPr wrap="square" rtlCol="0" anchor="ctr">
-            <a:noAutofit/>
-          </a:bodyPr>
-          <a:lstStyle/>
-          <a:p>
-            <a:pPr marL="0" marR="0" lvl="0" indent="0" algn="ctr" defTabSz="914400" rtl="0" eaLnBrk="1" fontAlgn="auto" latinLnBrk="0" hangingPunct="1">
-              <a:lnSpc>
-                <a:spcPct val="100000"/>
-              </a:lnSpc>
-              <a:spcBef>
-                <a:spcPts val="0"/>
-              </a:spcBef>
-              <a:spcAft>
-                <a:spcPts val="0"/>
-              </a:spcAft>
-              <a:buClrTx/>
-              <a:buSzTx/>
-              <a:buFontTx/>
-              <a:buNone/>
-              <a:tabLst/>
-              <a:defRPr/>
-            </a:pPr>
-            <a:endParaRPr kumimoji="0" lang="en-US" sz="1800" b="0" i="0" u="none" strike="noStrike" kern="1200" cap="none" spc="0" normalizeH="0" baseline="0" noProof="0">
-              <a:ln>
-                <a:noFill/>
-              </a:ln>
-              <a:solidFill>
-                <a:prstClr val="white"/>
-              </a:solidFill>
-              <a:effectLst/>
-              <a:uLnTx/>
-              <a:uFillTx/>
-              <a:latin typeface="Calibri" panose="020F0502020204030204"/>
-              <a:ea typeface="+mn-ea"/>
-              <a:cs typeface="+mn-cs"/>
-            </a:endParaRPr>
-          </a:p>
-        </p:txBody>
-      </p:sp>
-      <p:pic>
-        <p:nvPicPr>
-          <p:cNvPr id="9" name="Content Placeholder 8">
-            <a:extLst>
-              <a:ext uri="{FF2B5EF4-FFF2-40B4-BE49-F238E27FC236}">
-                <a16:creationId xmlns:a16="http://schemas.microsoft.com/office/drawing/2014/main" id="{86B229AE-80C9-4323-9EE5-94D0DC5C0A5A}"/>
-              </a:ext>
-            </a:extLst>
-          </p:cNvPr>
-          <p:cNvPicPr>
-            <a:picLocks noGrp="1" noChangeAspect="1"/>
-          </p:cNvPicPr>
-          <p:nvPr>
-            <p:ph idx="1"/>
-          </p:nvPr>
-        </p:nvPicPr>
-        <p:blipFill rotWithShape="1">
-          <a:blip r:embed="rId2">
-            <a:extLst>
-              <a:ext uri="{28A0092B-C50C-407E-A947-70E740481C1C}">
-                <a14:useLocalDpi xmlns:a14="http://schemas.microsoft.com/office/drawing/2010/main" val="0"/>
-              </a:ext>
-            </a:extLst>
-          </a:blip>
-          <a:srcRect r="1" b="19458"/>
-          <a:stretch/>
-        </p:blipFill>
-        <p:spPr>
-          <a:xfrm>
-            <a:off x="20" y="10"/>
-            <a:ext cx="6024134" cy="6857990"/>
-          </a:xfrm>
-          <a:custGeom>
-            <a:avLst/>
-            <a:gdLst>
-              <a:gd name="connsiteX0" fmla="*/ 0 w 6024154"/>
-              <a:gd name="connsiteY0" fmla="*/ 0 h 6858000"/>
-              <a:gd name="connsiteX1" fmla="*/ 5953780 w 6024154"/>
-              <a:gd name="connsiteY1" fmla="*/ 0 h 6858000"/>
-              <a:gd name="connsiteX2" fmla="*/ 5989880 w 6024154"/>
-              <a:gd name="connsiteY2" fmla="*/ 284091 h 6858000"/>
-              <a:gd name="connsiteX3" fmla="*/ 6024154 w 6024154"/>
-              <a:gd name="connsiteY3" fmla="*/ 962844 h 6858000"/>
-              <a:gd name="connsiteX4" fmla="*/ 2549934 w 6024154"/>
-              <a:gd name="connsiteY4" fmla="*/ 6800152 h 6858000"/>
-              <a:gd name="connsiteX5" fmla="*/ 2436987 w 6024154"/>
-              <a:gd name="connsiteY5" fmla="*/ 6858000 h 6858000"/>
-              <a:gd name="connsiteX6" fmla="*/ 0 w 6024154"/>
-              <a:gd name="connsiteY6" fmla="*/ 6858000 h 6858000"/>
-            </a:gdLst>
-            <a:ahLst/>
-            <a:cxnLst>
-              <a:cxn ang="0">
-                <a:pos x="connsiteX0" y="connsiteY0"/>
-              </a:cxn>
-              <a:cxn ang="0">
-                <a:pos x="connsiteX1" y="connsiteY1"/>
-              </a:cxn>
-              <a:cxn ang="0">
-                <a:pos x="connsiteX2" y="connsiteY2"/>
-              </a:cxn>
-              <a:cxn ang="0">
-                <a:pos x="connsiteX3" y="connsiteY3"/>
-              </a:cxn>
-              <a:cxn ang="0">
-                <a:pos x="connsiteX4" y="connsiteY4"/>
-              </a:cxn>
-              <a:cxn ang="0">
-                <a:pos x="connsiteX5" y="connsiteY5"/>
-              </a:cxn>
-              <a:cxn ang="0">
-                <a:pos x="connsiteX6" y="connsiteY6"/>
-              </a:cxn>
-            </a:cxnLst>
-            <a:rect l="l" t="t" r="r" b="b"/>
-            <a:pathLst>
-              <a:path w="6024154" h="6858000">
-                <a:moveTo>
-                  <a:pt x="0" y="0"/>
-                </a:moveTo>
-                <a:lnTo>
-                  <a:pt x="5953780" y="0"/>
-                </a:lnTo>
-                <a:lnTo>
-                  <a:pt x="5989880" y="284091"/>
-                </a:lnTo>
-                <a:cubicBezTo>
-                  <a:pt x="6012544" y="507260"/>
-                  <a:pt x="6024154" y="733696"/>
-                  <a:pt x="6024154" y="962844"/>
-                </a:cubicBezTo>
-                <a:cubicBezTo>
-                  <a:pt x="6024154" y="3483472"/>
-                  <a:pt x="4619336" y="5675986"/>
-                  <a:pt x="2549934" y="6800152"/>
-                </a:cubicBezTo>
-                <a:lnTo>
-                  <a:pt x="2436987" y="6858000"/>
-                </a:lnTo>
-                <a:lnTo>
-                  <a:pt x="0" y="6858000"/>
-                </a:lnTo>
-                <a:close/>
-              </a:path>
-            </a:pathLst>
-          </a:custGeom>
-        </p:spPr>
-      </p:pic>
-    </p:spTree>
-    <p:extLst>
-      <p:ext uri="{BB962C8B-B14F-4D97-AF65-F5344CB8AC3E}">
-        <p14:creationId xmlns:p14="http://schemas.microsoft.com/office/powerpoint/2010/main" val="4253113840"/>
-      </p:ext>
-    </p:extLst>
-  </p:cSld>
-  <p:clrMapOvr>
-    <a:overrideClrMapping bg1="dk1" tx1="lt1" bg2="dk2" tx2="lt2" accent1="accent1" accent2="accent2" accent3="accent3" accent4="accent4" accent5="accent5" accent6="accent6" hlink="hlink" folHlink="folHlink"/>
   </p:clrMapOvr>
 </p:sld>
 </file>

--- a/fun-with-k8s.pptx
+++ b/fun-with-k8s.pptx
@@ -8760,7 +8760,7 @@
           <a:p>
             <a:fld id="{0117283B-F0A5-4202-AA1A-3796A1F2E447}" type="datetimeFigureOut">
               <a:rPr lang="en-US" smtClean="0"/>
-              <a:t>2/24/2020</a:t>
+              <a:t>2/25/2020</a:t>
             </a:fld>
             <a:endParaRPr lang="en-US"/>
           </a:p>
@@ -8958,7 +8958,7 @@
           <a:p>
             <a:fld id="{0117283B-F0A5-4202-AA1A-3796A1F2E447}" type="datetimeFigureOut">
               <a:rPr lang="en-US" smtClean="0"/>
-              <a:t>2/24/2020</a:t>
+              <a:t>2/25/2020</a:t>
             </a:fld>
             <a:endParaRPr lang="en-US"/>
           </a:p>
@@ -9166,7 +9166,7 @@
           <a:p>
             <a:fld id="{0117283B-F0A5-4202-AA1A-3796A1F2E447}" type="datetimeFigureOut">
               <a:rPr lang="en-US" smtClean="0"/>
-              <a:t>2/24/2020</a:t>
+              <a:t>2/25/2020</a:t>
             </a:fld>
             <a:endParaRPr lang="en-US"/>
           </a:p>
@@ -9364,7 +9364,7 @@
           <a:p>
             <a:fld id="{0117283B-F0A5-4202-AA1A-3796A1F2E447}" type="datetimeFigureOut">
               <a:rPr lang="en-US" smtClean="0"/>
-              <a:t>2/24/2020</a:t>
+              <a:t>2/25/2020</a:t>
             </a:fld>
             <a:endParaRPr lang="en-US"/>
           </a:p>
@@ -9639,7 +9639,7 @@
           <a:p>
             <a:fld id="{0117283B-F0A5-4202-AA1A-3796A1F2E447}" type="datetimeFigureOut">
               <a:rPr lang="en-US" smtClean="0"/>
-              <a:t>2/24/2020</a:t>
+              <a:t>2/25/2020</a:t>
             </a:fld>
             <a:endParaRPr lang="en-US"/>
           </a:p>
@@ -9904,7 +9904,7 @@
           <a:p>
             <a:fld id="{0117283B-F0A5-4202-AA1A-3796A1F2E447}" type="datetimeFigureOut">
               <a:rPr lang="en-US" smtClean="0"/>
-              <a:t>2/24/2020</a:t>
+              <a:t>2/25/2020</a:t>
             </a:fld>
             <a:endParaRPr lang="en-US"/>
           </a:p>
@@ -10316,7 +10316,7 @@
           <a:p>
             <a:fld id="{0117283B-F0A5-4202-AA1A-3796A1F2E447}" type="datetimeFigureOut">
               <a:rPr lang="en-US" smtClean="0"/>
-              <a:t>2/24/2020</a:t>
+              <a:t>2/25/2020</a:t>
             </a:fld>
             <a:endParaRPr lang="en-US"/>
           </a:p>
@@ -10457,7 +10457,7 @@
           <a:p>
             <a:fld id="{0117283B-F0A5-4202-AA1A-3796A1F2E447}" type="datetimeFigureOut">
               <a:rPr lang="en-US" smtClean="0"/>
-              <a:t>2/24/2020</a:t>
+              <a:t>2/25/2020</a:t>
             </a:fld>
             <a:endParaRPr lang="en-US"/>
           </a:p>
@@ -10570,7 +10570,7 @@
           <a:p>
             <a:fld id="{0117283B-F0A5-4202-AA1A-3796A1F2E447}" type="datetimeFigureOut">
               <a:rPr lang="en-US" smtClean="0"/>
-              <a:t>2/24/2020</a:t>
+              <a:t>2/25/2020</a:t>
             </a:fld>
             <a:endParaRPr lang="en-US"/>
           </a:p>
@@ -10881,7 +10881,7 @@
           <a:p>
             <a:fld id="{0117283B-F0A5-4202-AA1A-3796A1F2E447}" type="datetimeFigureOut">
               <a:rPr lang="en-US" smtClean="0"/>
-              <a:t>2/24/2020</a:t>
+              <a:t>2/25/2020</a:t>
             </a:fld>
             <a:endParaRPr lang="en-US"/>
           </a:p>
@@ -11169,7 +11169,7 @@
           <a:p>
             <a:fld id="{0117283B-F0A5-4202-AA1A-3796A1F2E447}" type="datetimeFigureOut">
               <a:rPr lang="en-US" smtClean="0"/>
-              <a:t>2/24/2020</a:t>
+              <a:t>2/25/2020</a:t>
             </a:fld>
             <a:endParaRPr lang="en-US"/>
           </a:p>
@@ -11410,7 +11410,7 @@
           <a:p>
             <a:fld id="{0117283B-F0A5-4202-AA1A-3796A1F2E447}" type="datetimeFigureOut">
               <a:rPr lang="en-US" smtClean="0"/>
-              <a:t>2/24/2020</a:t>
+              <a:t>2/25/2020</a:t>
             </a:fld>
             <a:endParaRPr lang="en-US"/>
           </a:p>
@@ -12582,34 +12582,34 @@
           <a:lstStyle/>
           <a:p>
             <a:r>
-              <a:rPr lang="en-US" sz="1800"/>
+              <a:rPr lang="en-US" sz="1800" dirty="0"/>
               <a:t>“The Package Manager for Kubernetes” – from Helm Website</a:t>
             </a:r>
           </a:p>
           <a:p>
             <a:r>
-              <a:rPr lang="en-US" sz="1800"/>
+              <a:rPr lang="en-US" sz="1800" dirty="0"/>
               <a:t>“Like apt for Kubernetes” - from other talks</a:t>
             </a:r>
           </a:p>
           <a:p>
             <a:r>
-              <a:rPr lang="en-US" sz="1800"/>
+              <a:rPr lang="en-US" sz="1800" dirty="0"/>
               <a:t>YAML-based </a:t>
             </a:r>
             <a:r>
-              <a:rPr lang="en-US" sz="1800" i="1"/>
+              <a:rPr lang="en-US" sz="1800" i="1" dirty="0"/>
               <a:t>Charts</a:t>
             </a:r>
             <a:r>
-              <a:rPr lang="en-US" sz="1800"/>
+              <a:rPr lang="en-US" sz="1800" dirty="0"/>
               <a:t> define your deployments</a:t>
             </a:r>
           </a:p>
           <a:p>
             <a:r>
-              <a:rPr lang="en-US" sz="1800"/>
-              <a:t>Charts can be shared!</a:t>
+              <a:rPr lang="en-US" sz="1800" dirty="0"/>
+              <a:t>Charts can be shared</a:t>
             </a:r>
           </a:p>
         </p:txBody>

--- a/fun-with-k8s.pptx
+++ b/fun-with-k8s.pptx
@@ -14,10 +14,11 @@
     <p:sldId id="273" r:id="rId8"/>
     <p:sldId id="278" r:id="rId9"/>
     <p:sldId id="279" r:id="rId10"/>
-    <p:sldId id="280" r:id="rId11"/>
-    <p:sldId id="277" r:id="rId12"/>
-    <p:sldId id="259" r:id="rId13"/>
-    <p:sldId id="268" r:id="rId14"/>
+    <p:sldId id="282" r:id="rId11"/>
+    <p:sldId id="280" r:id="rId12"/>
+    <p:sldId id="277" r:id="rId13"/>
+    <p:sldId id="259" r:id="rId14"/>
+    <p:sldId id="268" r:id="rId15"/>
   </p:sldIdLst>
   <p:sldSz cx="12192000" cy="6858000"/>
   <p:notesSz cx="6858000" cy="9144000"/>
@@ -12092,6 +12093,376 @@
 <file path=ppt/slides/slide10.xml><?xml version="1.0" encoding="utf-8"?>
 <p:sld xmlns:a="http://schemas.openxmlformats.org/drawingml/2006/main" xmlns:r="http://schemas.openxmlformats.org/officeDocument/2006/relationships" xmlns:p="http://schemas.openxmlformats.org/presentationml/2006/main">
   <p:cSld>
+    <p:spTree>
+      <p:nvGrpSpPr>
+        <p:cNvPr id="1" name=""/>
+        <p:cNvGrpSpPr/>
+        <p:nvPr/>
+      </p:nvGrpSpPr>
+      <p:grpSpPr>
+        <a:xfrm>
+          <a:off x="0" y="0"/>
+          <a:ext cx="0" cy="0"/>
+          <a:chOff x="0" y="0"/>
+          <a:chExt cx="0" cy="0"/>
+        </a:xfrm>
+      </p:grpSpPr>
+      <p:sp>
+        <p:nvSpPr>
+          <p:cNvPr id="2" name="Title 1">
+            <a:extLst>
+              <a:ext uri="{FF2B5EF4-FFF2-40B4-BE49-F238E27FC236}">
+                <a16:creationId xmlns:a16="http://schemas.microsoft.com/office/drawing/2014/main" id="{BFFF56BD-44F4-4FF8-91A5-D35CB4DF3A6F}"/>
+              </a:ext>
+            </a:extLst>
+          </p:cNvPr>
+          <p:cNvSpPr>
+            <a:spLocks noGrp="1"/>
+          </p:cNvSpPr>
+          <p:nvPr>
+            <p:ph type="title"/>
+          </p:nvPr>
+        </p:nvSpPr>
+        <p:spPr/>
+        <p:txBody>
+          <a:bodyPr/>
+          <a:lstStyle/>
+          <a:p>
+            <a:r>
+              <a:rPr lang="en-US" dirty="0"/>
+              <a:t>Interacting with Kubernetes</a:t>
+            </a:r>
+          </a:p>
+        </p:txBody>
+      </p:sp>
+      <p:sp>
+        <p:nvSpPr>
+          <p:cNvPr id="3" name="Content Placeholder 2">
+            <a:extLst>
+              <a:ext uri="{FF2B5EF4-FFF2-40B4-BE49-F238E27FC236}">
+                <a16:creationId xmlns:a16="http://schemas.microsoft.com/office/drawing/2014/main" id="{A2F7B2C1-6DF7-4BEE-B461-FFECB832A0F8}"/>
+              </a:ext>
+            </a:extLst>
+          </p:cNvPr>
+          <p:cNvSpPr>
+            <a:spLocks noGrp="1"/>
+          </p:cNvSpPr>
+          <p:nvPr>
+            <p:ph idx="1"/>
+          </p:nvPr>
+        </p:nvSpPr>
+        <p:spPr/>
+        <p:txBody>
+          <a:bodyPr/>
+          <a:lstStyle/>
+          <a:p>
+            <a:r>
+              <a:rPr lang="en-US" dirty="0"/>
+              <a:t>Install </a:t>
+            </a:r>
+            <a:r>
+              <a:rPr lang="en-US" dirty="0" err="1"/>
+              <a:t>kubectl</a:t>
+            </a:r>
+            <a:r>
+              <a:rPr lang="en-US" dirty="0"/>
+              <a:t> </a:t>
+            </a:r>
+          </a:p>
+          <a:p>
+            <a:pPr marL="457200" lvl="1" indent="0">
+              <a:buNone/>
+            </a:pPr>
+            <a:r>
+              <a:rPr lang="en-US" dirty="0">
+                <a:hlinkClick r:id="rId2"/>
+              </a:rPr>
+              <a:t>https://kubernetes.io/docs/tasks/tools/install-kubectl/</a:t>
+            </a:r>
+            <a:endParaRPr lang="en-US" dirty="0"/>
+          </a:p>
+          <a:p>
+            <a:r>
+              <a:rPr lang="en-US" dirty="0" err="1"/>
+              <a:t>Pronouced</a:t>
+            </a:r>
+            <a:r>
+              <a:rPr lang="en-US" dirty="0"/>
+              <a:t> all kinds of ways:  </a:t>
+            </a:r>
+            <a:r>
+              <a:rPr lang="en-US" dirty="0">
+                <a:hlinkClick r:id="rId3"/>
+              </a:rPr>
+              <a:t>https://github.com/saada/kubectl-pronounciation</a:t>
+            </a:r>
+            <a:endParaRPr lang="en-US" dirty="0"/>
+          </a:p>
+          <a:p>
+            <a:pPr marL="0" indent="0">
+              <a:buNone/>
+            </a:pPr>
+            <a:endParaRPr lang="en-US" dirty="0"/>
+          </a:p>
+          <a:p>
+            <a:pPr marL="0" indent="0">
+              <a:buNone/>
+            </a:pPr>
+            <a:endParaRPr lang="en-US" dirty="0"/>
+          </a:p>
+          <a:p>
+            <a:pPr lvl="1"/>
+            <a:endParaRPr lang="en-US" dirty="0"/>
+          </a:p>
+        </p:txBody>
+      </p:sp>
+      <p:graphicFrame>
+        <p:nvGraphicFramePr>
+          <p:cNvPr id="4" name="Table 3">
+            <a:extLst>
+              <a:ext uri="{FF2B5EF4-FFF2-40B4-BE49-F238E27FC236}">
+                <a16:creationId xmlns:a16="http://schemas.microsoft.com/office/drawing/2014/main" id="{4E6A8F03-1FC7-48EE-A4A8-22FAE267576D}"/>
+              </a:ext>
+            </a:extLst>
+          </p:cNvPr>
+          <p:cNvGraphicFramePr>
+            <a:graphicFrameLocks noGrp="1"/>
+          </p:cNvGraphicFramePr>
+          <p:nvPr>
+            <p:extLst>
+              <p:ext uri="{D42A27DB-BD31-4B8C-83A1-F6EECF244321}">
+                <p14:modId xmlns:p14="http://schemas.microsoft.com/office/powerpoint/2010/main" val="4081436287"/>
+              </p:ext>
+            </p:extLst>
+          </p:nvPr>
+        </p:nvGraphicFramePr>
+        <p:xfrm>
+          <a:off x="985420" y="3694308"/>
+          <a:ext cx="10368380" cy="2123440"/>
+        </p:xfrm>
+        <a:graphic>
+          <a:graphicData uri="http://schemas.openxmlformats.org/drawingml/2006/table">
+            <a:tbl>
+              <a:tblPr firstRow="1" bandRow="1">
+                <a:tableStyleId>{5C22544A-7EE6-4342-B048-85BDC9FD1C3A}</a:tableStyleId>
+              </a:tblPr>
+              <a:tblGrid>
+                <a:gridCol w="3879543">
+                  <a:extLst>
+                    <a:ext uri="{9D8B030D-6E8A-4147-A177-3AD203B41FA5}">
+                      <a16:colId xmlns:a16="http://schemas.microsoft.com/office/drawing/2014/main" val="158179792"/>
+                    </a:ext>
+                  </a:extLst>
+                </a:gridCol>
+                <a:gridCol w="6488837">
+                  <a:extLst>
+                    <a:ext uri="{9D8B030D-6E8A-4147-A177-3AD203B41FA5}">
+                      <a16:colId xmlns:a16="http://schemas.microsoft.com/office/drawing/2014/main" val="3171076058"/>
+                    </a:ext>
+                  </a:extLst>
+                </a:gridCol>
+              </a:tblGrid>
+              <a:tr h="370840">
+                <a:tc>
+                  <a:txBody>
+                    <a:bodyPr/>
+                    <a:lstStyle/>
+                    <a:p>
+                      <a:r>
+                        <a:rPr lang="en-US" dirty="0"/>
+                        <a:t>Command</a:t>
+                      </a:r>
+                    </a:p>
+                  </a:txBody>
+                  <a:tcPr/>
+                </a:tc>
+                <a:tc>
+                  <a:txBody>
+                    <a:bodyPr/>
+                    <a:lstStyle/>
+                    <a:p>
+                      <a:r>
+                        <a:rPr lang="en-US" dirty="0"/>
+                        <a:t>Purpose</a:t>
+                      </a:r>
+                    </a:p>
+                  </a:txBody>
+                  <a:tcPr/>
+                </a:tc>
+                <a:extLst>
+                  <a:ext uri="{0D108BD9-81ED-4DB2-BD59-A6C34878D82A}">
+                    <a16:rowId xmlns:a16="http://schemas.microsoft.com/office/drawing/2014/main" val="1780690004"/>
+                  </a:ext>
+                </a:extLst>
+              </a:tr>
+              <a:tr h="370840">
+                <a:tc>
+                  <a:txBody>
+                    <a:bodyPr/>
+                    <a:lstStyle/>
+                    <a:p>
+                      <a:r>
+                        <a:rPr lang="en-US" dirty="0" err="1"/>
+                        <a:t>Kubectl</a:t>
+                      </a:r>
+                      <a:r>
+                        <a:rPr lang="en-US" dirty="0"/>
+                        <a:t> get pods</a:t>
+                      </a:r>
+                    </a:p>
+                  </a:txBody>
+                  <a:tcPr/>
+                </a:tc>
+                <a:tc>
+                  <a:txBody>
+                    <a:bodyPr/>
+                    <a:lstStyle/>
+                    <a:p>
+                      <a:r>
+                        <a:rPr lang="en-US" dirty="0"/>
+                        <a:t>Lists the pods running in the cluster</a:t>
+                      </a:r>
+                    </a:p>
+                  </a:txBody>
+                  <a:tcPr/>
+                </a:tc>
+                <a:extLst>
+                  <a:ext uri="{0D108BD9-81ED-4DB2-BD59-A6C34878D82A}">
+                    <a16:rowId xmlns:a16="http://schemas.microsoft.com/office/drawing/2014/main" val="3991655444"/>
+                  </a:ext>
+                </a:extLst>
+              </a:tr>
+              <a:tr h="370840">
+                <a:tc>
+                  <a:txBody>
+                    <a:bodyPr/>
+                    <a:lstStyle/>
+                    <a:p>
+                      <a:r>
+                        <a:rPr lang="en-US" dirty="0" err="1"/>
+                        <a:t>Kubectl</a:t>
+                      </a:r>
+                      <a:r>
+                        <a:rPr lang="en-US" dirty="0"/>
+                        <a:t> get services</a:t>
+                      </a:r>
+                    </a:p>
+                  </a:txBody>
+                  <a:tcPr/>
+                </a:tc>
+                <a:tc>
+                  <a:txBody>
+                    <a:bodyPr/>
+                    <a:lstStyle/>
+                    <a:p>
+                      <a:r>
+                        <a:rPr lang="en-US" dirty="0"/>
+                        <a:t>Lists the service running in the cluster</a:t>
+                      </a:r>
+                    </a:p>
+                  </a:txBody>
+                  <a:tcPr/>
+                </a:tc>
+                <a:extLst>
+                  <a:ext uri="{0D108BD9-81ED-4DB2-BD59-A6C34878D82A}">
+                    <a16:rowId xmlns:a16="http://schemas.microsoft.com/office/drawing/2014/main" val="677300421"/>
+                  </a:ext>
+                </a:extLst>
+              </a:tr>
+              <a:tr h="370840">
+                <a:tc>
+                  <a:txBody>
+                    <a:bodyPr/>
+                    <a:lstStyle/>
+                    <a:p>
+                      <a:r>
+                        <a:rPr lang="en-US" dirty="0" err="1"/>
+                        <a:t>Kubectl</a:t>
+                      </a:r>
+                      <a:r>
+                        <a:rPr lang="en-US" dirty="0"/>
+                        <a:t> port-forward </a:t>
+                      </a:r>
+                    </a:p>
+                  </a:txBody>
+                  <a:tcPr/>
+                </a:tc>
+                <a:tc>
+                  <a:txBody>
+                    <a:bodyPr/>
+                    <a:lstStyle/>
+                    <a:p>
+                      <a:r>
+                        <a:rPr lang="en-US" dirty="0"/>
+                        <a:t>Forwards a local TCP port to a port on a service or pod within the cluster so you can interact with the running application</a:t>
+                      </a:r>
+                    </a:p>
+                  </a:txBody>
+                  <a:tcPr/>
+                </a:tc>
+                <a:extLst>
+                  <a:ext uri="{0D108BD9-81ED-4DB2-BD59-A6C34878D82A}">
+                    <a16:rowId xmlns:a16="http://schemas.microsoft.com/office/drawing/2014/main" val="3249343435"/>
+                  </a:ext>
+                </a:extLst>
+              </a:tr>
+              <a:tr h="370840">
+                <a:tc>
+                  <a:txBody>
+                    <a:bodyPr/>
+                    <a:lstStyle/>
+                    <a:p>
+                      <a:r>
+                        <a:rPr lang="en-US" dirty="0" err="1"/>
+                        <a:t>Kubectl</a:t>
+                      </a:r>
+                      <a:r>
+                        <a:rPr lang="en-US" dirty="0"/>
+                        <a:t> config get-context/use-context</a:t>
+                      </a:r>
+                    </a:p>
+                  </a:txBody>
+                  <a:tcPr/>
+                </a:tc>
+                <a:tc>
+                  <a:txBody>
+                    <a:bodyPr/>
+                    <a:lstStyle/>
+                    <a:p>
+                      <a:r>
+                        <a:rPr lang="en-US" dirty="0"/>
+                        <a:t>Switches your client from one k8s cluster to another</a:t>
+                      </a:r>
+                    </a:p>
+                  </a:txBody>
+                  <a:tcPr/>
+                </a:tc>
+                <a:extLst>
+                  <a:ext uri="{0D108BD9-81ED-4DB2-BD59-A6C34878D82A}">
+                    <a16:rowId xmlns:a16="http://schemas.microsoft.com/office/drawing/2014/main" val="2083423407"/>
+                  </a:ext>
+                </a:extLst>
+              </a:tr>
+            </a:tbl>
+          </a:graphicData>
+        </a:graphic>
+      </p:graphicFrame>
+    </p:spTree>
+    <p:extLst>
+      <p:ext uri="{BB962C8B-B14F-4D97-AF65-F5344CB8AC3E}">
+        <p14:creationId xmlns:p14="http://schemas.microsoft.com/office/powerpoint/2010/main" val="340522230"/>
+      </p:ext>
+    </p:extLst>
+  </p:cSld>
+  <p:clrMapOvr>
+    <a:masterClrMapping/>
+  </p:clrMapOvr>
+</p:sld>
+</file>
+
+<file path=ppt/slides/slide11.xml><?xml version="1.0" encoding="utf-8"?>
+<p:sld xmlns:a="http://schemas.openxmlformats.org/drawingml/2006/main" xmlns:r="http://schemas.openxmlformats.org/officeDocument/2006/relationships" xmlns:p="http://schemas.openxmlformats.org/presentationml/2006/main">
+  <p:cSld>
     <p:bg>
       <p:bgPr>
         <a:solidFill>
@@ -12440,7 +12811,7 @@
 </p:sld>
 </file>
 
-<file path=ppt/slides/slide11.xml><?xml version="1.0" encoding="utf-8"?>
+<file path=ppt/slides/slide12.xml><?xml version="1.0" encoding="utf-8"?>
 <p:sld xmlns:a="http://schemas.openxmlformats.org/drawingml/2006/main" xmlns:r="http://schemas.openxmlformats.org/officeDocument/2006/relationships" xmlns:p="http://schemas.openxmlformats.org/presentationml/2006/main">
   <p:cSld>
     <p:bg>
@@ -12733,7 +13104,7 @@
 </p:sld>
 </file>
 
-<file path=ppt/slides/slide12.xml><?xml version="1.0" encoding="utf-8"?>
+<file path=ppt/slides/slide13.xml><?xml version="1.0" encoding="utf-8"?>
 <p:sld xmlns:a="http://schemas.openxmlformats.org/drawingml/2006/main" xmlns:r="http://schemas.openxmlformats.org/officeDocument/2006/relationships" xmlns:p="http://schemas.openxmlformats.org/presentationml/2006/main">
   <p:cSld>
     <p:bg>
@@ -13024,7 +13395,7 @@
 </p:sld>
 </file>
 
-<file path=ppt/slides/slide13.xml><?xml version="1.0" encoding="utf-8"?>
+<file path=ppt/slides/slide14.xml><?xml version="1.0" encoding="utf-8"?>
 <p:sld xmlns:a="http://schemas.openxmlformats.org/drawingml/2006/main" xmlns:r="http://schemas.openxmlformats.org/officeDocument/2006/relationships" xmlns:p="http://schemas.openxmlformats.org/presentationml/2006/main">
   <p:cSld>
     <p:bg>

--- a/fun-with-k8s.pptx
+++ b/fun-with-k8s.pptx
@@ -4,6 +4,9 @@
   <p:sldMasterIdLst>
     <p:sldMasterId id="2147483648" r:id="rId1"/>
   </p:sldMasterIdLst>
+  <p:notesMasterIdLst>
+    <p:notesMasterId r:id="rId16"/>
+  </p:notesMasterIdLst>
   <p:sldIdLst>
     <p:sldId id="256" r:id="rId2"/>
     <p:sldId id="257" r:id="rId3"/>
@@ -8614,6 +8617,595 @@
 </dgm:styleDef>
 </file>
 
+<file path=ppt/notesMasters/notesMaster1.xml><?xml version="1.0" encoding="utf-8"?>
+<p:notesMaster xmlns:a="http://schemas.openxmlformats.org/drawingml/2006/main" xmlns:r="http://schemas.openxmlformats.org/officeDocument/2006/relationships" xmlns:p="http://schemas.openxmlformats.org/presentationml/2006/main">
+  <p:cSld>
+    <p:bg>
+      <p:bgRef idx="1001">
+        <a:schemeClr val="bg1"/>
+      </p:bgRef>
+    </p:bg>
+    <p:spTree>
+      <p:nvGrpSpPr>
+        <p:cNvPr id="1" name=""/>
+        <p:cNvGrpSpPr/>
+        <p:nvPr/>
+      </p:nvGrpSpPr>
+      <p:grpSpPr>
+        <a:xfrm>
+          <a:off x="0" y="0"/>
+          <a:ext cx="0" cy="0"/>
+          <a:chOff x="0" y="0"/>
+          <a:chExt cx="0" cy="0"/>
+        </a:xfrm>
+      </p:grpSpPr>
+      <p:sp>
+        <p:nvSpPr>
+          <p:cNvPr id="2" name="Header Placeholder 1"/>
+          <p:cNvSpPr>
+            <a:spLocks noGrp="1"/>
+          </p:cNvSpPr>
+          <p:nvPr>
+            <p:ph type="hdr" sz="quarter"/>
+          </p:nvPr>
+        </p:nvSpPr>
+        <p:spPr>
+          <a:xfrm>
+            <a:off x="0" y="0"/>
+            <a:ext cx="2971800" cy="458788"/>
+          </a:xfrm>
+          <a:prstGeom prst="rect">
+            <a:avLst/>
+          </a:prstGeom>
+        </p:spPr>
+        <p:txBody>
+          <a:bodyPr vert="horz" lIns="91440" tIns="45720" rIns="91440" bIns="45720" rtlCol="0"/>
+          <a:lstStyle>
+            <a:lvl1pPr algn="l">
+              <a:defRPr sz="1200"/>
+            </a:lvl1pPr>
+          </a:lstStyle>
+          <a:p>
+            <a:endParaRPr lang="en-US"/>
+          </a:p>
+        </p:txBody>
+      </p:sp>
+      <p:sp>
+        <p:nvSpPr>
+          <p:cNvPr id="3" name="Date Placeholder 2"/>
+          <p:cNvSpPr>
+            <a:spLocks noGrp="1"/>
+          </p:cNvSpPr>
+          <p:nvPr>
+            <p:ph type="dt" idx="1"/>
+          </p:nvPr>
+        </p:nvSpPr>
+        <p:spPr>
+          <a:xfrm>
+            <a:off x="3884613" y="0"/>
+            <a:ext cx="2971800" cy="458788"/>
+          </a:xfrm>
+          <a:prstGeom prst="rect">
+            <a:avLst/>
+          </a:prstGeom>
+        </p:spPr>
+        <p:txBody>
+          <a:bodyPr vert="horz" lIns="91440" tIns="45720" rIns="91440" bIns="45720" rtlCol="0"/>
+          <a:lstStyle>
+            <a:lvl1pPr algn="r">
+              <a:defRPr sz="1200"/>
+            </a:lvl1pPr>
+          </a:lstStyle>
+          <a:p>
+            <a:fld id="{7A1C9263-F356-4B47-AE03-5EE855FB885C}" type="datetimeFigureOut">
+              <a:rPr lang="en-US" smtClean="0"/>
+              <a:t>2/25/2020</a:t>
+            </a:fld>
+            <a:endParaRPr lang="en-US"/>
+          </a:p>
+        </p:txBody>
+      </p:sp>
+      <p:sp>
+        <p:nvSpPr>
+          <p:cNvPr id="4" name="Slide Image Placeholder 3"/>
+          <p:cNvSpPr>
+            <a:spLocks noGrp="1" noRot="1" noChangeAspect="1"/>
+          </p:cNvSpPr>
+          <p:nvPr>
+            <p:ph type="sldImg" idx="2"/>
+          </p:nvPr>
+        </p:nvSpPr>
+        <p:spPr>
+          <a:xfrm>
+            <a:off x="685800" y="1143000"/>
+            <a:ext cx="5486400" cy="3086100"/>
+          </a:xfrm>
+          <a:prstGeom prst="rect">
+            <a:avLst/>
+          </a:prstGeom>
+          <a:noFill/>
+          <a:ln w="12700">
+            <a:solidFill>
+              <a:prstClr val="black"/>
+            </a:solidFill>
+          </a:ln>
+        </p:spPr>
+        <p:txBody>
+          <a:bodyPr vert="horz" lIns="91440" tIns="45720" rIns="91440" bIns="45720" rtlCol="0" anchor="ctr"/>
+          <a:lstStyle/>
+          <a:p>
+            <a:endParaRPr lang="en-US"/>
+          </a:p>
+        </p:txBody>
+      </p:sp>
+      <p:sp>
+        <p:nvSpPr>
+          <p:cNvPr id="5" name="Notes Placeholder 4"/>
+          <p:cNvSpPr>
+            <a:spLocks noGrp="1"/>
+          </p:cNvSpPr>
+          <p:nvPr>
+            <p:ph type="body" sz="quarter" idx="3"/>
+          </p:nvPr>
+        </p:nvSpPr>
+        <p:spPr>
+          <a:xfrm>
+            <a:off x="685800" y="4400550"/>
+            <a:ext cx="5486400" cy="3600450"/>
+          </a:xfrm>
+          <a:prstGeom prst="rect">
+            <a:avLst/>
+          </a:prstGeom>
+        </p:spPr>
+        <p:txBody>
+          <a:bodyPr vert="horz" lIns="91440" tIns="45720" rIns="91440" bIns="45720" rtlCol="0"/>
+          <a:lstStyle/>
+          <a:p>
+            <a:pPr lvl="0"/>
+            <a:r>
+              <a:rPr lang="en-US"/>
+              <a:t>Click to edit Master text styles</a:t>
+            </a:r>
+          </a:p>
+          <a:p>
+            <a:pPr lvl="1"/>
+            <a:r>
+              <a:rPr lang="en-US"/>
+              <a:t>Second level</a:t>
+            </a:r>
+          </a:p>
+          <a:p>
+            <a:pPr lvl="2"/>
+            <a:r>
+              <a:rPr lang="en-US"/>
+              <a:t>Third level</a:t>
+            </a:r>
+          </a:p>
+          <a:p>
+            <a:pPr lvl="3"/>
+            <a:r>
+              <a:rPr lang="en-US"/>
+              <a:t>Fourth level</a:t>
+            </a:r>
+          </a:p>
+          <a:p>
+            <a:pPr lvl="4"/>
+            <a:r>
+              <a:rPr lang="en-US"/>
+              <a:t>Fifth level</a:t>
+            </a:r>
+          </a:p>
+        </p:txBody>
+      </p:sp>
+      <p:sp>
+        <p:nvSpPr>
+          <p:cNvPr id="6" name="Footer Placeholder 5"/>
+          <p:cNvSpPr>
+            <a:spLocks noGrp="1"/>
+          </p:cNvSpPr>
+          <p:nvPr>
+            <p:ph type="ftr" sz="quarter" idx="4"/>
+          </p:nvPr>
+        </p:nvSpPr>
+        <p:spPr>
+          <a:xfrm>
+            <a:off x="0" y="8685213"/>
+            <a:ext cx="2971800" cy="458787"/>
+          </a:xfrm>
+          <a:prstGeom prst="rect">
+            <a:avLst/>
+          </a:prstGeom>
+        </p:spPr>
+        <p:txBody>
+          <a:bodyPr vert="horz" lIns="91440" tIns="45720" rIns="91440" bIns="45720" rtlCol="0" anchor="b"/>
+          <a:lstStyle>
+            <a:lvl1pPr algn="l">
+              <a:defRPr sz="1200"/>
+            </a:lvl1pPr>
+          </a:lstStyle>
+          <a:p>
+            <a:endParaRPr lang="en-US"/>
+          </a:p>
+        </p:txBody>
+      </p:sp>
+      <p:sp>
+        <p:nvSpPr>
+          <p:cNvPr id="7" name="Slide Number Placeholder 6"/>
+          <p:cNvSpPr>
+            <a:spLocks noGrp="1"/>
+          </p:cNvSpPr>
+          <p:nvPr>
+            <p:ph type="sldNum" sz="quarter" idx="5"/>
+          </p:nvPr>
+        </p:nvSpPr>
+        <p:spPr>
+          <a:xfrm>
+            <a:off x="3884613" y="8685213"/>
+            <a:ext cx="2971800" cy="458787"/>
+          </a:xfrm>
+          <a:prstGeom prst="rect">
+            <a:avLst/>
+          </a:prstGeom>
+        </p:spPr>
+        <p:txBody>
+          <a:bodyPr vert="horz" lIns="91440" tIns="45720" rIns="91440" bIns="45720" rtlCol="0" anchor="b"/>
+          <a:lstStyle>
+            <a:lvl1pPr algn="r">
+              <a:defRPr sz="1200"/>
+            </a:lvl1pPr>
+          </a:lstStyle>
+          <a:p>
+            <a:fld id="{DBFE168D-5F09-4613-B279-C53C85B5CCCA}" type="slidenum">
+              <a:rPr lang="en-US" smtClean="0"/>
+              <a:t>‹#›</a:t>
+            </a:fld>
+            <a:endParaRPr lang="en-US"/>
+          </a:p>
+        </p:txBody>
+      </p:sp>
+    </p:spTree>
+    <p:extLst>
+      <p:ext uri="{BB962C8B-B14F-4D97-AF65-F5344CB8AC3E}">
+        <p14:creationId xmlns:p14="http://schemas.microsoft.com/office/powerpoint/2010/main" val="3995225477"/>
+      </p:ext>
+    </p:extLst>
+  </p:cSld>
+  <p:clrMap bg1="lt1" tx1="dk1" bg2="lt2" tx2="dk2" accent1="accent1" accent2="accent2" accent3="accent3" accent4="accent4" accent5="accent5" accent6="accent6" hlink="hlink" folHlink="folHlink"/>
+  <p:notesStyle>
+    <a:lvl1pPr marL="0" algn="l" defTabSz="914400" rtl="0" eaLnBrk="1" latinLnBrk="0" hangingPunct="1">
+      <a:defRPr sz="1200" kern="1200">
+        <a:solidFill>
+          <a:schemeClr val="tx1"/>
+        </a:solidFill>
+        <a:latin typeface="+mn-lt"/>
+        <a:ea typeface="+mn-ea"/>
+        <a:cs typeface="+mn-cs"/>
+      </a:defRPr>
+    </a:lvl1pPr>
+    <a:lvl2pPr marL="457200" algn="l" defTabSz="914400" rtl="0" eaLnBrk="1" latinLnBrk="0" hangingPunct="1">
+      <a:defRPr sz="1200" kern="1200">
+        <a:solidFill>
+          <a:schemeClr val="tx1"/>
+        </a:solidFill>
+        <a:latin typeface="+mn-lt"/>
+        <a:ea typeface="+mn-ea"/>
+        <a:cs typeface="+mn-cs"/>
+      </a:defRPr>
+    </a:lvl2pPr>
+    <a:lvl3pPr marL="914400" algn="l" defTabSz="914400" rtl="0" eaLnBrk="1" latinLnBrk="0" hangingPunct="1">
+      <a:defRPr sz="1200" kern="1200">
+        <a:solidFill>
+          <a:schemeClr val="tx1"/>
+        </a:solidFill>
+        <a:latin typeface="+mn-lt"/>
+        <a:ea typeface="+mn-ea"/>
+        <a:cs typeface="+mn-cs"/>
+      </a:defRPr>
+    </a:lvl3pPr>
+    <a:lvl4pPr marL="1371600" algn="l" defTabSz="914400" rtl="0" eaLnBrk="1" latinLnBrk="0" hangingPunct="1">
+      <a:defRPr sz="1200" kern="1200">
+        <a:solidFill>
+          <a:schemeClr val="tx1"/>
+        </a:solidFill>
+        <a:latin typeface="+mn-lt"/>
+        <a:ea typeface="+mn-ea"/>
+        <a:cs typeface="+mn-cs"/>
+      </a:defRPr>
+    </a:lvl4pPr>
+    <a:lvl5pPr marL="1828800" algn="l" defTabSz="914400" rtl="0" eaLnBrk="1" latinLnBrk="0" hangingPunct="1">
+      <a:defRPr sz="1200" kern="1200">
+        <a:solidFill>
+          <a:schemeClr val="tx1"/>
+        </a:solidFill>
+        <a:latin typeface="+mn-lt"/>
+        <a:ea typeface="+mn-ea"/>
+        <a:cs typeface="+mn-cs"/>
+      </a:defRPr>
+    </a:lvl5pPr>
+    <a:lvl6pPr marL="2286000" algn="l" defTabSz="914400" rtl="0" eaLnBrk="1" latinLnBrk="0" hangingPunct="1">
+      <a:defRPr sz="1200" kern="1200">
+        <a:solidFill>
+          <a:schemeClr val="tx1"/>
+        </a:solidFill>
+        <a:latin typeface="+mn-lt"/>
+        <a:ea typeface="+mn-ea"/>
+        <a:cs typeface="+mn-cs"/>
+      </a:defRPr>
+    </a:lvl6pPr>
+    <a:lvl7pPr marL="2743200" algn="l" defTabSz="914400" rtl="0" eaLnBrk="1" latinLnBrk="0" hangingPunct="1">
+      <a:defRPr sz="1200" kern="1200">
+        <a:solidFill>
+          <a:schemeClr val="tx1"/>
+        </a:solidFill>
+        <a:latin typeface="+mn-lt"/>
+        <a:ea typeface="+mn-ea"/>
+        <a:cs typeface="+mn-cs"/>
+      </a:defRPr>
+    </a:lvl7pPr>
+    <a:lvl8pPr marL="3200400" algn="l" defTabSz="914400" rtl="0" eaLnBrk="1" latinLnBrk="0" hangingPunct="1">
+      <a:defRPr sz="1200" kern="1200">
+        <a:solidFill>
+          <a:schemeClr val="tx1"/>
+        </a:solidFill>
+        <a:latin typeface="+mn-lt"/>
+        <a:ea typeface="+mn-ea"/>
+        <a:cs typeface="+mn-cs"/>
+      </a:defRPr>
+    </a:lvl8pPr>
+    <a:lvl9pPr marL="3657600" algn="l" defTabSz="914400" rtl="0" eaLnBrk="1" latinLnBrk="0" hangingPunct="1">
+      <a:defRPr sz="1200" kern="1200">
+        <a:solidFill>
+          <a:schemeClr val="tx1"/>
+        </a:solidFill>
+        <a:latin typeface="+mn-lt"/>
+        <a:ea typeface="+mn-ea"/>
+        <a:cs typeface="+mn-cs"/>
+      </a:defRPr>
+    </a:lvl9pPr>
+  </p:notesStyle>
+</p:notesMaster>
+</file>
+
+<file path=ppt/notesSlides/notesSlide1.xml><?xml version="1.0" encoding="utf-8"?>
+<p:notes xmlns:a="http://schemas.openxmlformats.org/drawingml/2006/main" xmlns:r="http://schemas.openxmlformats.org/officeDocument/2006/relationships" xmlns:p="http://schemas.openxmlformats.org/presentationml/2006/main">
+  <p:cSld>
+    <p:spTree>
+      <p:nvGrpSpPr>
+        <p:cNvPr id="1" name=""/>
+        <p:cNvGrpSpPr/>
+        <p:nvPr/>
+      </p:nvGrpSpPr>
+      <p:grpSpPr>
+        <a:xfrm>
+          <a:off x="0" y="0"/>
+          <a:ext cx="0" cy="0"/>
+          <a:chOff x="0" y="0"/>
+          <a:chExt cx="0" cy="0"/>
+        </a:xfrm>
+      </p:grpSpPr>
+      <p:sp>
+        <p:nvSpPr>
+          <p:cNvPr id="2" name="Slide Image Placeholder 1"/>
+          <p:cNvSpPr>
+            <a:spLocks noGrp="1" noRot="1" noChangeAspect="1"/>
+          </p:cNvSpPr>
+          <p:nvPr>
+            <p:ph type="sldImg"/>
+          </p:nvPr>
+        </p:nvSpPr>
+        <p:spPr/>
+      </p:sp>
+      <p:sp>
+        <p:nvSpPr>
+          <p:cNvPr id="3" name="Notes Placeholder 2"/>
+          <p:cNvSpPr>
+            <a:spLocks noGrp="1"/>
+          </p:cNvSpPr>
+          <p:nvPr>
+            <p:ph type="body" idx="1"/>
+          </p:nvPr>
+        </p:nvSpPr>
+        <p:spPr/>
+        <p:txBody>
+          <a:bodyPr/>
+          <a:lstStyle/>
+          <a:p>
+            <a:r>
+              <a:rPr lang="en-US" dirty="0"/>
+              <a:t>MSSQL</a:t>
+            </a:r>
+          </a:p>
+          <a:p>
+            <a:r>
+              <a:rPr lang="en-US" dirty="0"/>
+              <a:t>helm repo add stable https://kubernetes-charts.storage.googleapis.com/</a:t>
+            </a:r>
+          </a:p>
+          <a:p>
+            <a:r>
+              <a:rPr lang="en-US" dirty="0"/>
+              <a:t>helm install </a:t>
+            </a:r>
+            <a:r>
+              <a:rPr lang="en-US" dirty="0" err="1"/>
+              <a:t>mymssql</a:t>
+            </a:r>
+            <a:r>
+              <a:rPr lang="en-US" dirty="0"/>
+              <a:t> stable/</a:t>
+            </a:r>
+            <a:r>
+              <a:rPr lang="en-US" dirty="0" err="1"/>
+              <a:t>mssql-linux</a:t>
+            </a:r>
+            <a:r>
+              <a:rPr lang="en-US" dirty="0"/>
+              <a:t> --set </a:t>
+            </a:r>
+            <a:r>
+              <a:rPr lang="en-US" dirty="0" err="1"/>
+              <a:t>acceptEula.value</a:t>
+            </a:r>
+            <a:r>
+              <a:rPr lang="en-US" dirty="0"/>
+              <a:t>=Y --set </a:t>
+            </a:r>
+            <a:r>
+              <a:rPr lang="en-US" dirty="0" err="1"/>
+              <a:t>edition.value</a:t>
+            </a:r>
+            <a:r>
+              <a:rPr lang="en-US" dirty="0"/>
+              <a:t>=Developer --set </a:t>
+            </a:r>
+            <a:r>
+              <a:rPr lang="en-US" dirty="0" err="1"/>
+              <a:t>sapassword</a:t>
+            </a:r>
+            <a:r>
+              <a:rPr lang="en-US" dirty="0"/>
+              <a:t>=P@ssW0rd</a:t>
+            </a:r>
+          </a:p>
+          <a:p>
+            <a:endParaRPr lang="en-US" dirty="0"/>
+          </a:p>
+          <a:p>
+            <a:r>
+              <a:rPr lang="en-US" dirty="0" err="1"/>
+              <a:t>kubectl</a:t>
+            </a:r>
+            <a:r>
+              <a:rPr lang="en-US" dirty="0"/>
+              <a:t> get pods</a:t>
+            </a:r>
+          </a:p>
+          <a:p>
+            <a:r>
+              <a:rPr lang="en-US" dirty="0" err="1"/>
+              <a:t>kubectl</a:t>
+            </a:r>
+            <a:r>
+              <a:rPr lang="en-US" dirty="0"/>
+              <a:t> get services</a:t>
+            </a:r>
+          </a:p>
+          <a:p>
+            <a:r>
+              <a:rPr lang="en-US" dirty="0" err="1"/>
+              <a:t>kubectl</a:t>
+            </a:r>
+            <a:r>
+              <a:rPr lang="en-US" dirty="0"/>
+              <a:t> port-forward service/</a:t>
+            </a:r>
+            <a:r>
+              <a:rPr lang="en-US" dirty="0" err="1"/>
+              <a:t>mymssql-mssql-linux</a:t>
+            </a:r>
+            <a:r>
+              <a:rPr lang="en-US" dirty="0"/>
+              <a:t> 1433:1433</a:t>
+            </a:r>
+          </a:p>
+          <a:p>
+            <a:endParaRPr lang="en-US" dirty="0"/>
+          </a:p>
+          <a:p>
+            <a:r>
+              <a:rPr lang="en-US" dirty="0"/>
+              <a:t>JENKINS</a:t>
+            </a:r>
+          </a:p>
+          <a:p>
+            <a:r>
+              <a:rPr lang="en-US" dirty="0"/>
+              <a:t>helm repo add </a:t>
+            </a:r>
+            <a:r>
+              <a:rPr lang="en-US" dirty="0" err="1"/>
+              <a:t>bitnami</a:t>
+            </a:r>
+            <a:r>
+              <a:rPr lang="en-US" dirty="0"/>
+              <a:t> https://charts.bitnami.com/bitnami</a:t>
+            </a:r>
+          </a:p>
+          <a:p>
+            <a:r>
+              <a:rPr lang="en-US" dirty="0"/>
+              <a:t>helm install my-release </a:t>
+            </a:r>
+            <a:r>
+              <a:rPr lang="en-US" dirty="0" err="1"/>
+              <a:t>bitnami</a:t>
+            </a:r>
+            <a:r>
+              <a:rPr lang="en-US" dirty="0"/>
+              <a:t>/</a:t>
+            </a:r>
+            <a:r>
+              <a:rPr lang="en-US" dirty="0" err="1"/>
+              <a:t>jenkins</a:t>
+            </a:r>
+            <a:endParaRPr lang="en-US" dirty="0"/>
+          </a:p>
+          <a:p>
+            <a:r>
+              <a:rPr lang="en-US" dirty="0" err="1"/>
+              <a:t>kubectl</a:t>
+            </a:r>
+            <a:r>
+              <a:rPr lang="en-US" dirty="0"/>
+              <a:t> port-forward my-release-</a:t>
+            </a:r>
+            <a:r>
+              <a:rPr lang="en-US" dirty="0" err="1"/>
+              <a:t>jenkins</a:t>
+            </a:r>
+            <a:r>
+              <a:rPr lang="en-US" dirty="0"/>
+              <a:t> 8080:80</a:t>
+            </a:r>
+          </a:p>
+        </p:txBody>
+      </p:sp>
+      <p:sp>
+        <p:nvSpPr>
+          <p:cNvPr id="4" name="Slide Number Placeholder 3"/>
+          <p:cNvSpPr>
+            <a:spLocks noGrp="1"/>
+          </p:cNvSpPr>
+          <p:nvPr>
+            <p:ph type="sldNum" sz="quarter" idx="5"/>
+          </p:nvPr>
+        </p:nvSpPr>
+        <p:spPr/>
+        <p:txBody>
+          <a:bodyPr/>
+          <a:lstStyle/>
+          <a:p>
+            <a:fld id="{DBFE168D-5F09-4613-B279-C53C85B5CCCA}" type="slidenum">
+              <a:rPr lang="en-US" smtClean="0"/>
+              <a:t>13</a:t>
+            </a:fld>
+            <a:endParaRPr lang="en-US"/>
+          </a:p>
+        </p:txBody>
+      </p:sp>
+    </p:spTree>
+    <p:extLst>
+      <p:ext uri="{BB962C8B-B14F-4D97-AF65-F5344CB8AC3E}">
+        <p14:creationId xmlns:p14="http://schemas.microsoft.com/office/powerpoint/2010/main" val="3840236783"/>
+      </p:ext>
+    </p:extLst>
+  </p:cSld>
+  <p:clrMapOvr>
+    <a:masterClrMapping/>
+  </p:clrMapOvr>
+</p:notes>
+</file>
+
 <file path=ppt/slideLayouts/slideLayout1.xml><?xml version="1.0" encoding="utf-8"?>
 <p:sldLayout xmlns:a="http://schemas.openxmlformats.org/drawingml/2006/main" xmlns:r="http://schemas.openxmlformats.org/officeDocument/2006/relationships" xmlns:p="http://schemas.openxmlformats.org/presentationml/2006/main" type="title" preserve="1">
   <p:cSld name="Title Slide">
@@ -13146,7 +13738,7 @@
           </p:nvPr>
         </p:nvPicPr>
         <p:blipFill rotWithShape="1">
-          <a:blip r:embed="rId2">
+          <a:blip r:embed="rId3">
             <a:extLst>
               <a:ext uri="{28A0092B-C50C-407E-A947-70E740481C1C}">
                 <a14:useLocalDpi xmlns:a14="http://schemas.microsoft.com/office/drawing/2010/main" val="0"/>
@@ -17327,4 +17919,299 @@
     </a:ext>
   </a:extLst>
 </a:theme>
+</file>
+
+<file path=ppt/theme/theme2.xml><?xml version="1.0" encoding="utf-8"?>
+<a:theme xmlns:a="http://schemas.openxmlformats.org/drawingml/2006/main" name="Office Theme">
+  <a:themeElements>
+    <a:clrScheme name="Office">
+      <a:dk1>
+        <a:sysClr val="windowText" lastClr="000000"/>
+      </a:dk1>
+      <a:lt1>
+        <a:sysClr val="window" lastClr="FFFFFF"/>
+      </a:lt1>
+      <a:dk2>
+        <a:srgbClr val="44546A"/>
+      </a:dk2>
+      <a:lt2>
+        <a:srgbClr val="E7E6E6"/>
+      </a:lt2>
+      <a:accent1>
+        <a:srgbClr val="4472C4"/>
+      </a:accent1>
+      <a:accent2>
+        <a:srgbClr val="ED7D31"/>
+      </a:accent2>
+      <a:accent3>
+        <a:srgbClr val="A5A5A5"/>
+      </a:accent3>
+      <a:accent4>
+        <a:srgbClr val="FFC000"/>
+      </a:accent4>
+      <a:accent5>
+        <a:srgbClr val="5B9BD5"/>
+      </a:accent5>
+      <a:accent6>
+        <a:srgbClr val="70AD47"/>
+      </a:accent6>
+      <a:hlink>
+        <a:srgbClr val="0563C1"/>
+      </a:hlink>
+      <a:folHlink>
+        <a:srgbClr val="954F72"/>
+      </a:folHlink>
+    </a:clrScheme>
+    <a:fontScheme name="Office">
+      <a:majorFont>
+        <a:latin typeface="Calibri Light" panose="020F0302020204030204"/>
+        <a:ea typeface=""/>
+        <a:cs typeface=""/>
+        <a:font script="Jpan" typeface="游ゴシック Light"/>
+        <a:font script="Hang" typeface="맑은 고딕"/>
+        <a:font script="Hans" typeface="等线 Light"/>
+        <a:font script="Hant" typeface="新細明體"/>
+        <a:font script="Arab" typeface="Times New Roman"/>
+        <a:font script="Hebr" typeface="Times New Roman"/>
+        <a:font script="Thai" typeface="Angsana New"/>
+        <a:font script="Ethi" typeface="Nyala"/>
+        <a:font script="Beng" typeface="Vrinda"/>
+        <a:font script="Gujr" typeface="Shruti"/>
+        <a:font script="Khmr" typeface="MoolBoran"/>
+        <a:font script="Knda" typeface="Tunga"/>
+        <a:font script="Guru" typeface="Raavi"/>
+        <a:font script="Cans" typeface="Euphemia"/>
+        <a:font script="Cher" typeface="Plantagenet Cherokee"/>
+        <a:font script="Yiii" typeface="Microsoft Yi Baiti"/>
+        <a:font script="Tibt" typeface="Microsoft Himalaya"/>
+        <a:font script="Thaa" typeface="MV Boli"/>
+        <a:font script="Deva" typeface="Mangal"/>
+        <a:font script="Telu" typeface="Gautami"/>
+        <a:font script="Taml" typeface="Latha"/>
+        <a:font script="Syrc" typeface="Estrangelo Edessa"/>
+        <a:font script="Orya" typeface="Kalinga"/>
+        <a:font script="Mlym" typeface="Kartika"/>
+        <a:font script="Laoo" typeface="DokChampa"/>
+        <a:font script="Sinh" typeface="Iskoola Pota"/>
+        <a:font script="Mong" typeface="Mongolian Baiti"/>
+        <a:font script="Viet" typeface="Times New Roman"/>
+        <a:font script="Uigh" typeface="Microsoft Uighur"/>
+        <a:font script="Geor" typeface="Sylfaen"/>
+        <a:font script="Armn" typeface="Arial"/>
+        <a:font script="Bugi" typeface="Leelawadee UI"/>
+        <a:font script="Bopo" typeface="Microsoft JhengHei"/>
+        <a:font script="Java" typeface="Javanese Text"/>
+        <a:font script="Lisu" typeface="Segoe UI"/>
+        <a:font script="Mymr" typeface="Myanmar Text"/>
+        <a:font script="Nkoo" typeface="Ebrima"/>
+        <a:font script="Olck" typeface="Nirmala UI"/>
+        <a:font script="Osma" typeface="Ebrima"/>
+        <a:font script="Phag" typeface="Phagspa"/>
+        <a:font script="Syrn" typeface="Estrangelo Edessa"/>
+        <a:font script="Syrj" typeface="Estrangelo Edessa"/>
+        <a:font script="Syre" typeface="Estrangelo Edessa"/>
+        <a:font script="Sora" typeface="Nirmala UI"/>
+        <a:font script="Tale" typeface="Microsoft Tai Le"/>
+        <a:font script="Talu" typeface="Microsoft New Tai Lue"/>
+        <a:font script="Tfng" typeface="Ebrima"/>
+      </a:majorFont>
+      <a:minorFont>
+        <a:latin typeface="Calibri" panose="020F0502020204030204"/>
+        <a:ea typeface=""/>
+        <a:cs typeface=""/>
+        <a:font script="Jpan" typeface="游ゴシック"/>
+        <a:font script="Hang" typeface="맑은 고딕"/>
+        <a:font script="Hans" typeface="等线"/>
+        <a:font script="Hant" typeface="新細明體"/>
+        <a:font script="Arab" typeface="Arial"/>
+        <a:font script="Hebr" typeface="Arial"/>
+        <a:font script="Thai" typeface="Cordia New"/>
+        <a:font script="Ethi" typeface="Nyala"/>
+        <a:font script="Beng" typeface="Vrinda"/>
+        <a:font script="Gujr" typeface="Shruti"/>
+        <a:font script="Khmr" typeface="DaunPenh"/>
+        <a:font script="Knda" typeface="Tunga"/>
+        <a:font script="Guru" typeface="Raavi"/>
+        <a:font script="Cans" typeface="Euphemia"/>
+        <a:font script="Cher" typeface="Plantagenet Cherokee"/>
+        <a:font script="Yiii" typeface="Microsoft Yi Baiti"/>
+        <a:font script="Tibt" typeface="Microsoft Himalaya"/>
+        <a:font script="Thaa" typeface="MV Boli"/>
+        <a:font script="Deva" typeface="Mangal"/>
+        <a:font script="Telu" typeface="Gautami"/>
+        <a:font script="Taml" typeface="Latha"/>
+        <a:font script="Syrc" typeface="Estrangelo Edessa"/>
+        <a:font script="Orya" typeface="Kalinga"/>
+        <a:font script="Mlym" typeface="Kartika"/>
+        <a:font script="Laoo" typeface="DokChampa"/>
+        <a:font script="Sinh" typeface="Iskoola Pota"/>
+        <a:font script="Mong" typeface="Mongolian Baiti"/>
+        <a:font script="Viet" typeface="Arial"/>
+        <a:font script="Uigh" typeface="Microsoft Uighur"/>
+        <a:font script="Geor" typeface="Sylfaen"/>
+        <a:font script="Armn" typeface="Arial"/>
+        <a:font script="Bugi" typeface="Leelawadee UI"/>
+        <a:font script="Bopo" typeface="Microsoft JhengHei"/>
+        <a:font script="Java" typeface="Javanese Text"/>
+        <a:font script="Lisu" typeface="Segoe UI"/>
+        <a:font script="Mymr" typeface="Myanmar Text"/>
+        <a:font script="Nkoo" typeface="Ebrima"/>
+        <a:font script="Olck" typeface="Nirmala UI"/>
+        <a:font script="Osma" typeface="Ebrima"/>
+        <a:font script="Phag" typeface="Phagspa"/>
+        <a:font script="Syrn" typeface="Estrangelo Edessa"/>
+        <a:font script="Syrj" typeface="Estrangelo Edessa"/>
+        <a:font script="Syre" typeface="Estrangelo Edessa"/>
+        <a:font script="Sora" typeface="Nirmala UI"/>
+        <a:font script="Tale" typeface="Microsoft Tai Le"/>
+        <a:font script="Talu" typeface="Microsoft New Tai Lue"/>
+        <a:font script="Tfng" typeface="Ebrima"/>
+      </a:minorFont>
+    </a:fontScheme>
+    <a:fmtScheme name="Office">
+      <a:fillStyleLst>
+        <a:solidFill>
+          <a:schemeClr val="phClr"/>
+        </a:solidFill>
+        <a:gradFill rotWithShape="1">
+          <a:gsLst>
+            <a:gs pos="0">
+              <a:schemeClr val="phClr">
+                <a:lumMod val="110000"/>
+                <a:satMod val="105000"/>
+                <a:tint val="67000"/>
+              </a:schemeClr>
+            </a:gs>
+            <a:gs pos="50000">
+              <a:schemeClr val="phClr">
+                <a:lumMod val="105000"/>
+                <a:satMod val="103000"/>
+                <a:tint val="73000"/>
+              </a:schemeClr>
+            </a:gs>
+            <a:gs pos="100000">
+              <a:schemeClr val="phClr">
+                <a:lumMod val="105000"/>
+                <a:satMod val="109000"/>
+                <a:tint val="81000"/>
+              </a:schemeClr>
+            </a:gs>
+          </a:gsLst>
+          <a:lin ang="5400000" scaled="0"/>
+        </a:gradFill>
+        <a:gradFill rotWithShape="1">
+          <a:gsLst>
+            <a:gs pos="0">
+              <a:schemeClr val="phClr">
+                <a:satMod val="103000"/>
+                <a:lumMod val="102000"/>
+                <a:tint val="94000"/>
+              </a:schemeClr>
+            </a:gs>
+            <a:gs pos="50000">
+              <a:schemeClr val="phClr">
+                <a:satMod val="110000"/>
+                <a:lumMod val="100000"/>
+                <a:shade val="100000"/>
+              </a:schemeClr>
+            </a:gs>
+            <a:gs pos="100000">
+              <a:schemeClr val="phClr">
+                <a:lumMod val="99000"/>
+                <a:satMod val="120000"/>
+                <a:shade val="78000"/>
+              </a:schemeClr>
+            </a:gs>
+          </a:gsLst>
+          <a:lin ang="5400000" scaled="0"/>
+        </a:gradFill>
+      </a:fillStyleLst>
+      <a:lnStyleLst>
+        <a:ln w="6350" cap="flat" cmpd="sng" algn="ctr">
+          <a:solidFill>
+            <a:schemeClr val="phClr"/>
+          </a:solidFill>
+          <a:prstDash val="solid"/>
+          <a:miter lim="800000"/>
+        </a:ln>
+        <a:ln w="12700" cap="flat" cmpd="sng" algn="ctr">
+          <a:solidFill>
+            <a:schemeClr val="phClr"/>
+          </a:solidFill>
+          <a:prstDash val="solid"/>
+          <a:miter lim="800000"/>
+        </a:ln>
+        <a:ln w="19050" cap="flat" cmpd="sng" algn="ctr">
+          <a:solidFill>
+            <a:schemeClr val="phClr"/>
+          </a:solidFill>
+          <a:prstDash val="solid"/>
+          <a:miter lim="800000"/>
+        </a:ln>
+      </a:lnStyleLst>
+      <a:effectStyleLst>
+        <a:effectStyle>
+          <a:effectLst/>
+        </a:effectStyle>
+        <a:effectStyle>
+          <a:effectLst/>
+        </a:effectStyle>
+        <a:effectStyle>
+          <a:effectLst>
+            <a:outerShdw blurRad="57150" dist="19050" dir="5400000" algn="ctr" rotWithShape="0">
+              <a:srgbClr val="000000">
+                <a:alpha val="63000"/>
+              </a:srgbClr>
+            </a:outerShdw>
+          </a:effectLst>
+        </a:effectStyle>
+      </a:effectStyleLst>
+      <a:bgFillStyleLst>
+        <a:solidFill>
+          <a:schemeClr val="phClr"/>
+        </a:solidFill>
+        <a:solidFill>
+          <a:schemeClr val="phClr">
+            <a:tint val="95000"/>
+            <a:satMod val="170000"/>
+          </a:schemeClr>
+        </a:solidFill>
+        <a:gradFill rotWithShape="1">
+          <a:gsLst>
+            <a:gs pos="0">
+              <a:schemeClr val="phClr">
+                <a:tint val="93000"/>
+                <a:satMod val="150000"/>
+                <a:shade val="98000"/>
+                <a:lumMod val="102000"/>
+              </a:schemeClr>
+            </a:gs>
+            <a:gs pos="50000">
+              <a:schemeClr val="phClr">
+                <a:tint val="98000"/>
+                <a:satMod val="130000"/>
+                <a:shade val="90000"/>
+                <a:lumMod val="103000"/>
+              </a:schemeClr>
+            </a:gs>
+            <a:gs pos="100000">
+              <a:schemeClr val="phClr">
+                <a:shade val="63000"/>
+                <a:satMod val="120000"/>
+              </a:schemeClr>
+            </a:gs>
+          </a:gsLst>
+          <a:lin ang="5400000" scaled="0"/>
+        </a:gradFill>
+      </a:bgFillStyleLst>
+    </a:fmtScheme>
+  </a:themeElements>
+  <a:objectDefaults/>
+  <a:extraClrSchemeLst/>
+  <a:extLst>
+    <a:ext uri="{05A4C25C-085E-4340-85A3-A5531E510DB2}">
+      <thm15:themeFamily xmlns:thm15="http://schemas.microsoft.com/office/thememl/2012/main" name="Office Theme" id="{62F939B6-93AF-4DB8-9C6B-D6C7DFDC589F}" vid="{4A3C46E8-61CC-4603-A589-7422A47A8E4A}"/>
+    </a:ext>
+  </a:extLst>
+</a:theme>
 </file>
--- a/fun-with-k8s.pptx
+++ b/fun-with-k8s.pptx
@@ -5,23 +5,24 @@
     <p:sldMasterId id="2147483648" r:id="rId1"/>
   </p:sldMasterIdLst>
   <p:notesMasterIdLst>
-    <p:notesMasterId r:id="rId16"/>
+    <p:notesMasterId r:id="rId17"/>
   </p:notesMasterIdLst>
   <p:sldIdLst>
     <p:sldId id="256" r:id="rId2"/>
     <p:sldId id="257" r:id="rId3"/>
     <p:sldId id="258" r:id="rId4"/>
-    <p:sldId id="260" r:id="rId5"/>
-    <p:sldId id="272" r:id="rId6"/>
-    <p:sldId id="281" r:id="rId7"/>
-    <p:sldId id="273" r:id="rId8"/>
-    <p:sldId id="278" r:id="rId9"/>
-    <p:sldId id="279" r:id="rId10"/>
-    <p:sldId id="282" r:id="rId11"/>
-    <p:sldId id="280" r:id="rId12"/>
-    <p:sldId id="277" r:id="rId13"/>
-    <p:sldId id="259" r:id="rId14"/>
-    <p:sldId id="268" r:id="rId15"/>
+    <p:sldId id="283" r:id="rId5"/>
+    <p:sldId id="260" r:id="rId6"/>
+    <p:sldId id="272" r:id="rId7"/>
+    <p:sldId id="281" r:id="rId8"/>
+    <p:sldId id="273" r:id="rId9"/>
+    <p:sldId id="278" r:id="rId10"/>
+    <p:sldId id="279" r:id="rId11"/>
+    <p:sldId id="282" r:id="rId12"/>
+    <p:sldId id="280" r:id="rId13"/>
+    <p:sldId id="277" r:id="rId14"/>
+    <p:sldId id="259" r:id="rId15"/>
+    <p:sldId id="268" r:id="rId16"/>
   </p:sldIdLst>
   <p:sldSz cx="12192000" cy="6858000"/>
   <p:notesSz cx="6858000" cy="9144000"/>
@@ -1693,6 +1694,788 @@
 </file>
 
 <file path=ppt/diagrams/colors3.xml><?xml version="1.0" encoding="utf-8"?>
+<dgm:colorsDef xmlns:dgm="http://schemas.openxmlformats.org/drawingml/2006/diagram" xmlns:a="http://schemas.openxmlformats.org/drawingml/2006/main" uniqueId="urn:microsoft.com/office/officeart/2005/8/colors/colorful5">
+  <dgm:title val=""/>
+  <dgm:desc val=""/>
+  <dgm:catLst>
+    <dgm:cat type="colorful" pri="10500"/>
+  </dgm:catLst>
+  <dgm:styleLbl name="node0">
+    <dgm:fillClrLst meth="repeat">
+      <a:schemeClr val="accent4"/>
+    </dgm:fillClrLst>
+    <dgm:linClrLst meth="repeat">
+      <a:schemeClr val="lt1"/>
+    </dgm:linClrLst>
+    <dgm:effectClrLst/>
+    <dgm:txLinClrLst/>
+    <dgm:txFillClrLst/>
+    <dgm:txEffectClrLst/>
+  </dgm:styleLbl>
+  <dgm:styleLbl name="node1">
+    <dgm:fillClrLst>
+      <a:schemeClr val="accent5"/>
+      <a:schemeClr val="accent6"/>
+    </dgm:fillClrLst>
+    <dgm:linClrLst meth="repeat">
+      <a:schemeClr val="lt1"/>
+    </dgm:linClrLst>
+    <dgm:effectClrLst/>
+    <dgm:txLinClrLst/>
+    <dgm:txFillClrLst/>
+    <dgm:txEffectClrLst/>
+  </dgm:styleLbl>
+  <dgm:styleLbl name="alignNode1">
+    <dgm:fillClrLst>
+      <a:schemeClr val="accent5"/>
+      <a:schemeClr val="accent6"/>
+    </dgm:fillClrLst>
+    <dgm:linClrLst>
+      <a:schemeClr val="accent5"/>
+      <a:schemeClr val="accent6"/>
+    </dgm:linClrLst>
+    <dgm:effectClrLst/>
+    <dgm:txLinClrLst/>
+    <dgm:txFillClrLst/>
+    <dgm:txEffectClrLst/>
+  </dgm:styleLbl>
+  <dgm:styleLbl name="lnNode1">
+    <dgm:fillClrLst>
+      <a:schemeClr val="accent5"/>
+      <a:schemeClr val="accent6"/>
+    </dgm:fillClrLst>
+    <dgm:linClrLst meth="repeat">
+      <a:schemeClr val="lt1"/>
+    </dgm:linClrLst>
+    <dgm:effectClrLst/>
+    <dgm:txLinClrLst/>
+    <dgm:txFillClrLst/>
+    <dgm:txEffectClrLst/>
+  </dgm:styleLbl>
+  <dgm:styleLbl name="vennNode1">
+    <dgm:fillClrLst>
+      <a:schemeClr val="accent5">
+        <a:alpha val="50000"/>
+      </a:schemeClr>
+      <a:schemeClr val="accent6">
+        <a:alpha val="50000"/>
+      </a:schemeClr>
+    </dgm:fillClrLst>
+    <dgm:linClrLst meth="repeat">
+      <a:schemeClr val="lt1"/>
+    </dgm:linClrLst>
+    <dgm:effectClrLst/>
+    <dgm:txLinClrLst/>
+    <dgm:txFillClrLst/>
+    <dgm:txEffectClrLst/>
+  </dgm:styleLbl>
+  <dgm:styleLbl name="node2">
+    <dgm:fillClrLst>
+      <a:schemeClr val="accent6"/>
+    </dgm:fillClrLst>
+    <dgm:linClrLst meth="repeat">
+      <a:schemeClr val="lt1"/>
+    </dgm:linClrLst>
+    <dgm:effectClrLst/>
+    <dgm:txLinClrLst/>
+    <dgm:txFillClrLst/>
+    <dgm:txEffectClrLst/>
+  </dgm:styleLbl>
+  <dgm:styleLbl name="node3">
+    <dgm:fillClrLst>
+      <a:schemeClr val="accent1"/>
+    </dgm:fillClrLst>
+    <dgm:linClrLst meth="repeat">
+      <a:schemeClr val="lt1"/>
+    </dgm:linClrLst>
+    <dgm:effectClrLst/>
+    <dgm:txLinClrLst/>
+    <dgm:txFillClrLst/>
+    <dgm:txEffectClrLst/>
+  </dgm:styleLbl>
+  <dgm:styleLbl name="node4">
+    <dgm:fillClrLst>
+      <a:schemeClr val="accent2"/>
+    </dgm:fillClrLst>
+    <dgm:linClrLst meth="repeat">
+      <a:schemeClr val="lt1"/>
+    </dgm:linClrLst>
+    <dgm:effectClrLst/>
+    <dgm:txLinClrLst/>
+    <dgm:txFillClrLst/>
+    <dgm:txEffectClrLst/>
+  </dgm:styleLbl>
+  <dgm:styleLbl name="fgImgPlace1">
+    <dgm:fillClrLst>
+      <a:schemeClr val="accent5">
+        <a:tint val="50000"/>
+      </a:schemeClr>
+      <a:schemeClr val="accent6">
+        <a:tint val="50000"/>
+      </a:schemeClr>
+    </dgm:fillClrLst>
+    <dgm:linClrLst meth="repeat">
+      <a:schemeClr val="lt1"/>
+    </dgm:linClrLst>
+    <dgm:effectClrLst/>
+    <dgm:txLinClrLst/>
+    <dgm:txFillClrLst meth="repeat">
+      <a:schemeClr val="lt1"/>
+    </dgm:txFillClrLst>
+    <dgm:txEffectClrLst/>
+  </dgm:styleLbl>
+  <dgm:styleLbl name="alignImgPlace1">
+    <dgm:fillClrLst>
+      <a:schemeClr val="accent5">
+        <a:tint val="50000"/>
+      </a:schemeClr>
+      <a:schemeClr val="accent6">
+        <a:tint val="20000"/>
+      </a:schemeClr>
+    </dgm:fillClrLst>
+    <dgm:linClrLst meth="repeat">
+      <a:schemeClr val="lt1"/>
+    </dgm:linClrLst>
+    <dgm:effectClrLst/>
+    <dgm:txLinClrLst/>
+    <dgm:txFillClrLst meth="repeat">
+      <a:schemeClr val="lt1"/>
+    </dgm:txFillClrLst>
+    <dgm:txEffectClrLst/>
+  </dgm:styleLbl>
+  <dgm:styleLbl name="bgImgPlace1">
+    <dgm:fillClrLst>
+      <a:schemeClr val="accent5">
+        <a:tint val="50000"/>
+      </a:schemeClr>
+      <a:schemeClr val="accent6">
+        <a:tint val="20000"/>
+      </a:schemeClr>
+    </dgm:fillClrLst>
+    <dgm:linClrLst meth="repeat">
+      <a:schemeClr val="lt1"/>
+    </dgm:linClrLst>
+    <dgm:effectClrLst/>
+    <dgm:txLinClrLst/>
+    <dgm:txFillClrLst meth="repeat">
+      <a:schemeClr val="lt1"/>
+    </dgm:txFillClrLst>
+    <dgm:txEffectClrLst/>
+  </dgm:styleLbl>
+  <dgm:styleLbl name="sibTrans2D1">
+    <dgm:fillClrLst>
+      <a:schemeClr val="accent5"/>
+      <a:schemeClr val="accent6"/>
+    </dgm:fillClrLst>
+    <dgm:linClrLst meth="repeat">
+      <a:schemeClr val="lt1"/>
+    </dgm:linClrLst>
+    <dgm:effectClrLst/>
+    <dgm:txLinClrLst/>
+    <dgm:txFillClrLst/>
+    <dgm:txEffectClrLst/>
+  </dgm:styleLbl>
+  <dgm:styleLbl name="fgSibTrans2D1">
+    <dgm:fillClrLst>
+      <a:schemeClr val="accent5"/>
+      <a:schemeClr val="accent6"/>
+    </dgm:fillClrLst>
+    <dgm:linClrLst meth="repeat">
+      <a:schemeClr val="lt1"/>
+    </dgm:linClrLst>
+    <dgm:effectClrLst/>
+    <dgm:txLinClrLst/>
+    <dgm:txFillClrLst meth="repeat">
+      <a:schemeClr val="lt1"/>
+    </dgm:txFillClrLst>
+    <dgm:txEffectClrLst/>
+  </dgm:styleLbl>
+  <dgm:styleLbl name="bgSibTrans2D1">
+    <dgm:fillClrLst>
+      <a:schemeClr val="accent5"/>
+      <a:schemeClr val="accent6"/>
+    </dgm:fillClrLst>
+    <dgm:linClrLst meth="repeat">
+      <a:schemeClr val="lt1"/>
+    </dgm:linClrLst>
+    <dgm:effectClrLst/>
+    <dgm:txLinClrLst/>
+    <dgm:txFillClrLst meth="repeat">
+      <a:schemeClr val="lt1"/>
+    </dgm:txFillClrLst>
+    <dgm:txEffectClrLst/>
+  </dgm:styleLbl>
+  <dgm:styleLbl name="sibTrans1D1">
+    <dgm:fillClrLst/>
+    <dgm:linClrLst>
+      <a:schemeClr val="accent5"/>
+      <a:schemeClr val="accent6"/>
+    </dgm:linClrLst>
+    <dgm:effectClrLst/>
+    <dgm:txLinClrLst/>
+    <dgm:txFillClrLst meth="repeat">
+      <a:schemeClr val="tx1"/>
+    </dgm:txFillClrLst>
+    <dgm:txEffectClrLst/>
+  </dgm:styleLbl>
+  <dgm:styleLbl name="callout">
+    <dgm:fillClrLst meth="repeat">
+      <a:schemeClr val="accent5"/>
+    </dgm:fillClrLst>
+    <dgm:linClrLst meth="repeat">
+      <a:schemeClr val="accent5">
+        <a:tint val="50000"/>
+      </a:schemeClr>
+    </dgm:linClrLst>
+    <dgm:effectClrLst/>
+    <dgm:txLinClrLst/>
+    <dgm:txFillClrLst meth="repeat">
+      <a:schemeClr val="tx1"/>
+    </dgm:txFillClrLst>
+    <dgm:txEffectClrLst/>
+  </dgm:styleLbl>
+  <dgm:styleLbl name="asst0">
+    <dgm:fillClrLst meth="repeat">
+      <a:schemeClr val="accent5"/>
+    </dgm:fillClrLst>
+    <dgm:linClrLst meth="repeat">
+      <a:schemeClr val="lt1">
+        <a:shade val="80000"/>
+      </a:schemeClr>
+    </dgm:linClrLst>
+    <dgm:effectClrLst/>
+    <dgm:txLinClrLst/>
+    <dgm:txFillClrLst/>
+    <dgm:txEffectClrLst/>
+  </dgm:styleLbl>
+  <dgm:styleLbl name="asst1">
+    <dgm:fillClrLst meth="repeat">
+      <a:schemeClr val="accent6"/>
+    </dgm:fillClrLst>
+    <dgm:linClrLst meth="repeat">
+      <a:schemeClr val="lt1">
+        <a:shade val="80000"/>
+      </a:schemeClr>
+    </dgm:linClrLst>
+    <dgm:effectClrLst/>
+    <dgm:txLinClrLst/>
+    <dgm:txFillClrLst/>
+    <dgm:txEffectClrLst/>
+  </dgm:styleLbl>
+  <dgm:styleLbl name="asst2">
+    <dgm:fillClrLst>
+      <a:schemeClr val="accent1"/>
+    </dgm:fillClrLst>
+    <dgm:linClrLst meth="repeat">
+      <a:schemeClr val="lt1"/>
+    </dgm:linClrLst>
+    <dgm:effectClrLst/>
+    <dgm:txLinClrLst/>
+    <dgm:txFillClrLst/>
+    <dgm:txEffectClrLst/>
+  </dgm:styleLbl>
+  <dgm:styleLbl name="asst3">
+    <dgm:fillClrLst>
+      <a:schemeClr val="accent2"/>
+    </dgm:fillClrLst>
+    <dgm:linClrLst meth="repeat">
+      <a:schemeClr val="lt1"/>
+    </dgm:linClrLst>
+    <dgm:effectClrLst/>
+    <dgm:txLinClrLst/>
+    <dgm:txFillClrLst/>
+    <dgm:txEffectClrLst/>
+  </dgm:styleLbl>
+  <dgm:styleLbl name="asst4">
+    <dgm:fillClrLst>
+      <a:schemeClr val="accent3"/>
+    </dgm:fillClrLst>
+    <dgm:linClrLst meth="repeat">
+      <a:schemeClr val="lt1"/>
+    </dgm:linClrLst>
+    <dgm:effectClrLst/>
+    <dgm:txLinClrLst/>
+    <dgm:txFillClrLst/>
+    <dgm:txEffectClrLst/>
+  </dgm:styleLbl>
+  <dgm:styleLbl name="parChTrans2D1">
+    <dgm:fillClrLst meth="repeat">
+      <a:schemeClr val="accent5"/>
+    </dgm:fillClrLst>
+    <dgm:linClrLst meth="repeat">
+      <a:schemeClr val="lt1"/>
+    </dgm:linClrLst>
+    <dgm:effectClrLst/>
+    <dgm:txLinClrLst/>
+    <dgm:txFillClrLst meth="repeat">
+      <a:schemeClr val="lt1"/>
+    </dgm:txFillClrLst>
+    <dgm:txEffectClrLst/>
+  </dgm:styleLbl>
+  <dgm:styleLbl name="parChTrans2D2">
+    <dgm:fillClrLst meth="repeat">
+      <a:schemeClr val="accent6"/>
+    </dgm:fillClrLst>
+    <dgm:linClrLst meth="repeat">
+      <a:schemeClr val="lt1"/>
+    </dgm:linClrLst>
+    <dgm:effectClrLst/>
+    <dgm:txLinClrLst/>
+    <dgm:txFillClrLst/>
+    <dgm:txEffectClrLst/>
+  </dgm:styleLbl>
+  <dgm:styleLbl name="parChTrans2D3">
+    <dgm:fillClrLst meth="repeat">
+      <a:schemeClr val="accent6"/>
+    </dgm:fillClrLst>
+    <dgm:linClrLst meth="repeat">
+      <a:schemeClr val="lt1"/>
+    </dgm:linClrLst>
+    <dgm:effectClrLst/>
+    <dgm:txLinClrLst/>
+    <dgm:txFillClrLst/>
+    <dgm:txEffectClrLst/>
+  </dgm:styleLbl>
+  <dgm:styleLbl name="parChTrans2D4">
+    <dgm:fillClrLst meth="repeat">
+      <a:schemeClr val="accent1"/>
+    </dgm:fillClrLst>
+    <dgm:linClrLst meth="repeat">
+      <a:schemeClr val="lt1"/>
+    </dgm:linClrLst>
+    <dgm:effectClrLst/>
+    <dgm:txLinClrLst/>
+    <dgm:txFillClrLst meth="repeat">
+      <a:schemeClr val="lt1"/>
+    </dgm:txFillClrLst>
+    <dgm:txEffectClrLst/>
+  </dgm:styleLbl>
+  <dgm:styleLbl name="parChTrans1D1">
+    <dgm:fillClrLst meth="repeat">
+      <a:schemeClr val="accent5"/>
+    </dgm:fillClrLst>
+    <dgm:linClrLst meth="repeat">
+      <a:schemeClr val="accent5"/>
+    </dgm:linClrLst>
+    <dgm:effectClrLst/>
+    <dgm:txLinClrLst/>
+    <dgm:txFillClrLst meth="repeat">
+      <a:schemeClr val="tx1"/>
+    </dgm:txFillClrLst>
+    <dgm:txEffectClrLst/>
+  </dgm:styleLbl>
+  <dgm:styleLbl name="parChTrans1D2">
+    <dgm:fillClrLst meth="repeat">
+      <a:schemeClr val="accent6">
+        <a:tint val="90000"/>
+      </a:schemeClr>
+    </dgm:fillClrLst>
+    <dgm:linClrLst meth="repeat">
+      <a:schemeClr val="accent6"/>
+    </dgm:linClrLst>
+    <dgm:effectClrLst/>
+    <dgm:txLinClrLst/>
+    <dgm:txFillClrLst meth="repeat">
+      <a:schemeClr val="tx1"/>
+    </dgm:txFillClrLst>
+    <dgm:txEffectClrLst/>
+  </dgm:styleLbl>
+  <dgm:styleLbl name="parChTrans1D3">
+    <dgm:fillClrLst meth="repeat">
+      <a:schemeClr val="accent6">
+        <a:tint val="70000"/>
+      </a:schemeClr>
+    </dgm:fillClrLst>
+    <dgm:linClrLst meth="repeat">
+      <a:schemeClr val="accent1"/>
+    </dgm:linClrLst>
+    <dgm:effectClrLst/>
+    <dgm:txLinClrLst/>
+    <dgm:txFillClrLst meth="repeat">
+      <a:schemeClr val="tx1"/>
+    </dgm:txFillClrLst>
+    <dgm:txEffectClrLst/>
+  </dgm:styleLbl>
+  <dgm:styleLbl name="parChTrans1D4">
+    <dgm:fillClrLst meth="repeat">
+      <a:schemeClr val="accent6">
+        <a:tint val="50000"/>
+      </a:schemeClr>
+    </dgm:fillClrLst>
+    <dgm:linClrLst meth="repeat">
+      <a:schemeClr val="accent2"/>
+    </dgm:linClrLst>
+    <dgm:effectClrLst/>
+    <dgm:txLinClrLst/>
+    <dgm:txFillClrLst meth="repeat">
+      <a:schemeClr val="tx1"/>
+    </dgm:txFillClrLst>
+    <dgm:txEffectClrLst/>
+  </dgm:styleLbl>
+  <dgm:styleLbl name="fgAcc1">
+    <dgm:fillClrLst meth="repeat">
+      <a:schemeClr val="lt1">
+        <a:alpha val="90000"/>
+      </a:schemeClr>
+    </dgm:fillClrLst>
+    <dgm:linClrLst>
+      <a:schemeClr val="accent5"/>
+      <a:schemeClr val="accent6"/>
+    </dgm:linClrLst>
+    <dgm:effectClrLst/>
+    <dgm:txLinClrLst/>
+    <dgm:txFillClrLst meth="repeat">
+      <a:schemeClr val="dk1"/>
+    </dgm:txFillClrLst>
+    <dgm:txEffectClrLst/>
+  </dgm:styleLbl>
+  <dgm:styleLbl name="conFgAcc1">
+    <dgm:fillClrLst meth="repeat">
+      <a:schemeClr val="lt1">
+        <a:alpha val="90000"/>
+      </a:schemeClr>
+    </dgm:fillClrLst>
+    <dgm:linClrLst>
+      <a:schemeClr val="accent5"/>
+      <a:schemeClr val="accent6"/>
+    </dgm:linClrLst>
+    <dgm:effectClrLst/>
+    <dgm:txLinClrLst/>
+    <dgm:txFillClrLst meth="repeat">
+      <a:schemeClr val="dk1"/>
+    </dgm:txFillClrLst>
+    <dgm:txEffectClrLst/>
+  </dgm:styleLbl>
+  <dgm:styleLbl name="alignAcc1">
+    <dgm:fillClrLst meth="repeat">
+      <a:schemeClr val="lt1">
+        <a:alpha val="90000"/>
+      </a:schemeClr>
+    </dgm:fillClrLst>
+    <dgm:linClrLst>
+      <a:schemeClr val="accent5"/>
+      <a:schemeClr val="accent6"/>
+    </dgm:linClrLst>
+    <dgm:effectClrLst/>
+    <dgm:txLinClrLst/>
+    <dgm:txFillClrLst meth="repeat">
+      <a:schemeClr val="dk1"/>
+    </dgm:txFillClrLst>
+    <dgm:txEffectClrLst/>
+  </dgm:styleLbl>
+  <dgm:styleLbl name="trAlignAcc1">
+    <dgm:fillClrLst meth="repeat">
+      <a:schemeClr val="lt1">
+        <a:alpha val="40000"/>
+      </a:schemeClr>
+    </dgm:fillClrLst>
+    <dgm:linClrLst meth="repeat">
+      <a:schemeClr val="accent5"/>
+    </dgm:linClrLst>
+    <dgm:effectClrLst/>
+    <dgm:txLinClrLst/>
+    <dgm:txFillClrLst meth="repeat">
+      <a:schemeClr val="dk1"/>
+    </dgm:txFillClrLst>
+    <dgm:txEffectClrLst/>
+  </dgm:styleLbl>
+  <dgm:styleLbl name="bgAcc1">
+    <dgm:fillClrLst meth="repeat">
+      <a:schemeClr val="lt1">
+        <a:alpha val="90000"/>
+      </a:schemeClr>
+    </dgm:fillClrLst>
+    <dgm:linClrLst>
+      <a:schemeClr val="accent5"/>
+      <a:schemeClr val="accent6"/>
+    </dgm:linClrLst>
+    <dgm:effectClrLst/>
+    <dgm:txLinClrLst/>
+    <dgm:txFillClrLst meth="repeat">
+      <a:schemeClr val="dk1"/>
+    </dgm:txFillClrLst>
+    <dgm:txEffectClrLst/>
+  </dgm:styleLbl>
+  <dgm:styleLbl name="solidFgAcc1">
+    <dgm:fillClrLst meth="repeat">
+      <a:schemeClr val="lt1"/>
+    </dgm:fillClrLst>
+    <dgm:linClrLst>
+      <a:schemeClr val="accent5"/>
+      <a:schemeClr val="accent6"/>
+    </dgm:linClrLst>
+    <dgm:effectClrLst/>
+    <dgm:txLinClrLst/>
+    <dgm:txFillClrLst meth="repeat">
+      <a:schemeClr val="dk1"/>
+    </dgm:txFillClrLst>
+    <dgm:txEffectClrLst/>
+  </dgm:styleLbl>
+  <dgm:styleLbl name="solidAlignAcc1">
+    <dgm:fillClrLst meth="repeat">
+      <a:schemeClr val="lt1"/>
+    </dgm:fillClrLst>
+    <dgm:linClrLst>
+      <a:schemeClr val="accent5"/>
+      <a:schemeClr val="accent6"/>
+    </dgm:linClrLst>
+    <dgm:effectClrLst/>
+    <dgm:txLinClrLst/>
+    <dgm:txFillClrLst meth="repeat">
+      <a:schemeClr val="dk1"/>
+    </dgm:txFillClrLst>
+    <dgm:txEffectClrLst/>
+  </dgm:styleLbl>
+  <dgm:styleLbl name="solidBgAcc1">
+    <dgm:fillClrLst meth="repeat">
+      <a:schemeClr val="lt1"/>
+    </dgm:fillClrLst>
+    <dgm:linClrLst>
+      <a:schemeClr val="accent5"/>
+      <a:schemeClr val="accent6"/>
+    </dgm:linClrLst>
+    <dgm:effectClrLst/>
+    <dgm:txLinClrLst/>
+    <dgm:txFillClrLst meth="repeat">
+      <a:schemeClr val="dk1"/>
+    </dgm:txFillClrLst>
+    <dgm:txEffectClrLst/>
+  </dgm:styleLbl>
+  <dgm:styleLbl name="fgAccFollowNode1">
+    <dgm:fillClrLst>
+      <a:schemeClr val="accent5">
+        <a:tint val="40000"/>
+        <a:alpha val="90000"/>
+      </a:schemeClr>
+      <a:schemeClr val="accent6">
+        <a:tint val="40000"/>
+        <a:alpha val="90000"/>
+      </a:schemeClr>
+    </dgm:fillClrLst>
+    <dgm:linClrLst>
+      <a:schemeClr val="accent5">
+        <a:tint val="40000"/>
+        <a:alpha val="90000"/>
+      </a:schemeClr>
+      <a:schemeClr val="accent5">
+        <a:tint val="40000"/>
+        <a:alpha val="90000"/>
+      </a:schemeClr>
+    </dgm:linClrLst>
+    <dgm:effectClrLst/>
+    <dgm:txLinClrLst/>
+    <dgm:txFillClrLst meth="repeat">
+      <a:schemeClr val="dk1"/>
+    </dgm:txFillClrLst>
+    <dgm:txEffectClrLst/>
+  </dgm:styleLbl>
+  <dgm:styleLbl name="alignAccFollowNode1">
+    <dgm:fillClrLst>
+      <a:schemeClr val="accent5">
+        <a:tint val="40000"/>
+        <a:alpha val="90000"/>
+      </a:schemeClr>
+      <a:schemeClr val="accent6">
+        <a:tint val="40000"/>
+        <a:alpha val="90000"/>
+      </a:schemeClr>
+    </dgm:fillClrLst>
+    <dgm:linClrLst>
+      <a:schemeClr val="accent5">
+        <a:tint val="40000"/>
+        <a:alpha val="90000"/>
+      </a:schemeClr>
+      <a:schemeClr val="accent6">
+        <a:tint val="40000"/>
+        <a:alpha val="90000"/>
+      </a:schemeClr>
+    </dgm:linClrLst>
+    <dgm:effectClrLst/>
+    <dgm:txLinClrLst/>
+    <dgm:txFillClrLst meth="repeat">
+      <a:schemeClr val="dk1"/>
+    </dgm:txFillClrLst>
+    <dgm:txEffectClrLst/>
+  </dgm:styleLbl>
+  <dgm:styleLbl name="bgAccFollowNode1">
+    <dgm:fillClrLst>
+      <a:schemeClr val="accent5">
+        <a:tint val="40000"/>
+        <a:alpha val="90000"/>
+      </a:schemeClr>
+      <a:schemeClr val="accent6">
+        <a:tint val="40000"/>
+        <a:alpha val="90000"/>
+      </a:schemeClr>
+    </dgm:fillClrLst>
+    <dgm:linClrLst>
+      <a:schemeClr val="accent5">
+        <a:tint val="40000"/>
+        <a:alpha val="90000"/>
+      </a:schemeClr>
+      <a:schemeClr val="accent6">
+        <a:tint val="40000"/>
+        <a:alpha val="90000"/>
+      </a:schemeClr>
+    </dgm:linClrLst>
+    <dgm:effectClrLst/>
+    <dgm:txLinClrLst/>
+    <dgm:txFillClrLst meth="repeat">
+      <a:schemeClr val="dk1"/>
+    </dgm:txFillClrLst>
+    <dgm:txEffectClrLst/>
+  </dgm:styleLbl>
+  <dgm:styleLbl name="fgAcc0">
+    <dgm:fillClrLst meth="repeat">
+      <a:schemeClr val="lt1">
+        <a:alpha val="90000"/>
+      </a:schemeClr>
+    </dgm:fillClrLst>
+    <dgm:linClrLst>
+      <a:schemeClr val="accent4"/>
+    </dgm:linClrLst>
+    <dgm:effectClrLst/>
+    <dgm:txLinClrLst/>
+    <dgm:txFillClrLst meth="repeat">
+      <a:schemeClr val="dk1"/>
+    </dgm:txFillClrLst>
+    <dgm:txEffectClrLst/>
+  </dgm:styleLbl>
+  <dgm:styleLbl name="fgAcc2">
+    <dgm:fillClrLst meth="repeat">
+      <a:schemeClr val="lt1">
+        <a:alpha val="90000"/>
+      </a:schemeClr>
+    </dgm:fillClrLst>
+    <dgm:linClrLst>
+      <a:schemeClr val="accent6"/>
+    </dgm:linClrLst>
+    <dgm:effectClrLst/>
+    <dgm:txLinClrLst/>
+    <dgm:txFillClrLst meth="repeat">
+      <a:schemeClr val="dk1"/>
+    </dgm:txFillClrLst>
+    <dgm:txEffectClrLst/>
+  </dgm:styleLbl>
+  <dgm:styleLbl name="fgAcc3">
+    <dgm:fillClrLst meth="repeat">
+      <a:schemeClr val="lt1">
+        <a:alpha val="90000"/>
+      </a:schemeClr>
+    </dgm:fillClrLst>
+    <dgm:linClrLst>
+      <a:schemeClr val="accent1"/>
+    </dgm:linClrLst>
+    <dgm:effectClrLst/>
+    <dgm:txLinClrLst/>
+    <dgm:txFillClrLst meth="repeat">
+      <a:schemeClr val="dk1"/>
+    </dgm:txFillClrLst>
+    <dgm:txEffectClrLst/>
+  </dgm:styleLbl>
+  <dgm:styleLbl name="fgAcc4">
+    <dgm:fillClrLst meth="repeat">
+      <a:schemeClr val="lt1">
+        <a:alpha val="90000"/>
+      </a:schemeClr>
+    </dgm:fillClrLst>
+    <dgm:linClrLst>
+      <a:schemeClr val="accent2"/>
+    </dgm:linClrLst>
+    <dgm:effectClrLst/>
+    <dgm:txLinClrLst/>
+    <dgm:txFillClrLst meth="repeat">
+      <a:schemeClr val="dk1"/>
+    </dgm:txFillClrLst>
+    <dgm:txEffectClrLst/>
+  </dgm:styleLbl>
+  <dgm:styleLbl name="bgShp">
+    <dgm:fillClrLst meth="repeat">
+      <a:schemeClr val="accent5">
+        <a:tint val="40000"/>
+      </a:schemeClr>
+    </dgm:fillClrLst>
+    <dgm:linClrLst meth="repeat">
+      <a:schemeClr val="dk1"/>
+    </dgm:linClrLst>
+    <dgm:effectClrLst/>
+    <dgm:txLinClrLst/>
+    <dgm:txFillClrLst meth="repeat">
+      <a:schemeClr val="dk1"/>
+    </dgm:txFillClrLst>
+    <dgm:txEffectClrLst/>
+  </dgm:styleLbl>
+  <dgm:styleLbl name="dkBgShp">
+    <dgm:fillClrLst meth="repeat">
+      <a:schemeClr val="accent5">
+        <a:shade val="90000"/>
+      </a:schemeClr>
+    </dgm:fillClrLst>
+    <dgm:linClrLst meth="repeat">
+      <a:schemeClr val="dk1"/>
+    </dgm:linClrLst>
+    <dgm:effectClrLst/>
+    <dgm:txLinClrLst/>
+    <dgm:txFillClrLst meth="repeat">
+      <a:schemeClr val="lt1"/>
+    </dgm:txFillClrLst>
+    <dgm:txEffectClrLst/>
+  </dgm:styleLbl>
+  <dgm:styleLbl name="trBgShp">
+    <dgm:fillClrLst meth="repeat">
+      <a:schemeClr val="accent5">
+        <a:tint val="50000"/>
+        <a:alpha val="40000"/>
+      </a:schemeClr>
+    </dgm:fillClrLst>
+    <dgm:linClrLst meth="repeat">
+      <a:schemeClr val="accent5"/>
+    </dgm:linClrLst>
+    <dgm:effectClrLst/>
+    <dgm:txLinClrLst/>
+    <dgm:txFillClrLst meth="repeat">
+      <a:schemeClr val="lt1"/>
+    </dgm:txFillClrLst>
+    <dgm:txEffectClrLst/>
+  </dgm:styleLbl>
+  <dgm:styleLbl name="fgShp">
+    <dgm:fillClrLst meth="repeat">
+      <a:schemeClr val="accent5">
+        <a:tint val="40000"/>
+      </a:schemeClr>
+    </dgm:fillClrLst>
+    <dgm:linClrLst meth="repeat">
+      <a:schemeClr val="lt1"/>
+    </dgm:linClrLst>
+    <dgm:effectClrLst/>
+    <dgm:txLinClrLst/>
+    <dgm:txFillClrLst meth="repeat">
+      <a:schemeClr val="dk1"/>
+    </dgm:txFillClrLst>
+    <dgm:txEffectClrLst/>
+  </dgm:styleLbl>
+  <dgm:styleLbl name="revTx">
+    <dgm:fillClrLst meth="repeat">
+      <a:schemeClr val="lt1">
+        <a:alpha val="0"/>
+      </a:schemeClr>
+    </dgm:fillClrLst>
+    <dgm:linClrLst meth="repeat">
+      <a:schemeClr val="dk1">
+        <a:alpha val="0"/>
+      </a:schemeClr>
+    </dgm:linClrLst>
+    <dgm:effectClrLst/>
+    <dgm:txLinClrLst/>
+    <dgm:txFillClrLst meth="repeat">
+      <a:schemeClr val="tx1"/>
+    </dgm:txFillClrLst>
+    <dgm:txEffectClrLst/>
+  </dgm:styleLbl>
+</dgm:colorsDef>
+</file>
+
+<file path=ppt/diagrams/colors4.xml><?xml version="1.0" encoding="utf-8"?>
 <dgm:colorsDef xmlns:dgm="http://schemas.openxmlformats.org/drawingml/2006/diagram" xmlns:a="http://schemas.openxmlformats.org/drawingml/2006/main" uniqueId="urn:microsoft.com/office/officeart/2005/8/colors/accent1_2">
   <dgm:title val=""/>
   <dgm:desc val=""/>
@@ -2933,6 +3716,197 @@
 </file>
 
 <file path=ppt/diagrams/data3.xml><?xml version="1.0" encoding="utf-8"?>
+<dgm:dataModel xmlns:dgm="http://schemas.openxmlformats.org/drawingml/2006/diagram" xmlns:a="http://schemas.openxmlformats.org/drawingml/2006/main">
+  <dgm:ptLst>
+    <dgm:pt modelId="{F2ACB8E0-0768-4845-AE44-195E7746F401}" type="doc">
+      <dgm:prSet loTypeId="urn:microsoft.com/office/officeart/2005/8/layout/vList2" loCatId="list" qsTypeId="urn:microsoft.com/office/officeart/2005/8/quickstyle/simple1" qsCatId="simple" csTypeId="urn:microsoft.com/office/officeart/2005/8/colors/colorful5" csCatId="colorful" phldr="1"/>
+      <dgm:spPr/>
+      <dgm:t>
+        <a:bodyPr/>
+        <a:lstStyle/>
+        <a:p>
+          <a:endParaRPr lang="en-US"/>
+        </a:p>
+      </dgm:t>
+    </dgm:pt>
+    <dgm:pt modelId="{91E07C7C-19CE-48DB-BC88-8152E0726A3F}">
+      <dgm:prSet/>
+      <dgm:spPr/>
+      <dgm:t>
+        <a:bodyPr/>
+        <a:lstStyle/>
+        <a:p>
+          <a:r>
+            <a:rPr lang="en-US" dirty="0"/>
+            <a:t>Kubernetes Basics</a:t>
+          </a:r>
+        </a:p>
+      </dgm:t>
+    </dgm:pt>
+    <dgm:pt modelId="{006F745D-5974-49DE-9A67-6DBAE7E9FF89}" type="parTrans" cxnId="{874D0EDE-0B2E-4724-AEEF-242BA70199A1}">
+      <dgm:prSet/>
+      <dgm:spPr/>
+      <dgm:t>
+        <a:bodyPr/>
+        <a:lstStyle/>
+        <a:p>
+          <a:endParaRPr lang="en-US"/>
+        </a:p>
+      </dgm:t>
+    </dgm:pt>
+    <dgm:pt modelId="{978D73B5-E4C5-41A1-8721-3A51F5F812AF}" type="sibTrans" cxnId="{874D0EDE-0B2E-4724-AEEF-242BA70199A1}">
+      <dgm:prSet/>
+      <dgm:spPr/>
+      <dgm:t>
+        <a:bodyPr/>
+        <a:lstStyle/>
+        <a:p>
+          <a:endParaRPr lang="en-US"/>
+        </a:p>
+      </dgm:t>
+    </dgm:pt>
+    <dgm:pt modelId="{4F5B39B0-6172-4E1E-BE85-AB12B089CCDC}">
+      <dgm:prSet/>
+      <dgm:spPr/>
+      <dgm:t>
+        <a:bodyPr/>
+        <a:lstStyle/>
+        <a:p>
+          <a:r>
+            <a:rPr lang="en-US" strike="sngStrike" dirty="0"/>
+            <a:t>Container 101</a:t>
+          </a:r>
+        </a:p>
+      </dgm:t>
+    </dgm:pt>
+    <dgm:pt modelId="{A8F8657C-1A40-42AE-B6D0-DC5211A9B237}" type="parTrans" cxnId="{DE54C431-2DA9-4D10-A52E-66859D080FD2}">
+      <dgm:prSet/>
+      <dgm:spPr/>
+      <dgm:t>
+        <a:bodyPr/>
+        <a:lstStyle/>
+        <a:p>
+          <a:endParaRPr lang="en-US"/>
+        </a:p>
+      </dgm:t>
+    </dgm:pt>
+    <dgm:pt modelId="{945D510D-4F82-4831-BEDF-87D543694157}" type="sibTrans" cxnId="{DE54C431-2DA9-4D10-A52E-66859D080FD2}">
+      <dgm:prSet/>
+      <dgm:spPr/>
+      <dgm:t>
+        <a:bodyPr/>
+        <a:lstStyle/>
+        <a:p>
+          <a:endParaRPr lang="en-US"/>
+        </a:p>
+      </dgm:t>
+    </dgm:pt>
+    <dgm:pt modelId="{B555EC53-D3F5-495D-BD40-7500C0755A01}">
+      <dgm:prSet/>
+      <dgm:spPr/>
+      <dgm:t>
+        <a:bodyPr/>
+        <a:lstStyle/>
+        <a:p>
+          <a:r>
+            <a:rPr lang="en-US" u="none" strike="sngStrike" dirty="0"/>
+            <a:t>DevOps 101</a:t>
+          </a:r>
+        </a:p>
+      </dgm:t>
+    </dgm:pt>
+    <dgm:pt modelId="{967DA8D4-02F1-46EF-BF73-492DBBD54540}" type="parTrans" cxnId="{1E32B35A-4350-479A-AD6E-E35D8FEC1BF4}">
+      <dgm:prSet/>
+      <dgm:spPr/>
+      <dgm:t>
+        <a:bodyPr/>
+        <a:lstStyle/>
+        <a:p>
+          <a:endParaRPr lang="en-US"/>
+        </a:p>
+      </dgm:t>
+    </dgm:pt>
+    <dgm:pt modelId="{49318991-F768-49C5-80B4-30152002B3AD}" type="sibTrans" cxnId="{1E32B35A-4350-479A-AD6E-E35D8FEC1BF4}">
+      <dgm:prSet/>
+      <dgm:spPr/>
+      <dgm:t>
+        <a:bodyPr/>
+        <a:lstStyle/>
+        <a:p>
+          <a:endParaRPr lang="en-US"/>
+        </a:p>
+      </dgm:t>
+    </dgm:pt>
+    <dgm:pt modelId="{D0290725-D8F7-4311-99A9-73579AA8F03A}" type="pres">
+      <dgm:prSet presAssocID="{F2ACB8E0-0768-4845-AE44-195E7746F401}" presName="linear" presStyleCnt="0">
+        <dgm:presLayoutVars>
+          <dgm:animLvl val="lvl"/>
+          <dgm:resizeHandles val="exact"/>
+        </dgm:presLayoutVars>
+      </dgm:prSet>
+      <dgm:spPr/>
+    </dgm:pt>
+    <dgm:pt modelId="{4C70DA9B-FBD2-4422-B898-1E6BE83195BC}" type="pres">
+      <dgm:prSet presAssocID="{91E07C7C-19CE-48DB-BC88-8152E0726A3F}" presName="parentText" presStyleLbl="node1" presStyleIdx="0" presStyleCnt="3">
+        <dgm:presLayoutVars>
+          <dgm:chMax val="0"/>
+          <dgm:bulletEnabled val="1"/>
+        </dgm:presLayoutVars>
+      </dgm:prSet>
+      <dgm:spPr/>
+    </dgm:pt>
+    <dgm:pt modelId="{3BA536A5-C937-4B2A-B62A-BB285F4F5B7D}" type="pres">
+      <dgm:prSet presAssocID="{978D73B5-E4C5-41A1-8721-3A51F5F812AF}" presName="spacer" presStyleCnt="0"/>
+      <dgm:spPr/>
+    </dgm:pt>
+    <dgm:pt modelId="{3AC129BF-6C95-4F79-8C69-D695D53EF4F4}" type="pres">
+      <dgm:prSet presAssocID="{4F5B39B0-6172-4E1E-BE85-AB12B089CCDC}" presName="parentText" presStyleLbl="node1" presStyleIdx="1" presStyleCnt="3">
+        <dgm:presLayoutVars>
+          <dgm:chMax val="0"/>
+          <dgm:bulletEnabled val="1"/>
+        </dgm:presLayoutVars>
+      </dgm:prSet>
+      <dgm:spPr/>
+    </dgm:pt>
+    <dgm:pt modelId="{F46C4B2D-9621-4DF4-82BA-B95DCFCB136D}" type="pres">
+      <dgm:prSet presAssocID="{945D510D-4F82-4831-BEDF-87D543694157}" presName="spacer" presStyleCnt="0"/>
+      <dgm:spPr/>
+    </dgm:pt>
+    <dgm:pt modelId="{4153B238-8D88-4DBC-B930-E1EB68641173}" type="pres">
+      <dgm:prSet presAssocID="{B555EC53-D3F5-495D-BD40-7500C0755A01}" presName="parentText" presStyleLbl="node1" presStyleIdx="2" presStyleCnt="3">
+        <dgm:presLayoutVars>
+          <dgm:chMax val="0"/>
+          <dgm:bulletEnabled val="1"/>
+        </dgm:presLayoutVars>
+      </dgm:prSet>
+      <dgm:spPr/>
+    </dgm:pt>
+  </dgm:ptLst>
+  <dgm:cxnLst>
+    <dgm:cxn modelId="{CFF0F30F-061C-44EE-B602-5AFE7D073F18}" type="presOf" srcId="{4F5B39B0-6172-4E1E-BE85-AB12B089CCDC}" destId="{3AC129BF-6C95-4F79-8C69-D695D53EF4F4}" srcOrd="0" destOrd="0" presId="urn:microsoft.com/office/officeart/2005/8/layout/vList2"/>
+    <dgm:cxn modelId="{CF65B517-D27F-44DC-9D5C-8F5919EF8ED0}" type="presOf" srcId="{F2ACB8E0-0768-4845-AE44-195E7746F401}" destId="{D0290725-D8F7-4311-99A9-73579AA8F03A}" srcOrd="0" destOrd="0" presId="urn:microsoft.com/office/officeart/2005/8/layout/vList2"/>
+    <dgm:cxn modelId="{DE54C431-2DA9-4D10-A52E-66859D080FD2}" srcId="{F2ACB8E0-0768-4845-AE44-195E7746F401}" destId="{4F5B39B0-6172-4E1E-BE85-AB12B089CCDC}" srcOrd="1" destOrd="0" parTransId="{A8F8657C-1A40-42AE-B6D0-DC5211A9B237}" sibTransId="{945D510D-4F82-4831-BEDF-87D543694157}"/>
+    <dgm:cxn modelId="{96762079-0656-4189-8FD5-70E0DD65C959}" type="presOf" srcId="{91E07C7C-19CE-48DB-BC88-8152E0726A3F}" destId="{4C70DA9B-FBD2-4422-B898-1E6BE83195BC}" srcOrd="0" destOrd="0" presId="urn:microsoft.com/office/officeart/2005/8/layout/vList2"/>
+    <dgm:cxn modelId="{1E32B35A-4350-479A-AD6E-E35D8FEC1BF4}" srcId="{F2ACB8E0-0768-4845-AE44-195E7746F401}" destId="{B555EC53-D3F5-495D-BD40-7500C0755A01}" srcOrd="2" destOrd="0" parTransId="{967DA8D4-02F1-46EF-BF73-492DBBD54540}" sibTransId="{49318991-F768-49C5-80B4-30152002B3AD}"/>
+    <dgm:cxn modelId="{782B37A6-44DD-4C71-834A-286EF1E1F7E0}" type="presOf" srcId="{B555EC53-D3F5-495D-BD40-7500C0755A01}" destId="{4153B238-8D88-4DBC-B930-E1EB68641173}" srcOrd="0" destOrd="0" presId="urn:microsoft.com/office/officeart/2005/8/layout/vList2"/>
+    <dgm:cxn modelId="{874D0EDE-0B2E-4724-AEEF-242BA70199A1}" srcId="{F2ACB8E0-0768-4845-AE44-195E7746F401}" destId="{91E07C7C-19CE-48DB-BC88-8152E0726A3F}" srcOrd="0" destOrd="0" parTransId="{006F745D-5974-49DE-9A67-6DBAE7E9FF89}" sibTransId="{978D73B5-E4C5-41A1-8721-3A51F5F812AF}"/>
+    <dgm:cxn modelId="{86F2064F-6A59-4154-B11C-5A65D6C5107F}" type="presParOf" srcId="{D0290725-D8F7-4311-99A9-73579AA8F03A}" destId="{4C70DA9B-FBD2-4422-B898-1E6BE83195BC}" srcOrd="0" destOrd="0" presId="urn:microsoft.com/office/officeart/2005/8/layout/vList2"/>
+    <dgm:cxn modelId="{B7980C70-94C8-46EC-863B-778A02E5AE59}" type="presParOf" srcId="{D0290725-D8F7-4311-99A9-73579AA8F03A}" destId="{3BA536A5-C937-4B2A-B62A-BB285F4F5B7D}" srcOrd="1" destOrd="0" presId="urn:microsoft.com/office/officeart/2005/8/layout/vList2"/>
+    <dgm:cxn modelId="{B9EE31CB-879B-4FF5-8639-3F2E711FDD2C}" type="presParOf" srcId="{D0290725-D8F7-4311-99A9-73579AA8F03A}" destId="{3AC129BF-6C95-4F79-8C69-D695D53EF4F4}" srcOrd="2" destOrd="0" presId="urn:microsoft.com/office/officeart/2005/8/layout/vList2"/>
+    <dgm:cxn modelId="{2B2C10DB-DCAD-4472-84C4-26E87E39579C}" type="presParOf" srcId="{D0290725-D8F7-4311-99A9-73579AA8F03A}" destId="{F46C4B2D-9621-4DF4-82BA-B95DCFCB136D}" srcOrd="3" destOrd="0" presId="urn:microsoft.com/office/officeart/2005/8/layout/vList2"/>
+    <dgm:cxn modelId="{EB0056B9-7F19-4B8A-8B23-6DED06109879}" type="presParOf" srcId="{D0290725-D8F7-4311-99A9-73579AA8F03A}" destId="{4153B238-8D88-4DBC-B930-E1EB68641173}" srcOrd="4" destOrd="0" presId="urn:microsoft.com/office/officeart/2005/8/layout/vList2"/>
+  </dgm:cxnLst>
+  <dgm:bg/>
+  <dgm:whole/>
+  <dgm:extLst>
+    <a:ext uri="http://schemas.microsoft.com/office/drawing/2008/diagram">
+      <dsp:dataModelExt xmlns:dsp="http://schemas.microsoft.com/office/drawing/2008/diagram" relId="rId6" minVer="http://schemas.openxmlformats.org/drawingml/2006/diagram"/>
+    </a:ext>
+  </dgm:extLst>
+</dgm:dataModel>
+</file>
+
+<file path=ppt/diagrams/data4.xml><?xml version="1.0" encoding="utf-8"?>
 <dgm:dataModel xmlns:dgm="http://schemas.openxmlformats.org/drawingml/2006/diagram" xmlns:a="http://schemas.openxmlformats.org/drawingml/2006/main">
   <dgm:ptLst>
     <dgm:pt modelId="{D9D542EB-D693-4F77-B140-F3451170E7D8}" type="doc">
@@ -4109,6 +5083,252 @@
       <dsp:cNvGrpSpPr/>
     </dsp:nvGrpSpPr>
     <dsp:grpSpPr/>
+    <dsp:sp modelId="{4C70DA9B-FBD2-4422-B898-1E6BE83195BC}">
+      <dsp:nvSpPr>
+        <dsp:cNvPr id="0" name=""/>
+        <dsp:cNvSpPr/>
+      </dsp:nvSpPr>
+      <dsp:spPr>
+        <a:xfrm>
+          <a:off x="0" y="533548"/>
+          <a:ext cx="6513603" cy="1487070"/>
+        </a:xfrm>
+        <a:prstGeom prst="roundRect">
+          <a:avLst/>
+        </a:prstGeom>
+        <a:solidFill>
+          <a:schemeClr val="accent5">
+            <a:hueOff val="0"/>
+            <a:satOff val="0"/>
+            <a:lumOff val="0"/>
+            <a:alphaOff val="0"/>
+          </a:schemeClr>
+        </a:solidFill>
+        <a:ln w="12700" cap="flat" cmpd="sng" algn="ctr">
+          <a:solidFill>
+            <a:schemeClr val="lt1">
+              <a:hueOff val="0"/>
+              <a:satOff val="0"/>
+              <a:lumOff val="0"/>
+              <a:alphaOff val="0"/>
+            </a:schemeClr>
+          </a:solidFill>
+          <a:prstDash val="solid"/>
+          <a:miter lim="800000"/>
+        </a:ln>
+        <a:effectLst/>
+      </dsp:spPr>
+      <dsp:style>
+        <a:lnRef idx="2">
+          <a:scrgbClr r="0" g="0" b="0"/>
+        </a:lnRef>
+        <a:fillRef idx="1">
+          <a:scrgbClr r="0" g="0" b="0"/>
+        </a:fillRef>
+        <a:effectRef idx="0">
+          <a:scrgbClr r="0" g="0" b="0"/>
+        </a:effectRef>
+        <a:fontRef idx="minor">
+          <a:schemeClr val="lt1"/>
+        </a:fontRef>
+      </dsp:style>
+      <dsp:txBody>
+        <a:bodyPr spcFirstLastPara="0" vert="horz" wrap="square" lIns="236220" tIns="236220" rIns="236220" bIns="236220" numCol="1" spcCol="1270" anchor="ctr" anchorCtr="0">
+          <a:noAutofit/>
+        </a:bodyPr>
+        <a:lstStyle/>
+        <a:p>
+          <a:pPr marL="0" lvl="0" indent="0" algn="l" defTabSz="2755900">
+            <a:lnSpc>
+              <a:spcPct val="90000"/>
+            </a:lnSpc>
+            <a:spcBef>
+              <a:spcPct val="0"/>
+            </a:spcBef>
+            <a:spcAft>
+              <a:spcPct val="35000"/>
+            </a:spcAft>
+            <a:buNone/>
+          </a:pPr>
+          <a:r>
+            <a:rPr lang="en-US" sz="6200" kern="1200" dirty="0"/>
+            <a:t>Kubernetes Basics</a:t>
+          </a:r>
+        </a:p>
+      </dsp:txBody>
+      <dsp:txXfrm>
+        <a:off x="72593" y="606141"/>
+        <a:ext cx="6368417" cy="1341884"/>
+      </dsp:txXfrm>
+    </dsp:sp>
+    <dsp:sp modelId="{3AC129BF-6C95-4F79-8C69-D695D53EF4F4}">
+      <dsp:nvSpPr>
+        <dsp:cNvPr id="0" name=""/>
+        <dsp:cNvSpPr/>
+      </dsp:nvSpPr>
+      <dsp:spPr>
+        <a:xfrm>
+          <a:off x="0" y="2199178"/>
+          <a:ext cx="6513603" cy="1487070"/>
+        </a:xfrm>
+        <a:prstGeom prst="roundRect">
+          <a:avLst/>
+        </a:prstGeom>
+        <a:solidFill>
+          <a:schemeClr val="accent5">
+            <a:hueOff val="-3379271"/>
+            <a:satOff val="-8710"/>
+            <a:lumOff val="-5883"/>
+            <a:alphaOff val="0"/>
+          </a:schemeClr>
+        </a:solidFill>
+        <a:ln w="12700" cap="flat" cmpd="sng" algn="ctr">
+          <a:solidFill>
+            <a:schemeClr val="lt1">
+              <a:hueOff val="0"/>
+              <a:satOff val="0"/>
+              <a:lumOff val="0"/>
+              <a:alphaOff val="0"/>
+            </a:schemeClr>
+          </a:solidFill>
+          <a:prstDash val="solid"/>
+          <a:miter lim="800000"/>
+        </a:ln>
+        <a:effectLst/>
+      </dsp:spPr>
+      <dsp:style>
+        <a:lnRef idx="2">
+          <a:scrgbClr r="0" g="0" b="0"/>
+        </a:lnRef>
+        <a:fillRef idx="1">
+          <a:scrgbClr r="0" g="0" b="0"/>
+        </a:fillRef>
+        <a:effectRef idx="0">
+          <a:scrgbClr r="0" g="0" b="0"/>
+        </a:effectRef>
+        <a:fontRef idx="minor">
+          <a:schemeClr val="lt1"/>
+        </a:fontRef>
+      </dsp:style>
+      <dsp:txBody>
+        <a:bodyPr spcFirstLastPara="0" vert="horz" wrap="square" lIns="236220" tIns="236220" rIns="236220" bIns="236220" numCol="1" spcCol="1270" anchor="ctr" anchorCtr="0">
+          <a:noAutofit/>
+        </a:bodyPr>
+        <a:lstStyle/>
+        <a:p>
+          <a:pPr marL="0" lvl="0" indent="0" algn="l" defTabSz="2755900">
+            <a:lnSpc>
+              <a:spcPct val="90000"/>
+            </a:lnSpc>
+            <a:spcBef>
+              <a:spcPct val="0"/>
+            </a:spcBef>
+            <a:spcAft>
+              <a:spcPct val="35000"/>
+            </a:spcAft>
+            <a:buNone/>
+          </a:pPr>
+          <a:r>
+            <a:rPr lang="en-US" sz="6200" strike="sngStrike" kern="1200" dirty="0"/>
+            <a:t>Container 101</a:t>
+          </a:r>
+        </a:p>
+      </dsp:txBody>
+      <dsp:txXfrm>
+        <a:off x="72593" y="2271771"/>
+        <a:ext cx="6368417" cy="1341884"/>
+      </dsp:txXfrm>
+    </dsp:sp>
+    <dsp:sp modelId="{4153B238-8D88-4DBC-B930-E1EB68641173}">
+      <dsp:nvSpPr>
+        <dsp:cNvPr id="0" name=""/>
+        <dsp:cNvSpPr/>
+      </dsp:nvSpPr>
+      <dsp:spPr>
+        <a:xfrm>
+          <a:off x="0" y="3864808"/>
+          <a:ext cx="6513603" cy="1487070"/>
+        </a:xfrm>
+        <a:prstGeom prst="roundRect">
+          <a:avLst/>
+        </a:prstGeom>
+        <a:solidFill>
+          <a:schemeClr val="accent5">
+            <a:hueOff val="-6758543"/>
+            <a:satOff val="-17419"/>
+            <a:lumOff val="-11765"/>
+            <a:alphaOff val="0"/>
+          </a:schemeClr>
+        </a:solidFill>
+        <a:ln w="12700" cap="flat" cmpd="sng" algn="ctr">
+          <a:solidFill>
+            <a:schemeClr val="lt1">
+              <a:hueOff val="0"/>
+              <a:satOff val="0"/>
+              <a:lumOff val="0"/>
+              <a:alphaOff val="0"/>
+            </a:schemeClr>
+          </a:solidFill>
+          <a:prstDash val="solid"/>
+          <a:miter lim="800000"/>
+        </a:ln>
+        <a:effectLst/>
+      </dsp:spPr>
+      <dsp:style>
+        <a:lnRef idx="2">
+          <a:scrgbClr r="0" g="0" b="0"/>
+        </a:lnRef>
+        <a:fillRef idx="1">
+          <a:scrgbClr r="0" g="0" b="0"/>
+        </a:fillRef>
+        <a:effectRef idx="0">
+          <a:scrgbClr r="0" g="0" b="0"/>
+        </a:effectRef>
+        <a:fontRef idx="minor">
+          <a:schemeClr val="lt1"/>
+        </a:fontRef>
+      </dsp:style>
+      <dsp:txBody>
+        <a:bodyPr spcFirstLastPara="0" vert="horz" wrap="square" lIns="236220" tIns="236220" rIns="236220" bIns="236220" numCol="1" spcCol="1270" anchor="ctr" anchorCtr="0">
+          <a:noAutofit/>
+        </a:bodyPr>
+        <a:lstStyle/>
+        <a:p>
+          <a:pPr marL="0" lvl="0" indent="0" algn="l" defTabSz="2755900">
+            <a:lnSpc>
+              <a:spcPct val="90000"/>
+            </a:lnSpc>
+            <a:spcBef>
+              <a:spcPct val="0"/>
+            </a:spcBef>
+            <a:spcAft>
+              <a:spcPct val="35000"/>
+            </a:spcAft>
+            <a:buNone/>
+          </a:pPr>
+          <a:r>
+            <a:rPr lang="en-US" sz="6200" u="none" strike="sngStrike" kern="1200" dirty="0"/>
+            <a:t>DevOps 101</a:t>
+          </a:r>
+        </a:p>
+      </dsp:txBody>
+      <dsp:txXfrm>
+        <a:off x="72593" y="3937401"/>
+        <a:ext cx="6368417" cy="1341884"/>
+      </dsp:txXfrm>
+    </dsp:sp>
+  </dsp:spTree>
+</dsp:drawing>
+</file>
+
+<file path=ppt/diagrams/drawing4.xml><?xml version="1.0" encoding="utf-8"?>
+<dsp:drawing xmlns:dgm="http://schemas.openxmlformats.org/drawingml/2006/diagram" xmlns:dsp="http://schemas.microsoft.com/office/drawing/2008/diagram" xmlns:a="http://schemas.openxmlformats.org/drawingml/2006/main">
+  <dsp:spTree>
+    <dsp:nvGrpSpPr>
+      <dsp:cNvPr id="0" name=""/>
+      <dsp:cNvGrpSpPr/>
+    </dsp:nvGrpSpPr>
+    <dsp:grpSpPr/>
     <dsp:sp modelId="{D56F94DF-B747-4FAD-982C-18ED174CE7B7}">
       <dsp:nvSpPr>
         <dsp:cNvPr id="0" name=""/>
@@ -4993,6 +6213,173 @@
 </file>
 
 <file path=ppt/diagrams/layout3.xml><?xml version="1.0" encoding="utf-8"?>
+<dgm:layoutDef xmlns:dgm="http://schemas.openxmlformats.org/drawingml/2006/diagram" xmlns:a="http://schemas.openxmlformats.org/drawingml/2006/main" uniqueId="urn:microsoft.com/office/officeart/2005/8/layout/vList2">
+  <dgm:title val=""/>
+  <dgm:desc val=""/>
+  <dgm:catLst>
+    <dgm:cat type="list" pri="3000"/>
+    <dgm:cat type="convert" pri="1000"/>
+  </dgm:catLst>
+  <dgm:sampData>
+    <dgm:dataModel>
+      <dgm:ptLst>
+        <dgm:pt modelId="0" type="doc"/>
+        <dgm:pt modelId="1">
+          <dgm:prSet phldr="1"/>
+        </dgm:pt>
+        <dgm:pt modelId="11">
+          <dgm:prSet phldr="1"/>
+        </dgm:pt>
+        <dgm:pt modelId="2">
+          <dgm:prSet phldr="1"/>
+        </dgm:pt>
+        <dgm:pt modelId="21">
+          <dgm:prSet phldr="1"/>
+        </dgm:pt>
+      </dgm:ptLst>
+      <dgm:cxnLst>
+        <dgm:cxn modelId="4" srcId="0" destId="1" srcOrd="0" destOrd="0"/>
+        <dgm:cxn modelId="5" srcId="0" destId="2" srcOrd="1" destOrd="0"/>
+        <dgm:cxn modelId="12" srcId="1" destId="11" srcOrd="0" destOrd="0"/>
+        <dgm:cxn modelId="23" srcId="2" destId="21" srcOrd="0" destOrd="0"/>
+      </dgm:cxnLst>
+      <dgm:bg/>
+      <dgm:whole/>
+    </dgm:dataModel>
+  </dgm:sampData>
+  <dgm:styleData>
+    <dgm:dataModel>
+      <dgm:ptLst>
+        <dgm:pt modelId="0" type="doc"/>
+        <dgm:pt modelId="1"/>
+        <dgm:pt modelId="2"/>
+      </dgm:ptLst>
+      <dgm:cxnLst>
+        <dgm:cxn modelId="3" srcId="0" destId="1" srcOrd="0" destOrd="0"/>
+        <dgm:cxn modelId="4" srcId="0" destId="2" srcOrd="1" destOrd="0"/>
+      </dgm:cxnLst>
+      <dgm:bg/>
+      <dgm:whole/>
+    </dgm:dataModel>
+  </dgm:styleData>
+  <dgm:clrData>
+    <dgm:dataModel>
+      <dgm:ptLst>
+        <dgm:pt modelId="0" type="doc"/>
+        <dgm:pt modelId="1"/>
+        <dgm:pt modelId="2"/>
+        <dgm:pt modelId="3"/>
+        <dgm:pt modelId="4"/>
+      </dgm:ptLst>
+      <dgm:cxnLst>
+        <dgm:cxn modelId="5" srcId="0" destId="1" srcOrd="0" destOrd="0"/>
+        <dgm:cxn modelId="6" srcId="0" destId="2" srcOrd="1" destOrd="0"/>
+        <dgm:cxn modelId="7" srcId="0" destId="3" srcOrd="2" destOrd="0"/>
+        <dgm:cxn modelId="8" srcId="0" destId="4" srcOrd="3" destOrd="0"/>
+      </dgm:cxnLst>
+      <dgm:bg/>
+      <dgm:whole/>
+    </dgm:dataModel>
+  </dgm:clrData>
+  <dgm:layoutNode name="linear">
+    <dgm:varLst>
+      <dgm:animLvl val="lvl"/>
+      <dgm:resizeHandles val="exact"/>
+    </dgm:varLst>
+    <dgm:alg type="lin">
+      <dgm:param type="linDir" val="fromT"/>
+      <dgm:param type="vertAlign" val="mid"/>
+    </dgm:alg>
+    <dgm:shape xmlns:r="http://schemas.openxmlformats.org/officeDocument/2006/relationships" r:blip="">
+      <dgm:adjLst/>
+    </dgm:shape>
+    <dgm:presOf/>
+    <dgm:constrLst>
+      <dgm:constr type="w" for="ch" forName="parentText" refType="w"/>
+      <dgm:constr type="h" for="ch" forName="parentText" refType="primFontSz" refFor="ch" refForName="parentText" fact="0.52"/>
+      <dgm:constr type="w" for="ch" forName="childText" refType="w"/>
+      <dgm:constr type="h" for="ch" forName="childText" refType="primFontSz" refFor="ch" refForName="parentText" fact="0.46"/>
+      <dgm:constr type="h" for="ch" forName="parentText" op="equ"/>
+      <dgm:constr type="primFontSz" for="ch" forName="parentText" op="equ" val="65"/>
+      <dgm:constr type="primFontSz" for="ch" forName="childText" refType="primFontSz" refFor="ch" refForName="parentText" op="equ"/>
+      <dgm:constr type="h" for="ch" forName="spacer" refType="primFontSz" refFor="ch" refForName="parentText" fact="0.08"/>
+    </dgm:constrLst>
+    <dgm:ruleLst>
+      <dgm:rule type="primFontSz" for="ch" forName="parentText" val="5" fact="NaN" max="NaN"/>
+    </dgm:ruleLst>
+    <dgm:forEach name="Name0" axis="ch" ptType="node">
+      <dgm:layoutNode name="parentText" styleLbl="node1">
+        <dgm:varLst>
+          <dgm:chMax val="0"/>
+          <dgm:bulletEnabled val="1"/>
+        </dgm:varLst>
+        <dgm:alg type="tx">
+          <dgm:param type="parTxLTRAlign" val="l"/>
+          <dgm:param type="parTxRTLAlign" val="r"/>
+        </dgm:alg>
+        <dgm:shape xmlns:r="http://schemas.openxmlformats.org/officeDocument/2006/relationships" type="roundRect" r:blip="">
+          <dgm:adjLst/>
+        </dgm:shape>
+        <dgm:presOf axis="self"/>
+        <dgm:constrLst>
+          <dgm:constr type="tMarg" refType="primFontSz" fact="0.3"/>
+          <dgm:constr type="bMarg" refType="primFontSz" fact="0.3"/>
+          <dgm:constr type="lMarg" refType="primFontSz" fact="0.3"/>
+          <dgm:constr type="rMarg" refType="primFontSz" fact="0.3"/>
+        </dgm:constrLst>
+        <dgm:ruleLst>
+          <dgm:rule type="h" val="INF" fact="NaN" max="NaN"/>
+        </dgm:ruleLst>
+      </dgm:layoutNode>
+      <dgm:choose name="Name1">
+        <dgm:if name="Name2" axis="ch" ptType="node" func="cnt" op="gte" val="1">
+          <dgm:layoutNode name="childText" styleLbl="revTx">
+            <dgm:varLst>
+              <dgm:bulletEnabled val="1"/>
+            </dgm:varLst>
+            <dgm:alg type="tx">
+              <dgm:param type="stBulletLvl" val="1"/>
+              <dgm:param type="lnSpAfChP" val="20"/>
+            </dgm:alg>
+            <dgm:shape xmlns:r="http://schemas.openxmlformats.org/officeDocument/2006/relationships" type="rect" r:blip="">
+              <dgm:adjLst/>
+            </dgm:shape>
+            <dgm:presOf axis="des" ptType="node"/>
+            <dgm:constrLst>
+              <dgm:constr type="tMarg" refType="primFontSz" fact="0.1"/>
+              <dgm:constr type="bMarg" refType="primFontSz" fact="0.1"/>
+              <dgm:constr type="lMarg" refType="w" fact="0.09"/>
+            </dgm:constrLst>
+            <dgm:ruleLst>
+              <dgm:rule type="h" val="INF" fact="NaN" max="NaN"/>
+            </dgm:ruleLst>
+          </dgm:layoutNode>
+        </dgm:if>
+        <dgm:else name="Name3">
+          <dgm:choose name="Name4">
+            <dgm:if name="Name5" axis="par ch" ptType="doc node" func="cnt" op="gte" val="2">
+              <dgm:forEach name="Name6" axis="followSib" ptType="sibTrans" cnt="1">
+                <dgm:layoutNode name="spacer">
+                  <dgm:alg type="sp"/>
+                  <dgm:shape xmlns:r="http://schemas.openxmlformats.org/officeDocument/2006/relationships" r:blip="">
+                    <dgm:adjLst/>
+                  </dgm:shape>
+                  <dgm:presOf/>
+                  <dgm:constrLst/>
+                  <dgm:ruleLst/>
+                </dgm:layoutNode>
+              </dgm:forEach>
+            </dgm:if>
+            <dgm:else name="Name7"/>
+          </dgm:choose>
+        </dgm:else>
+      </dgm:choose>
+    </dgm:forEach>
+  </dgm:layoutNode>
+</dgm:layoutDef>
+</file>
+
+<file path=ppt/diagrams/layout4.xml><?xml version="1.0" encoding="utf-8"?>
 <dgm:layoutDef xmlns:dgm="http://schemas.openxmlformats.org/drawingml/2006/diagram" xmlns:a="http://schemas.openxmlformats.org/drawingml/2006/main" uniqueId="urn:microsoft.com/office/officeart/2005/8/layout/architecture">
   <dgm:title val="Architecture Layout"/>
   <dgm:desc val="Use to show hierarchical relationships that build from the bottom up. This layout works well for showing architectural components or objects that build on other objects."/>
@@ -8617,6 +10004,1040 @@
 </dgm:styleDef>
 </file>
 
+<file path=ppt/diagrams/quickStyle4.xml><?xml version="1.0" encoding="utf-8"?>
+<dgm:styleDef xmlns:dgm="http://schemas.openxmlformats.org/drawingml/2006/diagram" xmlns:a="http://schemas.openxmlformats.org/drawingml/2006/main" uniqueId="urn:microsoft.com/office/officeart/2005/8/quickstyle/simple1">
+  <dgm:title val=""/>
+  <dgm:desc val=""/>
+  <dgm:catLst>
+    <dgm:cat type="simple" pri="10100"/>
+  </dgm:catLst>
+  <dgm:scene3d>
+    <a:camera prst="orthographicFront"/>
+    <a:lightRig rig="threePt" dir="t"/>
+  </dgm:scene3d>
+  <dgm:styleLbl name="node0">
+    <dgm:scene3d>
+      <a:camera prst="orthographicFront"/>
+      <a:lightRig rig="threePt" dir="t"/>
+    </dgm:scene3d>
+    <dgm:sp3d/>
+    <dgm:txPr/>
+    <dgm:style>
+      <a:lnRef idx="2">
+        <a:scrgbClr r="0" g="0" b="0"/>
+      </a:lnRef>
+      <a:fillRef idx="1">
+        <a:scrgbClr r="0" g="0" b="0"/>
+      </a:fillRef>
+      <a:effectRef idx="0">
+        <a:scrgbClr r="0" g="0" b="0"/>
+      </a:effectRef>
+      <a:fontRef idx="minor">
+        <a:schemeClr val="lt1"/>
+      </a:fontRef>
+    </dgm:style>
+  </dgm:styleLbl>
+  <dgm:styleLbl name="lnNode1">
+    <dgm:scene3d>
+      <a:camera prst="orthographicFront"/>
+      <a:lightRig rig="threePt" dir="t"/>
+    </dgm:scene3d>
+    <dgm:sp3d/>
+    <dgm:txPr/>
+    <dgm:style>
+      <a:lnRef idx="2">
+        <a:scrgbClr r="0" g="0" b="0"/>
+      </a:lnRef>
+      <a:fillRef idx="1">
+        <a:scrgbClr r="0" g="0" b="0"/>
+      </a:fillRef>
+      <a:effectRef idx="0">
+        <a:scrgbClr r="0" g="0" b="0"/>
+      </a:effectRef>
+      <a:fontRef idx="minor">
+        <a:schemeClr val="lt1"/>
+      </a:fontRef>
+    </dgm:style>
+  </dgm:styleLbl>
+  <dgm:styleLbl name="vennNode1">
+    <dgm:scene3d>
+      <a:camera prst="orthographicFront"/>
+      <a:lightRig rig="threePt" dir="t"/>
+    </dgm:scene3d>
+    <dgm:sp3d/>
+    <dgm:txPr/>
+    <dgm:style>
+      <a:lnRef idx="2">
+        <a:scrgbClr r="0" g="0" b="0"/>
+      </a:lnRef>
+      <a:fillRef idx="1">
+        <a:scrgbClr r="0" g="0" b="0"/>
+      </a:fillRef>
+      <a:effectRef idx="0">
+        <a:scrgbClr r="0" g="0" b="0"/>
+      </a:effectRef>
+      <a:fontRef idx="minor">
+        <a:schemeClr val="tx1"/>
+      </a:fontRef>
+    </dgm:style>
+  </dgm:styleLbl>
+  <dgm:styleLbl name="alignNode1">
+    <dgm:scene3d>
+      <a:camera prst="orthographicFront"/>
+      <a:lightRig rig="threePt" dir="t"/>
+    </dgm:scene3d>
+    <dgm:sp3d/>
+    <dgm:txPr/>
+    <dgm:style>
+      <a:lnRef idx="2">
+        <a:scrgbClr r="0" g="0" b="0"/>
+      </a:lnRef>
+      <a:fillRef idx="1">
+        <a:scrgbClr r="0" g="0" b="0"/>
+      </a:fillRef>
+      <a:effectRef idx="0">
+        <a:scrgbClr r="0" g="0" b="0"/>
+      </a:effectRef>
+      <a:fontRef idx="minor">
+        <a:schemeClr val="lt1"/>
+      </a:fontRef>
+    </dgm:style>
+  </dgm:styleLbl>
+  <dgm:styleLbl name="node1">
+    <dgm:scene3d>
+      <a:camera prst="orthographicFront"/>
+      <a:lightRig rig="threePt" dir="t"/>
+    </dgm:scene3d>
+    <dgm:sp3d/>
+    <dgm:txPr/>
+    <dgm:style>
+      <a:lnRef idx="2">
+        <a:scrgbClr r="0" g="0" b="0"/>
+      </a:lnRef>
+      <a:fillRef idx="1">
+        <a:scrgbClr r="0" g="0" b="0"/>
+      </a:fillRef>
+      <a:effectRef idx="0">
+        <a:scrgbClr r="0" g="0" b="0"/>
+      </a:effectRef>
+      <a:fontRef idx="minor">
+        <a:schemeClr val="lt1"/>
+      </a:fontRef>
+    </dgm:style>
+  </dgm:styleLbl>
+  <dgm:styleLbl name="node2">
+    <dgm:scene3d>
+      <a:camera prst="orthographicFront"/>
+      <a:lightRig rig="threePt" dir="t"/>
+    </dgm:scene3d>
+    <dgm:sp3d/>
+    <dgm:txPr/>
+    <dgm:style>
+      <a:lnRef idx="2">
+        <a:scrgbClr r="0" g="0" b="0"/>
+      </a:lnRef>
+      <a:fillRef idx="1">
+        <a:scrgbClr r="0" g="0" b="0"/>
+      </a:fillRef>
+      <a:effectRef idx="0">
+        <a:scrgbClr r="0" g="0" b="0"/>
+      </a:effectRef>
+      <a:fontRef idx="minor">
+        <a:schemeClr val="lt1"/>
+      </a:fontRef>
+    </dgm:style>
+  </dgm:styleLbl>
+  <dgm:styleLbl name="node3">
+    <dgm:scene3d>
+      <a:camera prst="orthographicFront"/>
+      <a:lightRig rig="threePt" dir="t"/>
+    </dgm:scene3d>
+    <dgm:sp3d/>
+    <dgm:txPr/>
+    <dgm:style>
+      <a:lnRef idx="2">
+        <a:scrgbClr r="0" g="0" b="0"/>
+      </a:lnRef>
+      <a:fillRef idx="1">
+        <a:scrgbClr r="0" g="0" b="0"/>
+      </a:fillRef>
+      <a:effectRef idx="0">
+        <a:scrgbClr r="0" g="0" b="0"/>
+      </a:effectRef>
+      <a:fontRef idx="minor">
+        <a:schemeClr val="lt1"/>
+      </a:fontRef>
+    </dgm:style>
+  </dgm:styleLbl>
+  <dgm:styleLbl name="node4">
+    <dgm:scene3d>
+      <a:camera prst="orthographicFront"/>
+      <a:lightRig rig="threePt" dir="t"/>
+    </dgm:scene3d>
+    <dgm:sp3d/>
+    <dgm:txPr/>
+    <dgm:style>
+      <a:lnRef idx="2">
+        <a:scrgbClr r="0" g="0" b="0"/>
+      </a:lnRef>
+      <a:fillRef idx="1">
+        <a:scrgbClr r="0" g="0" b="0"/>
+      </a:fillRef>
+      <a:effectRef idx="0">
+        <a:scrgbClr r="0" g="0" b="0"/>
+      </a:effectRef>
+      <a:fontRef idx="minor">
+        <a:schemeClr val="lt1"/>
+      </a:fontRef>
+    </dgm:style>
+  </dgm:styleLbl>
+  <dgm:styleLbl name="fgImgPlace1">
+    <dgm:scene3d>
+      <a:camera prst="orthographicFront"/>
+      <a:lightRig rig="threePt" dir="t"/>
+    </dgm:scene3d>
+    <dgm:sp3d/>
+    <dgm:txPr/>
+    <dgm:style>
+      <a:lnRef idx="2">
+        <a:scrgbClr r="0" g="0" b="0"/>
+      </a:lnRef>
+      <a:fillRef idx="1">
+        <a:scrgbClr r="0" g="0" b="0"/>
+      </a:fillRef>
+      <a:effectRef idx="0">
+        <a:scrgbClr r="0" g="0" b="0"/>
+      </a:effectRef>
+      <a:fontRef idx="minor"/>
+    </dgm:style>
+  </dgm:styleLbl>
+  <dgm:styleLbl name="alignImgPlace1">
+    <dgm:scene3d>
+      <a:camera prst="orthographicFront"/>
+      <a:lightRig rig="threePt" dir="t"/>
+    </dgm:scene3d>
+    <dgm:sp3d/>
+    <dgm:txPr/>
+    <dgm:style>
+      <a:lnRef idx="2">
+        <a:scrgbClr r="0" g="0" b="0"/>
+      </a:lnRef>
+      <a:fillRef idx="1">
+        <a:scrgbClr r="0" g="0" b="0"/>
+      </a:fillRef>
+      <a:effectRef idx="0">
+        <a:scrgbClr r="0" g="0" b="0"/>
+      </a:effectRef>
+      <a:fontRef idx="minor"/>
+    </dgm:style>
+  </dgm:styleLbl>
+  <dgm:styleLbl name="bgImgPlace1">
+    <dgm:scene3d>
+      <a:camera prst="orthographicFront"/>
+      <a:lightRig rig="threePt" dir="t"/>
+    </dgm:scene3d>
+    <dgm:sp3d/>
+    <dgm:txPr/>
+    <dgm:style>
+      <a:lnRef idx="2">
+        <a:scrgbClr r="0" g="0" b="0"/>
+      </a:lnRef>
+      <a:fillRef idx="1">
+        <a:scrgbClr r="0" g="0" b="0"/>
+      </a:fillRef>
+      <a:effectRef idx="0">
+        <a:scrgbClr r="0" g="0" b="0"/>
+      </a:effectRef>
+      <a:fontRef idx="minor"/>
+    </dgm:style>
+  </dgm:styleLbl>
+  <dgm:styleLbl name="sibTrans2D1">
+    <dgm:scene3d>
+      <a:camera prst="orthographicFront"/>
+      <a:lightRig rig="threePt" dir="t"/>
+    </dgm:scene3d>
+    <dgm:sp3d/>
+    <dgm:txPr/>
+    <dgm:style>
+      <a:lnRef idx="0">
+        <a:scrgbClr r="0" g="0" b="0"/>
+      </a:lnRef>
+      <a:fillRef idx="1">
+        <a:scrgbClr r="0" g="0" b="0"/>
+      </a:fillRef>
+      <a:effectRef idx="0">
+        <a:scrgbClr r="0" g="0" b="0"/>
+      </a:effectRef>
+      <a:fontRef idx="minor">
+        <a:schemeClr val="lt1"/>
+      </a:fontRef>
+    </dgm:style>
+  </dgm:styleLbl>
+  <dgm:styleLbl name="fgSibTrans2D1">
+    <dgm:scene3d>
+      <a:camera prst="orthographicFront"/>
+      <a:lightRig rig="threePt" dir="t"/>
+    </dgm:scene3d>
+    <dgm:sp3d/>
+    <dgm:txPr/>
+    <dgm:style>
+      <a:lnRef idx="0">
+        <a:scrgbClr r="0" g="0" b="0"/>
+      </a:lnRef>
+      <a:fillRef idx="1">
+        <a:scrgbClr r="0" g="0" b="0"/>
+      </a:fillRef>
+      <a:effectRef idx="0">
+        <a:scrgbClr r="0" g="0" b="0"/>
+      </a:effectRef>
+      <a:fontRef idx="minor">
+        <a:schemeClr val="lt1"/>
+      </a:fontRef>
+    </dgm:style>
+  </dgm:styleLbl>
+  <dgm:styleLbl name="bgSibTrans2D1">
+    <dgm:scene3d>
+      <a:camera prst="orthographicFront"/>
+      <a:lightRig rig="threePt" dir="t"/>
+    </dgm:scene3d>
+    <dgm:sp3d/>
+    <dgm:txPr/>
+    <dgm:style>
+      <a:lnRef idx="0">
+        <a:scrgbClr r="0" g="0" b="0"/>
+      </a:lnRef>
+      <a:fillRef idx="1">
+        <a:scrgbClr r="0" g="0" b="0"/>
+      </a:fillRef>
+      <a:effectRef idx="0">
+        <a:scrgbClr r="0" g="0" b="0"/>
+      </a:effectRef>
+      <a:fontRef idx="minor">
+        <a:schemeClr val="lt1"/>
+      </a:fontRef>
+    </dgm:style>
+  </dgm:styleLbl>
+  <dgm:styleLbl name="sibTrans1D1">
+    <dgm:scene3d>
+      <a:camera prst="orthographicFront"/>
+      <a:lightRig rig="threePt" dir="t"/>
+    </dgm:scene3d>
+    <dgm:sp3d/>
+    <dgm:txPr/>
+    <dgm:style>
+      <a:lnRef idx="1">
+        <a:scrgbClr r="0" g="0" b="0"/>
+      </a:lnRef>
+      <a:fillRef idx="0">
+        <a:scrgbClr r="0" g="0" b="0"/>
+      </a:fillRef>
+      <a:effectRef idx="0">
+        <a:scrgbClr r="0" g="0" b="0"/>
+      </a:effectRef>
+      <a:fontRef idx="minor"/>
+    </dgm:style>
+  </dgm:styleLbl>
+  <dgm:styleLbl name="callout">
+    <dgm:scene3d>
+      <a:camera prst="orthographicFront"/>
+      <a:lightRig rig="threePt" dir="t"/>
+    </dgm:scene3d>
+    <dgm:sp3d/>
+    <dgm:txPr/>
+    <dgm:style>
+      <a:lnRef idx="2">
+        <a:scrgbClr r="0" g="0" b="0"/>
+      </a:lnRef>
+      <a:fillRef idx="1">
+        <a:scrgbClr r="0" g="0" b="0"/>
+      </a:fillRef>
+      <a:effectRef idx="0">
+        <a:scrgbClr r="0" g="0" b="0"/>
+      </a:effectRef>
+      <a:fontRef idx="minor"/>
+    </dgm:style>
+  </dgm:styleLbl>
+  <dgm:styleLbl name="asst0">
+    <dgm:scene3d>
+      <a:camera prst="orthographicFront"/>
+      <a:lightRig rig="threePt" dir="t"/>
+    </dgm:scene3d>
+    <dgm:sp3d/>
+    <dgm:txPr/>
+    <dgm:style>
+      <a:lnRef idx="2">
+        <a:scrgbClr r="0" g="0" b="0"/>
+      </a:lnRef>
+      <a:fillRef idx="1">
+        <a:scrgbClr r="0" g="0" b="0"/>
+      </a:fillRef>
+      <a:effectRef idx="0">
+        <a:scrgbClr r="0" g="0" b="0"/>
+      </a:effectRef>
+      <a:fontRef idx="minor">
+        <a:schemeClr val="lt1"/>
+      </a:fontRef>
+    </dgm:style>
+  </dgm:styleLbl>
+  <dgm:styleLbl name="asst1">
+    <dgm:scene3d>
+      <a:camera prst="orthographicFront"/>
+      <a:lightRig rig="threePt" dir="t"/>
+    </dgm:scene3d>
+    <dgm:sp3d/>
+    <dgm:txPr/>
+    <dgm:style>
+      <a:lnRef idx="2">
+        <a:scrgbClr r="0" g="0" b="0"/>
+      </a:lnRef>
+      <a:fillRef idx="1">
+        <a:scrgbClr r="0" g="0" b="0"/>
+      </a:fillRef>
+      <a:effectRef idx="0">
+        <a:scrgbClr r="0" g="0" b="0"/>
+      </a:effectRef>
+      <a:fontRef idx="minor">
+        <a:schemeClr val="lt1"/>
+      </a:fontRef>
+    </dgm:style>
+  </dgm:styleLbl>
+  <dgm:styleLbl name="asst2">
+    <dgm:scene3d>
+      <a:camera prst="orthographicFront"/>
+      <a:lightRig rig="threePt" dir="t"/>
+    </dgm:scene3d>
+    <dgm:sp3d/>
+    <dgm:txPr/>
+    <dgm:style>
+      <a:lnRef idx="2">
+        <a:scrgbClr r="0" g="0" b="0"/>
+      </a:lnRef>
+      <a:fillRef idx="1">
+        <a:scrgbClr r="0" g="0" b="0"/>
+      </a:fillRef>
+      <a:effectRef idx="0">
+        <a:scrgbClr r="0" g="0" b="0"/>
+      </a:effectRef>
+      <a:fontRef idx="minor">
+        <a:schemeClr val="lt1"/>
+      </a:fontRef>
+    </dgm:style>
+  </dgm:styleLbl>
+  <dgm:styleLbl name="asst3">
+    <dgm:scene3d>
+      <a:camera prst="orthographicFront"/>
+      <a:lightRig rig="threePt" dir="t"/>
+    </dgm:scene3d>
+    <dgm:sp3d/>
+    <dgm:txPr/>
+    <dgm:style>
+      <a:lnRef idx="2">
+        <a:scrgbClr r="0" g="0" b="0"/>
+      </a:lnRef>
+      <a:fillRef idx="1">
+        <a:scrgbClr r="0" g="0" b="0"/>
+      </a:fillRef>
+      <a:effectRef idx="0">
+        <a:scrgbClr r="0" g="0" b="0"/>
+      </a:effectRef>
+      <a:fontRef idx="minor">
+        <a:schemeClr val="lt1"/>
+      </a:fontRef>
+    </dgm:style>
+  </dgm:styleLbl>
+  <dgm:styleLbl name="asst4">
+    <dgm:scene3d>
+      <a:camera prst="orthographicFront"/>
+      <a:lightRig rig="threePt" dir="t"/>
+    </dgm:scene3d>
+    <dgm:sp3d/>
+    <dgm:txPr/>
+    <dgm:style>
+      <a:lnRef idx="2">
+        <a:scrgbClr r="0" g="0" b="0"/>
+      </a:lnRef>
+      <a:fillRef idx="1">
+        <a:scrgbClr r="0" g="0" b="0"/>
+      </a:fillRef>
+      <a:effectRef idx="0">
+        <a:scrgbClr r="0" g="0" b="0"/>
+      </a:effectRef>
+      <a:fontRef idx="minor">
+        <a:schemeClr val="lt1"/>
+      </a:fontRef>
+    </dgm:style>
+  </dgm:styleLbl>
+  <dgm:styleLbl name="parChTrans2D1">
+    <dgm:scene3d>
+      <a:camera prst="orthographicFront"/>
+      <a:lightRig rig="threePt" dir="t"/>
+    </dgm:scene3d>
+    <dgm:sp3d/>
+    <dgm:txPr/>
+    <dgm:style>
+      <a:lnRef idx="2">
+        <a:scrgbClr r="0" g="0" b="0"/>
+      </a:lnRef>
+      <a:fillRef idx="1">
+        <a:scrgbClr r="0" g="0" b="0"/>
+      </a:fillRef>
+      <a:effectRef idx="0">
+        <a:scrgbClr r="0" g="0" b="0"/>
+      </a:effectRef>
+      <a:fontRef idx="minor">
+        <a:schemeClr val="lt1"/>
+      </a:fontRef>
+    </dgm:style>
+  </dgm:styleLbl>
+  <dgm:styleLbl name="parChTrans2D2">
+    <dgm:scene3d>
+      <a:camera prst="orthographicFront"/>
+      <a:lightRig rig="threePt" dir="t"/>
+    </dgm:scene3d>
+    <dgm:sp3d/>
+    <dgm:txPr/>
+    <dgm:style>
+      <a:lnRef idx="2">
+        <a:scrgbClr r="0" g="0" b="0"/>
+      </a:lnRef>
+      <a:fillRef idx="1">
+        <a:scrgbClr r="0" g="0" b="0"/>
+      </a:fillRef>
+      <a:effectRef idx="0">
+        <a:scrgbClr r="0" g="0" b="0"/>
+      </a:effectRef>
+      <a:fontRef idx="minor">
+        <a:schemeClr val="lt1"/>
+      </a:fontRef>
+    </dgm:style>
+  </dgm:styleLbl>
+  <dgm:styleLbl name="parChTrans2D3">
+    <dgm:scene3d>
+      <a:camera prst="orthographicFront"/>
+      <a:lightRig rig="threePt" dir="t"/>
+    </dgm:scene3d>
+    <dgm:sp3d/>
+    <dgm:txPr/>
+    <dgm:style>
+      <a:lnRef idx="2">
+        <a:scrgbClr r="0" g="0" b="0"/>
+      </a:lnRef>
+      <a:fillRef idx="1">
+        <a:scrgbClr r="0" g="0" b="0"/>
+      </a:fillRef>
+      <a:effectRef idx="0">
+        <a:scrgbClr r="0" g="0" b="0"/>
+      </a:effectRef>
+      <a:fontRef idx="minor">
+        <a:schemeClr val="lt1"/>
+      </a:fontRef>
+    </dgm:style>
+  </dgm:styleLbl>
+  <dgm:styleLbl name="parChTrans2D4">
+    <dgm:scene3d>
+      <a:camera prst="orthographicFront"/>
+      <a:lightRig rig="threePt" dir="t"/>
+    </dgm:scene3d>
+    <dgm:sp3d/>
+    <dgm:txPr/>
+    <dgm:style>
+      <a:lnRef idx="2">
+        <a:scrgbClr r="0" g="0" b="0"/>
+      </a:lnRef>
+      <a:fillRef idx="1">
+        <a:scrgbClr r="0" g="0" b="0"/>
+      </a:fillRef>
+      <a:effectRef idx="0">
+        <a:scrgbClr r="0" g="0" b="0"/>
+      </a:effectRef>
+      <a:fontRef idx="minor">
+        <a:schemeClr val="lt1"/>
+      </a:fontRef>
+    </dgm:style>
+  </dgm:styleLbl>
+  <dgm:styleLbl name="parChTrans1D1">
+    <dgm:scene3d>
+      <a:camera prst="orthographicFront"/>
+      <a:lightRig rig="threePt" dir="t"/>
+    </dgm:scene3d>
+    <dgm:sp3d/>
+    <dgm:txPr/>
+    <dgm:style>
+      <a:lnRef idx="2">
+        <a:scrgbClr r="0" g="0" b="0"/>
+      </a:lnRef>
+      <a:fillRef idx="0">
+        <a:scrgbClr r="0" g="0" b="0"/>
+      </a:fillRef>
+      <a:effectRef idx="0">
+        <a:scrgbClr r="0" g="0" b="0"/>
+      </a:effectRef>
+      <a:fontRef idx="minor"/>
+    </dgm:style>
+  </dgm:styleLbl>
+  <dgm:styleLbl name="parChTrans1D2">
+    <dgm:scene3d>
+      <a:camera prst="orthographicFront"/>
+      <a:lightRig rig="threePt" dir="t"/>
+    </dgm:scene3d>
+    <dgm:sp3d/>
+    <dgm:txPr/>
+    <dgm:style>
+      <a:lnRef idx="2">
+        <a:scrgbClr r="0" g="0" b="0"/>
+      </a:lnRef>
+      <a:fillRef idx="0">
+        <a:scrgbClr r="0" g="0" b="0"/>
+      </a:fillRef>
+      <a:effectRef idx="0">
+        <a:scrgbClr r="0" g="0" b="0"/>
+      </a:effectRef>
+      <a:fontRef idx="minor"/>
+    </dgm:style>
+  </dgm:styleLbl>
+  <dgm:styleLbl name="parChTrans1D3">
+    <dgm:scene3d>
+      <a:camera prst="orthographicFront"/>
+      <a:lightRig rig="threePt" dir="t"/>
+    </dgm:scene3d>
+    <dgm:sp3d/>
+    <dgm:txPr/>
+    <dgm:style>
+      <a:lnRef idx="2">
+        <a:scrgbClr r="0" g="0" b="0"/>
+      </a:lnRef>
+      <a:fillRef idx="0">
+        <a:scrgbClr r="0" g="0" b="0"/>
+      </a:fillRef>
+      <a:effectRef idx="0">
+        <a:scrgbClr r="0" g="0" b="0"/>
+      </a:effectRef>
+      <a:fontRef idx="minor"/>
+    </dgm:style>
+  </dgm:styleLbl>
+  <dgm:styleLbl name="parChTrans1D4">
+    <dgm:scene3d>
+      <a:camera prst="orthographicFront"/>
+      <a:lightRig rig="threePt" dir="t"/>
+    </dgm:scene3d>
+    <dgm:sp3d/>
+    <dgm:txPr/>
+    <dgm:style>
+      <a:lnRef idx="2">
+        <a:scrgbClr r="0" g="0" b="0"/>
+      </a:lnRef>
+      <a:fillRef idx="0">
+        <a:scrgbClr r="0" g="0" b="0"/>
+      </a:fillRef>
+      <a:effectRef idx="0">
+        <a:scrgbClr r="0" g="0" b="0"/>
+      </a:effectRef>
+      <a:fontRef idx="minor"/>
+    </dgm:style>
+  </dgm:styleLbl>
+  <dgm:styleLbl name="fgAcc1">
+    <dgm:scene3d>
+      <a:camera prst="orthographicFront"/>
+      <a:lightRig rig="threePt" dir="t"/>
+    </dgm:scene3d>
+    <dgm:sp3d/>
+    <dgm:txPr/>
+    <dgm:style>
+      <a:lnRef idx="2">
+        <a:scrgbClr r="0" g="0" b="0"/>
+      </a:lnRef>
+      <a:fillRef idx="1">
+        <a:scrgbClr r="0" g="0" b="0"/>
+      </a:fillRef>
+      <a:effectRef idx="0">
+        <a:scrgbClr r="0" g="0" b="0"/>
+      </a:effectRef>
+      <a:fontRef idx="minor"/>
+    </dgm:style>
+  </dgm:styleLbl>
+  <dgm:styleLbl name="conFgAcc1">
+    <dgm:scene3d>
+      <a:camera prst="orthographicFront"/>
+      <a:lightRig rig="threePt" dir="t"/>
+    </dgm:scene3d>
+    <dgm:sp3d/>
+    <dgm:txPr/>
+    <dgm:style>
+      <a:lnRef idx="2">
+        <a:scrgbClr r="0" g="0" b="0"/>
+      </a:lnRef>
+      <a:fillRef idx="1">
+        <a:scrgbClr r="0" g="0" b="0"/>
+      </a:fillRef>
+      <a:effectRef idx="0">
+        <a:scrgbClr r="0" g="0" b="0"/>
+      </a:effectRef>
+      <a:fontRef idx="minor"/>
+    </dgm:style>
+  </dgm:styleLbl>
+  <dgm:styleLbl name="alignAcc1">
+    <dgm:scene3d>
+      <a:camera prst="orthographicFront"/>
+      <a:lightRig rig="threePt" dir="t"/>
+    </dgm:scene3d>
+    <dgm:sp3d/>
+    <dgm:txPr/>
+    <dgm:style>
+      <a:lnRef idx="2">
+        <a:scrgbClr r="0" g="0" b="0"/>
+      </a:lnRef>
+      <a:fillRef idx="1">
+        <a:scrgbClr r="0" g="0" b="0"/>
+      </a:fillRef>
+      <a:effectRef idx="0">
+        <a:scrgbClr r="0" g="0" b="0"/>
+      </a:effectRef>
+      <a:fontRef idx="minor"/>
+    </dgm:style>
+  </dgm:styleLbl>
+  <dgm:styleLbl name="trAlignAcc1">
+    <dgm:scene3d>
+      <a:camera prst="orthographicFront"/>
+      <a:lightRig rig="threePt" dir="t"/>
+    </dgm:scene3d>
+    <dgm:sp3d/>
+    <dgm:txPr/>
+    <dgm:style>
+      <a:lnRef idx="1">
+        <a:scrgbClr r="0" g="0" b="0"/>
+      </a:lnRef>
+      <a:fillRef idx="1">
+        <a:scrgbClr r="0" g="0" b="0"/>
+      </a:fillRef>
+      <a:effectRef idx="0">
+        <a:scrgbClr r="0" g="0" b="0"/>
+      </a:effectRef>
+      <a:fontRef idx="minor"/>
+    </dgm:style>
+  </dgm:styleLbl>
+  <dgm:styleLbl name="bgAcc1">
+    <dgm:scene3d>
+      <a:camera prst="orthographicFront"/>
+      <a:lightRig rig="threePt" dir="t"/>
+    </dgm:scene3d>
+    <dgm:sp3d/>
+    <dgm:txPr/>
+    <dgm:style>
+      <a:lnRef idx="2">
+        <a:scrgbClr r="0" g="0" b="0"/>
+      </a:lnRef>
+      <a:fillRef idx="1">
+        <a:scrgbClr r="0" g="0" b="0"/>
+      </a:fillRef>
+      <a:effectRef idx="0">
+        <a:scrgbClr r="0" g="0" b="0"/>
+      </a:effectRef>
+      <a:fontRef idx="minor"/>
+    </dgm:style>
+  </dgm:styleLbl>
+  <dgm:styleLbl name="solidFgAcc1">
+    <dgm:scene3d>
+      <a:camera prst="orthographicFront"/>
+      <a:lightRig rig="threePt" dir="t"/>
+    </dgm:scene3d>
+    <dgm:sp3d/>
+    <dgm:txPr/>
+    <dgm:style>
+      <a:lnRef idx="2">
+        <a:scrgbClr r="0" g="0" b="0"/>
+      </a:lnRef>
+      <a:fillRef idx="1">
+        <a:scrgbClr r="0" g="0" b="0"/>
+      </a:fillRef>
+      <a:effectRef idx="0">
+        <a:scrgbClr r="0" g="0" b="0"/>
+      </a:effectRef>
+      <a:fontRef idx="minor"/>
+    </dgm:style>
+  </dgm:styleLbl>
+  <dgm:styleLbl name="solidAlignAcc1">
+    <dgm:scene3d>
+      <a:camera prst="orthographicFront"/>
+      <a:lightRig rig="threePt" dir="t"/>
+    </dgm:scene3d>
+    <dgm:sp3d/>
+    <dgm:txPr/>
+    <dgm:style>
+      <a:lnRef idx="2">
+        <a:scrgbClr r="0" g="0" b="0"/>
+      </a:lnRef>
+      <a:fillRef idx="1">
+        <a:scrgbClr r="0" g="0" b="0"/>
+      </a:fillRef>
+      <a:effectRef idx="0">
+        <a:scrgbClr r="0" g="0" b="0"/>
+      </a:effectRef>
+      <a:fontRef idx="minor"/>
+    </dgm:style>
+  </dgm:styleLbl>
+  <dgm:styleLbl name="solidBgAcc1">
+    <dgm:scene3d>
+      <a:camera prst="orthographicFront"/>
+      <a:lightRig rig="threePt" dir="t"/>
+    </dgm:scene3d>
+    <dgm:sp3d/>
+    <dgm:txPr/>
+    <dgm:style>
+      <a:lnRef idx="2">
+        <a:scrgbClr r="0" g="0" b="0"/>
+      </a:lnRef>
+      <a:fillRef idx="1">
+        <a:scrgbClr r="0" g="0" b="0"/>
+      </a:fillRef>
+      <a:effectRef idx="0">
+        <a:scrgbClr r="0" g="0" b="0"/>
+      </a:effectRef>
+      <a:fontRef idx="minor"/>
+    </dgm:style>
+  </dgm:styleLbl>
+  <dgm:styleLbl name="fgAccFollowNode1">
+    <dgm:scene3d>
+      <a:camera prst="orthographicFront"/>
+      <a:lightRig rig="threePt" dir="t"/>
+    </dgm:scene3d>
+    <dgm:sp3d/>
+    <dgm:txPr/>
+    <dgm:style>
+      <a:lnRef idx="2">
+        <a:scrgbClr r="0" g="0" b="0"/>
+      </a:lnRef>
+      <a:fillRef idx="1">
+        <a:scrgbClr r="0" g="0" b="0"/>
+      </a:fillRef>
+      <a:effectRef idx="0">
+        <a:scrgbClr r="0" g="0" b="0"/>
+      </a:effectRef>
+      <a:fontRef idx="minor"/>
+    </dgm:style>
+  </dgm:styleLbl>
+  <dgm:styleLbl name="alignAccFollowNode1">
+    <dgm:scene3d>
+      <a:camera prst="orthographicFront"/>
+      <a:lightRig rig="threePt" dir="t"/>
+    </dgm:scene3d>
+    <dgm:sp3d/>
+    <dgm:txPr/>
+    <dgm:style>
+      <a:lnRef idx="2">
+        <a:scrgbClr r="0" g="0" b="0"/>
+      </a:lnRef>
+      <a:fillRef idx="1">
+        <a:scrgbClr r="0" g="0" b="0"/>
+      </a:fillRef>
+      <a:effectRef idx="0">
+        <a:scrgbClr r="0" g="0" b="0"/>
+      </a:effectRef>
+      <a:fontRef idx="minor"/>
+    </dgm:style>
+  </dgm:styleLbl>
+  <dgm:styleLbl name="bgAccFollowNode1">
+    <dgm:scene3d>
+      <a:camera prst="orthographicFront"/>
+      <a:lightRig rig="threePt" dir="t"/>
+    </dgm:scene3d>
+    <dgm:sp3d/>
+    <dgm:txPr/>
+    <dgm:style>
+      <a:lnRef idx="2">
+        <a:scrgbClr r="0" g="0" b="0"/>
+      </a:lnRef>
+      <a:fillRef idx="1">
+        <a:scrgbClr r="0" g="0" b="0"/>
+      </a:fillRef>
+      <a:effectRef idx="0">
+        <a:scrgbClr r="0" g="0" b="0"/>
+      </a:effectRef>
+      <a:fontRef idx="minor"/>
+    </dgm:style>
+  </dgm:styleLbl>
+  <dgm:styleLbl name="fgAcc0">
+    <dgm:scene3d>
+      <a:camera prst="orthographicFront"/>
+      <a:lightRig rig="threePt" dir="t"/>
+    </dgm:scene3d>
+    <dgm:sp3d/>
+    <dgm:txPr/>
+    <dgm:style>
+      <a:lnRef idx="2">
+        <a:scrgbClr r="0" g="0" b="0"/>
+      </a:lnRef>
+      <a:fillRef idx="1">
+        <a:scrgbClr r="0" g="0" b="0"/>
+      </a:fillRef>
+      <a:effectRef idx="0">
+        <a:scrgbClr r="0" g="0" b="0"/>
+      </a:effectRef>
+      <a:fontRef idx="minor"/>
+    </dgm:style>
+  </dgm:styleLbl>
+  <dgm:styleLbl name="fgAcc2">
+    <dgm:scene3d>
+      <a:camera prst="orthographicFront"/>
+      <a:lightRig rig="threePt" dir="t"/>
+    </dgm:scene3d>
+    <dgm:sp3d/>
+    <dgm:txPr/>
+    <dgm:style>
+      <a:lnRef idx="2">
+        <a:scrgbClr r="0" g="0" b="0"/>
+      </a:lnRef>
+      <a:fillRef idx="1">
+        <a:scrgbClr r="0" g="0" b="0"/>
+      </a:fillRef>
+      <a:effectRef idx="0">
+        <a:scrgbClr r="0" g="0" b="0"/>
+      </a:effectRef>
+      <a:fontRef idx="minor"/>
+    </dgm:style>
+  </dgm:styleLbl>
+  <dgm:styleLbl name="fgAcc3">
+    <dgm:scene3d>
+      <a:camera prst="orthographicFront"/>
+      <a:lightRig rig="threePt" dir="t"/>
+    </dgm:scene3d>
+    <dgm:sp3d/>
+    <dgm:txPr/>
+    <dgm:style>
+      <a:lnRef idx="2">
+        <a:scrgbClr r="0" g="0" b="0"/>
+      </a:lnRef>
+      <a:fillRef idx="1">
+        <a:scrgbClr r="0" g="0" b="0"/>
+      </a:fillRef>
+      <a:effectRef idx="0">
+        <a:scrgbClr r="0" g="0" b="0"/>
+      </a:effectRef>
+      <a:fontRef idx="minor"/>
+    </dgm:style>
+  </dgm:styleLbl>
+  <dgm:styleLbl name="fgAcc4">
+    <dgm:scene3d>
+      <a:camera prst="orthographicFront"/>
+      <a:lightRig rig="threePt" dir="t"/>
+    </dgm:scene3d>
+    <dgm:sp3d/>
+    <dgm:txPr/>
+    <dgm:style>
+      <a:lnRef idx="2">
+        <a:scrgbClr r="0" g="0" b="0"/>
+      </a:lnRef>
+      <a:fillRef idx="1">
+        <a:scrgbClr r="0" g="0" b="0"/>
+      </a:fillRef>
+      <a:effectRef idx="0">
+        <a:scrgbClr r="0" g="0" b="0"/>
+      </a:effectRef>
+      <a:fontRef idx="minor"/>
+    </dgm:style>
+  </dgm:styleLbl>
+  <dgm:styleLbl name="bgShp">
+    <dgm:scene3d>
+      <a:camera prst="orthographicFront"/>
+      <a:lightRig rig="threePt" dir="t"/>
+    </dgm:scene3d>
+    <dgm:sp3d/>
+    <dgm:txPr/>
+    <dgm:style>
+      <a:lnRef idx="0">
+        <a:scrgbClr r="0" g="0" b="0"/>
+      </a:lnRef>
+      <a:fillRef idx="1">
+        <a:scrgbClr r="0" g="0" b="0"/>
+      </a:fillRef>
+      <a:effectRef idx="0">
+        <a:scrgbClr r="0" g="0" b="0"/>
+      </a:effectRef>
+      <a:fontRef idx="minor"/>
+    </dgm:style>
+  </dgm:styleLbl>
+  <dgm:styleLbl name="dkBgShp">
+    <dgm:scene3d>
+      <a:camera prst="orthographicFront"/>
+      <a:lightRig rig="threePt" dir="t"/>
+    </dgm:scene3d>
+    <dgm:sp3d/>
+    <dgm:txPr/>
+    <dgm:style>
+      <a:lnRef idx="0">
+        <a:scrgbClr r="0" g="0" b="0"/>
+      </a:lnRef>
+      <a:fillRef idx="1">
+        <a:scrgbClr r="0" g="0" b="0"/>
+      </a:fillRef>
+      <a:effectRef idx="0">
+        <a:scrgbClr r="0" g="0" b="0"/>
+      </a:effectRef>
+      <a:fontRef idx="minor"/>
+    </dgm:style>
+  </dgm:styleLbl>
+  <dgm:styleLbl name="trBgShp">
+    <dgm:scene3d>
+      <a:camera prst="orthographicFront"/>
+      <a:lightRig rig="threePt" dir="t"/>
+    </dgm:scene3d>
+    <dgm:sp3d/>
+    <dgm:txPr/>
+    <dgm:style>
+      <a:lnRef idx="0">
+        <a:scrgbClr r="0" g="0" b="0"/>
+      </a:lnRef>
+      <a:fillRef idx="1">
+        <a:scrgbClr r="0" g="0" b="0"/>
+      </a:fillRef>
+      <a:effectRef idx="0">
+        <a:scrgbClr r="0" g="0" b="0"/>
+      </a:effectRef>
+      <a:fontRef idx="minor"/>
+    </dgm:style>
+  </dgm:styleLbl>
+  <dgm:styleLbl name="fgShp">
+    <dgm:scene3d>
+      <a:camera prst="orthographicFront"/>
+      <a:lightRig rig="threePt" dir="t"/>
+    </dgm:scene3d>
+    <dgm:sp3d/>
+    <dgm:txPr/>
+    <dgm:style>
+      <a:lnRef idx="2">
+        <a:scrgbClr r="0" g="0" b="0"/>
+      </a:lnRef>
+      <a:fillRef idx="1">
+        <a:scrgbClr r="0" g="0" b="0"/>
+      </a:fillRef>
+      <a:effectRef idx="0">
+        <a:scrgbClr r="0" g="0" b="0"/>
+      </a:effectRef>
+      <a:fontRef idx="minor"/>
+    </dgm:style>
+  </dgm:styleLbl>
+  <dgm:styleLbl name="revTx">
+    <dgm:scene3d>
+      <a:camera prst="orthographicFront"/>
+      <a:lightRig rig="threePt" dir="t"/>
+    </dgm:scene3d>
+    <dgm:sp3d/>
+    <dgm:txPr/>
+    <dgm:style>
+      <a:lnRef idx="0">
+        <a:scrgbClr r="0" g="0" b="0"/>
+      </a:lnRef>
+      <a:fillRef idx="0">
+        <a:scrgbClr r="0" g="0" b="0"/>
+      </a:fillRef>
+      <a:effectRef idx="0">
+        <a:scrgbClr r="0" g="0" b="0"/>
+      </a:effectRef>
+      <a:fontRef idx="minor"/>
+    </dgm:style>
+  </dgm:styleLbl>
+</dgm:styleDef>
+</file>
+
 <file path=ppt/notesMasters/notesMaster1.xml><?xml version="1.0" encoding="utf-8"?>
 <p:notesMaster xmlns:a="http://schemas.openxmlformats.org/drawingml/2006/main" xmlns:r="http://schemas.openxmlformats.org/officeDocument/2006/relationships" xmlns:p="http://schemas.openxmlformats.org/presentationml/2006/main">
   <p:cSld>
@@ -8699,7 +11120,7 @@
           <a:p>
             <a:fld id="{7A1C9263-F356-4B47-AE03-5EE855FB885C}" type="datetimeFigureOut">
               <a:rPr lang="en-US" smtClean="0"/>
-              <a:t>2/25/2020</a:t>
+              <a:t>4/15/2020</a:t>
             </a:fld>
             <a:endParaRPr lang="en-US"/>
           </a:p>
@@ -9187,7 +11608,7 @@
           <a:p>
             <a:fld id="{DBFE168D-5F09-4613-B279-C53C85B5CCCA}" type="slidenum">
               <a:rPr lang="en-US" smtClean="0"/>
-              <a:t>13</a:t>
+              <a:t>14</a:t>
             </a:fld>
             <a:endParaRPr lang="en-US"/>
           </a:p>
@@ -9353,7 +11774,7 @@
           <a:p>
             <a:fld id="{0117283B-F0A5-4202-AA1A-3796A1F2E447}" type="datetimeFigureOut">
               <a:rPr lang="en-US" smtClean="0"/>
-              <a:t>2/25/2020</a:t>
+              <a:t>4/15/2020</a:t>
             </a:fld>
             <a:endParaRPr lang="en-US"/>
           </a:p>
@@ -9551,7 +11972,7 @@
           <a:p>
             <a:fld id="{0117283B-F0A5-4202-AA1A-3796A1F2E447}" type="datetimeFigureOut">
               <a:rPr lang="en-US" smtClean="0"/>
-              <a:t>2/25/2020</a:t>
+              <a:t>4/15/2020</a:t>
             </a:fld>
             <a:endParaRPr lang="en-US"/>
           </a:p>
@@ -9759,7 +12180,7 @@
           <a:p>
             <a:fld id="{0117283B-F0A5-4202-AA1A-3796A1F2E447}" type="datetimeFigureOut">
               <a:rPr lang="en-US" smtClean="0"/>
-              <a:t>2/25/2020</a:t>
+              <a:t>4/15/2020</a:t>
             </a:fld>
             <a:endParaRPr lang="en-US"/>
           </a:p>
@@ -9957,7 +12378,7 @@
           <a:p>
             <a:fld id="{0117283B-F0A5-4202-AA1A-3796A1F2E447}" type="datetimeFigureOut">
               <a:rPr lang="en-US" smtClean="0"/>
-              <a:t>2/25/2020</a:t>
+              <a:t>4/15/2020</a:t>
             </a:fld>
             <a:endParaRPr lang="en-US"/>
           </a:p>
@@ -10232,7 +12653,7 @@
           <a:p>
             <a:fld id="{0117283B-F0A5-4202-AA1A-3796A1F2E447}" type="datetimeFigureOut">
               <a:rPr lang="en-US" smtClean="0"/>
-              <a:t>2/25/2020</a:t>
+              <a:t>4/15/2020</a:t>
             </a:fld>
             <a:endParaRPr lang="en-US"/>
           </a:p>
@@ -10497,7 +12918,7 @@
           <a:p>
             <a:fld id="{0117283B-F0A5-4202-AA1A-3796A1F2E447}" type="datetimeFigureOut">
               <a:rPr lang="en-US" smtClean="0"/>
-              <a:t>2/25/2020</a:t>
+              <a:t>4/15/2020</a:t>
             </a:fld>
             <a:endParaRPr lang="en-US"/>
           </a:p>
@@ -10909,7 +13330,7 @@
           <a:p>
             <a:fld id="{0117283B-F0A5-4202-AA1A-3796A1F2E447}" type="datetimeFigureOut">
               <a:rPr lang="en-US" smtClean="0"/>
-              <a:t>2/25/2020</a:t>
+              <a:t>4/15/2020</a:t>
             </a:fld>
             <a:endParaRPr lang="en-US"/>
           </a:p>
@@ -11050,7 +13471,7 @@
           <a:p>
             <a:fld id="{0117283B-F0A5-4202-AA1A-3796A1F2E447}" type="datetimeFigureOut">
               <a:rPr lang="en-US" smtClean="0"/>
-              <a:t>2/25/2020</a:t>
+              <a:t>4/15/2020</a:t>
             </a:fld>
             <a:endParaRPr lang="en-US"/>
           </a:p>
@@ -11163,7 +13584,7 @@
           <a:p>
             <a:fld id="{0117283B-F0A5-4202-AA1A-3796A1F2E447}" type="datetimeFigureOut">
               <a:rPr lang="en-US" smtClean="0"/>
-              <a:t>2/25/2020</a:t>
+              <a:t>4/15/2020</a:t>
             </a:fld>
             <a:endParaRPr lang="en-US"/>
           </a:p>
@@ -11474,7 +13895,7 @@
           <a:p>
             <a:fld id="{0117283B-F0A5-4202-AA1A-3796A1F2E447}" type="datetimeFigureOut">
               <a:rPr lang="en-US" smtClean="0"/>
-              <a:t>2/25/2020</a:t>
+              <a:t>4/15/2020</a:t>
             </a:fld>
             <a:endParaRPr lang="en-US"/>
           </a:p>
@@ -11762,7 +14183,7 @@
           <a:p>
             <a:fld id="{0117283B-F0A5-4202-AA1A-3796A1F2E447}" type="datetimeFigureOut">
               <a:rPr lang="en-US" smtClean="0"/>
-              <a:t>2/25/2020</a:t>
+              <a:t>4/15/2020</a:t>
             </a:fld>
             <a:endParaRPr lang="en-US"/>
           </a:p>
@@ -12003,7 +14424,7 @@
           <a:p>
             <a:fld id="{0117283B-F0A5-4202-AA1A-3796A1F2E447}" type="datetimeFigureOut">
               <a:rPr lang="en-US" smtClean="0"/>
-              <a:t>2/25/2020</a:t>
+              <a:t>4/15/2020</a:t>
             </a:fld>
             <a:endParaRPr lang="en-US"/>
           </a:p>
@@ -12685,6 +15106,413 @@
 <file path=ppt/slides/slide10.xml><?xml version="1.0" encoding="utf-8"?>
 <p:sld xmlns:a="http://schemas.openxmlformats.org/drawingml/2006/main" xmlns:r="http://schemas.openxmlformats.org/officeDocument/2006/relationships" xmlns:p="http://schemas.openxmlformats.org/presentationml/2006/main">
   <p:cSld>
+    <p:bg>
+      <p:bgPr>
+        <a:solidFill>
+          <a:schemeClr val="bg1"/>
+        </a:solidFill>
+        <a:effectLst/>
+      </p:bgPr>
+    </p:bg>
+    <p:spTree>
+      <p:nvGrpSpPr>
+        <p:cNvPr id="1" name=""/>
+        <p:cNvGrpSpPr/>
+        <p:nvPr/>
+      </p:nvGrpSpPr>
+      <p:grpSpPr>
+        <a:xfrm>
+          <a:off x="0" y="0"/>
+          <a:ext cx="0" cy="0"/>
+          <a:chOff x="0" y="0"/>
+          <a:chExt cx="0" cy="0"/>
+        </a:xfrm>
+      </p:grpSpPr>
+      <p:sp useBgFill="1">
+        <p:nvSpPr>
+          <p:cNvPr id="9" name="Rectangle 8">
+            <a:extLst>
+              <a:ext uri="{FF2B5EF4-FFF2-40B4-BE49-F238E27FC236}">
+                <a16:creationId xmlns:a16="http://schemas.microsoft.com/office/drawing/2014/main" id="{92468898-5A6E-4D55-85EC-308E785EE06C}"/>
+              </a:ext>
+              <a:ext uri="{C183D7F6-B498-43B3-948B-1728B52AA6E4}">
+                <adec:decorative xmlns:adec="http://schemas.microsoft.com/office/drawing/2017/decorative" val="1"/>
+              </a:ext>
+            </a:extLst>
+          </p:cNvPr>
+          <p:cNvSpPr>
+            <a:spLocks noGrp="1" noRot="1" noChangeAspect="1" noMove="1" noResize="1" noEditPoints="1" noAdjustHandles="1" noChangeArrowheads="1" noChangeShapeType="1" noTextEdit="1"/>
+          </p:cNvSpPr>
+          <p:nvPr>
+            <p:extLst>
+              <p:ext uri="{386F3935-93C4-4BCD-93E2-E3B085C9AB24}">
+                <p16:designElem xmlns:p16="http://schemas.microsoft.com/office/powerpoint/2015/main" val="1"/>
+              </p:ext>
+            </p:extLst>
+          </p:nvPr>
+        </p:nvSpPr>
+        <p:spPr>
+          <a:xfrm>
+            <a:off x="0" y="0"/>
+            <a:ext cx="12192000" cy="6858000"/>
+          </a:xfrm>
+          <a:prstGeom prst="rect">
+            <a:avLst/>
+          </a:prstGeom>
+          <a:ln>
+            <a:noFill/>
+          </a:ln>
+        </p:spPr>
+        <p:style>
+          <a:lnRef idx="2">
+            <a:schemeClr val="accent1">
+              <a:shade val="50000"/>
+            </a:schemeClr>
+          </a:lnRef>
+          <a:fillRef idx="1">
+            <a:schemeClr val="accent1"/>
+          </a:fillRef>
+          <a:effectRef idx="0">
+            <a:schemeClr val="accent1"/>
+          </a:effectRef>
+          <a:fontRef idx="minor">
+            <a:schemeClr val="lt1"/>
+          </a:fontRef>
+        </p:style>
+        <p:txBody>
+          <a:bodyPr rtlCol="0" anchor="ctr"/>
+          <a:lstStyle/>
+          <a:p>
+            <a:pPr algn="ctr"/>
+            <a:endParaRPr lang="en-US"/>
+          </a:p>
+        </p:txBody>
+      </p:sp>
+      <p:sp>
+        <p:nvSpPr>
+          <p:cNvPr id="2" name="Title 1">
+            <a:extLst>
+              <a:ext uri="{FF2B5EF4-FFF2-40B4-BE49-F238E27FC236}">
+                <a16:creationId xmlns:a16="http://schemas.microsoft.com/office/drawing/2014/main" id="{A795FF23-C699-40B2-9D04-D412A61FC124}"/>
+              </a:ext>
+            </a:extLst>
+          </p:cNvPr>
+          <p:cNvSpPr>
+            <a:spLocks noGrp="1"/>
+          </p:cNvSpPr>
+          <p:nvPr>
+            <p:ph type="title"/>
+          </p:nvPr>
+        </p:nvSpPr>
+        <p:spPr>
+          <a:xfrm>
+            <a:off x="429768" y="411480"/>
+            <a:ext cx="11201400" cy="1106424"/>
+          </a:xfrm>
+        </p:spPr>
+        <p:txBody>
+          <a:bodyPr>
+            <a:normAutofit/>
+          </a:bodyPr>
+          <a:lstStyle/>
+          <a:p>
+            <a:r>
+              <a:rPr lang="en-US" sz="3600" dirty="0"/>
+              <a:t>Running K8S on Your Own</a:t>
+            </a:r>
+          </a:p>
+        </p:txBody>
+      </p:sp>
+      <p:sp>
+        <p:nvSpPr>
+          <p:cNvPr id="11" name="Rectangle 10">
+            <a:extLst>
+              <a:ext uri="{FF2B5EF4-FFF2-40B4-BE49-F238E27FC236}">
+                <a16:creationId xmlns:a16="http://schemas.microsoft.com/office/drawing/2014/main" id="{3E23A947-2D45-4208-AE2B-64948C87A3EB}"/>
+              </a:ext>
+              <a:ext uri="{C183D7F6-B498-43B3-948B-1728B52AA6E4}">
+                <adec:decorative xmlns:adec="http://schemas.microsoft.com/office/drawing/2017/decorative" val="1"/>
+              </a:ext>
+            </a:extLst>
+          </p:cNvPr>
+          <p:cNvSpPr>
+            <a:spLocks noGrp="1" noRot="1" noChangeAspect="1" noMove="1" noResize="1" noEditPoints="1" noAdjustHandles="1" noChangeArrowheads="1" noChangeShapeType="1" noTextEdit="1"/>
+          </p:cNvSpPr>
+          <p:nvPr>
+            <p:extLst>
+              <p:ext uri="{386F3935-93C4-4BCD-93E2-E3B085C9AB24}">
+                <p16:designElem xmlns:p16="http://schemas.microsoft.com/office/powerpoint/2015/main" val="1"/>
+              </p:ext>
+            </p:extLst>
+          </p:nvPr>
+        </p:nvSpPr>
+        <p:spPr>
+          <a:xfrm>
+            <a:off x="0" y="598458"/>
+            <a:ext cx="128016" cy="704088"/>
+          </a:xfrm>
+          <a:prstGeom prst="rect">
+            <a:avLst/>
+          </a:prstGeom>
+          <a:solidFill>
+            <a:schemeClr val="accent2"/>
+          </a:solidFill>
+          <a:ln>
+            <a:noFill/>
+          </a:ln>
+        </p:spPr>
+        <p:style>
+          <a:lnRef idx="2">
+            <a:schemeClr val="accent1">
+              <a:shade val="50000"/>
+            </a:schemeClr>
+          </a:lnRef>
+          <a:fillRef idx="1">
+            <a:schemeClr val="accent1"/>
+          </a:fillRef>
+          <a:effectRef idx="0">
+            <a:schemeClr val="accent1"/>
+          </a:effectRef>
+          <a:fontRef idx="minor">
+            <a:schemeClr val="lt1"/>
+          </a:fontRef>
+        </p:style>
+        <p:txBody>
+          <a:bodyPr rtlCol="0" anchor="ctr"/>
+          <a:lstStyle/>
+          <a:p>
+            <a:pPr algn="ctr"/>
+            <a:endParaRPr lang="en-US">
+              <a:solidFill>
+                <a:prstClr val="white"/>
+              </a:solidFill>
+              <a:latin typeface="Calibri" panose="020F0502020204030204"/>
+            </a:endParaRPr>
+          </a:p>
+        </p:txBody>
+      </p:sp>
+      <p:pic>
+        <p:nvPicPr>
+          <p:cNvPr id="4" name="Picture 3">
+            <a:extLst>
+              <a:ext uri="{FF2B5EF4-FFF2-40B4-BE49-F238E27FC236}">
+                <a16:creationId xmlns:a16="http://schemas.microsoft.com/office/drawing/2014/main" id="{D2C6AE35-73E5-4E5F-AD6B-CE440AEDA59E}"/>
+              </a:ext>
+            </a:extLst>
+          </p:cNvPr>
+          <p:cNvPicPr>
+            <a:picLocks noChangeAspect="1"/>
+          </p:cNvPicPr>
+          <p:nvPr/>
+        </p:nvPicPr>
+        <p:blipFill>
+          <a:blip r:embed="rId2"/>
+          <a:stretch>
+            <a:fillRect/>
+          </a:stretch>
+        </p:blipFill>
+        <p:spPr>
+          <a:xfrm>
+            <a:off x="429768" y="1992009"/>
+            <a:ext cx="6702552" cy="3971261"/>
+          </a:xfrm>
+          <a:prstGeom prst="rect">
+            <a:avLst/>
+          </a:prstGeom>
+        </p:spPr>
+      </p:pic>
+      <p:sp useBgFill="1">
+        <p:nvSpPr>
+          <p:cNvPr id="13" name="Rectangle 12">
+            <a:extLst>
+              <a:ext uri="{FF2B5EF4-FFF2-40B4-BE49-F238E27FC236}">
+                <a16:creationId xmlns:a16="http://schemas.microsoft.com/office/drawing/2014/main" id="{E5BBB0F9-6A59-4D02-A9C7-A2D6516684CE}"/>
+              </a:ext>
+              <a:ext uri="{C183D7F6-B498-43B3-948B-1728B52AA6E4}">
+                <adec:decorative xmlns:adec="http://schemas.microsoft.com/office/drawing/2017/decorative" val="1"/>
+              </a:ext>
+            </a:extLst>
+          </p:cNvPr>
+          <p:cNvSpPr>
+            <a:spLocks noGrp="1" noRot="1" noChangeAspect="1" noMove="1" noResize="1" noEditPoints="1" noAdjustHandles="1" noChangeArrowheads="1" noChangeShapeType="1" noTextEdit="1"/>
+          </p:cNvSpPr>
+          <p:nvPr>
+            <p:extLst>
+              <p:ext uri="{386F3935-93C4-4BCD-93E2-E3B085C9AB24}">
+                <p16:designElem xmlns:p16="http://schemas.microsoft.com/office/powerpoint/2015/main" val="1"/>
+              </p:ext>
+            </p:extLst>
+          </p:nvPr>
+        </p:nvSpPr>
+        <p:spPr>
+          <a:xfrm>
+            <a:off x="7543801" y="1721922"/>
+            <a:ext cx="4218432" cy="4520560"/>
+          </a:xfrm>
+          <a:prstGeom prst="rect">
+            <a:avLst/>
+          </a:prstGeom>
+          <a:ln w="9525">
+            <a:solidFill>
+              <a:srgbClr val="DEDEDE"/>
+            </a:solidFill>
+          </a:ln>
+          <a:effectLst>
+            <a:outerShdw blurRad="50800" dist="38100" dir="2700000" algn="tl" rotWithShape="0">
+              <a:schemeClr val="bg1">
+                <a:lumMod val="85000"/>
+                <a:alpha val="50000"/>
+              </a:schemeClr>
+            </a:outerShdw>
+          </a:effectLst>
+        </p:spPr>
+        <p:style>
+          <a:lnRef idx="2">
+            <a:schemeClr val="accent1">
+              <a:shade val="50000"/>
+            </a:schemeClr>
+          </a:lnRef>
+          <a:fillRef idx="1">
+            <a:schemeClr val="accent1"/>
+          </a:fillRef>
+          <a:effectRef idx="0">
+            <a:schemeClr val="accent1"/>
+          </a:effectRef>
+          <a:fontRef idx="minor">
+            <a:schemeClr val="lt1"/>
+          </a:fontRef>
+        </p:style>
+        <p:txBody>
+          <a:bodyPr rtlCol="0" anchor="ctr"/>
+          <a:lstStyle/>
+          <a:p>
+            <a:pPr marL="0" marR="0" lvl="0" indent="0" algn="ctr" defTabSz="914400" rtl="0" eaLnBrk="1" fontAlgn="auto" latinLnBrk="0" hangingPunct="1">
+              <a:lnSpc>
+                <a:spcPct val="100000"/>
+              </a:lnSpc>
+              <a:spcBef>
+                <a:spcPts val="0"/>
+              </a:spcBef>
+              <a:spcAft>
+                <a:spcPts val="0"/>
+              </a:spcAft>
+              <a:buClrTx/>
+              <a:buSzTx/>
+              <a:buFontTx/>
+              <a:buNone/>
+              <a:tabLst/>
+              <a:defRPr/>
+            </a:pPr>
+            <a:endParaRPr kumimoji="0" lang="en-US" sz="1800" b="0" i="0" u="none" strike="noStrike" kern="1200" cap="none" spc="0" normalizeH="0" baseline="0" noProof="0">
+              <a:ln>
+                <a:noFill/>
+              </a:ln>
+              <a:solidFill>
+                <a:prstClr val="white"/>
+              </a:solidFill>
+              <a:effectLst/>
+              <a:uLnTx/>
+              <a:uFillTx/>
+              <a:latin typeface="Calibri" panose="020F0502020204030204"/>
+              <a:ea typeface="+mn-ea"/>
+              <a:cs typeface="+mn-cs"/>
+            </a:endParaRPr>
+          </a:p>
+        </p:txBody>
+      </p:sp>
+      <p:sp>
+        <p:nvSpPr>
+          <p:cNvPr id="3" name="Content Placeholder 2">
+            <a:extLst>
+              <a:ext uri="{FF2B5EF4-FFF2-40B4-BE49-F238E27FC236}">
+                <a16:creationId xmlns:a16="http://schemas.microsoft.com/office/drawing/2014/main" id="{6B534058-258C-4E46-BFD4-61DAEBBEB8BD}"/>
+              </a:ext>
+            </a:extLst>
+          </p:cNvPr>
+          <p:cNvSpPr>
+            <a:spLocks noGrp="1"/>
+          </p:cNvSpPr>
+          <p:nvPr>
+            <p:ph idx="1"/>
+          </p:nvPr>
+        </p:nvSpPr>
+        <p:spPr>
+          <a:xfrm>
+            <a:off x="7938752" y="2020824"/>
+            <a:ext cx="3455097" cy="3959352"/>
+          </a:xfrm>
+        </p:spPr>
+        <p:txBody>
+          <a:bodyPr anchor="ctr">
+            <a:normAutofit/>
+          </a:bodyPr>
+          <a:lstStyle/>
+          <a:p>
+            <a:r>
+              <a:rPr lang="en-US" sz="1800" dirty="0" err="1"/>
+              <a:t>Minikube</a:t>
+            </a:r>
+            <a:r>
+              <a:rPr lang="en-US" sz="1800" dirty="0"/>
+              <a:t> (</a:t>
+            </a:r>
+            <a:r>
+              <a:rPr lang="en-US" sz="1800" dirty="0">
+                <a:hlinkClick r:id="rId3"/>
+              </a:rPr>
+              <a:t>https://github.com/kubernetes/minikube</a:t>
+            </a:r>
+            <a:r>
+              <a:rPr lang="en-US" sz="1800" dirty="0"/>
+              <a:t>)</a:t>
+            </a:r>
+          </a:p>
+          <a:p>
+            <a:endParaRPr lang="en-US" sz="1800" dirty="0"/>
+          </a:p>
+          <a:p>
+            <a:r>
+              <a:rPr lang="en-US" sz="1800" dirty="0"/>
+              <a:t>Built-in Kubernetes with Docker for Windows (</a:t>
+            </a:r>
+            <a:r>
+              <a:rPr lang="en-US" sz="1800" dirty="0">
+                <a:hlinkClick r:id="rId4"/>
+              </a:rPr>
+              <a:t>https://docs.docker.com/docker-for-windows/kubernetes/</a:t>
+            </a:r>
+            <a:r>
+              <a:rPr lang="en-US" sz="1800" dirty="0"/>
+              <a:t>)</a:t>
+            </a:r>
+          </a:p>
+          <a:p>
+            <a:endParaRPr lang="en-US" sz="1800" dirty="0"/>
+          </a:p>
+          <a:p>
+            <a:endParaRPr lang="en-US" sz="1800" dirty="0"/>
+          </a:p>
+          <a:p>
+            <a:endParaRPr lang="en-US" sz="1800" dirty="0"/>
+          </a:p>
+        </p:txBody>
+      </p:sp>
+    </p:spTree>
+    <p:extLst>
+      <p:ext uri="{BB962C8B-B14F-4D97-AF65-F5344CB8AC3E}">
+        <p14:creationId xmlns:p14="http://schemas.microsoft.com/office/powerpoint/2010/main" val="3801131572"/>
+      </p:ext>
+    </p:extLst>
+  </p:cSld>
+  <p:clrMapOvr>
+    <a:masterClrMapping/>
+  </p:clrMapOvr>
+</p:sld>
+</file>
+
+<file path=ppt/slides/slide11.xml><?xml version="1.0" encoding="utf-8"?>
+<p:sld xmlns:a="http://schemas.openxmlformats.org/drawingml/2006/main" xmlns:r="http://schemas.openxmlformats.org/officeDocument/2006/relationships" xmlns:p="http://schemas.openxmlformats.org/presentationml/2006/main">
+  <p:cSld>
     <p:spTree>
       <p:nvGrpSpPr>
         <p:cNvPr id="1" name=""/>
@@ -13052,7 +15880,7 @@
 </p:sld>
 </file>
 
-<file path=ppt/slides/slide11.xml><?xml version="1.0" encoding="utf-8"?>
+<file path=ppt/slides/slide12.xml><?xml version="1.0" encoding="utf-8"?>
 <p:sld xmlns:a="http://schemas.openxmlformats.org/drawingml/2006/main" xmlns:r="http://schemas.openxmlformats.org/officeDocument/2006/relationships" xmlns:p="http://schemas.openxmlformats.org/presentationml/2006/main">
   <p:cSld>
     <p:bg>
@@ -13403,7 +16231,7 @@
 </p:sld>
 </file>
 
-<file path=ppt/slides/slide12.xml><?xml version="1.0" encoding="utf-8"?>
+<file path=ppt/slides/slide13.xml><?xml version="1.0" encoding="utf-8"?>
 <p:sld xmlns:a="http://schemas.openxmlformats.org/drawingml/2006/main" xmlns:r="http://schemas.openxmlformats.org/officeDocument/2006/relationships" xmlns:p="http://schemas.openxmlformats.org/presentationml/2006/main">
   <p:cSld>
     <p:bg>
@@ -13696,7 +16524,7 @@
 </p:sld>
 </file>
 
-<file path=ppt/slides/slide13.xml><?xml version="1.0" encoding="utf-8"?>
+<file path=ppt/slides/slide14.xml><?xml version="1.0" encoding="utf-8"?>
 <p:sld xmlns:a="http://schemas.openxmlformats.org/drawingml/2006/main" xmlns:r="http://schemas.openxmlformats.org/officeDocument/2006/relationships" xmlns:p="http://schemas.openxmlformats.org/presentationml/2006/main">
   <p:cSld>
     <p:bg>
@@ -13987,7 +16815,7 @@
 </p:sld>
 </file>
 
-<file path=ppt/slides/slide14.xml><?xml version="1.0" encoding="utf-8"?>
+<file path=ppt/slides/slide15.xml><?xml version="1.0" encoding="utf-8"?>
 <p:sld xmlns:a="http://schemas.openxmlformats.org/drawingml/2006/main" xmlns:r="http://schemas.openxmlformats.org/officeDocument/2006/relationships" xmlns:p="http://schemas.openxmlformats.org/presentationml/2006/main">
   <p:cSld>
     <p:bg>
@@ -15568,6 +18396,595 @@
       </p:grpSpPr>
       <p:sp>
         <p:nvSpPr>
+          <p:cNvPr id="13" name="Freeform: Shape 10">
+            <a:extLst>
+              <a:ext uri="{FF2B5EF4-FFF2-40B4-BE49-F238E27FC236}">
+                <a16:creationId xmlns:a16="http://schemas.microsoft.com/office/drawing/2014/main" id="{46C2E80F-49A6-4372-B103-219D417A55ED}"/>
+              </a:ext>
+              <a:ext uri="{C183D7F6-B498-43B3-948B-1728B52AA6E4}">
+                <adec:decorative xmlns:adec="http://schemas.microsoft.com/office/drawing/2017/decorative" val="1"/>
+              </a:ext>
+            </a:extLst>
+          </p:cNvPr>
+          <p:cNvSpPr>
+            <a:spLocks noGrp="1" noRot="1" noChangeAspect="1" noMove="1" noResize="1" noEditPoints="1" noAdjustHandles="1" noChangeArrowheads="1" noChangeShapeType="1" noTextEdit="1"/>
+          </p:cNvSpPr>
+          <p:nvPr>
+            <p:extLst>
+              <p:ext uri="{386F3935-93C4-4BCD-93E2-E3B085C9AB24}">
+                <p16:designElem xmlns:p16="http://schemas.microsoft.com/office/powerpoint/2015/main" val="1"/>
+              </p:ext>
+            </p:extLst>
+          </p:nvPr>
+        </p:nvSpPr>
+        <p:spPr>
+          <a:xfrm>
+            <a:off x="484096" y="470925"/>
+            <a:ext cx="4381009" cy="5892104"/>
+          </a:xfrm>
+          <a:custGeom>
+            <a:avLst/>
+            <a:gdLst>
+              <a:gd name="connsiteX0" fmla="*/ 0 w 4381009"/>
+              <a:gd name="connsiteY0" fmla="*/ 0 h 5892104"/>
+              <a:gd name="connsiteX1" fmla="*/ 4157628 w 4381009"/>
+              <a:gd name="connsiteY1" fmla="*/ 0 h 5892104"/>
+              <a:gd name="connsiteX2" fmla="*/ 4169302 w 4381009"/>
+              <a:gd name="connsiteY2" fmla="*/ 68659 h 5892104"/>
+              <a:gd name="connsiteX3" fmla="*/ 4191571 w 4381009"/>
+              <a:gd name="connsiteY3" fmla="*/ 205472 h 5892104"/>
+              <a:gd name="connsiteX4" fmla="*/ 4213368 w 4381009"/>
+              <a:gd name="connsiteY4" fmla="*/ 342890 h 5892104"/>
+              <a:gd name="connsiteX5" fmla="*/ 4232030 w 4381009"/>
+              <a:gd name="connsiteY5" fmla="*/ 480913 h 5892104"/>
+              <a:gd name="connsiteX6" fmla="*/ 4250848 w 4381009"/>
+              <a:gd name="connsiteY6" fmla="*/ 618332 h 5892104"/>
+              <a:gd name="connsiteX7" fmla="*/ 4268412 w 4381009"/>
+              <a:gd name="connsiteY7" fmla="*/ 756355 h 5892104"/>
+              <a:gd name="connsiteX8" fmla="*/ 4283467 w 4381009"/>
+              <a:gd name="connsiteY8" fmla="*/ 892563 h 5892104"/>
+              <a:gd name="connsiteX9" fmla="*/ 4297737 w 4381009"/>
+              <a:gd name="connsiteY9" fmla="*/ 1030587 h 5892104"/>
+              <a:gd name="connsiteX10" fmla="*/ 4310754 w 4381009"/>
+              <a:gd name="connsiteY10" fmla="*/ 1168005 h 5892104"/>
+              <a:gd name="connsiteX11" fmla="*/ 4322045 w 4381009"/>
+              <a:gd name="connsiteY11" fmla="*/ 1303002 h 5892104"/>
+              <a:gd name="connsiteX12" fmla="*/ 4333336 w 4381009"/>
+              <a:gd name="connsiteY12" fmla="*/ 1439815 h 5892104"/>
+              <a:gd name="connsiteX13" fmla="*/ 4342745 w 4381009"/>
+              <a:gd name="connsiteY13" fmla="*/ 1574812 h 5892104"/>
+              <a:gd name="connsiteX14" fmla="*/ 4350115 w 4381009"/>
+              <a:gd name="connsiteY14" fmla="*/ 1709808 h 5892104"/>
+              <a:gd name="connsiteX15" fmla="*/ 4357799 w 4381009"/>
+              <a:gd name="connsiteY15" fmla="*/ 1844200 h 5892104"/>
+              <a:gd name="connsiteX16" fmla="*/ 4364229 w 4381009"/>
+              <a:gd name="connsiteY16" fmla="*/ 1977381 h 5892104"/>
+              <a:gd name="connsiteX17" fmla="*/ 4368777 w 4381009"/>
+              <a:gd name="connsiteY17" fmla="*/ 2109351 h 5892104"/>
+              <a:gd name="connsiteX18" fmla="*/ 4372697 w 4381009"/>
+              <a:gd name="connsiteY18" fmla="*/ 2241321 h 5892104"/>
+              <a:gd name="connsiteX19" fmla="*/ 4376461 w 4381009"/>
+              <a:gd name="connsiteY19" fmla="*/ 2372080 h 5892104"/>
+              <a:gd name="connsiteX20" fmla="*/ 4378186 w 4381009"/>
+              <a:gd name="connsiteY20" fmla="*/ 2501023 h 5892104"/>
+              <a:gd name="connsiteX21" fmla="*/ 4380068 w 4381009"/>
+              <a:gd name="connsiteY21" fmla="*/ 2629966 h 5892104"/>
+              <a:gd name="connsiteX22" fmla="*/ 4381009 w 4381009"/>
+              <a:gd name="connsiteY22" fmla="*/ 2757093 h 5892104"/>
+              <a:gd name="connsiteX23" fmla="*/ 4380068 w 4381009"/>
+              <a:gd name="connsiteY23" fmla="*/ 2883010 h 5892104"/>
+              <a:gd name="connsiteX24" fmla="*/ 4380068 w 4381009"/>
+              <a:gd name="connsiteY24" fmla="*/ 3007715 h 5892104"/>
+              <a:gd name="connsiteX25" fmla="*/ 4378186 w 4381009"/>
+              <a:gd name="connsiteY25" fmla="*/ 3131210 h 5892104"/>
+              <a:gd name="connsiteX26" fmla="*/ 4375363 w 4381009"/>
+              <a:gd name="connsiteY26" fmla="*/ 3252283 h 5892104"/>
+              <a:gd name="connsiteX27" fmla="*/ 4372697 w 4381009"/>
+              <a:gd name="connsiteY27" fmla="*/ 3372146 h 5892104"/>
+              <a:gd name="connsiteX28" fmla="*/ 4369718 w 4381009"/>
+              <a:gd name="connsiteY28" fmla="*/ 3489587 h 5892104"/>
+              <a:gd name="connsiteX29" fmla="*/ 4365170 w 4381009"/>
+              <a:gd name="connsiteY29" fmla="*/ 3606423 h 5892104"/>
+              <a:gd name="connsiteX30" fmla="*/ 4360309 w 4381009"/>
+              <a:gd name="connsiteY30" fmla="*/ 3721443 h 5892104"/>
+              <a:gd name="connsiteX31" fmla="*/ 4355918 w 4381009"/>
+              <a:gd name="connsiteY31" fmla="*/ 3834041 h 5892104"/>
+              <a:gd name="connsiteX32" fmla="*/ 4343529 w 4381009"/>
+              <a:gd name="connsiteY32" fmla="*/ 4053789 h 5892104"/>
+              <a:gd name="connsiteX33" fmla="*/ 4330356 w 4381009"/>
+              <a:gd name="connsiteY33" fmla="*/ 4264457 h 5892104"/>
+              <a:gd name="connsiteX34" fmla="*/ 4316556 w 4381009"/>
+              <a:gd name="connsiteY34" fmla="*/ 4466650 h 5892104"/>
+              <a:gd name="connsiteX35" fmla="*/ 4301344 w 4381009"/>
+              <a:gd name="connsiteY35" fmla="*/ 4657946 h 5892104"/>
+              <a:gd name="connsiteX36" fmla="*/ 4285506 w 4381009"/>
+              <a:gd name="connsiteY36" fmla="*/ 4840767 h 5892104"/>
+              <a:gd name="connsiteX37" fmla="*/ 4268412 w 4381009"/>
+              <a:gd name="connsiteY37" fmla="*/ 5010269 h 5892104"/>
+              <a:gd name="connsiteX38" fmla="*/ 4251633 w 4381009"/>
+              <a:gd name="connsiteY38" fmla="*/ 5169481 h 5892104"/>
+              <a:gd name="connsiteX39" fmla="*/ 4234853 w 4381009"/>
+              <a:gd name="connsiteY39" fmla="*/ 5315980 h 5892104"/>
+              <a:gd name="connsiteX40" fmla="*/ 4219014 w 4381009"/>
+              <a:gd name="connsiteY40" fmla="*/ 5450371 h 5892104"/>
+              <a:gd name="connsiteX41" fmla="*/ 4203959 w 4381009"/>
+              <a:gd name="connsiteY41" fmla="*/ 5569628 h 5892104"/>
+              <a:gd name="connsiteX42" fmla="*/ 4189689 w 4381009"/>
+              <a:gd name="connsiteY42" fmla="*/ 5677384 h 5892104"/>
+              <a:gd name="connsiteX43" fmla="*/ 4177770 w 4381009"/>
+              <a:gd name="connsiteY43" fmla="*/ 5768189 h 5892104"/>
+              <a:gd name="connsiteX44" fmla="*/ 4166479 w 4381009"/>
+              <a:gd name="connsiteY44" fmla="*/ 5844465 h 5892104"/>
+              <a:gd name="connsiteX45" fmla="*/ 4159132 w 4381009"/>
+              <a:gd name="connsiteY45" fmla="*/ 5892104 h 5892104"/>
+              <a:gd name="connsiteX46" fmla="*/ 0 w 4381009"/>
+              <a:gd name="connsiteY46" fmla="*/ 5892104 h 5892104"/>
+            </a:gdLst>
+            <a:ahLst/>
+            <a:cxnLst>
+              <a:cxn ang="0">
+                <a:pos x="connsiteX0" y="connsiteY0"/>
+              </a:cxn>
+              <a:cxn ang="0">
+                <a:pos x="connsiteX1" y="connsiteY1"/>
+              </a:cxn>
+              <a:cxn ang="0">
+                <a:pos x="connsiteX2" y="connsiteY2"/>
+              </a:cxn>
+              <a:cxn ang="0">
+                <a:pos x="connsiteX3" y="connsiteY3"/>
+              </a:cxn>
+              <a:cxn ang="0">
+                <a:pos x="connsiteX4" y="connsiteY4"/>
+              </a:cxn>
+              <a:cxn ang="0">
+                <a:pos x="connsiteX5" y="connsiteY5"/>
+              </a:cxn>
+              <a:cxn ang="0">
+                <a:pos x="connsiteX6" y="connsiteY6"/>
+              </a:cxn>
+              <a:cxn ang="0">
+                <a:pos x="connsiteX7" y="connsiteY7"/>
+              </a:cxn>
+              <a:cxn ang="0">
+                <a:pos x="connsiteX8" y="connsiteY8"/>
+              </a:cxn>
+              <a:cxn ang="0">
+                <a:pos x="connsiteX9" y="connsiteY9"/>
+              </a:cxn>
+              <a:cxn ang="0">
+                <a:pos x="connsiteX10" y="connsiteY10"/>
+              </a:cxn>
+              <a:cxn ang="0">
+                <a:pos x="connsiteX11" y="connsiteY11"/>
+              </a:cxn>
+              <a:cxn ang="0">
+                <a:pos x="connsiteX12" y="connsiteY12"/>
+              </a:cxn>
+              <a:cxn ang="0">
+                <a:pos x="connsiteX13" y="connsiteY13"/>
+              </a:cxn>
+              <a:cxn ang="0">
+                <a:pos x="connsiteX14" y="connsiteY14"/>
+              </a:cxn>
+              <a:cxn ang="0">
+                <a:pos x="connsiteX15" y="connsiteY15"/>
+              </a:cxn>
+              <a:cxn ang="0">
+                <a:pos x="connsiteX16" y="connsiteY16"/>
+              </a:cxn>
+              <a:cxn ang="0">
+                <a:pos x="connsiteX17" y="connsiteY17"/>
+              </a:cxn>
+              <a:cxn ang="0">
+                <a:pos x="connsiteX18" y="connsiteY18"/>
+              </a:cxn>
+              <a:cxn ang="0">
+                <a:pos x="connsiteX19" y="connsiteY19"/>
+              </a:cxn>
+              <a:cxn ang="0">
+                <a:pos x="connsiteX20" y="connsiteY20"/>
+              </a:cxn>
+              <a:cxn ang="0">
+                <a:pos x="connsiteX21" y="connsiteY21"/>
+              </a:cxn>
+              <a:cxn ang="0">
+                <a:pos x="connsiteX22" y="connsiteY22"/>
+              </a:cxn>
+              <a:cxn ang="0">
+                <a:pos x="connsiteX23" y="connsiteY23"/>
+              </a:cxn>
+              <a:cxn ang="0">
+                <a:pos x="connsiteX24" y="connsiteY24"/>
+              </a:cxn>
+              <a:cxn ang="0">
+                <a:pos x="connsiteX25" y="connsiteY25"/>
+              </a:cxn>
+              <a:cxn ang="0">
+                <a:pos x="connsiteX26" y="connsiteY26"/>
+              </a:cxn>
+              <a:cxn ang="0">
+                <a:pos x="connsiteX27" y="connsiteY27"/>
+              </a:cxn>
+              <a:cxn ang="0">
+                <a:pos x="connsiteX28" y="connsiteY28"/>
+              </a:cxn>
+              <a:cxn ang="0">
+                <a:pos x="connsiteX29" y="connsiteY29"/>
+              </a:cxn>
+              <a:cxn ang="0">
+                <a:pos x="connsiteX30" y="connsiteY30"/>
+              </a:cxn>
+              <a:cxn ang="0">
+                <a:pos x="connsiteX31" y="connsiteY31"/>
+              </a:cxn>
+              <a:cxn ang="0">
+                <a:pos x="connsiteX32" y="connsiteY32"/>
+              </a:cxn>
+              <a:cxn ang="0">
+                <a:pos x="connsiteX33" y="connsiteY33"/>
+              </a:cxn>
+              <a:cxn ang="0">
+                <a:pos x="connsiteX34" y="connsiteY34"/>
+              </a:cxn>
+              <a:cxn ang="0">
+                <a:pos x="connsiteX35" y="connsiteY35"/>
+              </a:cxn>
+              <a:cxn ang="0">
+                <a:pos x="connsiteX36" y="connsiteY36"/>
+              </a:cxn>
+              <a:cxn ang="0">
+                <a:pos x="connsiteX37" y="connsiteY37"/>
+              </a:cxn>
+              <a:cxn ang="0">
+                <a:pos x="connsiteX38" y="connsiteY38"/>
+              </a:cxn>
+              <a:cxn ang="0">
+                <a:pos x="connsiteX39" y="connsiteY39"/>
+              </a:cxn>
+              <a:cxn ang="0">
+                <a:pos x="connsiteX40" y="connsiteY40"/>
+              </a:cxn>
+              <a:cxn ang="0">
+                <a:pos x="connsiteX41" y="connsiteY41"/>
+              </a:cxn>
+              <a:cxn ang="0">
+                <a:pos x="connsiteX42" y="connsiteY42"/>
+              </a:cxn>
+              <a:cxn ang="0">
+                <a:pos x="connsiteX43" y="connsiteY43"/>
+              </a:cxn>
+              <a:cxn ang="0">
+                <a:pos x="connsiteX44" y="connsiteY44"/>
+              </a:cxn>
+              <a:cxn ang="0">
+                <a:pos x="connsiteX45" y="connsiteY45"/>
+              </a:cxn>
+              <a:cxn ang="0">
+                <a:pos x="connsiteX46" y="connsiteY46"/>
+              </a:cxn>
+            </a:cxnLst>
+            <a:rect l="l" t="t" r="r" b="b"/>
+            <a:pathLst>
+              <a:path w="4381009" h="5892104">
+                <a:moveTo>
+                  <a:pt x="0" y="0"/>
+                </a:moveTo>
+                <a:lnTo>
+                  <a:pt x="4157628" y="0"/>
+                </a:lnTo>
+                <a:lnTo>
+                  <a:pt x="4169302" y="68659"/>
+                </a:lnTo>
+                <a:lnTo>
+                  <a:pt x="4191571" y="205472"/>
+                </a:lnTo>
+                <a:lnTo>
+                  <a:pt x="4213368" y="342890"/>
+                </a:lnTo>
+                <a:lnTo>
+                  <a:pt x="4232030" y="480913"/>
+                </a:lnTo>
+                <a:lnTo>
+                  <a:pt x="4250848" y="618332"/>
+                </a:lnTo>
+                <a:lnTo>
+                  <a:pt x="4268412" y="756355"/>
+                </a:lnTo>
+                <a:lnTo>
+                  <a:pt x="4283467" y="892563"/>
+                </a:lnTo>
+                <a:lnTo>
+                  <a:pt x="4297737" y="1030587"/>
+                </a:lnTo>
+                <a:lnTo>
+                  <a:pt x="4310754" y="1168005"/>
+                </a:lnTo>
+                <a:lnTo>
+                  <a:pt x="4322045" y="1303002"/>
+                </a:lnTo>
+                <a:lnTo>
+                  <a:pt x="4333336" y="1439815"/>
+                </a:lnTo>
+                <a:lnTo>
+                  <a:pt x="4342745" y="1574812"/>
+                </a:lnTo>
+                <a:lnTo>
+                  <a:pt x="4350115" y="1709808"/>
+                </a:lnTo>
+                <a:lnTo>
+                  <a:pt x="4357799" y="1844200"/>
+                </a:lnTo>
+                <a:lnTo>
+                  <a:pt x="4364229" y="1977381"/>
+                </a:lnTo>
+                <a:lnTo>
+                  <a:pt x="4368777" y="2109351"/>
+                </a:lnTo>
+                <a:lnTo>
+                  <a:pt x="4372697" y="2241321"/>
+                </a:lnTo>
+                <a:lnTo>
+                  <a:pt x="4376461" y="2372080"/>
+                </a:lnTo>
+                <a:lnTo>
+                  <a:pt x="4378186" y="2501023"/>
+                </a:lnTo>
+                <a:lnTo>
+                  <a:pt x="4380068" y="2629966"/>
+                </a:lnTo>
+                <a:lnTo>
+                  <a:pt x="4381009" y="2757093"/>
+                </a:lnTo>
+                <a:lnTo>
+                  <a:pt x="4380068" y="2883010"/>
+                </a:lnTo>
+                <a:lnTo>
+                  <a:pt x="4380068" y="3007715"/>
+                </a:lnTo>
+                <a:lnTo>
+                  <a:pt x="4378186" y="3131210"/>
+                </a:lnTo>
+                <a:lnTo>
+                  <a:pt x="4375363" y="3252283"/>
+                </a:lnTo>
+                <a:lnTo>
+                  <a:pt x="4372697" y="3372146"/>
+                </a:lnTo>
+                <a:lnTo>
+                  <a:pt x="4369718" y="3489587"/>
+                </a:lnTo>
+                <a:lnTo>
+                  <a:pt x="4365170" y="3606423"/>
+                </a:lnTo>
+                <a:lnTo>
+                  <a:pt x="4360309" y="3721443"/>
+                </a:lnTo>
+                <a:lnTo>
+                  <a:pt x="4355918" y="3834041"/>
+                </a:lnTo>
+                <a:lnTo>
+                  <a:pt x="4343529" y="4053789"/>
+                </a:lnTo>
+                <a:lnTo>
+                  <a:pt x="4330356" y="4264457"/>
+                </a:lnTo>
+                <a:lnTo>
+                  <a:pt x="4316556" y="4466650"/>
+                </a:lnTo>
+                <a:lnTo>
+                  <a:pt x="4301344" y="4657946"/>
+                </a:lnTo>
+                <a:lnTo>
+                  <a:pt x="4285506" y="4840767"/>
+                </a:lnTo>
+                <a:lnTo>
+                  <a:pt x="4268412" y="5010269"/>
+                </a:lnTo>
+                <a:lnTo>
+                  <a:pt x="4251633" y="5169481"/>
+                </a:lnTo>
+                <a:lnTo>
+                  <a:pt x="4234853" y="5315980"/>
+                </a:lnTo>
+                <a:lnTo>
+                  <a:pt x="4219014" y="5450371"/>
+                </a:lnTo>
+                <a:lnTo>
+                  <a:pt x="4203959" y="5569628"/>
+                </a:lnTo>
+                <a:lnTo>
+                  <a:pt x="4189689" y="5677384"/>
+                </a:lnTo>
+                <a:lnTo>
+                  <a:pt x="4177770" y="5768189"/>
+                </a:lnTo>
+                <a:lnTo>
+                  <a:pt x="4166479" y="5844465"/>
+                </a:lnTo>
+                <a:lnTo>
+                  <a:pt x="4159132" y="5892104"/>
+                </a:lnTo>
+                <a:lnTo>
+                  <a:pt x="0" y="5892104"/>
+                </a:lnTo>
+                <a:close/>
+              </a:path>
+            </a:pathLst>
+          </a:custGeom>
+          <a:solidFill>
+            <a:srgbClr val="404040"/>
+          </a:solidFill>
+          <a:ln>
+            <a:noFill/>
+          </a:ln>
+        </p:spPr>
+        <p:style>
+          <a:lnRef idx="2">
+            <a:schemeClr val="accent1">
+              <a:shade val="50000"/>
+            </a:schemeClr>
+          </a:lnRef>
+          <a:fillRef idx="1">
+            <a:schemeClr val="accent1"/>
+          </a:fillRef>
+          <a:effectRef idx="0">
+            <a:schemeClr val="accent1"/>
+          </a:effectRef>
+          <a:fontRef idx="minor">
+            <a:schemeClr val="lt1"/>
+          </a:fontRef>
+        </p:style>
+        <p:txBody>
+          <a:bodyPr wrap="square" rtlCol="0" anchor="ctr">
+            <a:noAutofit/>
+          </a:bodyPr>
+          <a:lstStyle/>
+          <a:p>
+            <a:pPr marL="0" marR="0" lvl="0" indent="0" algn="ctr" defTabSz="457200" rtl="0" eaLnBrk="1" fontAlgn="auto" latinLnBrk="0" hangingPunct="1">
+              <a:lnSpc>
+                <a:spcPct val="100000"/>
+              </a:lnSpc>
+              <a:spcBef>
+                <a:spcPts val="0"/>
+              </a:spcBef>
+              <a:spcAft>
+                <a:spcPts val="0"/>
+              </a:spcAft>
+              <a:buClrTx/>
+              <a:buSzTx/>
+              <a:buFontTx/>
+              <a:buNone/>
+              <a:tabLst/>
+              <a:defRPr/>
+            </a:pPr>
+            <a:endParaRPr kumimoji="0" lang="en-US" sz="1800" b="0" i="0" u="none" strike="noStrike" kern="1200" cap="none" spc="0" normalizeH="0" baseline="0" noProof="0">
+              <a:ln>
+                <a:noFill/>
+              </a:ln>
+              <a:solidFill>
+                <a:prstClr val="white"/>
+              </a:solidFill>
+              <a:effectLst/>
+              <a:uLnTx/>
+              <a:uFillTx/>
+              <a:latin typeface="Calibri" panose="020F0502020204030204"/>
+              <a:ea typeface="+mn-ea"/>
+              <a:cs typeface="+mn-cs"/>
+            </a:endParaRPr>
+          </a:p>
+        </p:txBody>
+      </p:sp>
+      <p:sp>
+        <p:nvSpPr>
+          <p:cNvPr id="2" name="Title 1">
+            <a:extLst>
+              <a:ext uri="{FF2B5EF4-FFF2-40B4-BE49-F238E27FC236}">
+                <a16:creationId xmlns:a16="http://schemas.microsoft.com/office/drawing/2014/main" id="{AEED7FB2-FA1F-465B-A729-D41DB2FF4FBF}"/>
+              </a:ext>
+            </a:extLst>
+          </p:cNvPr>
+          <p:cNvSpPr>
+            <a:spLocks noGrp="1"/>
+          </p:cNvSpPr>
+          <p:nvPr>
+            <p:ph type="title"/>
+          </p:nvPr>
+        </p:nvSpPr>
+        <p:spPr>
+          <a:xfrm>
+            <a:off x="863029" y="1012004"/>
+            <a:ext cx="3416158" cy="4795408"/>
+          </a:xfrm>
+        </p:spPr>
+        <p:txBody>
+          <a:bodyPr>
+            <a:normAutofit/>
+          </a:bodyPr>
+          <a:lstStyle/>
+          <a:p>
+            <a:r>
+              <a:rPr lang="en-US" dirty="0">
+                <a:solidFill>
+                  <a:srgbClr val="FFFFFF"/>
+                </a:solidFill>
+              </a:rPr>
+              <a:t>Setting Expectations</a:t>
+            </a:r>
+          </a:p>
+        </p:txBody>
+      </p:sp>
+      <p:graphicFrame>
+        <p:nvGraphicFramePr>
+          <p:cNvPr id="14" name="Content Placeholder 2">
+            <a:extLst>
+              <a:ext uri="{FF2B5EF4-FFF2-40B4-BE49-F238E27FC236}">
+                <a16:creationId xmlns:a16="http://schemas.microsoft.com/office/drawing/2014/main" id="{B73914F7-F9C8-4160-B416-0B6A09B97CF2}"/>
+              </a:ext>
+            </a:extLst>
+          </p:cNvPr>
+          <p:cNvGraphicFramePr>
+            <a:graphicFrameLocks noGrp="1"/>
+          </p:cNvGraphicFramePr>
+          <p:nvPr>
+            <p:ph idx="1"/>
+            <p:extLst>
+              <p:ext uri="{D42A27DB-BD31-4B8C-83A1-F6EECF244321}">
+                <p14:modId xmlns:p14="http://schemas.microsoft.com/office/powerpoint/2010/main" val="264458021"/>
+              </p:ext>
+            </p:extLst>
+          </p:nvPr>
+        </p:nvGraphicFramePr>
+        <p:xfrm>
+          <a:off x="5194300" y="470924"/>
+          <a:ext cx="6513604" cy="5885426"/>
+        </p:xfrm>
+        <a:graphic>
+          <a:graphicData uri="http://schemas.openxmlformats.org/drawingml/2006/diagram">
+            <dgm:relIds xmlns:dgm="http://schemas.openxmlformats.org/drawingml/2006/diagram" xmlns:r="http://schemas.openxmlformats.org/officeDocument/2006/relationships" r:dm="rId2" r:lo="rId3" r:qs="rId4" r:cs="rId5"/>
+          </a:graphicData>
+        </a:graphic>
+      </p:graphicFrame>
+    </p:spTree>
+    <p:extLst>
+      <p:ext uri="{BB962C8B-B14F-4D97-AF65-F5344CB8AC3E}">
+        <p14:creationId xmlns:p14="http://schemas.microsoft.com/office/powerpoint/2010/main" val="1166001073"/>
+      </p:ext>
+    </p:extLst>
+  </p:cSld>
+  <p:clrMapOvr>
+    <a:masterClrMapping/>
+  </p:clrMapOvr>
+</p:sld>
+</file>
+
+<file path=ppt/slides/slide5.xml><?xml version="1.0" encoding="utf-8"?>
+<p:sld xmlns:a="http://schemas.openxmlformats.org/drawingml/2006/main" xmlns:r="http://schemas.openxmlformats.org/officeDocument/2006/relationships" xmlns:p="http://schemas.openxmlformats.org/presentationml/2006/main">
+  <p:cSld>
+    <p:bg>
+      <p:bgPr>
+        <a:solidFill>
+          <a:schemeClr val="bg1"/>
+        </a:solidFill>
+        <a:effectLst/>
+      </p:bgPr>
+    </p:bg>
+    <p:spTree>
+      <p:nvGrpSpPr>
+        <p:cNvPr id="1" name=""/>
+        <p:cNvGrpSpPr/>
+        <p:nvPr/>
+      </p:nvGrpSpPr>
+      <p:grpSpPr>
+        <a:xfrm>
+          <a:off x="0" y="0"/>
+          <a:ext cx="0" cy="0"/>
+          <a:chOff x="0" y="0"/>
+          <a:chExt cx="0" cy="0"/>
+        </a:xfrm>
+      </p:grpSpPr>
+      <p:sp>
+        <p:nvSpPr>
           <p:cNvPr id="10" name="Freeform: Shape 9">
             <a:extLst>
               <a:ext uri="{FF2B5EF4-FFF2-40B4-BE49-F238E27FC236}">
@@ -16190,7 +19607,7 @@
 </p:sld>
 </file>
 
-<file path=ppt/slides/slide5.xml><?xml version="1.0" encoding="utf-8"?>
+<file path=ppt/slides/slide6.xml><?xml version="1.0" encoding="utf-8"?>
 <p:sld xmlns:a="http://schemas.openxmlformats.org/drawingml/2006/main" xmlns:r="http://schemas.openxmlformats.org/officeDocument/2006/relationships" xmlns:p="http://schemas.openxmlformats.org/presentationml/2006/main">
   <p:cSld>
     <p:bg>
@@ -16337,7 +19754,7 @@
 </p:sld>
 </file>
 
-<file path=ppt/slides/slide6.xml><?xml version="1.0" encoding="utf-8"?>
+<file path=ppt/slides/slide7.xml><?xml version="1.0" encoding="utf-8"?>
 <p:sld xmlns:a="http://schemas.openxmlformats.org/drawingml/2006/main" xmlns:r="http://schemas.openxmlformats.org/officeDocument/2006/relationships" xmlns:p="http://schemas.openxmlformats.org/presentationml/2006/main">
   <p:cSld>
     <p:bg>
@@ -16561,7 +19978,7 @@
 </p:sld>
 </file>
 
-<file path=ppt/slides/slide7.xml><?xml version="1.0" encoding="utf-8"?>
+<file path=ppt/slides/slide8.xml><?xml version="1.0" encoding="utf-8"?>
 <p:sld xmlns:a="http://schemas.openxmlformats.org/drawingml/2006/main" xmlns:r="http://schemas.openxmlformats.org/officeDocument/2006/relationships" xmlns:p="http://schemas.openxmlformats.org/presentationml/2006/main">
   <p:cSld>
     <p:bg>
@@ -16965,7 +20382,7 @@
 </p:sld>
 </file>
 
-<file path=ppt/slides/slide8.xml><?xml version="1.0" encoding="utf-8"?>
+<file path=ppt/slides/slide9.xml><?xml version="1.0" encoding="utf-8"?>
 <p:sld xmlns:a="http://schemas.openxmlformats.org/drawingml/2006/main" xmlns:r="http://schemas.openxmlformats.org/officeDocument/2006/relationships" xmlns:p="http://schemas.openxmlformats.org/presentationml/2006/main">
   <p:cSld>
     <p:spTree>
@@ -17210,413 +20627,6 @@
     <p:extLst>
       <p:ext uri="{BB962C8B-B14F-4D97-AF65-F5344CB8AC3E}">
         <p14:creationId xmlns:p14="http://schemas.microsoft.com/office/powerpoint/2010/main" val="14099166"/>
-      </p:ext>
-    </p:extLst>
-  </p:cSld>
-  <p:clrMapOvr>
-    <a:masterClrMapping/>
-  </p:clrMapOvr>
-</p:sld>
-</file>
-
-<file path=ppt/slides/slide9.xml><?xml version="1.0" encoding="utf-8"?>
-<p:sld xmlns:a="http://schemas.openxmlformats.org/drawingml/2006/main" xmlns:r="http://schemas.openxmlformats.org/officeDocument/2006/relationships" xmlns:p="http://schemas.openxmlformats.org/presentationml/2006/main">
-  <p:cSld>
-    <p:bg>
-      <p:bgPr>
-        <a:solidFill>
-          <a:schemeClr val="bg1"/>
-        </a:solidFill>
-        <a:effectLst/>
-      </p:bgPr>
-    </p:bg>
-    <p:spTree>
-      <p:nvGrpSpPr>
-        <p:cNvPr id="1" name=""/>
-        <p:cNvGrpSpPr/>
-        <p:nvPr/>
-      </p:nvGrpSpPr>
-      <p:grpSpPr>
-        <a:xfrm>
-          <a:off x="0" y="0"/>
-          <a:ext cx="0" cy="0"/>
-          <a:chOff x="0" y="0"/>
-          <a:chExt cx="0" cy="0"/>
-        </a:xfrm>
-      </p:grpSpPr>
-      <p:sp useBgFill="1">
-        <p:nvSpPr>
-          <p:cNvPr id="9" name="Rectangle 8">
-            <a:extLst>
-              <a:ext uri="{FF2B5EF4-FFF2-40B4-BE49-F238E27FC236}">
-                <a16:creationId xmlns:a16="http://schemas.microsoft.com/office/drawing/2014/main" id="{92468898-5A6E-4D55-85EC-308E785EE06C}"/>
-              </a:ext>
-              <a:ext uri="{C183D7F6-B498-43B3-948B-1728B52AA6E4}">
-                <adec:decorative xmlns:adec="http://schemas.microsoft.com/office/drawing/2017/decorative" val="1"/>
-              </a:ext>
-            </a:extLst>
-          </p:cNvPr>
-          <p:cNvSpPr>
-            <a:spLocks noGrp="1" noRot="1" noChangeAspect="1" noMove="1" noResize="1" noEditPoints="1" noAdjustHandles="1" noChangeArrowheads="1" noChangeShapeType="1" noTextEdit="1"/>
-          </p:cNvSpPr>
-          <p:nvPr>
-            <p:extLst>
-              <p:ext uri="{386F3935-93C4-4BCD-93E2-E3B085C9AB24}">
-                <p16:designElem xmlns:p16="http://schemas.microsoft.com/office/powerpoint/2015/main" val="1"/>
-              </p:ext>
-            </p:extLst>
-          </p:nvPr>
-        </p:nvSpPr>
-        <p:spPr>
-          <a:xfrm>
-            <a:off x="0" y="0"/>
-            <a:ext cx="12192000" cy="6858000"/>
-          </a:xfrm>
-          <a:prstGeom prst="rect">
-            <a:avLst/>
-          </a:prstGeom>
-          <a:ln>
-            <a:noFill/>
-          </a:ln>
-        </p:spPr>
-        <p:style>
-          <a:lnRef idx="2">
-            <a:schemeClr val="accent1">
-              <a:shade val="50000"/>
-            </a:schemeClr>
-          </a:lnRef>
-          <a:fillRef idx="1">
-            <a:schemeClr val="accent1"/>
-          </a:fillRef>
-          <a:effectRef idx="0">
-            <a:schemeClr val="accent1"/>
-          </a:effectRef>
-          <a:fontRef idx="minor">
-            <a:schemeClr val="lt1"/>
-          </a:fontRef>
-        </p:style>
-        <p:txBody>
-          <a:bodyPr rtlCol="0" anchor="ctr"/>
-          <a:lstStyle/>
-          <a:p>
-            <a:pPr algn="ctr"/>
-            <a:endParaRPr lang="en-US"/>
-          </a:p>
-        </p:txBody>
-      </p:sp>
-      <p:sp>
-        <p:nvSpPr>
-          <p:cNvPr id="2" name="Title 1">
-            <a:extLst>
-              <a:ext uri="{FF2B5EF4-FFF2-40B4-BE49-F238E27FC236}">
-                <a16:creationId xmlns:a16="http://schemas.microsoft.com/office/drawing/2014/main" id="{A795FF23-C699-40B2-9D04-D412A61FC124}"/>
-              </a:ext>
-            </a:extLst>
-          </p:cNvPr>
-          <p:cNvSpPr>
-            <a:spLocks noGrp="1"/>
-          </p:cNvSpPr>
-          <p:nvPr>
-            <p:ph type="title"/>
-          </p:nvPr>
-        </p:nvSpPr>
-        <p:spPr>
-          <a:xfrm>
-            <a:off x="429768" y="411480"/>
-            <a:ext cx="11201400" cy="1106424"/>
-          </a:xfrm>
-        </p:spPr>
-        <p:txBody>
-          <a:bodyPr>
-            <a:normAutofit/>
-          </a:bodyPr>
-          <a:lstStyle/>
-          <a:p>
-            <a:r>
-              <a:rPr lang="en-US" sz="3600" dirty="0"/>
-              <a:t>Running K8S on Your Own</a:t>
-            </a:r>
-          </a:p>
-        </p:txBody>
-      </p:sp>
-      <p:sp>
-        <p:nvSpPr>
-          <p:cNvPr id="11" name="Rectangle 10">
-            <a:extLst>
-              <a:ext uri="{FF2B5EF4-FFF2-40B4-BE49-F238E27FC236}">
-                <a16:creationId xmlns:a16="http://schemas.microsoft.com/office/drawing/2014/main" id="{3E23A947-2D45-4208-AE2B-64948C87A3EB}"/>
-              </a:ext>
-              <a:ext uri="{C183D7F6-B498-43B3-948B-1728B52AA6E4}">
-                <adec:decorative xmlns:adec="http://schemas.microsoft.com/office/drawing/2017/decorative" val="1"/>
-              </a:ext>
-            </a:extLst>
-          </p:cNvPr>
-          <p:cNvSpPr>
-            <a:spLocks noGrp="1" noRot="1" noChangeAspect="1" noMove="1" noResize="1" noEditPoints="1" noAdjustHandles="1" noChangeArrowheads="1" noChangeShapeType="1" noTextEdit="1"/>
-          </p:cNvSpPr>
-          <p:nvPr>
-            <p:extLst>
-              <p:ext uri="{386F3935-93C4-4BCD-93E2-E3B085C9AB24}">
-                <p16:designElem xmlns:p16="http://schemas.microsoft.com/office/powerpoint/2015/main" val="1"/>
-              </p:ext>
-            </p:extLst>
-          </p:nvPr>
-        </p:nvSpPr>
-        <p:spPr>
-          <a:xfrm>
-            <a:off x="0" y="598458"/>
-            <a:ext cx="128016" cy="704088"/>
-          </a:xfrm>
-          <a:prstGeom prst="rect">
-            <a:avLst/>
-          </a:prstGeom>
-          <a:solidFill>
-            <a:schemeClr val="accent2"/>
-          </a:solidFill>
-          <a:ln>
-            <a:noFill/>
-          </a:ln>
-        </p:spPr>
-        <p:style>
-          <a:lnRef idx="2">
-            <a:schemeClr val="accent1">
-              <a:shade val="50000"/>
-            </a:schemeClr>
-          </a:lnRef>
-          <a:fillRef idx="1">
-            <a:schemeClr val="accent1"/>
-          </a:fillRef>
-          <a:effectRef idx="0">
-            <a:schemeClr val="accent1"/>
-          </a:effectRef>
-          <a:fontRef idx="minor">
-            <a:schemeClr val="lt1"/>
-          </a:fontRef>
-        </p:style>
-        <p:txBody>
-          <a:bodyPr rtlCol="0" anchor="ctr"/>
-          <a:lstStyle/>
-          <a:p>
-            <a:pPr algn="ctr"/>
-            <a:endParaRPr lang="en-US">
-              <a:solidFill>
-                <a:prstClr val="white"/>
-              </a:solidFill>
-              <a:latin typeface="Calibri" panose="020F0502020204030204"/>
-            </a:endParaRPr>
-          </a:p>
-        </p:txBody>
-      </p:sp>
-      <p:pic>
-        <p:nvPicPr>
-          <p:cNvPr id="4" name="Picture 3">
-            <a:extLst>
-              <a:ext uri="{FF2B5EF4-FFF2-40B4-BE49-F238E27FC236}">
-                <a16:creationId xmlns:a16="http://schemas.microsoft.com/office/drawing/2014/main" id="{D2C6AE35-73E5-4E5F-AD6B-CE440AEDA59E}"/>
-              </a:ext>
-            </a:extLst>
-          </p:cNvPr>
-          <p:cNvPicPr>
-            <a:picLocks noChangeAspect="1"/>
-          </p:cNvPicPr>
-          <p:nvPr/>
-        </p:nvPicPr>
-        <p:blipFill>
-          <a:blip r:embed="rId2"/>
-          <a:stretch>
-            <a:fillRect/>
-          </a:stretch>
-        </p:blipFill>
-        <p:spPr>
-          <a:xfrm>
-            <a:off x="429768" y="1992009"/>
-            <a:ext cx="6702552" cy="3971261"/>
-          </a:xfrm>
-          <a:prstGeom prst="rect">
-            <a:avLst/>
-          </a:prstGeom>
-        </p:spPr>
-      </p:pic>
-      <p:sp useBgFill="1">
-        <p:nvSpPr>
-          <p:cNvPr id="13" name="Rectangle 12">
-            <a:extLst>
-              <a:ext uri="{FF2B5EF4-FFF2-40B4-BE49-F238E27FC236}">
-                <a16:creationId xmlns:a16="http://schemas.microsoft.com/office/drawing/2014/main" id="{E5BBB0F9-6A59-4D02-A9C7-A2D6516684CE}"/>
-              </a:ext>
-              <a:ext uri="{C183D7F6-B498-43B3-948B-1728B52AA6E4}">
-                <adec:decorative xmlns:adec="http://schemas.microsoft.com/office/drawing/2017/decorative" val="1"/>
-              </a:ext>
-            </a:extLst>
-          </p:cNvPr>
-          <p:cNvSpPr>
-            <a:spLocks noGrp="1" noRot="1" noChangeAspect="1" noMove="1" noResize="1" noEditPoints="1" noAdjustHandles="1" noChangeArrowheads="1" noChangeShapeType="1" noTextEdit="1"/>
-          </p:cNvSpPr>
-          <p:nvPr>
-            <p:extLst>
-              <p:ext uri="{386F3935-93C4-4BCD-93E2-E3B085C9AB24}">
-                <p16:designElem xmlns:p16="http://schemas.microsoft.com/office/powerpoint/2015/main" val="1"/>
-              </p:ext>
-            </p:extLst>
-          </p:nvPr>
-        </p:nvSpPr>
-        <p:spPr>
-          <a:xfrm>
-            <a:off x="7543801" y="1721922"/>
-            <a:ext cx="4218432" cy="4520560"/>
-          </a:xfrm>
-          <a:prstGeom prst="rect">
-            <a:avLst/>
-          </a:prstGeom>
-          <a:ln w="9525">
-            <a:solidFill>
-              <a:srgbClr val="DEDEDE"/>
-            </a:solidFill>
-          </a:ln>
-          <a:effectLst>
-            <a:outerShdw blurRad="50800" dist="38100" dir="2700000" algn="tl" rotWithShape="0">
-              <a:schemeClr val="bg1">
-                <a:lumMod val="85000"/>
-                <a:alpha val="50000"/>
-              </a:schemeClr>
-            </a:outerShdw>
-          </a:effectLst>
-        </p:spPr>
-        <p:style>
-          <a:lnRef idx="2">
-            <a:schemeClr val="accent1">
-              <a:shade val="50000"/>
-            </a:schemeClr>
-          </a:lnRef>
-          <a:fillRef idx="1">
-            <a:schemeClr val="accent1"/>
-          </a:fillRef>
-          <a:effectRef idx="0">
-            <a:schemeClr val="accent1"/>
-          </a:effectRef>
-          <a:fontRef idx="minor">
-            <a:schemeClr val="lt1"/>
-          </a:fontRef>
-        </p:style>
-        <p:txBody>
-          <a:bodyPr rtlCol="0" anchor="ctr"/>
-          <a:lstStyle/>
-          <a:p>
-            <a:pPr marL="0" marR="0" lvl="0" indent="0" algn="ctr" defTabSz="914400" rtl="0" eaLnBrk="1" fontAlgn="auto" latinLnBrk="0" hangingPunct="1">
-              <a:lnSpc>
-                <a:spcPct val="100000"/>
-              </a:lnSpc>
-              <a:spcBef>
-                <a:spcPts val="0"/>
-              </a:spcBef>
-              <a:spcAft>
-                <a:spcPts val="0"/>
-              </a:spcAft>
-              <a:buClrTx/>
-              <a:buSzTx/>
-              <a:buFontTx/>
-              <a:buNone/>
-              <a:tabLst/>
-              <a:defRPr/>
-            </a:pPr>
-            <a:endParaRPr kumimoji="0" lang="en-US" sz="1800" b="0" i="0" u="none" strike="noStrike" kern="1200" cap="none" spc="0" normalizeH="0" baseline="0" noProof="0">
-              <a:ln>
-                <a:noFill/>
-              </a:ln>
-              <a:solidFill>
-                <a:prstClr val="white"/>
-              </a:solidFill>
-              <a:effectLst/>
-              <a:uLnTx/>
-              <a:uFillTx/>
-              <a:latin typeface="Calibri" panose="020F0502020204030204"/>
-              <a:ea typeface="+mn-ea"/>
-              <a:cs typeface="+mn-cs"/>
-            </a:endParaRPr>
-          </a:p>
-        </p:txBody>
-      </p:sp>
-      <p:sp>
-        <p:nvSpPr>
-          <p:cNvPr id="3" name="Content Placeholder 2">
-            <a:extLst>
-              <a:ext uri="{FF2B5EF4-FFF2-40B4-BE49-F238E27FC236}">
-                <a16:creationId xmlns:a16="http://schemas.microsoft.com/office/drawing/2014/main" id="{6B534058-258C-4E46-BFD4-61DAEBBEB8BD}"/>
-              </a:ext>
-            </a:extLst>
-          </p:cNvPr>
-          <p:cNvSpPr>
-            <a:spLocks noGrp="1"/>
-          </p:cNvSpPr>
-          <p:nvPr>
-            <p:ph idx="1"/>
-          </p:nvPr>
-        </p:nvSpPr>
-        <p:spPr>
-          <a:xfrm>
-            <a:off x="7938752" y="2020824"/>
-            <a:ext cx="3455097" cy="3959352"/>
-          </a:xfrm>
-        </p:spPr>
-        <p:txBody>
-          <a:bodyPr anchor="ctr">
-            <a:normAutofit/>
-          </a:bodyPr>
-          <a:lstStyle/>
-          <a:p>
-            <a:r>
-              <a:rPr lang="en-US" sz="1800" dirty="0" err="1"/>
-              <a:t>Minikube</a:t>
-            </a:r>
-            <a:r>
-              <a:rPr lang="en-US" sz="1800" dirty="0"/>
-              <a:t> (</a:t>
-            </a:r>
-            <a:r>
-              <a:rPr lang="en-US" sz="1800" dirty="0">
-                <a:hlinkClick r:id="rId3"/>
-              </a:rPr>
-              <a:t>https://github.com/kubernetes/minikube</a:t>
-            </a:r>
-            <a:r>
-              <a:rPr lang="en-US" sz="1800" dirty="0"/>
-              <a:t>)</a:t>
-            </a:r>
-          </a:p>
-          <a:p>
-            <a:endParaRPr lang="en-US" sz="1800" dirty="0"/>
-          </a:p>
-          <a:p>
-            <a:r>
-              <a:rPr lang="en-US" sz="1800" dirty="0"/>
-              <a:t>Built-in Kubernetes with Docker for Windows (</a:t>
-            </a:r>
-            <a:r>
-              <a:rPr lang="en-US" sz="1800" dirty="0">
-                <a:hlinkClick r:id="rId4"/>
-              </a:rPr>
-              <a:t>https://docs.docker.com/docker-for-windows/kubernetes/</a:t>
-            </a:r>
-            <a:r>
-              <a:rPr lang="en-US" sz="1800" dirty="0"/>
-              <a:t>)</a:t>
-            </a:r>
-          </a:p>
-          <a:p>
-            <a:endParaRPr lang="en-US" sz="1800" dirty="0"/>
-          </a:p>
-          <a:p>
-            <a:endParaRPr lang="en-US" sz="1800" dirty="0"/>
-          </a:p>
-          <a:p>
-            <a:endParaRPr lang="en-US" sz="1800" dirty="0"/>
-          </a:p>
-        </p:txBody>
-      </p:sp>
-    </p:spTree>
-    <p:extLst>
-      <p:ext uri="{BB962C8B-B14F-4D97-AF65-F5344CB8AC3E}">
-        <p14:creationId xmlns:p14="http://schemas.microsoft.com/office/powerpoint/2010/main" val="3801131572"/>
       </p:ext>
     </p:extLst>
   </p:cSld>

--- a/fun-with-k8s.pptx
+++ b/fun-with-k8s.pptx
@@ -5,7 +5,7 @@
     <p:sldMasterId id="2147483648" r:id="rId1"/>
   </p:sldMasterIdLst>
   <p:notesMasterIdLst>
-    <p:notesMasterId r:id="rId17"/>
+    <p:notesMasterId r:id="rId18"/>
   </p:notesMasterIdLst>
   <p:sldIdLst>
     <p:sldId id="256" r:id="rId2"/>
@@ -23,6 +23,7 @@
     <p:sldId id="277" r:id="rId14"/>
     <p:sldId id="259" r:id="rId15"/>
     <p:sldId id="268" r:id="rId16"/>
+    <p:sldId id="284" r:id="rId17"/>
   </p:sldIdLst>
   <p:sldSz cx="12192000" cy="6858000"/>
   <p:notesSz cx="6858000" cy="9144000"/>
@@ -3316,8 +3317,8 @@
         <a:lstStyle/>
         <a:p>
           <a:r>
-            <a:rPr lang="en-US"/>
-            <a:t>Engineer with 20+ years of IT Professional work experience. A jack-of-all-trades with strong skills in Azure cloud services, MS SQL Server administration, Active Directory, PowerShell, and Troubleshooting.</a:t>
+            <a:rPr lang="en-US" dirty="0"/>
+            <a:t>Engineer with 20+ years of IT Professional work experience. A jack-of-all-trades with strong skills in Azure cloud services, MS SQL Server administration, Active Directory, PowerShell, and General Troubleshooting.</a:t>
           </a:r>
         </a:p>
       </dgm:t>
@@ -3709,7 +3710,7 @@
   <dgm:whole/>
   <dgm:extLst>
     <a:ext uri="http://schemas.microsoft.com/office/drawing/2008/diagram">
-      <dsp:dataModelExt xmlns:dsp="http://schemas.microsoft.com/office/drawing/2008/diagram" relId="rId6" minVer="http://schemas.openxmlformats.org/drawingml/2006/diagram"/>
+      <dsp:dataModelExt xmlns:dsp="http://schemas.microsoft.com/office/drawing/2008/diagram" relId="rId7" minVer="http://schemas.openxmlformats.org/drawingml/2006/diagram"/>
     </a:ext>
   </dgm:extLst>
 </dgm:dataModel>
@@ -3900,7 +3901,7 @@
   <dgm:whole/>
   <dgm:extLst>
     <a:ext uri="http://schemas.microsoft.com/office/drawing/2008/diagram">
-      <dsp:dataModelExt xmlns:dsp="http://schemas.microsoft.com/office/drawing/2008/diagram" relId="rId6" minVer="http://schemas.openxmlformats.org/drawingml/2006/diagram"/>
+      <dsp:dataModelExt xmlns:dsp="http://schemas.microsoft.com/office/drawing/2008/diagram" relId="rId7" minVer="http://schemas.openxmlformats.org/drawingml/2006/diagram"/>
     </a:ext>
   </dgm:extLst>
 </dgm:dataModel>
@@ -4211,6 +4212,48 @@
         </a:p>
       </dgm:t>
     </dgm:pt>
+    <dgm:pt modelId="{8011EBEC-C7F0-46ED-9273-186B2CD7BFD4}">
+      <dgm:prSet phldrT="[Text]"/>
+      <dgm:spPr>
+        <a:solidFill>
+          <a:schemeClr val="accent2">
+            <a:lumMod val="75000"/>
+          </a:schemeClr>
+        </a:solidFill>
+      </dgm:spPr>
+      <dgm:t>
+        <a:bodyPr/>
+        <a:lstStyle/>
+        <a:p>
+          <a:r>
+            <a:rPr lang="en-US" dirty="0"/>
+            <a:t>Ingress2</a:t>
+          </a:r>
+        </a:p>
+      </dgm:t>
+    </dgm:pt>
+    <dgm:pt modelId="{D6FB61CD-96C5-4908-8A59-4463C257DC9F}" type="parTrans" cxnId="{05BDB74B-81F6-416D-978B-A915366BF754}">
+      <dgm:prSet/>
+      <dgm:spPr/>
+      <dgm:t>
+        <a:bodyPr/>
+        <a:lstStyle/>
+        <a:p>
+          <a:endParaRPr lang="en-US"/>
+        </a:p>
+      </dgm:t>
+    </dgm:pt>
+    <dgm:pt modelId="{35DC12F6-DBFC-4492-A1FF-C5E5A7856F87}" type="sibTrans" cxnId="{05BDB74B-81F6-416D-978B-A915366BF754}">
+      <dgm:prSet/>
+      <dgm:spPr/>
+      <dgm:t>
+        <a:bodyPr/>
+        <a:lstStyle/>
+        <a:p>
+          <a:endParaRPr lang="en-US"/>
+        </a:p>
+      </dgm:t>
+    </dgm:pt>
     <dgm:pt modelId="{3E82E42B-C0CB-431E-866D-B7D0824FC505}" type="pres">
       <dgm:prSet presAssocID="{D9D542EB-D693-4F77-B140-F3451170E7D8}" presName="Name0" presStyleCnt="0">
         <dgm:presLayoutVars>
@@ -4268,7 +4311,7 @@
       <dgm:spPr/>
     </dgm:pt>
     <dgm:pt modelId="{5DB3CFA5-099B-4FDC-B7B6-BE30B89BFFFB}" type="pres">
-      <dgm:prSet presAssocID="{BC2F7157-FA1E-4C80-B424-6EA8493F7514}" presName="txThree" presStyleLbl="node3" presStyleIdx="0" presStyleCnt="3">
+      <dgm:prSet presAssocID="{BC2F7157-FA1E-4C80-B424-6EA8493F7514}" presName="txThree" presStyleLbl="node3" presStyleIdx="0" presStyleCnt="3" custScaleY="53243">
         <dgm:presLayoutVars>
           <dgm:chPref val="3"/>
         </dgm:presLayoutVars>
@@ -4292,7 +4335,7 @@
       <dgm:spPr/>
     </dgm:pt>
     <dgm:pt modelId="{C240D476-B14D-4B2E-97DC-8B1C66A8757C}" type="pres">
-      <dgm:prSet presAssocID="{CA0B438F-F00B-415B-B711-8CFF22A52ED2}" presName="txFour" presStyleLbl="node4" presStyleIdx="0" presStyleCnt="2">
+      <dgm:prSet presAssocID="{CA0B438F-F00B-415B-B711-8CFF22A52ED2}" presName="txFour" presStyleLbl="node4" presStyleIdx="0" presStyleCnt="3" custScaleY="65318">
         <dgm:presLayoutVars>
           <dgm:chPref val="3"/>
         </dgm:presLayoutVars>
@@ -4312,7 +4355,7 @@
       <dgm:spPr/>
     </dgm:pt>
     <dgm:pt modelId="{2794681D-0536-4996-8500-CE85E8BB227E}" type="pres">
-      <dgm:prSet presAssocID="{FFA4A54C-C2FC-4B93-AEB7-7487E6F6A5E7}" presName="txThree" presStyleLbl="node3" presStyleIdx="1" presStyleCnt="3">
+      <dgm:prSet presAssocID="{FFA4A54C-C2FC-4B93-AEB7-7487E6F6A5E7}" presName="txThree" presStyleLbl="node3" presStyleIdx="1" presStyleCnt="3" custScaleY="53243">
         <dgm:presLayoutVars>
           <dgm:chPref val="3"/>
         </dgm:presLayoutVars>
@@ -4332,7 +4375,7 @@
       <dgm:spPr/>
     </dgm:pt>
     <dgm:pt modelId="{542A4C29-DB3D-4D5C-B6BD-1259BE445AB1}" type="pres">
-      <dgm:prSet presAssocID="{5EA97F0D-A22C-4E31-8794-E5A3FE1B19B0}" presName="txThree" presStyleLbl="node3" presStyleIdx="2" presStyleCnt="3">
+      <dgm:prSet presAssocID="{5EA97F0D-A22C-4E31-8794-E5A3FE1B19B0}" presName="txThree" presStyleLbl="node3" presStyleIdx="2" presStyleCnt="3" custScaleY="53243" custLinFactNeighborX="-64" custLinFactNeighborY="-1909">
         <dgm:presLayoutVars>
           <dgm:chPref val="3"/>
         </dgm:presLayoutVars>
@@ -4356,23 +4399,49 @@
       <dgm:spPr/>
     </dgm:pt>
     <dgm:pt modelId="{F064F8B2-2939-4F46-B566-84B34B5E746E}" type="pres">
-      <dgm:prSet presAssocID="{1FDD5711-041F-4474-A431-6F24BF0899C9}" presName="txFour" presStyleLbl="node4" presStyleIdx="1" presStyleCnt="2">
+      <dgm:prSet presAssocID="{1FDD5711-041F-4474-A431-6F24BF0899C9}" presName="txFour" presStyleLbl="node4" presStyleIdx="1" presStyleCnt="3" custScaleY="65318">
         <dgm:presLayoutVars>
           <dgm:chPref val="3"/>
         </dgm:presLayoutVars>
       </dgm:prSet>
       <dgm:spPr/>
     </dgm:pt>
+    <dgm:pt modelId="{A2D4F776-5A7B-48BB-9D25-A5A0C886A808}" type="pres">
+      <dgm:prSet presAssocID="{1FDD5711-041F-4474-A431-6F24BF0899C9}" presName="parTransFour" presStyleCnt="0"/>
+      <dgm:spPr/>
+    </dgm:pt>
     <dgm:pt modelId="{627EFE76-A9BF-4D3F-9190-F46D0BBE756A}" type="pres">
       <dgm:prSet presAssocID="{1FDD5711-041F-4474-A431-6F24BF0899C9}" presName="horzFour" presStyleCnt="0"/>
+      <dgm:spPr/>
+    </dgm:pt>
+    <dgm:pt modelId="{A217A1A2-8881-4CBA-8F08-1E65DD05FAB5}" type="pres">
+      <dgm:prSet presAssocID="{8011EBEC-C7F0-46ED-9273-186B2CD7BFD4}" presName="vertFour" presStyleCnt="0">
+        <dgm:presLayoutVars>
+          <dgm:chPref val="3"/>
+        </dgm:presLayoutVars>
+      </dgm:prSet>
+      <dgm:spPr/>
+    </dgm:pt>
+    <dgm:pt modelId="{8BCBAAD0-2047-49B9-B312-5B4C7193054C}" type="pres">
+      <dgm:prSet presAssocID="{8011EBEC-C7F0-46ED-9273-186B2CD7BFD4}" presName="txFour" presStyleLbl="node4" presStyleIdx="2" presStyleCnt="3" custScaleY="40676">
+        <dgm:presLayoutVars>
+          <dgm:chPref val="3"/>
+        </dgm:presLayoutVars>
+      </dgm:prSet>
+      <dgm:spPr/>
+    </dgm:pt>
+    <dgm:pt modelId="{DC7CA2E4-4834-48D7-9BE0-8D73A1505BA7}" type="pres">
+      <dgm:prSet presAssocID="{8011EBEC-C7F0-46ED-9273-186B2CD7BFD4}" presName="horzFour" presStyleCnt="0"/>
       <dgm:spPr/>
     </dgm:pt>
   </dgm:ptLst>
   <dgm:cxnLst>
     <dgm:cxn modelId="{897BF05B-29A5-473D-8CF3-7E49EB1A35CA}" type="presOf" srcId="{5EA97F0D-A22C-4E31-8794-E5A3FE1B19B0}" destId="{542A4C29-DB3D-4D5C-B6BD-1259BE445AB1}" srcOrd="0" destOrd="0" presId="urn:microsoft.com/office/officeart/2005/8/layout/architecture"/>
     <dgm:cxn modelId="{A34C6044-4192-4B13-B8A9-3346C4236F55}" srcId="{89B392D9-0CB7-4ED6-B3A2-3C9C5EF15811}" destId="{5EA97F0D-A22C-4E31-8794-E5A3FE1B19B0}" srcOrd="2" destOrd="0" parTransId="{5400B639-535B-48EA-B50A-D0B0CC71D66E}" sibTransId="{C096EA76-14DD-4D35-9353-40378E7B15C7}"/>
+    <dgm:cxn modelId="{05BDB74B-81F6-416D-978B-A915366BF754}" srcId="{1FDD5711-041F-4474-A431-6F24BF0899C9}" destId="{8011EBEC-C7F0-46ED-9273-186B2CD7BFD4}" srcOrd="0" destOrd="0" parTransId="{D6FB61CD-96C5-4908-8A59-4463C257DC9F}" sibTransId="{35DC12F6-DBFC-4492-A1FF-C5E5A7856F87}"/>
     <dgm:cxn modelId="{9BC9FD72-F182-451B-AA09-D47823740FA3}" srcId="{5EA97F0D-A22C-4E31-8794-E5A3FE1B19B0}" destId="{1FDD5711-041F-4474-A431-6F24BF0899C9}" srcOrd="0" destOrd="0" parTransId="{C28EBFC7-619C-41A4-AFC0-18274E6155C2}" sibTransId="{06E8C094-D28C-49B4-B0CC-32AA1425704B}"/>
     <dgm:cxn modelId="{1286A27B-F7F5-40B0-887D-03321FFAEBF6}" type="presOf" srcId="{1FDD5711-041F-4474-A431-6F24BF0899C9}" destId="{F064F8B2-2939-4F46-B566-84B34B5E746E}" srcOrd="0" destOrd="0" presId="urn:microsoft.com/office/officeart/2005/8/layout/architecture"/>
+    <dgm:cxn modelId="{97161583-DBDB-4157-8574-8156AD95D95C}" type="presOf" srcId="{8011EBEC-C7F0-46ED-9273-186B2CD7BFD4}" destId="{8BCBAAD0-2047-49B9-B312-5B4C7193054C}" srcOrd="0" destOrd="0" presId="urn:microsoft.com/office/officeart/2005/8/layout/architecture"/>
     <dgm:cxn modelId="{FD38A799-A844-46F0-8CE8-0AFED79885D8}" type="presOf" srcId="{D9D542EB-D693-4F77-B140-F3451170E7D8}" destId="{3E82E42B-C0CB-431E-866D-B7D0824FC505}" srcOrd="0" destOrd="0" presId="urn:microsoft.com/office/officeart/2005/8/layout/architecture"/>
     <dgm:cxn modelId="{D63D5D9E-2CD6-4981-8F30-59B169E36825}" type="presOf" srcId="{BC2F7157-FA1E-4C80-B424-6EA8493F7514}" destId="{5DB3CFA5-099B-4FDC-B7B6-BE30B89BFFFB}" srcOrd="0" destOrd="0" presId="urn:microsoft.com/office/officeart/2005/8/layout/architecture"/>
     <dgm:cxn modelId="{46EE41A1-1E2F-4965-A413-2BF69A237CA9}" srcId="{89B392D9-0CB7-4ED6-B3A2-3C9C5EF15811}" destId="{BC2F7157-FA1E-4C80-B424-6EA8493F7514}" srcOrd="0" destOrd="0" parTransId="{C0E69902-7E28-4D3C-91BC-8CAB3A7F78B1}" sibTransId="{81A12AF2-5732-4EFC-BCC8-FAC96DF0462F}"/>
@@ -4410,13 +4479,17 @@
     <dgm:cxn modelId="{FA38C002-BED4-49D6-82BA-DE3C1E25DE5F}" type="presParOf" srcId="{9A9D8EA4-F138-4532-8FEF-E4F1BD67F468}" destId="{9165C999-9249-4F48-AE9F-2EBB4BFC6413}" srcOrd="2" destOrd="0" presId="urn:microsoft.com/office/officeart/2005/8/layout/architecture"/>
     <dgm:cxn modelId="{61BB4BDB-2075-4305-8912-598DC1CD5DE8}" type="presParOf" srcId="{9165C999-9249-4F48-AE9F-2EBB4BFC6413}" destId="{F99C0EF3-1785-4B13-AE41-1F726BB22418}" srcOrd="0" destOrd="0" presId="urn:microsoft.com/office/officeart/2005/8/layout/architecture"/>
     <dgm:cxn modelId="{68B70904-B0D7-42DE-A887-9EFC9943ED78}" type="presParOf" srcId="{F99C0EF3-1785-4B13-AE41-1F726BB22418}" destId="{F064F8B2-2939-4F46-B566-84B34B5E746E}" srcOrd="0" destOrd="0" presId="urn:microsoft.com/office/officeart/2005/8/layout/architecture"/>
-    <dgm:cxn modelId="{E0FB1DDC-DD13-4449-8E17-A932DD089700}" type="presParOf" srcId="{F99C0EF3-1785-4B13-AE41-1F726BB22418}" destId="{627EFE76-A9BF-4D3F-9190-F46D0BBE756A}" srcOrd="1" destOrd="0" presId="urn:microsoft.com/office/officeart/2005/8/layout/architecture"/>
+    <dgm:cxn modelId="{4AAA233A-6D1D-4A64-A4B6-455BCDEDB145}" type="presParOf" srcId="{F99C0EF3-1785-4B13-AE41-1F726BB22418}" destId="{A2D4F776-5A7B-48BB-9D25-A5A0C886A808}" srcOrd="1" destOrd="0" presId="urn:microsoft.com/office/officeart/2005/8/layout/architecture"/>
+    <dgm:cxn modelId="{E0FB1DDC-DD13-4449-8E17-A932DD089700}" type="presParOf" srcId="{F99C0EF3-1785-4B13-AE41-1F726BB22418}" destId="{627EFE76-A9BF-4D3F-9190-F46D0BBE756A}" srcOrd="2" destOrd="0" presId="urn:microsoft.com/office/officeart/2005/8/layout/architecture"/>
+    <dgm:cxn modelId="{A253BE5F-A06E-4BB7-8FA3-B87F429B6D15}" type="presParOf" srcId="{627EFE76-A9BF-4D3F-9190-F46D0BBE756A}" destId="{A217A1A2-8881-4CBA-8F08-1E65DD05FAB5}" srcOrd="0" destOrd="0" presId="urn:microsoft.com/office/officeart/2005/8/layout/architecture"/>
+    <dgm:cxn modelId="{CE0D319A-2546-4261-B3FC-063FCC1B7F8B}" type="presParOf" srcId="{A217A1A2-8881-4CBA-8F08-1E65DD05FAB5}" destId="{8BCBAAD0-2047-49B9-B312-5B4C7193054C}" srcOrd="0" destOrd="0" presId="urn:microsoft.com/office/officeart/2005/8/layout/architecture"/>
+    <dgm:cxn modelId="{EF342042-618D-43FA-AE0E-EA22B15C9CEC}" type="presParOf" srcId="{A217A1A2-8881-4CBA-8F08-1E65DD05FAB5}" destId="{DC7CA2E4-4834-48D7-9BE0-8D73A1505BA7}" srcOrd="1" destOrd="0" presId="urn:microsoft.com/office/officeart/2005/8/layout/architecture"/>
   </dgm:cxnLst>
   <dgm:bg/>
   <dgm:whole/>
   <dgm:extLst>
     <a:ext uri="http://schemas.microsoft.com/office/drawing/2008/diagram">
-      <dsp:dataModelExt xmlns:dsp="http://schemas.microsoft.com/office/drawing/2008/diagram" relId="rId6" minVer="http://schemas.openxmlformats.org/drawingml/2006/diagram"/>
+      <dsp:dataModelExt xmlns:dsp="http://schemas.microsoft.com/office/drawing/2008/diagram" relId="rId7" minVer="http://schemas.openxmlformats.org/drawingml/2006/diagram"/>
     </a:ext>
   </dgm:extLst>
 </dgm:dataModel>
@@ -4437,8 +4510,8 @@
       </dsp:nvSpPr>
       <dsp:spPr>
         <a:xfrm>
-          <a:off x="0" y="467316"/>
-          <a:ext cx="6513603" cy="950990"/>
+          <a:off x="0" y="639253"/>
+          <a:ext cx="6513603" cy="884520"/>
         </a:xfrm>
         <a:prstGeom prst="roundRect">
           <a:avLst/>
@@ -4504,8 +4577,8 @@
         </a:p>
       </dsp:txBody>
       <dsp:txXfrm>
-        <a:off x="46424" y="513740"/>
-        <a:ext cx="6420755" cy="858142"/>
+        <a:off x="43179" y="682432"/>
+        <a:ext cx="6427245" cy="798162"/>
       </dsp:txXfrm>
     </dsp:sp>
     <dsp:sp modelId="{D5D9F818-25C1-47B9-95F3-4C73F97F3F36}">
@@ -4515,8 +4588,8 @@
       </dsp:nvSpPr>
       <dsp:spPr>
         <a:xfrm>
-          <a:off x="0" y="1467267"/>
-          <a:ext cx="6513603" cy="950990"/>
+          <a:off x="0" y="1569853"/>
+          <a:ext cx="6513603" cy="884520"/>
         </a:xfrm>
         <a:prstGeom prst="roundRect">
           <a:avLst/>
@@ -4582,8 +4655,8 @@
         </a:p>
       </dsp:txBody>
       <dsp:txXfrm>
-        <a:off x="46424" y="1513691"/>
-        <a:ext cx="6420755" cy="858142"/>
+        <a:off x="43179" y="1613032"/>
+        <a:ext cx="6427245" cy="798162"/>
       </dsp:txXfrm>
     </dsp:sp>
     <dsp:sp modelId="{B80E0519-AFEB-4A2C-8B96-9A5BAB33D643}">
@@ -4593,8 +4666,8 @@
       </dsp:nvSpPr>
       <dsp:spPr>
         <a:xfrm>
-          <a:off x="0" y="2467217"/>
-          <a:ext cx="6513603" cy="950990"/>
+          <a:off x="0" y="2500453"/>
+          <a:ext cx="6513603" cy="884520"/>
         </a:xfrm>
         <a:prstGeom prst="roundRect">
           <a:avLst/>
@@ -4636,12 +4709,12 @@
         </a:fontRef>
       </dsp:style>
       <dsp:txBody>
-        <a:bodyPr spcFirstLastPara="0" vert="horz" wrap="square" lIns="64770" tIns="64770" rIns="64770" bIns="64770" numCol="1" spcCol="1270" anchor="ctr" anchorCtr="0">
+        <a:bodyPr spcFirstLastPara="0" vert="horz" wrap="square" lIns="60960" tIns="60960" rIns="60960" bIns="60960" numCol="1" spcCol="1270" anchor="ctr" anchorCtr="0">
           <a:noAutofit/>
         </a:bodyPr>
         <a:lstStyle/>
         <a:p>
-          <a:pPr marL="0" lvl="0" indent="0" algn="l" defTabSz="755650">
+          <a:pPr marL="0" lvl="0" indent="0" algn="l" defTabSz="711200">
             <a:lnSpc>
               <a:spcPct val="90000"/>
             </a:lnSpc>
@@ -4654,14 +4727,14 @@
             <a:buNone/>
           </a:pPr>
           <a:r>
-            <a:rPr lang="en-US" sz="1700" kern="1200"/>
-            <a:t>Engineer with 20+ years of IT Professional work experience. A jack-of-all-trades with strong skills in Azure cloud services, MS SQL Server administration, Active Directory, PowerShell, and Troubleshooting.</a:t>
+            <a:rPr lang="en-US" sz="1600" kern="1200" dirty="0"/>
+            <a:t>Engineer with 20+ years of IT Professional work experience. A jack-of-all-trades with strong skills in Azure cloud services, MS SQL Server administration, Active Directory, PowerShell, and General Troubleshooting.</a:t>
           </a:r>
         </a:p>
       </dsp:txBody>
       <dsp:txXfrm>
-        <a:off x="46424" y="2513641"/>
-        <a:ext cx="6420755" cy="858142"/>
+        <a:off x="43179" y="2543632"/>
+        <a:ext cx="6427245" cy="798162"/>
       </dsp:txXfrm>
     </dsp:sp>
     <dsp:sp modelId="{EC7B3B1C-1B93-4736-8F13-9CC2E53CADAE}">
@@ -4671,8 +4744,8 @@
       </dsp:nvSpPr>
       <dsp:spPr>
         <a:xfrm>
-          <a:off x="0" y="3467168"/>
-          <a:ext cx="6513603" cy="950990"/>
+          <a:off x="0" y="3431053"/>
+          <a:ext cx="6513603" cy="884520"/>
         </a:xfrm>
         <a:prstGeom prst="roundRect">
           <a:avLst/>
@@ -4743,8 +4816,8 @@
         </a:p>
       </dsp:txBody>
       <dsp:txXfrm>
-        <a:off x="46424" y="3513592"/>
-        <a:ext cx="6420755" cy="858142"/>
+        <a:off x="43179" y="3474232"/>
+        <a:ext cx="6427245" cy="798162"/>
       </dsp:txXfrm>
     </dsp:sp>
     <dsp:sp modelId="{373AD00E-D1AA-4415-A0BB-FF3F9B710855}">
@@ -4754,8 +4827,8 @@
       </dsp:nvSpPr>
       <dsp:spPr>
         <a:xfrm>
-          <a:off x="0" y="4467118"/>
-          <a:ext cx="6513603" cy="950990"/>
+          <a:off x="0" y="4361653"/>
+          <a:ext cx="6513603" cy="884520"/>
         </a:xfrm>
         <a:prstGeom prst="roundRect">
           <a:avLst/>
@@ -4821,8 +4894,8 @@
         </a:p>
       </dsp:txBody>
       <dsp:txXfrm>
-        <a:off x="46424" y="4513542"/>
-        <a:ext cx="6420755" cy="858142"/>
+        <a:off x="43179" y="4404832"/>
+        <a:ext cx="6427245" cy="798162"/>
       </dsp:txXfrm>
     </dsp:sp>
   </dsp:spTree>
@@ -5336,8 +5409,8 @@
       </dsp:nvSpPr>
       <dsp:spPr>
         <a:xfrm>
-          <a:off x="575" y="3794861"/>
-          <a:ext cx="10514449" cy="554248"/>
+          <a:off x="575" y="3745247"/>
+          <a:ext cx="10514449" cy="604795"/>
         </a:xfrm>
         <a:prstGeom prst="roundRect">
           <a:avLst>
@@ -5381,12 +5454,12 @@
         </a:fontRef>
       </dsp:style>
       <dsp:txBody>
-        <a:bodyPr spcFirstLastPara="0" vert="horz" wrap="square" lIns="91440" tIns="91440" rIns="91440" bIns="91440" numCol="1" spcCol="1270" anchor="ctr" anchorCtr="0">
+        <a:bodyPr spcFirstLastPara="0" vert="horz" wrap="square" lIns="99060" tIns="99060" rIns="99060" bIns="99060" numCol="1" spcCol="1270" anchor="ctr" anchorCtr="0">
           <a:noAutofit/>
         </a:bodyPr>
         <a:lstStyle/>
         <a:p>
-          <a:pPr marL="0" lvl="0" indent="0" algn="ctr" defTabSz="1066800">
+          <a:pPr marL="0" lvl="0" indent="0" algn="ctr" defTabSz="1155700">
             <a:lnSpc>
               <a:spcPct val="90000"/>
             </a:lnSpc>
@@ -5399,14 +5472,14 @@
             <a:buNone/>
           </a:pPr>
           <a:r>
-            <a:rPr lang="en-US" sz="2400" kern="1200" dirty="0"/>
+            <a:rPr lang="en-US" sz="2600" kern="1200" dirty="0"/>
             <a:t>Worker Node</a:t>
           </a:r>
         </a:p>
       </dsp:txBody>
       <dsp:txXfrm>
-        <a:off x="16808" y="3811094"/>
-        <a:ext cx="10481983" cy="521782"/>
+        <a:off x="18289" y="3762961"/>
+        <a:ext cx="10479021" cy="569367"/>
       </dsp:txXfrm>
     </dsp:sp>
     <dsp:sp modelId="{0ED19D9A-70C1-4337-9C08-6EBE6F56AE21}">
@@ -5416,8 +5489,8 @@
       </dsp:nvSpPr>
       <dsp:spPr>
         <a:xfrm>
-          <a:off x="10838" y="3017493"/>
-          <a:ext cx="10493923" cy="597658"/>
+          <a:off x="10838" y="2896983"/>
+          <a:ext cx="10493923" cy="652164"/>
         </a:xfrm>
         <a:prstGeom prst="roundRect">
           <a:avLst>
@@ -5458,12 +5531,12 @@
         </a:fontRef>
       </dsp:style>
       <dsp:txBody>
-        <a:bodyPr spcFirstLastPara="0" vert="horz" wrap="square" lIns="91440" tIns="91440" rIns="91440" bIns="91440" numCol="1" spcCol="1270" anchor="ctr" anchorCtr="0">
+        <a:bodyPr spcFirstLastPara="0" vert="horz" wrap="square" lIns="99060" tIns="99060" rIns="99060" bIns="99060" numCol="1" spcCol="1270" anchor="ctr" anchorCtr="0">
           <a:noAutofit/>
         </a:bodyPr>
         <a:lstStyle/>
         <a:p>
-          <a:pPr marL="0" lvl="0" indent="0" algn="ctr" defTabSz="1066800">
+          <a:pPr marL="0" lvl="0" indent="0" algn="ctr" defTabSz="1155700">
             <a:lnSpc>
               <a:spcPct val="90000"/>
             </a:lnSpc>
@@ -5476,14 +5549,14 @@
             <a:buNone/>
           </a:pPr>
           <a:r>
-            <a:rPr lang="en-US" sz="2400" kern="1200" dirty="0"/>
+            <a:rPr lang="en-US" sz="2600" kern="1200" dirty="0"/>
             <a:t>Kubernetes</a:t>
           </a:r>
         </a:p>
       </dsp:txBody>
       <dsp:txXfrm>
-        <a:off x="28343" y="3034998"/>
-        <a:ext cx="10458913" cy="562648"/>
+        <a:off x="29939" y="2916084"/>
+        <a:ext cx="10455721" cy="613962"/>
       </dsp:txXfrm>
     </dsp:sp>
     <dsp:sp modelId="{5DB3CFA5-099B-4FDC-B7B6-BE30B89BFFFB}">
@@ -5493,8 +5566,8 @@
       </dsp:nvSpPr>
       <dsp:spPr>
         <a:xfrm>
-          <a:off x="10838" y="1509860"/>
-          <a:ext cx="3402699" cy="1327922"/>
+          <a:off x="31304" y="1929377"/>
+          <a:ext cx="3389426" cy="771506"/>
         </a:xfrm>
         <a:prstGeom prst="roundRect">
           <a:avLst>
@@ -5536,12 +5609,12 @@
         </a:fontRef>
       </dsp:style>
       <dsp:txBody>
-        <a:bodyPr spcFirstLastPara="0" vert="horz" wrap="square" lIns="91440" tIns="91440" rIns="91440" bIns="91440" numCol="1" spcCol="1270" anchor="ctr" anchorCtr="0">
+        <a:bodyPr spcFirstLastPara="0" vert="horz" wrap="square" lIns="99060" tIns="99060" rIns="99060" bIns="99060" numCol="1" spcCol="1270" anchor="ctr" anchorCtr="0">
           <a:noAutofit/>
         </a:bodyPr>
         <a:lstStyle/>
         <a:p>
-          <a:pPr marL="0" lvl="0" indent="0" algn="ctr" defTabSz="1066800">
+          <a:pPr marL="0" lvl="0" indent="0" algn="ctr" defTabSz="1155700">
             <a:lnSpc>
               <a:spcPct val="90000"/>
             </a:lnSpc>
@@ -5554,14 +5627,14 @@
             <a:buNone/>
           </a:pPr>
           <a:r>
-            <a:rPr lang="en-US" sz="2400" kern="1200" dirty="0"/>
+            <a:rPr lang="en-US" sz="2600" kern="1200" dirty="0"/>
             <a:t>Pod1a</a:t>
           </a:r>
         </a:p>
       </dsp:txBody>
       <dsp:txXfrm>
-        <a:off x="49732" y="1548754"/>
-        <a:ext cx="3324911" cy="1250134"/>
+        <a:off x="53901" y="1951974"/>
+        <a:ext cx="3344232" cy="726312"/>
       </dsp:txXfrm>
     </dsp:sp>
     <dsp:sp modelId="{C240D476-B14D-4B2E-97DC-8B1C66A8757C}">
@@ -5571,8 +5644,8 @@
       </dsp:nvSpPr>
       <dsp:spPr>
         <a:xfrm>
-          <a:off x="10838" y="2227"/>
-          <a:ext cx="3402699" cy="1327922"/>
+          <a:off x="31304" y="786800"/>
+          <a:ext cx="3389426" cy="946477"/>
         </a:xfrm>
         <a:prstGeom prst="roundRect">
           <a:avLst>
@@ -5614,12 +5687,12 @@
         </a:fontRef>
       </dsp:style>
       <dsp:txBody>
-        <a:bodyPr spcFirstLastPara="0" vert="horz" wrap="square" lIns="91440" tIns="91440" rIns="91440" bIns="91440" numCol="1" spcCol="1270" anchor="ctr" anchorCtr="0">
+        <a:bodyPr spcFirstLastPara="0" vert="horz" wrap="square" lIns="95250" tIns="95250" rIns="95250" bIns="95250" numCol="1" spcCol="1270" anchor="ctr" anchorCtr="0">
           <a:noAutofit/>
         </a:bodyPr>
         <a:lstStyle/>
         <a:p>
-          <a:pPr marL="0" lvl="0" indent="0" algn="ctr" defTabSz="1066800">
+          <a:pPr marL="0" lvl="0" indent="0" algn="ctr" defTabSz="1111250">
             <a:lnSpc>
               <a:spcPct val="90000"/>
             </a:lnSpc>
@@ -5632,14 +5705,14 @@
             <a:buNone/>
           </a:pPr>
           <a:r>
-            <a:rPr lang="en-US" sz="2400" kern="1200" dirty="0"/>
+            <a:rPr lang="en-US" sz="2500" kern="1200" dirty="0"/>
             <a:t>Service1</a:t>
           </a:r>
         </a:p>
       </dsp:txBody>
       <dsp:txXfrm>
-        <a:off x="49732" y="41121"/>
-        <a:ext cx="3324911" cy="1250134"/>
+        <a:off x="59025" y="814521"/>
+        <a:ext cx="3333984" cy="891035"/>
       </dsp:txXfrm>
     </dsp:sp>
     <dsp:sp modelId="{2794681D-0536-4996-8500-CE85E8BB227E}">
@@ -5649,8 +5722,8 @@
       </dsp:nvSpPr>
       <dsp:spPr>
         <a:xfrm>
-          <a:off x="3556450" y="1509860"/>
-          <a:ext cx="3402699" cy="1327922"/>
+          <a:off x="3563086" y="1929377"/>
+          <a:ext cx="3389426" cy="771506"/>
         </a:xfrm>
         <a:prstGeom prst="roundRect">
           <a:avLst>
@@ -5692,12 +5765,12 @@
         </a:fontRef>
       </dsp:style>
       <dsp:txBody>
-        <a:bodyPr spcFirstLastPara="0" vert="horz" wrap="square" lIns="91440" tIns="91440" rIns="91440" bIns="91440" numCol="1" spcCol="1270" anchor="ctr" anchorCtr="0">
+        <a:bodyPr spcFirstLastPara="0" vert="horz" wrap="square" lIns="99060" tIns="99060" rIns="99060" bIns="99060" numCol="1" spcCol="1270" anchor="ctr" anchorCtr="0">
           <a:noAutofit/>
         </a:bodyPr>
         <a:lstStyle/>
         <a:p>
-          <a:pPr marL="0" lvl="0" indent="0" algn="ctr" defTabSz="1066800">
+          <a:pPr marL="0" lvl="0" indent="0" algn="ctr" defTabSz="1155700">
             <a:lnSpc>
               <a:spcPct val="90000"/>
             </a:lnSpc>
@@ -5710,14 +5783,14 @@
             <a:buNone/>
           </a:pPr>
           <a:r>
-            <a:rPr lang="en-US" sz="2400" kern="1200" dirty="0"/>
+            <a:rPr lang="en-US" sz="2600" kern="1200" dirty="0"/>
             <a:t>Pod1b</a:t>
           </a:r>
         </a:p>
       </dsp:txBody>
       <dsp:txXfrm>
-        <a:off x="3595344" y="1548754"/>
-        <a:ext cx="3324911" cy="1250134"/>
+        <a:off x="3585683" y="1951974"/>
+        <a:ext cx="3344232" cy="726312"/>
       </dsp:txXfrm>
     </dsp:sp>
     <dsp:sp modelId="{542A4C29-DB3D-4D5C-B6BD-1259BE445AB1}">
@@ -5727,8 +5800,8 @@
       </dsp:nvSpPr>
       <dsp:spPr>
         <a:xfrm>
-          <a:off x="7102062" y="1509860"/>
-          <a:ext cx="3402699" cy="1327922"/>
+          <a:off x="7092700" y="1925633"/>
+          <a:ext cx="3389426" cy="771506"/>
         </a:xfrm>
         <a:prstGeom prst="roundRect">
           <a:avLst>
@@ -5769,12 +5842,12 @@
         </a:fontRef>
       </dsp:style>
       <dsp:txBody>
-        <a:bodyPr spcFirstLastPara="0" vert="horz" wrap="square" lIns="91440" tIns="91440" rIns="91440" bIns="91440" numCol="1" spcCol="1270" anchor="ctr" anchorCtr="0">
+        <a:bodyPr spcFirstLastPara="0" vert="horz" wrap="square" lIns="99060" tIns="99060" rIns="99060" bIns="99060" numCol="1" spcCol="1270" anchor="ctr" anchorCtr="0">
           <a:noAutofit/>
         </a:bodyPr>
         <a:lstStyle/>
         <a:p>
-          <a:pPr marL="0" lvl="0" indent="0" algn="ctr" defTabSz="1066800">
+          <a:pPr marL="0" lvl="0" indent="0" algn="ctr" defTabSz="1155700">
             <a:lnSpc>
               <a:spcPct val="90000"/>
             </a:lnSpc>
@@ -5787,14 +5860,14 @@
             <a:buNone/>
           </a:pPr>
           <a:r>
-            <a:rPr lang="en-US" sz="2400" kern="1200" dirty="0"/>
+            <a:rPr lang="en-US" sz="2600" kern="1200" dirty="0"/>
             <a:t>Pod2</a:t>
           </a:r>
         </a:p>
       </dsp:txBody>
       <dsp:txXfrm>
-        <a:off x="7140956" y="1548754"/>
-        <a:ext cx="3324911" cy="1250134"/>
+        <a:off x="7115297" y="1948230"/>
+        <a:ext cx="3344232" cy="726312"/>
       </dsp:txXfrm>
     </dsp:sp>
     <dsp:sp modelId="{F064F8B2-2939-4F46-B566-84B34B5E746E}">
@@ -5804,8 +5877,8 @@
       </dsp:nvSpPr>
       <dsp:spPr>
         <a:xfrm>
-          <a:off x="7102062" y="2227"/>
-          <a:ext cx="3402699" cy="1327922"/>
+          <a:off x="7108064" y="786800"/>
+          <a:ext cx="3363037" cy="946477"/>
         </a:xfrm>
         <a:prstGeom prst="roundRect">
           <a:avLst>
@@ -5846,12 +5919,12 @@
         </a:fontRef>
       </dsp:style>
       <dsp:txBody>
-        <a:bodyPr spcFirstLastPara="0" vert="horz" wrap="square" lIns="91440" tIns="91440" rIns="91440" bIns="91440" numCol="1" spcCol="1270" anchor="ctr" anchorCtr="0">
+        <a:bodyPr spcFirstLastPara="0" vert="horz" wrap="square" lIns="95250" tIns="95250" rIns="95250" bIns="95250" numCol="1" spcCol="1270" anchor="ctr" anchorCtr="0">
           <a:noAutofit/>
         </a:bodyPr>
         <a:lstStyle/>
         <a:p>
-          <a:pPr marL="0" lvl="0" indent="0" algn="ctr" defTabSz="1066800">
+          <a:pPr marL="0" lvl="0" indent="0" algn="ctr" defTabSz="1111250">
             <a:lnSpc>
               <a:spcPct val="90000"/>
             </a:lnSpc>
@@ -5864,14 +5937,91 @@
             <a:buNone/>
           </a:pPr>
           <a:r>
-            <a:rPr lang="en-US" sz="2400" kern="1200" dirty="0"/>
+            <a:rPr lang="en-US" sz="2500" kern="1200" dirty="0"/>
             <a:t>Service2</a:t>
           </a:r>
         </a:p>
       </dsp:txBody>
       <dsp:txXfrm>
-        <a:off x="7140956" y="41121"/>
-        <a:ext cx="3324911" cy="1250134"/>
+        <a:off x="7135785" y="814521"/>
+        <a:ext cx="3307595" cy="891035"/>
+      </dsp:txXfrm>
+    </dsp:sp>
+    <dsp:sp modelId="{8BCBAAD0-2047-49B9-B312-5B4C7193054C}">
+      <dsp:nvSpPr>
+        <dsp:cNvPr id="0" name=""/>
+        <dsp:cNvSpPr/>
+      </dsp:nvSpPr>
+      <dsp:spPr>
+        <a:xfrm>
+          <a:off x="7108064" y="1294"/>
+          <a:ext cx="3363037" cy="589407"/>
+        </a:xfrm>
+        <a:prstGeom prst="roundRect">
+          <a:avLst>
+            <a:gd name="adj" fmla="val 10000"/>
+          </a:avLst>
+        </a:prstGeom>
+        <a:solidFill>
+          <a:schemeClr val="accent2">
+            <a:lumMod val="75000"/>
+          </a:schemeClr>
+        </a:solidFill>
+        <a:ln w="12700" cap="flat" cmpd="sng" algn="ctr">
+          <a:solidFill>
+            <a:schemeClr val="lt1">
+              <a:hueOff val="0"/>
+              <a:satOff val="0"/>
+              <a:lumOff val="0"/>
+              <a:alphaOff val="0"/>
+            </a:schemeClr>
+          </a:solidFill>
+          <a:prstDash val="solid"/>
+          <a:miter lim="800000"/>
+        </a:ln>
+        <a:effectLst/>
+      </dsp:spPr>
+      <dsp:style>
+        <a:lnRef idx="2">
+          <a:scrgbClr r="0" g="0" b="0"/>
+        </a:lnRef>
+        <a:fillRef idx="1">
+          <a:scrgbClr r="0" g="0" b="0"/>
+        </a:fillRef>
+        <a:effectRef idx="0">
+          <a:scrgbClr r="0" g="0" b="0"/>
+        </a:effectRef>
+        <a:fontRef idx="minor">
+          <a:schemeClr val="lt1"/>
+        </a:fontRef>
+      </dsp:style>
+      <dsp:txBody>
+        <a:bodyPr spcFirstLastPara="0" vert="horz" wrap="square" lIns="95250" tIns="95250" rIns="95250" bIns="95250" numCol="1" spcCol="1270" anchor="ctr" anchorCtr="0">
+          <a:noAutofit/>
+        </a:bodyPr>
+        <a:lstStyle/>
+        <a:p>
+          <a:pPr marL="0" lvl="0" indent="0" algn="ctr" defTabSz="1111250">
+            <a:lnSpc>
+              <a:spcPct val="90000"/>
+            </a:lnSpc>
+            <a:spcBef>
+              <a:spcPct val="0"/>
+            </a:spcBef>
+            <a:spcAft>
+              <a:spcPct val="35000"/>
+            </a:spcAft>
+            <a:buNone/>
+          </a:pPr>
+          <a:r>
+            <a:rPr lang="en-US" sz="2500" kern="1200" dirty="0"/>
+            <a:t>Ingress2</a:t>
+          </a:r>
+        </a:p>
+      </dsp:txBody>
+      <dsp:txXfrm>
+        <a:off x="7125327" y="18557"/>
+        <a:ext cx="3328511" cy="554881"/>
       </dsp:txXfrm>
     </dsp:sp>
   </dsp:spTree>
@@ -11120,7 +11270,7 @@
           <a:p>
             <a:fld id="{7A1C9263-F356-4B47-AE03-5EE855FB885C}" type="datetimeFigureOut">
               <a:rPr lang="en-US" smtClean="0"/>
-              <a:t>4/15/2020</a:t>
+              <a:t>4/23/2020</a:t>
             </a:fld>
             <a:endParaRPr lang="en-US"/>
           </a:p>
@@ -11431,6 +11581,99 @@
           <a:bodyPr/>
           <a:lstStyle/>
           <a:p>
+            <a:endParaRPr lang="en-US" dirty="0"/>
+          </a:p>
+        </p:txBody>
+      </p:sp>
+      <p:sp>
+        <p:nvSpPr>
+          <p:cNvPr id="4" name="Slide Number Placeholder 3"/>
+          <p:cNvSpPr>
+            <a:spLocks noGrp="1"/>
+          </p:cNvSpPr>
+          <p:nvPr>
+            <p:ph type="sldNum" sz="quarter" idx="5"/>
+          </p:nvPr>
+        </p:nvSpPr>
+        <p:spPr/>
+        <p:txBody>
+          <a:bodyPr/>
+          <a:lstStyle/>
+          <a:p>
+            <a:fld id="{DBFE168D-5F09-4613-B279-C53C85B5CCCA}" type="slidenum">
+              <a:rPr lang="en-US" smtClean="0"/>
+              <a:t>3</a:t>
+            </a:fld>
+            <a:endParaRPr lang="en-US"/>
+          </a:p>
+        </p:txBody>
+      </p:sp>
+    </p:spTree>
+    <p:extLst>
+      <p:ext uri="{BB962C8B-B14F-4D97-AF65-F5344CB8AC3E}">
+        <p14:creationId xmlns:p14="http://schemas.microsoft.com/office/powerpoint/2010/main" val="3159039608"/>
+      </p:ext>
+    </p:extLst>
+  </p:cSld>
+  <p:clrMapOvr>
+    <a:masterClrMapping/>
+  </p:clrMapOvr>
+</p:notes>
+</file>
+
+<file path=ppt/notesSlides/notesSlide10.xml><?xml version="1.0" encoding="utf-8"?>
+<p:notes xmlns:a="http://schemas.openxmlformats.org/drawingml/2006/main" xmlns:r="http://schemas.openxmlformats.org/officeDocument/2006/relationships" xmlns:p="http://schemas.openxmlformats.org/presentationml/2006/main">
+  <p:cSld>
+    <p:spTree>
+      <p:nvGrpSpPr>
+        <p:cNvPr id="1" name=""/>
+        <p:cNvGrpSpPr/>
+        <p:nvPr/>
+      </p:nvGrpSpPr>
+      <p:grpSpPr>
+        <a:xfrm>
+          <a:off x="0" y="0"/>
+          <a:ext cx="0" cy="0"/>
+          <a:chOff x="0" y="0"/>
+          <a:chExt cx="0" cy="0"/>
+        </a:xfrm>
+      </p:grpSpPr>
+      <p:sp>
+        <p:nvSpPr>
+          <p:cNvPr id="2" name="Slide Image Placeholder 1"/>
+          <p:cNvSpPr>
+            <a:spLocks noGrp="1" noRot="1" noChangeAspect="1"/>
+          </p:cNvSpPr>
+          <p:nvPr>
+            <p:ph type="sldImg"/>
+          </p:nvPr>
+        </p:nvSpPr>
+        <p:spPr/>
+      </p:sp>
+      <p:sp>
+        <p:nvSpPr>
+          <p:cNvPr id="3" name="Notes Placeholder 2"/>
+          <p:cNvSpPr>
+            <a:spLocks noGrp="1"/>
+          </p:cNvSpPr>
+          <p:nvPr>
+            <p:ph type="body" idx="1"/>
+          </p:nvPr>
+        </p:nvSpPr>
+        <p:spPr/>
+        <p:txBody>
+          <a:bodyPr/>
+          <a:lstStyle/>
+          <a:p>
+            <a:r>
+              <a:rPr lang="en-US" dirty="0"/>
+              <a:t>Diving right in: </a:t>
+            </a:r>
+          </a:p>
+          <a:p>
+            <a:endParaRPr lang="en-US" dirty="0"/>
+          </a:p>
+          <a:p>
             <a:r>
               <a:rPr lang="en-US" dirty="0"/>
               <a:t>MSSQL</a:t>
@@ -11555,7 +11798,15 @@
           <a:p>
             <a:r>
               <a:rPr lang="en-US" dirty="0"/>
-              <a:t>helm install my-release </a:t>
+              <a:t>helm install my-</a:t>
+            </a:r>
+            <a:r>
+              <a:rPr lang="en-US" dirty="0" err="1"/>
+              <a:t>jenkins</a:t>
+            </a:r>
+            <a:r>
+              <a:rPr lang="en-US" dirty="0"/>
+              <a:t> </a:t>
             </a:r>
             <a:r>
               <a:rPr lang="en-US" dirty="0" err="1"/>
@@ -11618,6 +11869,904 @@
     <p:extLst>
       <p:ext uri="{BB962C8B-B14F-4D97-AF65-F5344CB8AC3E}">
         <p14:creationId xmlns:p14="http://schemas.microsoft.com/office/powerpoint/2010/main" val="3840236783"/>
+      </p:ext>
+    </p:extLst>
+  </p:cSld>
+  <p:clrMapOvr>
+    <a:masterClrMapping/>
+  </p:clrMapOvr>
+</p:notes>
+</file>
+
+<file path=ppt/notesSlides/notesSlide11.xml><?xml version="1.0" encoding="utf-8"?>
+<p:notes xmlns:a="http://schemas.openxmlformats.org/drawingml/2006/main" xmlns:r="http://schemas.openxmlformats.org/officeDocument/2006/relationships" xmlns:p="http://schemas.openxmlformats.org/presentationml/2006/main">
+  <p:cSld>
+    <p:spTree>
+      <p:nvGrpSpPr>
+        <p:cNvPr id="1" name=""/>
+        <p:cNvGrpSpPr/>
+        <p:nvPr/>
+      </p:nvGrpSpPr>
+      <p:grpSpPr>
+        <a:xfrm>
+          <a:off x="0" y="0"/>
+          <a:ext cx="0" cy="0"/>
+          <a:chOff x="0" y="0"/>
+          <a:chExt cx="0" cy="0"/>
+        </a:xfrm>
+      </p:grpSpPr>
+      <p:sp>
+        <p:nvSpPr>
+          <p:cNvPr id="2" name="Slide Image Placeholder 1"/>
+          <p:cNvSpPr>
+            <a:spLocks noGrp="1" noRot="1" noChangeAspect="1"/>
+          </p:cNvSpPr>
+          <p:nvPr>
+            <p:ph type="sldImg"/>
+          </p:nvPr>
+        </p:nvSpPr>
+        <p:spPr/>
+      </p:sp>
+      <p:sp>
+        <p:nvSpPr>
+          <p:cNvPr id="3" name="Notes Placeholder 2"/>
+          <p:cNvSpPr>
+            <a:spLocks noGrp="1"/>
+          </p:cNvSpPr>
+          <p:nvPr>
+            <p:ph type="body" idx="1"/>
+          </p:nvPr>
+        </p:nvSpPr>
+        <p:spPr/>
+        <p:txBody>
+          <a:bodyPr/>
+          <a:lstStyle/>
+          <a:p>
+            <a:r>
+              <a:rPr lang="en-US" dirty="0"/>
+              <a:t>Go down the rabbit hole</a:t>
+            </a:r>
+          </a:p>
+        </p:txBody>
+      </p:sp>
+      <p:sp>
+        <p:nvSpPr>
+          <p:cNvPr id="4" name="Slide Number Placeholder 3"/>
+          <p:cNvSpPr>
+            <a:spLocks noGrp="1"/>
+          </p:cNvSpPr>
+          <p:nvPr>
+            <p:ph type="sldNum" sz="quarter" idx="5"/>
+          </p:nvPr>
+        </p:nvSpPr>
+        <p:spPr/>
+        <p:txBody>
+          <a:bodyPr/>
+          <a:lstStyle/>
+          <a:p>
+            <a:fld id="{DBFE168D-5F09-4613-B279-C53C85B5CCCA}" type="slidenum">
+              <a:rPr lang="en-US" smtClean="0"/>
+              <a:t>15</a:t>
+            </a:fld>
+            <a:endParaRPr lang="en-US"/>
+          </a:p>
+        </p:txBody>
+      </p:sp>
+    </p:spTree>
+    <p:extLst>
+      <p:ext uri="{BB962C8B-B14F-4D97-AF65-F5344CB8AC3E}">
+        <p14:creationId xmlns:p14="http://schemas.microsoft.com/office/powerpoint/2010/main" val="632761904"/>
+      </p:ext>
+    </p:extLst>
+  </p:cSld>
+  <p:clrMapOvr>
+    <a:masterClrMapping/>
+  </p:clrMapOvr>
+</p:notes>
+</file>
+
+<file path=ppt/notesSlides/notesSlide2.xml><?xml version="1.0" encoding="utf-8"?>
+<p:notes xmlns:a="http://schemas.openxmlformats.org/drawingml/2006/main" xmlns:r="http://schemas.openxmlformats.org/officeDocument/2006/relationships" xmlns:p="http://schemas.openxmlformats.org/presentationml/2006/main">
+  <p:cSld>
+    <p:spTree>
+      <p:nvGrpSpPr>
+        <p:cNvPr id="1" name=""/>
+        <p:cNvGrpSpPr/>
+        <p:nvPr/>
+      </p:nvGrpSpPr>
+      <p:grpSpPr>
+        <a:xfrm>
+          <a:off x="0" y="0"/>
+          <a:ext cx="0" cy="0"/>
+          <a:chOff x="0" y="0"/>
+          <a:chExt cx="0" cy="0"/>
+        </a:xfrm>
+      </p:grpSpPr>
+      <p:sp>
+        <p:nvSpPr>
+          <p:cNvPr id="2" name="Slide Image Placeholder 1"/>
+          <p:cNvSpPr>
+            <a:spLocks noGrp="1" noRot="1" noChangeAspect="1"/>
+          </p:cNvSpPr>
+          <p:nvPr>
+            <p:ph type="sldImg"/>
+          </p:nvPr>
+        </p:nvSpPr>
+        <p:spPr/>
+      </p:sp>
+      <p:sp>
+        <p:nvSpPr>
+          <p:cNvPr id="3" name="Notes Placeholder 2"/>
+          <p:cNvSpPr>
+            <a:spLocks noGrp="1"/>
+          </p:cNvSpPr>
+          <p:nvPr>
+            <p:ph type="body" idx="1"/>
+          </p:nvPr>
+        </p:nvSpPr>
+        <p:spPr/>
+        <p:txBody>
+          <a:bodyPr/>
+          <a:lstStyle/>
+          <a:p>
+            <a:r>
+              <a:rPr lang="en-US" dirty="0"/>
+              <a:t>We’ll cover basic Kubernetes, not containers or </a:t>
+            </a:r>
+            <a:r>
+              <a:rPr lang="en-US" dirty="0" err="1"/>
+              <a:t>devops</a:t>
+            </a:r>
+            <a:r>
+              <a:rPr lang="en-US" dirty="0"/>
+              <a:t>.  Those are for another time.</a:t>
+            </a:r>
+          </a:p>
+        </p:txBody>
+      </p:sp>
+      <p:sp>
+        <p:nvSpPr>
+          <p:cNvPr id="4" name="Slide Number Placeholder 3"/>
+          <p:cNvSpPr>
+            <a:spLocks noGrp="1"/>
+          </p:cNvSpPr>
+          <p:nvPr>
+            <p:ph type="sldNum" sz="quarter" idx="5"/>
+          </p:nvPr>
+        </p:nvSpPr>
+        <p:spPr/>
+        <p:txBody>
+          <a:bodyPr/>
+          <a:lstStyle/>
+          <a:p>
+            <a:fld id="{DBFE168D-5F09-4613-B279-C53C85B5CCCA}" type="slidenum">
+              <a:rPr lang="en-US" smtClean="0"/>
+              <a:t>4</a:t>
+            </a:fld>
+            <a:endParaRPr lang="en-US"/>
+          </a:p>
+        </p:txBody>
+      </p:sp>
+    </p:spTree>
+    <p:extLst>
+      <p:ext uri="{BB962C8B-B14F-4D97-AF65-F5344CB8AC3E}">
+        <p14:creationId xmlns:p14="http://schemas.microsoft.com/office/powerpoint/2010/main" val="408874495"/>
+      </p:ext>
+    </p:extLst>
+  </p:cSld>
+  <p:clrMapOvr>
+    <a:masterClrMapping/>
+  </p:clrMapOvr>
+</p:notes>
+</file>
+
+<file path=ppt/notesSlides/notesSlide3.xml><?xml version="1.0" encoding="utf-8"?>
+<p:notes xmlns:a="http://schemas.openxmlformats.org/drawingml/2006/main" xmlns:r="http://schemas.openxmlformats.org/officeDocument/2006/relationships" xmlns:p="http://schemas.openxmlformats.org/presentationml/2006/main">
+  <p:cSld>
+    <p:spTree>
+      <p:nvGrpSpPr>
+        <p:cNvPr id="1" name=""/>
+        <p:cNvGrpSpPr/>
+        <p:nvPr/>
+      </p:nvGrpSpPr>
+      <p:grpSpPr>
+        <a:xfrm>
+          <a:off x="0" y="0"/>
+          <a:ext cx="0" cy="0"/>
+          <a:chOff x="0" y="0"/>
+          <a:chExt cx="0" cy="0"/>
+        </a:xfrm>
+      </p:grpSpPr>
+      <p:sp>
+        <p:nvSpPr>
+          <p:cNvPr id="2" name="Slide Image Placeholder 1"/>
+          <p:cNvSpPr>
+            <a:spLocks noGrp="1" noRot="1" noChangeAspect="1"/>
+          </p:cNvSpPr>
+          <p:nvPr>
+            <p:ph type="sldImg"/>
+          </p:nvPr>
+        </p:nvSpPr>
+        <p:spPr/>
+      </p:sp>
+      <p:sp>
+        <p:nvSpPr>
+          <p:cNvPr id="3" name="Notes Placeholder 2"/>
+          <p:cNvSpPr>
+            <a:spLocks noGrp="1"/>
+          </p:cNvSpPr>
+          <p:nvPr>
+            <p:ph type="body" idx="1"/>
+          </p:nvPr>
+        </p:nvSpPr>
+        <p:spPr/>
+        <p:txBody>
+          <a:bodyPr/>
+          <a:lstStyle/>
+          <a:p>
+            <a:r>
+              <a:rPr lang="en-US" dirty="0"/>
+              <a:t>That’s a picture from Google of the Earth and the artificial satellites in space.  Notice how many there are and how it looks like a big mess to manage.</a:t>
+            </a:r>
+          </a:p>
+        </p:txBody>
+      </p:sp>
+      <p:sp>
+        <p:nvSpPr>
+          <p:cNvPr id="4" name="Slide Number Placeholder 3"/>
+          <p:cNvSpPr>
+            <a:spLocks noGrp="1"/>
+          </p:cNvSpPr>
+          <p:nvPr>
+            <p:ph type="sldNum" sz="quarter" idx="5"/>
+          </p:nvPr>
+        </p:nvSpPr>
+        <p:spPr/>
+        <p:txBody>
+          <a:bodyPr/>
+          <a:lstStyle/>
+          <a:p>
+            <a:fld id="{DBFE168D-5F09-4613-B279-C53C85B5CCCA}" type="slidenum">
+              <a:rPr lang="en-US" smtClean="0"/>
+              <a:t>5</a:t>
+            </a:fld>
+            <a:endParaRPr lang="en-US"/>
+          </a:p>
+        </p:txBody>
+      </p:sp>
+    </p:spTree>
+    <p:extLst>
+      <p:ext uri="{BB962C8B-B14F-4D97-AF65-F5344CB8AC3E}">
+        <p14:creationId xmlns:p14="http://schemas.microsoft.com/office/powerpoint/2010/main" val="808114377"/>
+      </p:ext>
+    </p:extLst>
+  </p:cSld>
+  <p:clrMapOvr>
+    <a:masterClrMapping/>
+  </p:clrMapOvr>
+</p:notes>
+</file>
+
+<file path=ppt/notesSlides/notesSlide4.xml><?xml version="1.0" encoding="utf-8"?>
+<p:notes xmlns:a="http://schemas.openxmlformats.org/drawingml/2006/main" xmlns:r="http://schemas.openxmlformats.org/officeDocument/2006/relationships" xmlns:p="http://schemas.openxmlformats.org/presentationml/2006/main">
+  <p:cSld>
+    <p:spTree>
+      <p:nvGrpSpPr>
+        <p:cNvPr id="1" name=""/>
+        <p:cNvGrpSpPr/>
+        <p:nvPr/>
+      </p:nvGrpSpPr>
+      <p:grpSpPr>
+        <a:xfrm>
+          <a:off x="0" y="0"/>
+          <a:ext cx="0" cy="0"/>
+          <a:chOff x="0" y="0"/>
+          <a:chExt cx="0" cy="0"/>
+        </a:xfrm>
+      </p:grpSpPr>
+      <p:sp>
+        <p:nvSpPr>
+          <p:cNvPr id="2" name="Slide Image Placeholder 1"/>
+          <p:cNvSpPr>
+            <a:spLocks noGrp="1" noRot="1" noChangeAspect="1"/>
+          </p:cNvSpPr>
+          <p:nvPr>
+            <p:ph type="sldImg"/>
+          </p:nvPr>
+        </p:nvSpPr>
+        <p:spPr/>
+      </p:sp>
+      <p:sp>
+        <p:nvSpPr>
+          <p:cNvPr id="3" name="Notes Placeholder 2"/>
+          <p:cNvSpPr>
+            <a:spLocks noGrp="1"/>
+          </p:cNvSpPr>
+          <p:nvPr>
+            <p:ph type="body" idx="1"/>
+          </p:nvPr>
+        </p:nvSpPr>
+        <p:spPr/>
+        <p:txBody>
+          <a:bodyPr/>
+          <a:lstStyle/>
+          <a:p>
+            <a:r>
+              <a:rPr lang="en-US" dirty="0"/>
+              <a:t>Thinking about our satellite picture.  Someone somewhere has to have a map showing where all the current satellites are located, and hopefully if they are operational or not.  That way when we have another satellite to put in space, we will know where it can go and not interfere with the others.  </a:t>
+            </a:r>
+          </a:p>
+        </p:txBody>
+      </p:sp>
+      <p:sp>
+        <p:nvSpPr>
+          <p:cNvPr id="4" name="Slide Number Placeholder 3"/>
+          <p:cNvSpPr>
+            <a:spLocks noGrp="1"/>
+          </p:cNvSpPr>
+          <p:nvPr>
+            <p:ph type="sldNum" sz="quarter" idx="5"/>
+          </p:nvPr>
+        </p:nvSpPr>
+        <p:spPr/>
+        <p:txBody>
+          <a:bodyPr/>
+          <a:lstStyle/>
+          <a:p>
+            <a:fld id="{DBFE168D-5F09-4613-B279-C53C85B5CCCA}" type="slidenum">
+              <a:rPr lang="en-US" smtClean="0"/>
+              <a:t>6</a:t>
+            </a:fld>
+            <a:endParaRPr lang="en-US"/>
+          </a:p>
+        </p:txBody>
+      </p:sp>
+    </p:spTree>
+    <p:extLst>
+      <p:ext uri="{BB962C8B-B14F-4D97-AF65-F5344CB8AC3E}">
+        <p14:creationId xmlns:p14="http://schemas.microsoft.com/office/powerpoint/2010/main" val="2909175685"/>
+      </p:ext>
+    </p:extLst>
+  </p:cSld>
+  <p:clrMapOvr>
+    <a:masterClrMapping/>
+  </p:clrMapOvr>
+</p:notes>
+</file>
+
+<file path=ppt/notesSlides/notesSlide5.xml><?xml version="1.0" encoding="utf-8"?>
+<p:notes xmlns:a="http://schemas.openxmlformats.org/drawingml/2006/main" xmlns:r="http://schemas.openxmlformats.org/officeDocument/2006/relationships" xmlns:p="http://schemas.openxmlformats.org/presentationml/2006/main">
+  <p:cSld>
+    <p:spTree>
+      <p:nvGrpSpPr>
+        <p:cNvPr id="1" name=""/>
+        <p:cNvGrpSpPr/>
+        <p:nvPr/>
+      </p:nvGrpSpPr>
+      <p:grpSpPr>
+        <a:xfrm>
+          <a:off x="0" y="0"/>
+          <a:ext cx="0" cy="0"/>
+          <a:chOff x="0" y="0"/>
+          <a:chExt cx="0" cy="0"/>
+        </a:xfrm>
+      </p:grpSpPr>
+      <p:sp>
+        <p:nvSpPr>
+          <p:cNvPr id="2" name="Slide Image Placeholder 1"/>
+          <p:cNvSpPr>
+            <a:spLocks noGrp="1" noRot="1" noChangeAspect="1"/>
+          </p:cNvSpPr>
+          <p:nvPr>
+            <p:ph type="sldImg"/>
+          </p:nvPr>
+        </p:nvSpPr>
+        <p:spPr/>
+      </p:sp>
+      <p:sp>
+        <p:nvSpPr>
+          <p:cNvPr id="3" name="Notes Placeholder 2"/>
+          <p:cNvSpPr>
+            <a:spLocks noGrp="1"/>
+          </p:cNvSpPr>
+          <p:nvPr>
+            <p:ph type="body" idx="1"/>
+          </p:nvPr>
+        </p:nvSpPr>
+        <p:spPr/>
+        <p:txBody>
+          <a:bodyPr/>
+          <a:lstStyle/>
+          <a:p>
+            <a:endParaRPr lang="en-US" dirty="0"/>
+          </a:p>
+        </p:txBody>
+      </p:sp>
+      <p:sp>
+        <p:nvSpPr>
+          <p:cNvPr id="4" name="Slide Number Placeholder 3"/>
+          <p:cNvSpPr>
+            <a:spLocks noGrp="1"/>
+          </p:cNvSpPr>
+          <p:nvPr>
+            <p:ph type="sldNum" sz="quarter" idx="5"/>
+          </p:nvPr>
+        </p:nvSpPr>
+        <p:spPr/>
+        <p:txBody>
+          <a:bodyPr/>
+          <a:lstStyle/>
+          <a:p>
+            <a:fld id="{DBFE168D-5F09-4613-B279-C53C85B5CCCA}" type="slidenum">
+              <a:rPr lang="en-US" smtClean="0"/>
+              <a:t>7</a:t>
+            </a:fld>
+            <a:endParaRPr lang="en-US"/>
+          </a:p>
+        </p:txBody>
+      </p:sp>
+    </p:spTree>
+    <p:extLst>
+      <p:ext uri="{BB962C8B-B14F-4D97-AF65-F5344CB8AC3E}">
+        <p14:creationId xmlns:p14="http://schemas.microsoft.com/office/powerpoint/2010/main" val="63296611"/>
+      </p:ext>
+    </p:extLst>
+  </p:cSld>
+  <p:clrMapOvr>
+    <a:masterClrMapping/>
+  </p:clrMapOvr>
+</p:notes>
+</file>
+
+<file path=ppt/notesSlides/notesSlide6.xml><?xml version="1.0" encoding="utf-8"?>
+<p:notes xmlns:a="http://schemas.openxmlformats.org/drawingml/2006/main" xmlns:r="http://schemas.openxmlformats.org/officeDocument/2006/relationships" xmlns:p="http://schemas.openxmlformats.org/presentationml/2006/main">
+  <p:cSld>
+    <p:spTree>
+      <p:nvGrpSpPr>
+        <p:cNvPr id="1" name=""/>
+        <p:cNvGrpSpPr/>
+        <p:nvPr/>
+      </p:nvGrpSpPr>
+      <p:grpSpPr>
+        <a:xfrm>
+          <a:off x="0" y="0"/>
+          <a:ext cx="0" cy="0"/>
+          <a:chOff x="0" y="0"/>
+          <a:chExt cx="0" cy="0"/>
+        </a:xfrm>
+      </p:grpSpPr>
+      <p:sp>
+        <p:nvSpPr>
+          <p:cNvPr id="2" name="Slide Image Placeholder 1"/>
+          <p:cNvSpPr>
+            <a:spLocks noGrp="1" noRot="1" noChangeAspect="1"/>
+          </p:cNvSpPr>
+          <p:nvPr>
+            <p:ph type="sldImg"/>
+          </p:nvPr>
+        </p:nvSpPr>
+        <p:spPr/>
+      </p:sp>
+      <p:sp>
+        <p:nvSpPr>
+          <p:cNvPr id="3" name="Notes Placeholder 2"/>
+          <p:cNvSpPr>
+            <a:spLocks noGrp="1"/>
+          </p:cNvSpPr>
+          <p:nvPr>
+            <p:ph type="body" idx="1"/>
+          </p:nvPr>
+        </p:nvSpPr>
+        <p:spPr/>
+        <p:txBody>
+          <a:bodyPr/>
+          <a:lstStyle/>
+          <a:p>
+            <a:r>
+              <a:rPr lang="en-US" dirty="0"/>
+              <a:t>All interactions with k8s happen through the API Server</a:t>
+            </a:r>
+          </a:p>
+          <a:p>
+            <a:endParaRPr lang="en-US" dirty="0"/>
+          </a:p>
+          <a:p>
+            <a:r>
+              <a:rPr lang="en-US" dirty="0"/>
+              <a:t>The scheduler is the most important part to grasp in terms of “how it works”</a:t>
+            </a:r>
+          </a:p>
+          <a:p>
+            <a:endParaRPr lang="en-US" dirty="0"/>
+          </a:p>
+          <a:p>
+            <a:r>
+              <a:rPr lang="en-US" dirty="0"/>
+              <a:t>Scheduler watches for new pod requests, determines the worker to send the pod to, and then the “</a:t>
+            </a:r>
+            <a:r>
+              <a:rPr lang="en-US" dirty="0" err="1"/>
+              <a:t>kubelet</a:t>
+            </a:r>
+            <a:r>
+              <a:rPr lang="en-US" dirty="0"/>
+              <a:t>” on the worker creates the pod on using images from some image repository, like Docker Hub or Azure Container Registry</a:t>
+            </a:r>
+          </a:p>
+          <a:p>
+            <a:endParaRPr lang="en-US" dirty="0"/>
+          </a:p>
+          <a:p>
+            <a:r>
+              <a:rPr lang="en-US" dirty="0"/>
+              <a:t>You can scale out your cluster by adding worker nodes, and since the pods can be spread to it immediately, your performance improvement is linear.</a:t>
+            </a:r>
+          </a:p>
+        </p:txBody>
+      </p:sp>
+      <p:sp>
+        <p:nvSpPr>
+          <p:cNvPr id="4" name="Slide Number Placeholder 3"/>
+          <p:cNvSpPr>
+            <a:spLocks noGrp="1"/>
+          </p:cNvSpPr>
+          <p:nvPr>
+            <p:ph type="sldNum" sz="quarter" idx="5"/>
+          </p:nvPr>
+        </p:nvSpPr>
+        <p:spPr/>
+        <p:txBody>
+          <a:bodyPr/>
+          <a:lstStyle/>
+          <a:p>
+            <a:fld id="{DBFE168D-5F09-4613-B279-C53C85B5CCCA}" type="slidenum">
+              <a:rPr lang="en-US" smtClean="0"/>
+              <a:t>8</a:t>
+            </a:fld>
+            <a:endParaRPr lang="en-US"/>
+          </a:p>
+        </p:txBody>
+      </p:sp>
+    </p:spTree>
+    <p:extLst>
+      <p:ext uri="{BB962C8B-B14F-4D97-AF65-F5344CB8AC3E}">
+        <p14:creationId xmlns:p14="http://schemas.microsoft.com/office/powerpoint/2010/main" val="1395940134"/>
+      </p:ext>
+    </p:extLst>
+  </p:cSld>
+  <p:clrMapOvr>
+    <a:masterClrMapping/>
+  </p:clrMapOvr>
+</p:notes>
+</file>
+
+<file path=ppt/notesSlides/notesSlide7.xml><?xml version="1.0" encoding="utf-8"?>
+<p:notes xmlns:a="http://schemas.openxmlformats.org/drawingml/2006/main" xmlns:r="http://schemas.openxmlformats.org/officeDocument/2006/relationships" xmlns:p="http://schemas.openxmlformats.org/presentationml/2006/main">
+  <p:cSld>
+    <p:spTree>
+      <p:nvGrpSpPr>
+        <p:cNvPr id="1" name=""/>
+        <p:cNvGrpSpPr/>
+        <p:nvPr/>
+      </p:nvGrpSpPr>
+      <p:grpSpPr>
+        <a:xfrm>
+          <a:off x="0" y="0"/>
+          <a:ext cx="0" cy="0"/>
+          <a:chOff x="0" y="0"/>
+          <a:chExt cx="0" cy="0"/>
+        </a:xfrm>
+      </p:grpSpPr>
+      <p:sp>
+        <p:nvSpPr>
+          <p:cNvPr id="2" name="Slide Image Placeholder 1"/>
+          <p:cNvSpPr>
+            <a:spLocks noGrp="1" noRot="1" noChangeAspect="1"/>
+          </p:cNvSpPr>
+          <p:nvPr>
+            <p:ph type="sldImg"/>
+          </p:nvPr>
+        </p:nvSpPr>
+        <p:spPr/>
+      </p:sp>
+      <p:sp>
+        <p:nvSpPr>
+          <p:cNvPr id="3" name="Notes Placeholder 2"/>
+          <p:cNvSpPr>
+            <a:spLocks noGrp="1"/>
+          </p:cNvSpPr>
+          <p:nvPr>
+            <p:ph type="body" idx="1"/>
+          </p:nvPr>
+        </p:nvSpPr>
+        <p:spPr/>
+        <p:txBody>
+          <a:bodyPr/>
+          <a:lstStyle/>
+          <a:p>
+            <a:r>
+              <a:rPr lang="en-US" dirty="0"/>
+              <a:t>A “pod” is the most fundamental object in Kubernetes.  </a:t>
+            </a:r>
+          </a:p>
+          <a:p>
+            <a:r>
+              <a:rPr lang="en-US" dirty="0"/>
+              <a:t>	A single pod contains one (or more) containers</a:t>
+            </a:r>
+          </a:p>
+          <a:p>
+            <a:r>
+              <a:rPr lang="en-US" dirty="0"/>
+              <a:t>	Is allocated a single IP address within the cluster.  In the case of multiple containers inside a single pod, they share the same address and can actually communicate to each other on address 127.0.0.1.</a:t>
+            </a:r>
+            <a:br>
+              <a:rPr lang="en-US" dirty="0"/>
+            </a:br>
+            <a:r>
+              <a:rPr lang="en-US" dirty="0"/>
+              <a:t>	Is monitored to verify that it is either “up” or “down”</a:t>
+            </a:r>
+          </a:p>
+          <a:p>
+            <a:endParaRPr lang="en-US" dirty="0"/>
+          </a:p>
+          <a:p>
+            <a:r>
+              <a:rPr lang="en-US" dirty="0"/>
+              <a:t>A k8s “deployment” is a specific type of object that defines the pod, the containers it has within it, and the number of replicas of each.  This way you can create/destroy a deployment that contains multiple objects with a single command.  (A “</a:t>
+            </a:r>
+            <a:r>
+              <a:rPr lang="en-US" dirty="0" err="1"/>
+              <a:t>replicaset</a:t>
+            </a:r>
+            <a:r>
+              <a:rPr lang="en-US" dirty="0"/>
+              <a:t>” is another object that just defines the number of identical pods you want to run.   The “deployment” definition is a more abstract way of defining a </a:t>
+            </a:r>
+            <a:r>
+              <a:rPr lang="en-US" dirty="0" err="1"/>
+              <a:t>replicaset</a:t>
+            </a:r>
+            <a:r>
+              <a:rPr lang="en-US" dirty="0"/>
+              <a:t> and pods.)</a:t>
+            </a:r>
+          </a:p>
+          <a:p>
+            <a:endParaRPr lang="en-US" dirty="0"/>
+          </a:p>
+          <a:p>
+            <a:r>
+              <a:rPr lang="en-US" dirty="0"/>
+              <a:t>A k8s “service” is a separate object that provides a single IP address endpoint for a set of pods so you can change out the pods without breaking other apps that are communicating to them.  </a:t>
+            </a:r>
+            <a:r>
+              <a:rPr lang="en-US" dirty="0" err="1"/>
+              <a:t>Kinda</a:t>
+            </a:r>
+            <a:r>
+              <a:rPr lang="en-US" dirty="0"/>
+              <a:t> like a load-balancer inside the cluster.   If you have 2 pods behind a single service, and a 3</a:t>
+            </a:r>
+            <a:r>
+              <a:rPr lang="en-US" baseline="30000" dirty="0"/>
+              <a:t>rd</a:t>
+            </a:r>
+            <a:r>
+              <a:rPr lang="en-US" dirty="0"/>
+              <a:t> pod that needs to communicate to them, it can talk to the “service” and get routed to the appropriate pod.</a:t>
+            </a:r>
+          </a:p>
+          <a:p>
+            <a:endParaRPr lang="en-US" dirty="0"/>
+          </a:p>
+          <a:p>
+            <a:r>
+              <a:rPr lang="en-US" dirty="0"/>
+              <a:t>A k8s “ingress” object is external to the Service and is configured to allow inbound access to the service or pod with an address on the outside of the cluster.</a:t>
+            </a:r>
+          </a:p>
+        </p:txBody>
+      </p:sp>
+      <p:sp>
+        <p:nvSpPr>
+          <p:cNvPr id="4" name="Slide Number Placeholder 3"/>
+          <p:cNvSpPr>
+            <a:spLocks noGrp="1"/>
+          </p:cNvSpPr>
+          <p:nvPr>
+            <p:ph type="sldNum" sz="quarter" idx="5"/>
+          </p:nvPr>
+        </p:nvSpPr>
+        <p:spPr/>
+        <p:txBody>
+          <a:bodyPr/>
+          <a:lstStyle/>
+          <a:p>
+            <a:fld id="{DBFE168D-5F09-4613-B279-C53C85B5CCCA}" type="slidenum">
+              <a:rPr lang="en-US" smtClean="0"/>
+              <a:t>9</a:t>
+            </a:fld>
+            <a:endParaRPr lang="en-US"/>
+          </a:p>
+        </p:txBody>
+      </p:sp>
+    </p:spTree>
+    <p:extLst>
+      <p:ext uri="{BB962C8B-B14F-4D97-AF65-F5344CB8AC3E}">
+        <p14:creationId xmlns:p14="http://schemas.microsoft.com/office/powerpoint/2010/main" val="2964863432"/>
+      </p:ext>
+    </p:extLst>
+  </p:cSld>
+  <p:clrMapOvr>
+    <a:masterClrMapping/>
+  </p:clrMapOvr>
+</p:notes>
+</file>
+
+<file path=ppt/notesSlides/notesSlide8.xml><?xml version="1.0" encoding="utf-8"?>
+<p:notes xmlns:a="http://schemas.openxmlformats.org/drawingml/2006/main" xmlns:r="http://schemas.openxmlformats.org/officeDocument/2006/relationships" xmlns:p="http://schemas.openxmlformats.org/presentationml/2006/main">
+  <p:cSld>
+    <p:spTree>
+      <p:nvGrpSpPr>
+        <p:cNvPr id="1" name=""/>
+        <p:cNvGrpSpPr/>
+        <p:nvPr/>
+      </p:nvGrpSpPr>
+      <p:grpSpPr>
+        <a:xfrm>
+          <a:off x="0" y="0"/>
+          <a:ext cx="0" cy="0"/>
+          <a:chOff x="0" y="0"/>
+          <a:chExt cx="0" cy="0"/>
+        </a:xfrm>
+      </p:grpSpPr>
+      <p:sp>
+        <p:nvSpPr>
+          <p:cNvPr id="2" name="Slide Image Placeholder 1"/>
+          <p:cNvSpPr>
+            <a:spLocks noGrp="1" noRot="1" noChangeAspect="1"/>
+          </p:cNvSpPr>
+          <p:nvPr>
+            <p:ph type="sldImg"/>
+          </p:nvPr>
+        </p:nvSpPr>
+        <p:spPr/>
+      </p:sp>
+      <p:sp>
+        <p:nvSpPr>
+          <p:cNvPr id="3" name="Notes Placeholder 2"/>
+          <p:cNvSpPr>
+            <a:spLocks noGrp="1"/>
+          </p:cNvSpPr>
+          <p:nvPr>
+            <p:ph type="body" idx="1"/>
+          </p:nvPr>
+        </p:nvSpPr>
+        <p:spPr/>
+        <p:txBody>
+          <a:bodyPr/>
+          <a:lstStyle/>
+          <a:p>
+            <a:r>
+              <a:rPr lang="en-US" dirty="0"/>
+              <a:t>So you now a bit about what Kubernetes is and how to interact with it.  You know that you can put your containers on it and run them.  But how do you do that?  One answer is HELM.</a:t>
+            </a:r>
+          </a:p>
+        </p:txBody>
+      </p:sp>
+      <p:sp>
+        <p:nvSpPr>
+          <p:cNvPr id="4" name="Slide Number Placeholder 3"/>
+          <p:cNvSpPr>
+            <a:spLocks noGrp="1"/>
+          </p:cNvSpPr>
+          <p:nvPr>
+            <p:ph type="sldNum" sz="quarter" idx="5"/>
+          </p:nvPr>
+        </p:nvSpPr>
+        <p:spPr/>
+        <p:txBody>
+          <a:bodyPr/>
+          <a:lstStyle/>
+          <a:p>
+            <a:fld id="{DBFE168D-5F09-4613-B279-C53C85B5CCCA}" type="slidenum">
+              <a:rPr lang="en-US" smtClean="0"/>
+              <a:t>12</a:t>
+            </a:fld>
+            <a:endParaRPr lang="en-US"/>
+          </a:p>
+        </p:txBody>
+      </p:sp>
+    </p:spTree>
+    <p:extLst>
+      <p:ext uri="{BB962C8B-B14F-4D97-AF65-F5344CB8AC3E}">
+        <p14:creationId xmlns:p14="http://schemas.microsoft.com/office/powerpoint/2010/main" val="2592289527"/>
+      </p:ext>
+    </p:extLst>
+  </p:cSld>
+  <p:clrMapOvr>
+    <a:masterClrMapping/>
+  </p:clrMapOvr>
+</p:notes>
+</file>
+
+<file path=ppt/notesSlides/notesSlide9.xml><?xml version="1.0" encoding="utf-8"?>
+<p:notes xmlns:a="http://schemas.openxmlformats.org/drawingml/2006/main" xmlns:r="http://schemas.openxmlformats.org/officeDocument/2006/relationships" xmlns:p="http://schemas.openxmlformats.org/presentationml/2006/main">
+  <p:cSld>
+    <p:spTree>
+      <p:nvGrpSpPr>
+        <p:cNvPr id="1" name=""/>
+        <p:cNvGrpSpPr/>
+        <p:nvPr/>
+      </p:nvGrpSpPr>
+      <p:grpSpPr>
+        <a:xfrm>
+          <a:off x="0" y="0"/>
+          <a:ext cx="0" cy="0"/>
+          <a:chOff x="0" y="0"/>
+          <a:chExt cx="0" cy="0"/>
+        </a:xfrm>
+      </p:grpSpPr>
+      <p:sp>
+        <p:nvSpPr>
+          <p:cNvPr id="2" name="Slide Image Placeholder 1"/>
+          <p:cNvSpPr>
+            <a:spLocks noGrp="1" noRot="1" noChangeAspect="1"/>
+          </p:cNvSpPr>
+          <p:nvPr>
+            <p:ph type="sldImg"/>
+          </p:nvPr>
+        </p:nvSpPr>
+        <p:spPr/>
+      </p:sp>
+      <p:sp>
+        <p:nvSpPr>
+          <p:cNvPr id="3" name="Notes Placeholder 2"/>
+          <p:cNvSpPr>
+            <a:spLocks noGrp="1"/>
+          </p:cNvSpPr>
+          <p:nvPr>
+            <p:ph type="body" idx="1"/>
+          </p:nvPr>
+        </p:nvSpPr>
+        <p:spPr/>
+        <p:txBody>
+          <a:bodyPr/>
+          <a:lstStyle/>
+          <a:p>
+            <a:endParaRPr lang="en-US" dirty="0"/>
+          </a:p>
+        </p:txBody>
+      </p:sp>
+      <p:sp>
+        <p:nvSpPr>
+          <p:cNvPr id="4" name="Slide Number Placeholder 3"/>
+          <p:cNvSpPr>
+            <a:spLocks noGrp="1"/>
+          </p:cNvSpPr>
+          <p:nvPr>
+            <p:ph type="sldNum" sz="quarter" idx="5"/>
+          </p:nvPr>
+        </p:nvSpPr>
+        <p:spPr/>
+        <p:txBody>
+          <a:bodyPr/>
+          <a:lstStyle/>
+          <a:p>
+            <a:fld id="{DBFE168D-5F09-4613-B279-C53C85B5CCCA}" type="slidenum">
+              <a:rPr lang="en-US" smtClean="0"/>
+              <a:t>13</a:t>
+            </a:fld>
+            <a:endParaRPr lang="en-US"/>
+          </a:p>
+        </p:txBody>
+      </p:sp>
+    </p:spTree>
+    <p:extLst>
+      <p:ext uri="{BB962C8B-B14F-4D97-AF65-F5344CB8AC3E}">
+        <p14:creationId xmlns:p14="http://schemas.microsoft.com/office/powerpoint/2010/main" val="1859979071"/>
       </p:ext>
     </p:extLst>
   </p:cSld>
@@ -11774,7 +12923,7 @@
           <a:p>
             <a:fld id="{0117283B-F0A5-4202-AA1A-3796A1F2E447}" type="datetimeFigureOut">
               <a:rPr lang="en-US" smtClean="0"/>
-              <a:t>4/15/2020</a:t>
+              <a:t>4/23/2020</a:t>
             </a:fld>
             <a:endParaRPr lang="en-US"/>
           </a:p>
@@ -11972,7 +13121,7 @@
           <a:p>
             <a:fld id="{0117283B-F0A5-4202-AA1A-3796A1F2E447}" type="datetimeFigureOut">
               <a:rPr lang="en-US" smtClean="0"/>
-              <a:t>4/15/2020</a:t>
+              <a:t>4/23/2020</a:t>
             </a:fld>
             <a:endParaRPr lang="en-US"/>
           </a:p>
@@ -12180,7 +13329,7 @@
           <a:p>
             <a:fld id="{0117283B-F0A5-4202-AA1A-3796A1F2E447}" type="datetimeFigureOut">
               <a:rPr lang="en-US" smtClean="0"/>
-              <a:t>4/15/2020</a:t>
+              <a:t>4/23/2020</a:t>
             </a:fld>
             <a:endParaRPr lang="en-US"/>
           </a:p>
@@ -12378,7 +13527,7 @@
           <a:p>
             <a:fld id="{0117283B-F0A5-4202-AA1A-3796A1F2E447}" type="datetimeFigureOut">
               <a:rPr lang="en-US" smtClean="0"/>
-              <a:t>4/15/2020</a:t>
+              <a:t>4/23/2020</a:t>
             </a:fld>
             <a:endParaRPr lang="en-US"/>
           </a:p>
@@ -12653,7 +13802,7 @@
           <a:p>
             <a:fld id="{0117283B-F0A5-4202-AA1A-3796A1F2E447}" type="datetimeFigureOut">
               <a:rPr lang="en-US" smtClean="0"/>
-              <a:t>4/15/2020</a:t>
+              <a:t>4/23/2020</a:t>
             </a:fld>
             <a:endParaRPr lang="en-US"/>
           </a:p>
@@ -12918,7 +14067,7 @@
           <a:p>
             <a:fld id="{0117283B-F0A5-4202-AA1A-3796A1F2E447}" type="datetimeFigureOut">
               <a:rPr lang="en-US" smtClean="0"/>
-              <a:t>4/15/2020</a:t>
+              <a:t>4/23/2020</a:t>
             </a:fld>
             <a:endParaRPr lang="en-US"/>
           </a:p>
@@ -13330,7 +14479,7 @@
           <a:p>
             <a:fld id="{0117283B-F0A5-4202-AA1A-3796A1F2E447}" type="datetimeFigureOut">
               <a:rPr lang="en-US" smtClean="0"/>
-              <a:t>4/15/2020</a:t>
+              <a:t>4/23/2020</a:t>
             </a:fld>
             <a:endParaRPr lang="en-US"/>
           </a:p>
@@ -13471,7 +14620,7 @@
           <a:p>
             <a:fld id="{0117283B-F0A5-4202-AA1A-3796A1F2E447}" type="datetimeFigureOut">
               <a:rPr lang="en-US" smtClean="0"/>
-              <a:t>4/15/2020</a:t>
+              <a:t>4/23/2020</a:t>
             </a:fld>
             <a:endParaRPr lang="en-US"/>
           </a:p>
@@ -13584,7 +14733,7 @@
           <a:p>
             <a:fld id="{0117283B-F0A5-4202-AA1A-3796A1F2E447}" type="datetimeFigureOut">
               <a:rPr lang="en-US" smtClean="0"/>
-              <a:t>4/15/2020</a:t>
+              <a:t>4/23/2020</a:t>
             </a:fld>
             <a:endParaRPr lang="en-US"/>
           </a:p>
@@ -13895,7 +15044,7 @@
           <a:p>
             <a:fld id="{0117283B-F0A5-4202-AA1A-3796A1F2E447}" type="datetimeFigureOut">
               <a:rPr lang="en-US" smtClean="0"/>
-              <a:t>4/15/2020</a:t>
+              <a:t>4/23/2020</a:t>
             </a:fld>
             <a:endParaRPr lang="en-US"/>
           </a:p>
@@ -14183,7 +15332,7 @@
           <a:p>
             <a:fld id="{0117283B-F0A5-4202-AA1A-3796A1F2E447}" type="datetimeFigureOut">
               <a:rPr lang="en-US" smtClean="0"/>
-              <a:t>4/15/2020</a:t>
+              <a:t>4/23/2020</a:t>
             </a:fld>
             <a:endParaRPr lang="en-US"/>
           </a:p>
@@ -14424,7 +15573,7 @@
           <a:p>
             <a:fld id="{0117283B-F0A5-4202-AA1A-3796A1F2E447}" type="datetimeFigureOut">
               <a:rPr lang="en-US" smtClean="0"/>
-              <a:t>4/15/2020</a:t>
+              <a:t>4/23/2020</a:t>
             </a:fld>
             <a:endParaRPr lang="en-US"/>
           </a:p>
@@ -15291,36 +16440,6 @@
           </a:p>
         </p:txBody>
       </p:sp>
-      <p:pic>
-        <p:nvPicPr>
-          <p:cNvPr id="4" name="Picture 3">
-            <a:extLst>
-              <a:ext uri="{FF2B5EF4-FFF2-40B4-BE49-F238E27FC236}">
-                <a16:creationId xmlns:a16="http://schemas.microsoft.com/office/drawing/2014/main" id="{D2C6AE35-73E5-4E5F-AD6B-CE440AEDA59E}"/>
-              </a:ext>
-            </a:extLst>
-          </p:cNvPr>
-          <p:cNvPicPr>
-            <a:picLocks noChangeAspect="1"/>
-          </p:cNvPicPr>
-          <p:nvPr/>
-        </p:nvPicPr>
-        <p:blipFill>
-          <a:blip r:embed="rId2"/>
-          <a:stretch>
-            <a:fillRect/>
-          </a:stretch>
-        </p:blipFill>
-        <p:spPr>
-          <a:xfrm>
-            <a:off x="429768" y="1992009"/>
-            <a:ext cx="6702552" cy="3971261"/>
-          </a:xfrm>
-          <a:prstGeom prst="rect">
-            <a:avLst/>
-          </a:prstGeom>
-        </p:spPr>
-      </p:pic>
       <p:sp useBgFill="1">
         <p:nvSpPr>
           <p:cNvPr id="13" name="Rectangle 12">
@@ -15448,26 +16567,6 @@
           </a:bodyPr>
           <a:lstStyle/>
           <a:p>
-            <a:r>
-              <a:rPr lang="en-US" sz="1800" dirty="0" err="1"/>
-              <a:t>Minikube</a:t>
-            </a:r>
-            <a:r>
-              <a:rPr lang="en-US" sz="1800" dirty="0"/>
-              <a:t> (</a:t>
-            </a:r>
-            <a:r>
-              <a:rPr lang="en-US" sz="1800" dirty="0">
-                <a:hlinkClick r:id="rId3"/>
-              </a:rPr>
-              <a:t>https://github.com/kubernetes/minikube</a:t>
-            </a:r>
-            <a:r>
-              <a:rPr lang="en-US" sz="1800" dirty="0"/>
-              <a:t>)</a:t>
-            </a:r>
-          </a:p>
-          <a:p>
             <a:endParaRPr lang="en-US" sz="1800" dirty="0"/>
           </a:p>
           <a:p>
@@ -15477,7 +16576,7 @@
             </a:r>
             <a:r>
               <a:rPr lang="en-US" sz="1800" dirty="0">
-                <a:hlinkClick r:id="rId4"/>
+                <a:hlinkClick r:id="rId2"/>
               </a:rPr>
               <a:t>https://docs.docker.com/docker-for-windows/kubernetes/</a:t>
             </a:r>
@@ -15490,6 +16589,36 @@
             <a:endParaRPr lang="en-US" sz="1800" dirty="0"/>
           </a:p>
           <a:p>
+            <a:r>
+              <a:rPr lang="en-US" sz="1800" dirty="0"/>
+              <a:t>Use your favorite cloud vendor:</a:t>
+            </a:r>
+          </a:p>
+          <a:p>
+            <a:pPr lvl="1"/>
+            <a:r>
+              <a:rPr lang="en-US" sz="1400" dirty="0"/>
+              <a:t>Azure Kubernetes Service</a:t>
+            </a:r>
+          </a:p>
+          <a:p>
+            <a:pPr lvl="1"/>
+            <a:r>
+              <a:rPr lang="en-US" sz="1400" dirty="0"/>
+              <a:t>AWS Elastic Kubernetes Service</a:t>
+            </a:r>
+          </a:p>
+          <a:p>
+            <a:pPr lvl="1"/>
+            <a:r>
+              <a:rPr lang="en-US" sz="1400" dirty="0"/>
+              <a:t>Google Kubernetes Engine</a:t>
+            </a:r>
+          </a:p>
+          <a:p>
+            <a:endParaRPr lang="en-US" sz="1800" dirty="0"/>
+          </a:p>
+          <a:p>
             <a:endParaRPr lang="en-US" sz="1800" dirty="0"/>
           </a:p>
           <a:p>
@@ -15497,6 +16626,36 @@
           </a:p>
         </p:txBody>
       </p:sp>
+      <p:pic>
+        <p:nvPicPr>
+          <p:cNvPr id="5" name="Picture 4">
+            <a:extLst>
+              <a:ext uri="{FF2B5EF4-FFF2-40B4-BE49-F238E27FC236}">
+                <a16:creationId xmlns:a16="http://schemas.microsoft.com/office/drawing/2014/main" id="{2AE07A94-1B38-4991-8807-A31E5182F6D8}"/>
+              </a:ext>
+            </a:extLst>
+          </p:cNvPr>
+          <p:cNvPicPr>
+            <a:picLocks noChangeAspect="1"/>
+          </p:cNvPicPr>
+          <p:nvPr/>
+        </p:nvPicPr>
+        <p:blipFill>
+          <a:blip r:embed="rId3"/>
+          <a:stretch>
+            <a:fillRect/>
+          </a:stretch>
+        </p:blipFill>
+        <p:spPr>
+          <a:xfrm>
+            <a:off x="632584" y="1721922"/>
+            <a:ext cx="6713742" cy="3968384"/>
+          </a:xfrm>
+          <a:prstGeom prst="rect">
+            <a:avLst/>
+          </a:prstGeom>
+        </p:spPr>
+      </p:pic>
     </p:spTree>
     <p:extLst>
       <p:ext uri="{BB962C8B-B14F-4D97-AF65-F5344CB8AC3E}">
@@ -15586,7 +16745,7 @@
             </a:r>
             <a:r>
               <a:rPr lang="en-US" dirty="0"/>
-              <a:t> </a:t>
+              <a:t> on your workstation</a:t>
             </a:r>
           </a:p>
           <a:p>
@@ -15603,12 +16762,8 @@
           </a:p>
           <a:p>
             <a:r>
-              <a:rPr lang="en-US" dirty="0" err="1"/>
-              <a:t>Pronouced</a:t>
-            </a:r>
-            <a:r>
               <a:rPr lang="en-US" dirty="0"/>
-              <a:t> all kinds of ways:  </a:t>
+              <a:t>Pronounced all kinds of ways:  </a:t>
             </a:r>
             <a:r>
               <a:rPr lang="en-US" dirty="0">
@@ -15651,7 +16806,7 @@
           <p:nvPr>
             <p:extLst>
               <p:ext uri="{D42A27DB-BD31-4B8C-83A1-F6EECF244321}">
-                <p14:modId xmlns:p14="http://schemas.microsoft.com/office/powerpoint/2010/main" val="4081436287"/>
+                <p14:modId xmlns:p14="http://schemas.microsoft.com/office/powerpoint/2010/main" val="471810129"/>
               </p:ext>
             </p:extLst>
           </p:nvPr>
@@ -15712,6 +16867,43 @@
                 <a:extLst>
                   <a:ext uri="{0D108BD9-81ED-4DB2-BD59-A6C34878D82A}">
                     <a16:rowId xmlns:a16="http://schemas.microsoft.com/office/drawing/2014/main" val="1780690004"/>
+                  </a:ext>
+                </a:extLst>
+              </a:tr>
+              <a:tr h="370840">
+                <a:tc>
+                  <a:txBody>
+                    <a:bodyPr/>
+                    <a:lstStyle/>
+                    <a:p>
+                      <a:r>
+                        <a:rPr lang="en-US" dirty="0" err="1"/>
+                        <a:t>Kubectl</a:t>
+                      </a:r>
+                      <a:r>
+                        <a:rPr lang="en-US" dirty="0"/>
+                        <a:t> config get-context/use-context</a:t>
+                      </a:r>
+                    </a:p>
+                  </a:txBody>
+                  <a:tcPr/>
+                </a:tc>
+                <a:tc>
+                  <a:txBody>
+                    <a:bodyPr/>
+                    <a:lstStyle/>
+                    <a:p>
+                      <a:r>
+                        <a:rPr lang="en-US" dirty="0"/>
+                        <a:t>Switches your client from one k8s cluster to another</a:t>
+                      </a:r>
+                    </a:p>
+                  </a:txBody>
+                  <a:tcPr/>
+                </a:tc>
+                <a:extLst>
+                  <a:ext uri="{0D108BD9-81ED-4DB2-BD59-A6C34878D82A}">
+                    <a16:rowId xmlns:a16="http://schemas.microsoft.com/office/drawing/2014/main" val="2158053618"/>
                   </a:ext>
                 </a:extLst>
               </a:tr>
@@ -15823,43 +17015,6 @@
                 <a:extLst>
                   <a:ext uri="{0D108BD9-81ED-4DB2-BD59-A6C34878D82A}">
                     <a16:rowId xmlns:a16="http://schemas.microsoft.com/office/drawing/2014/main" val="3249343435"/>
-                  </a:ext>
-                </a:extLst>
-              </a:tr>
-              <a:tr h="370840">
-                <a:tc>
-                  <a:txBody>
-                    <a:bodyPr/>
-                    <a:lstStyle/>
-                    <a:p>
-                      <a:r>
-                        <a:rPr lang="en-US" dirty="0" err="1"/>
-                        <a:t>Kubectl</a:t>
-                      </a:r>
-                      <a:r>
-                        <a:rPr lang="en-US" dirty="0"/>
-                        <a:t> config get-context/use-context</a:t>
-                      </a:r>
-                    </a:p>
-                  </a:txBody>
-                  <a:tcPr/>
-                </a:tc>
-                <a:tc>
-                  <a:txBody>
-                    <a:bodyPr/>
-                    <a:lstStyle/>
-                    <a:p>
-                      <a:r>
-                        <a:rPr lang="en-US" dirty="0"/>
-                        <a:t>Switches your client from one k8s cluster to another</a:t>
-                      </a:r>
-                    </a:p>
-                  </a:txBody>
-                  <a:tcPr/>
-                </a:tc>
-                <a:extLst>
-                  <a:ext uri="{0D108BD9-81ED-4DB2-BD59-A6C34878D82A}">
-                    <a16:rowId xmlns:a16="http://schemas.microsoft.com/office/drawing/2014/main" val="2083423407"/>
                   </a:ext>
                 </a:extLst>
               </a:tr>
@@ -16127,7 +17282,7 @@
           </p:nvPr>
         </p:nvPicPr>
         <p:blipFill rotWithShape="1">
-          <a:blip r:embed="rId2">
+          <a:blip r:embed="rId3">
             <a:extLst>
               <a:ext uri="{28A0092B-C50C-407E-A947-70E740481C1C}">
                 <a14:useLocalDpi xmlns:a14="http://schemas.microsoft.com/office/drawing/2010/main" val="0"/>
@@ -16400,7 +17555,7 @@
           <a:p>
             <a:r>
               <a:rPr lang="en-US" sz="1800" dirty="0"/>
-              <a:t>Charts can be shared</a:t>
+              <a:t>Charts can be shared and many are publicly available</a:t>
             </a:r>
           </a:p>
         </p:txBody>
@@ -16420,7 +17575,7 @@
           <p:nvPr/>
         </p:nvPicPr>
         <p:blipFill rotWithShape="1">
-          <a:blip r:embed="rId2">
+          <a:blip r:embed="rId3">
             <a:extLst>
               <a:ext uri="{28A0092B-C50C-407E-A947-70E740481C1C}">
                 <a14:useLocalDpi xmlns:a14="http://schemas.microsoft.com/office/drawing/2010/main" val="0"/>
@@ -16971,7 +18126,7 @@
             </a:r>
             <a:r>
               <a:rPr lang="en-US" sz="1900" dirty="0">
-                <a:hlinkClick r:id="rId2"/>
+                <a:hlinkClick r:id="rId3"/>
               </a:rPr>
               <a:t>https://kubernetes.io/docs/home/</a:t>
             </a:r>
@@ -16987,30 +18142,6 @@
             <a:r>
               <a:rPr lang="en-US" sz="1900" dirty="0"/>
               <a:t>Helm Documentation</a:t>
-            </a:r>
-          </a:p>
-          <a:p>
-            <a:pPr marL="457200" lvl="1" indent="0">
-              <a:buNone/>
-            </a:pPr>
-            <a:r>
-              <a:rPr lang="en-US" sz="1900" dirty="0">
-                <a:hlinkClick r:id="rId3"/>
-              </a:rPr>
-              <a:t>https://helm.sh/docs/</a:t>
-            </a:r>
-            <a:endParaRPr lang="en-US" sz="1900" dirty="0"/>
-          </a:p>
-          <a:p>
-            <a:pPr marL="457200" lvl="1" indent="0">
-              <a:buNone/>
-            </a:pPr>
-            <a:endParaRPr lang="en-US" sz="1900" dirty="0"/>
-          </a:p>
-          <a:p>
-            <a:r>
-              <a:rPr lang="en-US" sz="1900" dirty="0"/>
-              <a:t>Tons of Helm Charts</a:t>
             </a:r>
           </a:p>
           <a:p>
@@ -17021,6 +18152,30 @@
               <a:rPr lang="en-US" sz="1900" dirty="0">
                 <a:hlinkClick r:id="rId4"/>
               </a:rPr>
+              <a:t>https://helm.sh/docs/</a:t>
+            </a:r>
+            <a:endParaRPr lang="en-US" sz="1900" dirty="0"/>
+          </a:p>
+          <a:p>
+            <a:pPr marL="457200" lvl="1" indent="0">
+              <a:buNone/>
+            </a:pPr>
+            <a:endParaRPr lang="en-US" sz="1900" dirty="0"/>
+          </a:p>
+          <a:p>
+            <a:r>
+              <a:rPr lang="en-US" sz="1900" dirty="0"/>
+              <a:t>Tons of Helm Charts</a:t>
+            </a:r>
+          </a:p>
+          <a:p>
+            <a:pPr marL="457200" lvl="1" indent="0">
+              <a:buNone/>
+            </a:pPr>
+            <a:r>
+              <a:rPr lang="en-US" sz="1900" dirty="0">
+                <a:hlinkClick r:id="rId5"/>
+              </a:rPr>
               <a:t>https://hub.helm.sh/</a:t>
             </a:r>
             <a:r>
@@ -17046,7 +18201,7 @@
             </a:pPr>
             <a:r>
               <a:rPr lang="en-US" sz="1900" dirty="0">
-                <a:hlinkClick r:id="rId5"/>
+                <a:hlinkClick r:id="rId6"/>
               </a:rPr>
               <a:t>https://azure.microsoft.com/en-us/resources/kubernetes-up-and-running/</a:t>
             </a:r>
@@ -17087,7 +18242,7 @@
           <p:nvPr/>
         </p:nvPicPr>
         <p:blipFill rotWithShape="1">
-          <a:blip r:embed="rId6">
+          <a:blip r:embed="rId7">
             <a:extLst>
               <a:ext uri="{28A0092B-C50C-407E-A947-70E740481C1C}">
                 <a14:useLocalDpi xmlns:a14="http://schemas.microsoft.com/office/drawing/2010/main" val="0"/>
@@ -17182,6 +18337,118 @@
     <p:extLst>
       <p:ext uri="{BB962C8B-B14F-4D97-AF65-F5344CB8AC3E}">
         <p14:creationId xmlns:p14="http://schemas.microsoft.com/office/powerpoint/2010/main" val="3466255183"/>
+      </p:ext>
+    </p:extLst>
+  </p:cSld>
+  <p:clrMapOvr>
+    <a:masterClrMapping/>
+  </p:clrMapOvr>
+</p:sld>
+</file>
+
+<file path=ppt/slides/slide16.xml><?xml version="1.0" encoding="utf-8"?>
+<p:sld xmlns:a="http://schemas.openxmlformats.org/drawingml/2006/main" xmlns:r="http://schemas.openxmlformats.org/officeDocument/2006/relationships" xmlns:p="http://schemas.openxmlformats.org/presentationml/2006/main">
+  <p:cSld>
+    <p:bg>
+      <p:bgPr>
+        <a:solidFill>
+          <a:schemeClr val="bg1"/>
+        </a:solidFill>
+        <a:effectLst/>
+      </p:bgPr>
+    </p:bg>
+    <p:spTree>
+      <p:nvGrpSpPr>
+        <p:cNvPr id="1" name=""/>
+        <p:cNvGrpSpPr/>
+        <p:nvPr/>
+      </p:nvGrpSpPr>
+      <p:grpSpPr>
+        <a:xfrm>
+          <a:off x="0" y="0"/>
+          <a:ext cx="0" cy="0"/>
+          <a:chOff x="0" y="0"/>
+          <a:chExt cx="0" cy="0"/>
+        </a:xfrm>
+      </p:grpSpPr>
+      <p:sp>
+        <p:nvSpPr>
+          <p:cNvPr id="2" name="Title 1">
+            <a:extLst>
+              <a:ext uri="{FF2B5EF4-FFF2-40B4-BE49-F238E27FC236}">
+                <a16:creationId xmlns:a16="http://schemas.microsoft.com/office/drawing/2014/main" id="{78AC2282-1086-4D43-A4E8-6D1647665BFC}"/>
+              </a:ext>
+            </a:extLst>
+          </p:cNvPr>
+          <p:cNvSpPr>
+            <a:spLocks noGrp="1"/>
+          </p:cNvSpPr>
+          <p:nvPr>
+            <p:ph type="title"/>
+          </p:nvPr>
+        </p:nvSpPr>
+        <p:spPr>
+          <a:xfrm>
+            <a:off x="838200" y="5534025"/>
+            <a:ext cx="10515600" cy="822326"/>
+          </a:xfrm>
+        </p:spPr>
+        <p:txBody>
+          <a:bodyPr vert="horz" lIns="91440" tIns="45720" rIns="91440" bIns="45720" rtlCol="0" anchor="ctr">
+            <a:normAutofit/>
+          </a:bodyPr>
+          <a:lstStyle/>
+          <a:p>
+            <a:pPr algn="ctr"/>
+            <a:r>
+              <a:rPr lang="en-US" dirty="0"/>
+              <a:t>Questions?</a:t>
+            </a:r>
+            <a:endParaRPr lang="en-US"/>
+          </a:p>
+        </p:txBody>
+      </p:sp>
+      <p:pic>
+        <p:nvPicPr>
+          <p:cNvPr id="5" name="Content Placeholder 4" descr="A blurry image of a building&#10;&#10;Description automatically generated">
+            <a:extLst>
+              <a:ext uri="{FF2B5EF4-FFF2-40B4-BE49-F238E27FC236}">
+                <a16:creationId xmlns:a16="http://schemas.microsoft.com/office/drawing/2014/main" id="{14005F6B-7AC5-4579-BD0D-8AA6F1348F05}"/>
+              </a:ext>
+            </a:extLst>
+          </p:cNvPr>
+          <p:cNvPicPr>
+            <a:picLocks noGrp="1" noChangeAspect="1"/>
+          </p:cNvPicPr>
+          <p:nvPr>
+            <p:ph idx="1"/>
+          </p:nvPr>
+        </p:nvPicPr>
+        <p:blipFill rotWithShape="1">
+          <a:blip r:embed="rId2">
+            <a:extLst>
+              <a:ext uri="{28A0092B-C50C-407E-A947-70E740481C1C}">
+                <a14:useLocalDpi xmlns:a14="http://schemas.microsoft.com/office/drawing/2010/main" val="0"/>
+              </a:ext>
+            </a:extLst>
+          </a:blip>
+          <a:srcRect b="20256"/>
+          <a:stretch/>
+        </p:blipFill>
+        <p:spPr>
+          <a:xfrm>
+            <a:off x="20" y="10"/>
+            <a:ext cx="12191980" cy="5395902"/>
+          </a:xfrm>
+          <a:prstGeom prst="rect">
+            <a:avLst/>
+          </a:prstGeom>
+        </p:spPr>
+      </p:pic>
+    </p:spTree>
+    <p:extLst>
+      <p:ext uri="{BB962C8B-B14F-4D97-AF65-F5344CB8AC3E}">
+        <p14:creationId xmlns:p14="http://schemas.microsoft.com/office/powerpoint/2010/main" val="1073709300"/>
       </p:ext>
     </p:extLst>
   </p:cSld>
@@ -17752,7 +19019,7 @@
             <p:ph idx="1"/>
             <p:extLst>
               <p:ext uri="{D42A27DB-BD31-4B8C-83A1-F6EECF244321}">
-                <p14:modId xmlns:p14="http://schemas.microsoft.com/office/powerpoint/2010/main" val="2118806838"/>
+                <p14:modId xmlns:p14="http://schemas.microsoft.com/office/powerpoint/2010/main" val="674612979"/>
               </p:ext>
             </p:extLst>
           </p:nvPr>
@@ -18352,7 +19619,7 @@
         </p:xfrm>
         <a:graphic>
           <a:graphicData uri="http://schemas.openxmlformats.org/drawingml/2006/diagram">
-            <dgm:relIds xmlns:dgm="http://schemas.openxmlformats.org/drawingml/2006/diagram" xmlns:r="http://schemas.openxmlformats.org/officeDocument/2006/relationships" r:dm="rId2" r:lo="rId3" r:qs="rId4" r:cs="rId5"/>
+            <dgm:relIds xmlns:dgm="http://schemas.openxmlformats.org/drawingml/2006/diagram" xmlns:r="http://schemas.openxmlformats.org/officeDocument/2006/relationships" r:dm="rId3" r:lo="rId4" r:qs="rId5" r:cs="rId6"/>
           </a:graphicData>
         </a:graphic>
       </p:graphicFrame>
@@ -18941,7 +20208,7 @@
         </p:xfrm>
         <a:graphic>
           <a:graphicData uri="http://schemas.openxmlformats.org/drawingml/2006/diagram">
-            <dgm:relIds xmlns:dgm="http://schemas.openxmlformats.org/drawingml/2006/diagram" xmlns:r="http://schemas.openxmlformats.org/officeDocument/2006/relationships" r:dm="rId2" r:lo="rId3" r:qs="rId4" r:cs="rId5"/>
+            <dgm:relIds xmlns:dgm="http://schemas.openxmlformats.org/drawingml/2006/diagram" xmlns:r="http://schemas.openxmlformats.org/officeDocument/2006/relationships" r:dm="rId3" r:lo="rId4" r:qs="rId5" r:cs="rId6"/>
           </a:graphicData>
         </a:graphic>
       </p:graphicFrame>
@@ -19520,7 +20787,7 @@
           </p:nvPr>
         </p:nvPicPr>
         <p:blipFill>
-          <a:blip r:embed="rId2">
+          <a:blip r:embed="rId3">
             <a:extLst>
               <a:ext uri="{28A0092B-C50C-407E-A947-70E740481C1C}">
                 <a14:useLocalDpi xmlns:a14="http://schemas.microsoft.com/office/drawing/2010/main" val="0"/>
@@ -19697,13 +20964,25 @@
           <a:p>
             <a:r>
               <a:rPr lang="en-US" sz="2000" dirty="0"/>
-              <a:t>Provides management of container deployments</a:t>
+              <a:t>Orchestrates the startup, upgrade, monitoring, and replacement of containers </a:t>
             </a:r>
+          </a:p>
+          <a:p>
+            <a:endParaRPr lang="en-US" sz="2000" dirty="0"/>
           </a:p>
           <a:p>
             <a:r>
               <a:rPr lang="en-US" sz="2000" dirty="0"/>
-              <a:t>Provides a communication mechanism for the pods to talk to each other</a:t>
+              <a:t>Provides the networking mechanism for the pods to talk to each other</a:t>
+            </a:r>
+          </a:p>
+          <a:p>
+            <a:endParaRPr lang="en-US" sz="2000" dirty="0"/>
+          </a:p>
+          <a:p>
+            <a:r>
+              <a:rPr lang="en-US" sz="2000" dirty="0"/>
+              <a:t>Hopefully you can throw the container out to the cluster and it will “just work.”</a:t>
             </a:r>
           </a:p>
           <a:p>
@@ -19726,7 +21005,7 @@
           <p:nvPr/>
         </p:nvPicPr>
         <p:blipFill rotWithShape="1">
-          <a:blip r:embed="rId2"/>
+          <a:blip r:embed="rId3"/>
           <a:srcRect b="4349"/>
           <a:stretch/>
         </p:blipFill>
@@ -19885,7 +21164,7 @@
           <p:nvPr/>
         </p:nvPicPr>
         <p:blipFill>
-          <a:blip r:embed="rId2"/>
+          <a:blip r:embed="rId3"/>
           <a:stretch>
             <a:fillRect/>
           </a:stretch>
@@ -20181,7 +21460,7 @@
           <p:nvPr/>
         </p:nvPicPr>
         <p:blipFill>
-          <a:blip r:embed="rId2">
+          <a:blip r:embed="rId3">
             <a:extLst>
               <a:ext uri="{28A0092B-C50C-407E-A947-70E740481C1C}">
                 <a14:useLocalDpi xmlns:a14="http://schemas.microsoft.com/office/drawing/2010/main" val="0"/>
@@ -20442,7 +21721,7 @@
           <p:nvPr>
             <p:extLst>
               <p:ext uri="{D42A27DB-BD31-4B8C-83A1-F6EECF244321}">
-                <p14:modId xmlns:p14="http://schemas.microsoft.com/office/powerpoint/2010/main" val="3216635783"/>
+                <p14:modId xmlns:p14="http://schemas.microsoft.com/office/powerpoint/2010/main" val="4179639465"/>
               </p:ext>
             </p:extLst>
           </p:nvPr>
@@ -20453,7 +21732,7 @@
         </p:xfrm>
         <a:graphic>
           <a:graphicData uri="http://schemas.openxmlformats.org/drawingml/2006/diagram">
-            <dgm:relIds xmlns:dgm="http://schemas.openxmlformats.org/drawingml/2006/diagram" xmlns:r="http://schemas.openxmlformats.org/officeDocument/2006/relationships" r:dm="rId2" r:lo="rId3" r:qs="rId4" r:cs="rId5"/>
+            <dgm:relIds xmlns:dgm="http://schemas.openxmlformats.org/drawingml/2006/diagram" xmlns:r="http://schemas.openxmlformats.org/officeDocument/2006/relationships" r:dm="rId3" r:lo="rId4" r:qs="rId5" r:cs="rId6"/>
           </a:graphicData>
         </a:graphic>
       </p:graphicFrame>
@@ -20471,8 +21750,8 @@
         </p:nvSpPr>
         <p:spPr>
           <a:xfrm>
-            <a:off x="838200" y="1793289"/>
-            <a:ext cx="7196091" cy="3116062"/>
+            <a:off x="940840" y="3737292"/>
+            <a:ext cx="7142467" cy="1020488"/>
           </a:xfrm>
           <a:prstGeom prst="rect">
             <a:avLst/>
@@ -20519,8 +21798,8 @@
         </p:nvSpPr>
         <p:spPr>
           <a:xfrm>
-            <a:off x="8034291" y="1793289"/>
-            <a:ext cx="3548109" cy="3116062"/>
+            <a:off x="8080894" y="3737292"/>
+            <a:ext cx="3521669" cy="1020488"/>
           </a:xfrm>
           <a:prstGeom prst="rect">
             <a:avLst/>
@@ -20567,8 +21846,8 @@
         </p:nvSpPr>
         <p:spPr>
           <a:xfrm>
-            <a:off x="9015936" y="1423957"/>
-            <a:ext cx="1508618" cy="369332"/>
+            <a:off x="8080894" y="3672978"/>
+            <a:ext cx="1497376" cy="246221"/>
           </a:xfrm>
           <a:prstGeom prst="rect">
             <a:avLst/>
@@ -20576,13 +21855,13 @@
           <a:noFill/>
         </p:spPr>
         <p:txBody>
-          <a:bodyPr wrap="none" rtlCol="0">
+          <a:bodyPr wrap="square" rtlCol="0">
             <a:spAutoFit/>
           </a:bodyPr>
           <a:lstStyle/>
           <a:p>
             <a:r>
-              <a:rPr lang="en-US" dirty="0"/>
+              <a:rPr lang="en-US" sz="1000" dirty="0"/>
               <a:t>Deployment 2</a:t>
             </a:r>
           </a:p>
@@ -20602,8 +21881,8 @@
         </p:nvSpPr>
         <p:spPr>
           <a:xfrm>
-            <a:off x="3681936" y="1423957"/>
-            <a:ext cx="1508618" cy="369332"/>
+            <a:off x="940840" y="3728448"/>
+            <a:ext cx="1497376" cy="246221"/>
           </a:xfrm>
           <a:prstGeom prst="rect">
             <a:avLst/>
@@ -20611,13 +21890,13 @@
           <a:noFill/>
         </p:spPr>
         <p:txBody>
-          <a:bodyPr wrap="none" rtlCol="0">
+          <a:bodyPr wrap="square" rtlCol="0">
             <a:spAutoFit/>
           </a:bodyPr>
           <a:lstStyle/>
           <a:p>
             <a:r>
-              <a:rPr lang="en-US" dirty="0"/>
+              <a:rPr lang="en-US" sz="1000" dirty="0"/>
               <a:t>Deployment 1</a:t>
             </a:r>
           </a:p>

--- a/fun-with-k8s.pptx
+++ b/fun-with-k8s.pptx
@@ -3548,7 +3548,7 @@
         <a:p>
           <a:r>
             <a:rPr lang="en-US" dirty="0"/>
-            <a:t>The Problem</a:t>
+            <a:t>The Problems with Containers</a:t>
           </a:r>
         </a:p>
       </dgm:t>
@@ -4979,7 +4979,7 @@
           </a:pPr>
           <a:r>
             <a:rPr lang="en-US" sz="3700" kern="1200" dirty="0"/>
-            <a:t>The Problem</a:t>
+            <a:t>The Problems with Containers</a:t>
           </a:r>
         </a:p>
       </dsp:txBody>
@@ -11270,7 +11270,7 @@
           <a:p>
             <a:fld id="{7A1C9263-F356-4B47-AE03-5EE855FB885C}" type="datetimeFigureOut">
               <a:rPr lang="en-US" smtClean="0"/>
-              <a:t>4/23/2020</a:t>
+              <a:t>4/24/2020</a:t>
             </a:fld>
             <a:endParaRPr lang="en-US"/>
           </a:p>
@@ -12109,6 +12109,54 @@
               <a:t>That’s a picture from Google of the Earth and the artificial satellites in space.  Notice how many there are and how it looks like a big mess to manage.</a:t>
             </a:r>
           </a:p>
+          <a:p>
+            <a:endParaRPr lang="en-US" dirty="0"/>
+          </a:p>
+          <a:p>
+            <a:pPr marL="228600" indent="-228600">
+              <a:buAutoNum type="arabicPeriod"/>
+            </a:pPr>
+            <a:r>
+              <a:rPr lang="en-US" dirty="0"/>
+              <a:t>In the age of microservices, the number of “things” that need deploying has grown at a fast pace.</a:t>
+            </a:r>
+          </a:p>
+          <a:p>
+            <a:pPr marL="228600" indent="-228600">
+              <a:buAutoNum type="arabicPeriod"/>
+            </a:pPr>
+            <a:r>
+              <a:rPr lang="en-US" dirty="0"/>
+              <a:t>Do you just put them all on one server or do you split them over 20?  How do you decide what goes where?</a:t>
+            </a:r>
+          </a:p>
+          <a:p>
+            <a:pPr marL="228600" indent="-228600">
+              <a:buAutoNum type="arabicPeriod"/>
+            </a:pPr>
+            <a:r>
+              <a:rPr lang="en-US" dirty="0"/>
+              <a:t>What if your container goes crazy and eats the memory of an entire server?  Everything else dies!</a:t>
+            </a:r>
+          </a:p>
+          <a:p>
+            <a:pPr marL="228600" indent="-228600">
+              <a:buAutoNum type="arabicPeriod"/>
+            </a:pPr>
+            <a:r>
+              <a:rPr lang="en-US" dirty="0"/>
+              <a:t>Networking!  </a:t>
+            </a:r>
+          </a:p>
+          <a:p>
+            <a:pPr marL="228600" indent="-228600">
+              <a:buAutoNum type="arabicPeriod"/>
+            </a:pPr>
+            <a:r>
+              <a:rPr lang="en-US" dirty="0"/>
+              <a:t>Is this just managed by a team of IT folks?</a:t>
+            </a:r>
+          </a:p>
         </p:txBody>
       </p:sp>
       <p:sp>
@@ -12372,6 +12420,19 @@
           </a:p>
           <a:p>
             <a:r>
+              <a:rPr lang="en-US" dirty="0" err="1"/>
+              <a:t>Etcd</a:t>
+            </a:r>
+            <a:r>
+              <a:rPr lang="en-US" dirty="0"/>
+              <a:t> is where all the state data of everything in the cluster is stored</a:t>
+            </a:r>
+          </a:p>
+          <a:p>
+            <a:endParaRPr lang="en-US" dirty="0"/>
+          </a:p>
+          <a:p>
+            <a:r>
               <a:rPr lang="en-US" dirty="0"/>
               <a:t>The scheduler is the most important part to grasp in terms of “how it works”</a:t>
             </a:r>
@@ -12514,23 +12575,7 @@
           <a:p>
             <a:r>
               <a:rPr lang="en-US" dirty="0"/>
-              <a:t>A k8s “deployment” is a specific type of object that defines the pod, the containers it has within it, and the number of replicas of each.  This way you can create/destroy a deployment that contains multiple objects with a single command.  (A “</a:t>
-            </a:r>
-            <a:r>
-              <a:rPr lang="en-US" dirty="0" err="1"/>
-              <a:t>replicaset</a:t>
-            </a:r>
-            <a:r>
-              <a:rPr lang="en-US" dirty="0"/>
-              <a:t>” is another object that just defines the number of identical pods you want to run.   The “deployment” definition is a more abstract way of defining a </a:t>
-            </a:r>
-            <a:r>
-              <a:rPr lang="en-US" dirty="0" err="1"/>
-              <a:t>replicaset</a:t>
-            </a:r>
-            <a:r>
-              <a:rPr lang="en-US" dirty="0"/>
-              <a:t> and pods.)</a:t>
+              <a:t>A k8s “deployment” is a specific type of object that defines the pod, the containers it has within it, and the number of replicas of each.  This way you can create/destroy a deployment that contains multiple objects with a single command.  </a:t>
             </a:r>
           </a:p>
           <a:p>
@@ -12651,7 +12696,7 @@
           <a:p>
             <a:r>
               <a:rPr lang="en-US" dirty="0"/>
-              <a:t>So you now a bit about what Kubernetes is and how to interact with it.  You know that you can put your containers on it and run them.  But how do you do that?  One answer is HELM.</a:t>
+              <a:t>So you now a bit about what Kubernetes is and how to interact with it.  You know that you CAN put your containers on it and run them.  But how do you do that?  One answer is HELM.</a:t>
             </a:r>
           </a:p>
         </p:txBody>
@@ -12923,7 +12968,7 @@
           <a:p>
             <a:fld id="{0117283B-F0A5-4202-AA1A-3796A1F2E447}" type="datetimeFigureOut">
               <a:rPr lang="en-US" smtClean="0"/>
-              <a:t>4/23/2020</a:t>
+              <a:t>4/24/2020</a:t>
             </a:fld>
             <a:endParaRPr lang="en-US"/>
           </a:p>
@@ -13121,7 +13166,7 @@
           <a:p>
             <a:fld id="{0117283B-F0A5-4202-AA1A-3796A1F2E447}" type="datetimeFigureOut">
               <a:rPr lang="en-US" smtClean="0"/>
-              <a:t>4/23/2020</a:t>
+              <a:t>4/24/2020</a:t>
             </a:fld>
             <a:endParaRPr lang="en-US"/>
           </a:p>
@@ -13329,7 +13374,7 @@
           <a:p>
             <a:fld id="{0117283B-F0A5-4202-AA1A-3796A1F2E447}" type="datetimeFigureOut">
               <a:rPr lang="en-US" smtClean="0"/>
-              <a:t>4/23/2020</a:t>
+              <a:t>4/24/2020</a:t>
             </a:fld>
             <a:endParaRPr lang="en-US"/>
           </a:p>
@@ -13527,7 +13572,7 @@
           <a:p>
             <a:fld id="{0117283B-F0A5-4202-AA1A-3796A1F2E447}" type="datetimeFigureOut">
               <a:rPr lang="en-US" smtClean="0"/>
-              <a:t>4/23/2020</a:t>
+              <a:t>4/24/2020</a:t>
             </a:fld>
             <a:endParaRPr lang="en-US"/>
           </a:p>
@@ -13802,7 +13847,7 @@
           <a:p>
             <a:fld id="{0117283B-F0A5-4202-AA1A-3796A1F2E447}" type="datetimeFigureOut">
               <a:rPr lang="en-US" smtClean="0"/>
-              <a:t>4/23/2020</a:t>
+              <a:t>4/24/2020</a:t>
             </a:fld>
             <a:endParaRPr lang="en-US"/>
           </a:p>
@@ -14067,7 +14112,7 @@
           <a:p>
             <a:fld id="{0117283B-F0A5-4202-AA1A-3796A1F2E447}" type="datetimeFigureOut">
               <a:rPr lang="en-US" smtClean="0"/>
-              <a:t>4/23/2020</a:t>
+              <a:t>4/24/2020</a:t>
             </a:fld>
             <a:endParaRPr lang="en-US"/>
           </a:p>
@@ -14479,7 +14524,7 @@
           <a:p>
             <a:fld id="{0117283B-F0A5-4202-AA1A-3796A1F2E447}" type="datetimeFigureOut">
               <a:rPr lang="en-US" smtClean="0"/>
-              <a:t>4/23/2020</a:t>
+              <a:t>4/24/2020</a:t>
             </a:fld>
             <a:endParaRPr lang="en-US"/>
           </a:p>
@@ -14620,7 +14665,7 @@
           <a:p>
             <a:fld id="{0117283B-F0A5-4202-AA1A-3796A1F2E447}" type="datetimeFigureOut">
               <a:rPr lang="en-US" smtClean="0"/>
-              <a:t>4/23/2020</a:t>
+              <a:t>4/24/2020</a:t>
             </a:fld>
             <a:endParaRPr lang="en-US"/>
           </a:p>
@@ -14733,7 +14778,7 @@
           <a:p>
             <a:fld id="{0117283B-F0A5-4202-AA1A-3796A1F2E447}" type="datetimeFigureOut">
               <a:rPr lang="en-US" smtClean="0"/>
-              <a:t>4/23/2020</a:t>
+              <a:t>4/24/2020</a:t>
             </a:fld>
             <a:endParaRPr lang="en-US"/>
           </a:p>
@@ -15044,7 +15089,7 @@
           <a:p>
             <a:fld id="{0117283B-F0A5-4202-AA1A-3796A1F2E447}" type="datetimeFigureOut">
               <a:rPr lang="en-US" smtClean="0"/>
-              <a:t>4/23/2020</a:t>
+              <a:t>4/24/2020</a:t>
             </a:fld>
             <a:endParaRPr lang="en-US"/>
           </a:p>
@@ -15332,7 +15377,7 @@
           <a:p>
             <a:fld id="{0117283B-F0A5-4202-AA1A-3796A1F2E447}" type="datetimeFigureOut">
               <a:rPr lang="en-US" smtClean="0"/>
-              <a:t>4/23/2020</a:t>
+              <a:t>4/24/2020</a:t>
             </a:fld>
             <a:endParaRPr lang="en-US"/>
           </a:p>
@@ -15573,7 +15618,7 @@
           <a:p>
             <a:fld id="{0117283B-F0A5-4202-AA1A-3796A1F2E447}" type="datetimeFigureOut">
               <a:rPr lang="en-US" smtClean="0"/>
-              <a:t>4/23/2020</a:t>
+              <a:t>4/24/2020</a:t>
             </a:fld>
             <a:endParaRPr lang="en-US"/>
           </a:p>
@@ -16806,7 +16851,7 @@
           <p:nvPr>
             <p:extLst>
               <p:ext uri="{D42A27DB-BD31-4B8C-83A1-F6EECF244321}">
-                <p14:modId xmlns:p14="http://schemas.microsoft.com/office/powerpoint/2010/main" val="471810129"/>
+                <p14:modId xmlns:p14="http://schemas.microsoft.com/office/powerpoint/2010/main" val="1026023738"/>
               </p:ext>
             </p:extLst>
           </p:nvPr>
@@ -16895,7 +16940,7 @@
                     <a:p>
                       <a:r>
                         <a:rPr lang="en-US" dirty="0"/>
-                        <a:t>Switches your client from one k8s cluster to another</a:t>
+                        <a:t>Switches your client from one k8s cluster context to another</a:t>
                       </a:r>
                     </a:p>
                   </a:txBody>
@@ -17530,12 +17575,6 @@
             <a:r>
               <a:rPr lang="en-US" sz="1800" dirty="0"/>
               <a:t>“The Package Manager for Kubernetes” – from Helm Website</a:t>
-            </a:r>
-          </a:p>
-          <a:p>
-            <a:r>
-              <a:rPr lang="en-US" sz="1800" dirty="0"/>
-              <a:t>“Like apt for Kubernetes” - from other talks</a:t>
             </a:r>
           </a:p>
           <a:p>
@@ -18107,7 +18146,7 @@
         </p:spPr>
         <p:txBody>
           <a:bodyPr>
-            <a:normAutofit fontScale="92500" lnSpcReduction="20000"/>
+            <a:normAutofit fontScale="70000" lnSpcReduction="20000"/>
           </a:bodyPr>
           <a:lstStyle/>
           <a:p>
@@ -18178,10 +18217,7 @@
               </a:rPr>
               <a:t>https://hub.helm.sh/</a:t>
             </a:r>
-            <a:r>
-              <a:rPr lang="en-US" sz="1900" dirty="0"/>
-              <a:t> </a:t>
-            </a:r>
+            <a:endParaRPr lang="en-US" sz="1900" dirty="0"/>
           </a:p>
           <a:p>
             <a:pPr marL="457200" lvl="1" indent="0">
@@ -18192,7 +18228,7 @@
           <a:p>
             <a:r>
               <a:rPr lang="en-US" sz="1900" dirty="0"/>
-              <a:t>Kubernetes Up and Running</a:t>
+              <a:t>Kubernetes the Hard Way</a:t>
             </a:r>
           </a:p>
           <a:p>
@@ -18202,6 +18238,27 @@
             <a:r>
               <a:rPr lang="en-US" sz="1900" dirty="0">
                 <a:hlinkClick r:id="rId6"/>
+              </a:rPr>
+              <a:t>https://github.com/kelseyhightower/kubernetes-the-hard-way</a:t>
+            </a:r>
+            <a:endParaRPr lang="en-US" sz="1900" dirty="0"/>
+          </a:p>
+          <a:p>
+            <a:endParaRPr lang="en-US" sz="1900" dirty="0"/>
+          </a:p>
+          <a:p>
+            <a:r>
+              <a:rPr lang="en-US" sz="1900" dirty="0"/>
+              <a:t>Kubernetes Up and Running</a:t>
+            </a:r>
+          </a:p>
+          <a:p>
+            <a:pPr marL="457200" lvl="1" indent="0">
+              <a:buNone/>
+            </a:pPr>
+            <a:r>
+              <a:rPr lang="en-US" sz="1900" dirty="0">
+                <a:hlinkClick r:id="rId7"/>
               </a:rPr>
               <a:t>https://azure.microsoft.com/en-us/resources/kubernetes-up-and-running/</a:t>
             </a:r>
@@ -18242,7 +18299,7 @@
           <p:nvPr/>
         </p:nvPicPr>
         <p:blipFill rotWithShape="1">
-          <a:blip r:embed="rId7">
+          <a:blip r:embed="rId8">
             <a:extLst>
               <a:ext uri="{28A0092B-C50C-407E-A947-70E740481C1C}">
                 <a14:useLocalDpi xmlns:a14="http://schemas.microsoft.com/office/drawing/2010/main" val="0"/>
@@ -19608,7 +19665,7 @@
             <p:ph idx="1"/>
             <p:extLst>
               <p:ext uri="{D42A27DB-BD31-4B8C-83A1-F6EECF244321}">
-                <p14:modId xmlns:p14="http://schemas.microsoft.com/office/powerpoint/2010/main" val="1885523811"/>
+                <p14:modId xmlns:p14="http://schemas.microsoft.com/office/powerpoint/2010/main" val="3576828305"/>
               </p:ext>
             </p:extLst>
           </p:nvPr>
@@ -20820,7 +20877,7 @@
         <p:spPr>
           <a:xfrm>
             <a:off x="5548543" y="716913"/>
-            <a:ext cx="6024837" cy="1846659"/>
+            <a:ext cx="6024837" cy="2215991"/>
           </a:xfrm>
           <a:prstGeom prst="rect">
             <a:avLst/>
@@ -20833,24 +20890,50 @@
           </a:bodyPr>
           <a:lstStyle/>
           <a:p>
+            <a:pPr marL="457200" indent="-457200">
+              <a:buFont typeface="+mj-lt"/>
+              <a:buAutoNum type="arabicPeriod"/>
+            </a:pPr>
             <a:r>
               <a:rPr lang="en-US" sz="2400" dirty="0"/>
               <a:t>Too many containers</a:t>
             </a:r>
           </a:p>
           <a:p>
+            <a:pPr marL="457200" indent="-457200">
+              <a:buFont typeface="+mj-lt"/>
+              <a:buAutoNum type="arabicPeriod"/>
+            </a:pPr>
             <a:r>
               <a:rPr lang="en-US" sz="2400" dirty="0"/>
-              <a:t>Too many places to put them</a:t>
+              <a:t>Where do you put them?</a:t>
             </a:r>
           </a:p>
           <a:p>
+            <a:pPr marL="457200" indent="-457200">
+              <a:buFont typeface="+mj-lt"/>
+              <a:buAutoNum type="arabicPeriod"/>
+            </a:pPr>
             <a:r>
               <a:rPr lang="en-US" sz="2400" dirty="0"/>
               <a:t>Too many unknown resource requirements</a:t>
             </a:r>
           </a:p>
           <a:p>
+            <a:pPr marL="457200" indent="-457200">
+              <a:buFont typeface="+mj-lt"/>
+              <a:buAutoNum type="arabicPeriod"/>
+            </a:pPr>
+            <a:r>
+              <a:rPr lang="en-US" sz="2400" dirty="0"/>
+              <a:t>How do they talk to each other?</a:t>
+            </a:r>
+          </a:p>
+          <a:p>
+            <a:pPr marL="457200" indent="-457200">
+              <a:buFont typeface="+mj-lt"/>
+              <a:buAutoNum type="arabicPeriod"/>
+            </a:pPr>
             <a:r>
               <a:rPr lang="en-US" sz="2400" dirty="0"/>
               <a:t>How do we make all this work?</a:t>

--- a/fun-with-k8s.pptx
+++ b/fun-with-k8s.pptx
@@ -11602,7 +11602,7 @@
           <a:p>
             <a:fld id="{DBFE168D-5F09-4613-B279-C53C85B5CCCA}" type="slidenum">
               <a:rPr lang="en-US" smtClean="0"/>
-              <a:t>3</a:t>
+              <a:t>1</a:t>
             </a:fld>
             <a:endParaRPr lang="en-US"/>
           </a:p>
@@ -11611,7 +11611,7 @@
     </p:spTree>
     <p:extLst>
       <p:ext uri="{BB962C8B-B14F-4D97-AF65-F5344CB8AC3E}">
-        <p14:creationId xmlns:p14="http://schemas.microsoft.com/office/powerpoint/2010/main" val="3159039608"/>
+        <p14:creationId xmlns:p14="http://schemas.microsoft.com/office/powerpoint/2010/main" val="2299653708"/>
       </p:ext>
     </p:extLst>
   </p:cSld>
@@ -11665,6 +11665,90 @@
           <a:bodyPr/>
           <a:lstStyle/>
           <a:p>
+            <a:endParaRPr lang="en-US" dirty="0"/>
+          </a:p>
+        </p:txBody>
+      </p:sp>
+      <p:sp>
+        <p:nvSpPr>
+          <p:cNvPr id="4" name="Slide Number Placeholder 3"/>
+          <p:cNvSpPr>
+            <a:spLocks noGrp="1"/>
+          </p:cNvSpPr>
+          <p:nvPr>
+            <p:ph type="sldNum" sz="quarter" idx="5"/>
+          </p:nvPr>
+        </p:nvSpPr>
+        <p:spPr/>
+        <p:txBody>
+          <a:bodyPr/>
+          <a:lstStyle/>
+          <a:p>
+            <a:fld id="{DBFE168D-5F09-4613-B279-C53C85B5CCCA}" type="slidenum">
+              <a:rPr lang="en-US" smtClean="0"/>
+              <a:t>13</a:t>
+            </a:fld>
+            <a:endParaRPr lang="en-US"/>
+          </a:p>
+        </p:txBody>
+      </p:sp>
+    </p:spTree>
+    <p:extLst>
+      <p:ext uri="{BB962C8B-B14F-4D97-AF65-F5344CB8AC3E}">
+        <p14:creationId xmlns:p14="http://schemas.microsoft.com/office/powerpoint/2010/main" val="1859979071"/>
+      </p:ext>
+    </p:extLst>
+  </p:cSld>
+  <p:clrMapOvr>
+    <a:masterClrMapping/>
+  </p:clrMapOvr>
+</p:notes>
+</file>
+
+<file path=ppt/notesSlides/notesSlide11.xml><?xml version="1.0" encoding="utf-8"?>
+<p:notes xmlns:a="http://schemas.openxmlformats.org/drawingml/2006/main" xmlns:r="http://schemas.openxmlformats.org/officeDocument/2006/relationships" xmlns:p="http://schemas.openxmlformats.org/presentationml/2006/main">
+  <p:cSld>
+    <p:spTree>
+      <p:nvGrpSpPr>
+        <p:cNvPr id="1" name=""/>
+        <p:cNvGrpSpPr/>
+        <p:nvPr/>
+      </p:nvGrpSpPr>
+      <p:grpSpPr>
+        <a:xfrm>
+          <a:off x="0" y="0"/>
+          <a:ext cx="0" cy="0"/>
+          <a:chOff x="0" y="0"/>
+          <a:chExt cx="0" cy="0"/>
+        </a:xfrm>
+      </p:grpSpPr>
+      <p:sp>
+        <p:nvSpPr>
+          <p:cNvPr id="2" name="Slide Image Placeholder 1"/>
+          <p:cNvSpPr>
+            <a:spLocks noGrp="1" noRot="1" noChangeAspect="1"/>
+          </p:cNvSpPr>
+          <p:nvPr>
+            <p:ph type="sldImg"/>
+          </p:nvPr>
+        </p:nvSpPr>
+        <p:spPr/>
+      </p:sp>
+      <p:sp>
+        <p:nvSpPr>
+          <p:cNvPr id="3" name="Notes Placeholder 2"/>
+          <p:cNvSpPr>
+            <a:spLocks noGrp="1"/>
+          </p:cNvSpPr>
+          <p:nvPr>
+            <p:ph type="body" idx="1"/>
+          </p:nvPr>
+        </p:nvSpPr>
+        <p:spPr/>
+        <p:txBody>
+          <a:bodyPr/>
+          <a:lstStyle/>
+          <a:p>
             <a:r>
               <a:rPr lang="en-US" dirty="0"/>
               <a:t>Diving right in: </a:t>
@@ -11778,7 +11862,7 @@
           <a:p>
             <a:r>
               <a:rPr lang="en-US" dirty="0"/>
-              <a:t>JENKINS</a:t>
+              <a:t>GRAFANA</a:t>
             </a:r>
           </a:p>
           <a:p>
@@ -11798,15 +11882,7 @@
           <a:p>
             <a:r>
               <a:rPr lang="en-US" dirty="0"/>
-              <a:t>helm install my-</a:t>
-            </a:r>
-            <a:r>
-              <a:rPr lang="en-US" dirty="0" err="1"/>
-              <a:t>jenkins</a:t>
-            </a:r>
-            <a:r>
-              <a:rPr lang="en-US" dirty="0"/>
-              <a:t> </a:t>
+              <a:t>helm install my-Grafana </a:t>
             </a:r>
             <a:r>
               <a:rPr lang="en-US" dirty="0" err="1"/>
@@ -11814,13 +11890,8 @@
             </a:r>
             <a:r>
               <a:rPr lang="en-US" dirty="0"/>
-              <a:t>/</a:t>
+              <a:t>/Grafana</a:t>
             </a:r>
-            <a:r>
-              <a:rPr lang="en-US" dirty="0" err="1"/>
-              <a:t>jenkins</a:t>
-            </a:r>
-            <a:endParaRPr lang="en-US" dirty="0"/>
           </a:p>
           <a:p>
             <a:r>
@@ -11829,11 +11900,19 @@
             </a:r>
             <a:r>
               <a:rPr lang="en-US" dirty="0"/>
-              <a:t> port-forward my-release-</a:t>
+              <a:t> port-forward my-</a:t>
             </a:r>
             <a:r>
               <a:rPr lang="en-US" dirty="0" err="1"/>
-              <a:t>jenkins</a:t>
+              <a:t>grafana</a:t>
+            </a:r>
+            <a:r>
+              <a:rPr lang="en-US" dirty="0"/>
+              <a:t>-</a:t>
+            </a:r>
+            <a:r>
+              <a:rPr lang="en-US" dirty="0" err="1"/>
+              <a:t>grafana</a:t>
             </a:r>
             <a:r>
               <a:rPr lang="en-US" dirty="0"/>
@@ -11878,7 +11957,7 @@
 </p:notes>
 </file>
 
-<file path=ppt/notesSlides/notesSlide11.xml><?xml version="1.0" encoding="utf-8"?>
+<file path=ppt/notesSlides/notesSlide12.xml><?xml version="1.0" encoding="utf-8"?>
 <p:notes xmlns:a="http://schemas.openxmlformats.org/drawingml/2006/main" xmlns:r="http://schemas.openxmlformats.org/officeDocument/2006/relationships" xmlns:p="http://schemas.openxmlformats.org/presentationml/2006/main">
   <p:cSld>
     <p:spTree>
@@ -12009,18 +12088,7 @@
           <a:bodyPr/>
           <a:lstStyle/>
           <a:p>
-            <a:r>
-              <a:rPr lang="en-US" dirty="0"/>
-              <a:t>We’ll cover basic Kubernetes, not containers or </a:t>
-            </a:r>
-            <a:r>
-              <a:rPr lang="en-US" dirty="0" err="1"/>
-              <a:t>devops</a:t>
-            </a:r>
-            <a:r>
-              <a:rPr lang="en-US" dirty="0"/>
-              <a:t>.  Those are for another time.</a:t>
-            </a:r>
+            <a:endParaRPr lang="en-US" dirty="0"/>
           </a:p>
         </p:txBody>
       </p:sp>
@@ -12041,7 +12109,7 @@
           <a:p>
             <a:fld id="{DBFE168D-5F09-4613-B279-C53C85B5CCCA}" type="slidenum">
               <a:rPr lang="en-US" smtClean="0"/>
-              <a:t>4</a:t>
+              <a:t>3</a:t>
             </a:fld>
             <a:endParaRPr lang="en-US"/>
           </a:p>
@@ -12050,7 +12118,7 @@
     </p:spTree>
     <p:extLst>
       <p:ext uri="{BB962C8B-B14F-4D97-AF65-F5344CB8AC3E}">
-        <p14:creationId xmlns:p14="http://schemas.microsoft.com/office/powerpoint/2010/main" val="408874495"/>
+        <p14:creationId xmlns:p14="http://schemas.microsoft.com/office/powerpoint/2010/main" val="3159039608"/>
       </p:ext>
     </p:extLst>
   </p:cSld>
@@ -12106,55 +12174,15 @@
           <a:p>
             <a:r>
               <a:rPr lang="en-US" dirty="0"/>
-              <a:t>That’s a picture from Google of the Earth and the artificial satellites in space.  Notice how many there are and how it looks like a big mess to manage.</a:t>
+              <a:t>We’ll cover basic Kubernetes, not containers or </a:t>
             </a:r>
-          </a:p>
-          <a:p>
-            <a:endParaRPr lang="en-US" dirty="0"/>
-          </a:p>
-          <a:p>
-            <a:pPr marL="228600" indent="-228600">
-              <a:buAutoNum type="arabicPeriod"/>
-            </a:pPr>
+            <a:r>
+              <a:rPr lang="en-US" dirty="0" err="1"/>
+              <a:t>devops</a:t>
+            </a:r>
             <a:r>
               <a:rPr lang="en-US" dirty="0"/>
-              <a:t>In the age of microservices, the number of “things” that need deploying has grown at a fast pace.</a:t>
-            </a:r>
-          </a:p>
-          <a:p>
-            <a:pPr marL="228600" indent="-228600">
-              <a:buAutoNum type="arabicPeriod"/>
-            </a:pPr>
-            <a:r>
-              <a:rPr lang="en-US" dirty="0"/>
-              <a:t>Do you just put them all on one server or do you split them over 20?  How do you decide what goes where?</a:t>
-            </a:r>
-          </a:p>
-          <a:p>
-            <a:pPr marL="228600" indent="-228600">
-              <a:buAutoNum type="arabicPeriod"/>
-            </a:pPr>
-            <a:r>
-              <a:rPr lang="en-US" dirty="0"/>
-              <a:t>What if your container goes crazy and eats the memory of an entire server?  Everything else dies!</a:t>
-            </a:r>
-          </a:p>
-          <a:p>
-            <a:pPr marL="228600" indent="-228600">
-              <a:buAutoNum type="arabicPeriod"/>
-            </a:pPr>
-            <a:r>
-              <a:rPr lang="en-US" dirty="0"/>
-              <a:t>Networking!  </a:t>
-            </a:r>
-          </a:p>
-          <a:p>
-            <a:pPr marL="228600" indent="-228600">
-              <a:buAutoNum type="arabicPeriod"/>
-            </a:pPr>
-            <a:r>
-              <a:rPr lang="en-US" dirty="0"/>
-              <a:t>Is this just managed by a team of IT folks?</a:t>
+              <a:t>.  Those are for another time.</a:t>
             </a:r>
           </a:p>
         </p:txBody>
@@ -12176,7 +12204,7 @@
           <a:p>
             <a:fld id="{DBFE168D-5F09-4613-B279-C53C85B5CCCA}" type="slidenum">
               <a:rPr lang="en-US" smtClean="0"/>
-              <a:t>5</a:t>
+              <a:t>4</a:t>
             </a:fld>
             <a:endParaRPr lang="en-US"/>
           </a:p>
@@ -12185,7 +12213,7 @@
     </p:spTree>
     <p:extLst>
       <p:ext uri="{BB962C8B-B14F-4D97-AF65-F5344CB8AC3E}">
-        <p14:creationId xmlns:p14="http://schemas.microsoft.com/office/powerpoint/2010/main" val="808114377"/>
+        <p14:creationId xmlns:p14="http://schemas.microsoft.com/office/powerpoint/2010/main" val="408874495"/>
       </p:ext>
     </p:extLst>
   </p:cSld>
@@ -12241,7 +12269,55 @@
           <a:p>
             <a:r>
               <a:rPr lang="en-US" dirty="0"/>
-              <a:t>Thinking about our satellite picture.  Someone somewhere has to have a map showing where all the current satellites are located, and hopefully if they are operational or not.  That way when we have another satellite to put in space, we will know where it can go and not interfere with the others.  </a:t>
+              <a:t>That’s a picture from Google of the Earth and the artificial satellites in space.  Notice how many there are and how it looks like a big mess to manage.</a:t>
+            </a:r>
+          </a:p>
+          <a:p>
+            <a:endParaRPr lang="en-US" dirty="0"/>
+          </a:p>
+          <a:p>
+            <a:pPr marL="228600" indent="-228600">
+              <a:buAutoNum type="arabicPeriod"/>
+            </a:pPr>
+            <a:r>
+              <a:rPr lang="en-US" dirty="0"/>
+              <a:t>In the age of microservices, the number of “things” that need deploying has grown at a fast pace.</a:t>
+            </a:r>
+          </a:p>
+          <a:p>
+            <a:pPr marL="228600" indent="-228600">
+              <a:buAutoNum type="arabicPeriod"/>
+            </a:pPr>
+            <a:r>
+              <a:rPr lang="en-US" dirty="0"/>
+              <a:t>Do you just put them all on one server or do you split them over 20?  If you need to split them, how do you decide what goes where?</a:t>
+            </a:r>
+          </a:p>
+          <a:p>
+            <a:pPr marL="228600" indent="-228600">
+              <a:buAutoNum type="arabicPeriod"/>
+            </a:pPr>
+            <a:r>
+              <a:rPr lang="en-US" dirty="0"/>
+              <a:t>What if one container on a node goes crazy and eats the memory of an entire server?  Everything else dies!</a:t>
+            </a:r>
+          </a:p>
+          <a:p>
+            <a:pPr marL="228600" indent="-228600">
+              <a:buAutoNum type="arabicPeriod"/>
+            </a:pPr>
+            <a:r>
+              <a:rPr lang="en-US" dirty="0"/>
+              <a:t>Networking!  Networking is hard.</a:t>
+            </a:r>
+          </a:p>
+          <a:p>
+            <a:pPr marL="228600" indent="-228600">
+              <a:buAutoNum type="arabicPeriod"/>
+            </a:pPr>
+            <a:r>
+              <a:rPr lang="en-US" dirty="0"/>
+              <a:t>Is this just managed by a team of IT folks?</a:t>
             </a:r>
           </a:p>
         </p:txBody>
@@ -12263,7 +12339,7 @@
           <a:p>
             <a:fld id="{DBFE168D-5F09-4613-B279-C53C85B5CCCA}" type="slidenum">
               <a:rPr lang="en-US" smtClean="0"/>
-              <a:t>6</a:t>
+              <a:t>5</a:t>
             </a:fld>
             <a:endParaRPr lang="en-US"/>
           </a:p>
@@ -12272,7 +12348,7 @@
     </p:spTree>
     <p:extLst>
       <p:ext uri="{BB962C8B-B14F-4D97-AF65-F5344CB8AC3E}">
-        <p14:creationId xmlns:p14="http://schemas.microsoft.com/office/powerpoint/2010/main" val="2909175685"/>
+        <p14:creationId xmlns:p14="http://schemas.microsoft.com/office/powerpoint/2010/main" val="808114377"/>
       </p:ext>
     </p:extLst>
   </p:cSld>
@@ -12326,7 +12402,10 @@
           <a:bodyPr/>
           <a:lstStyle/>
           <a:p>
-            <a:endParaRPr lang="en-US" dirty="0"/>
+            <a:r>
+              <a:rPr lang="en-US" dirty="0"/>
+              <a:t>Thinking about our satellite picture.  Someone somewhere has to have a map showing where all the current satellites are located, and hopefully if they are operational or not.  That way when we have another satellite to put in space, we will know where it can go and not interfere with the others.  </a:t>
+            </a:r>
           </a:p>
         </p:txBody>
       </p:sp>
@@ -12347,7 +12426,7 @@
           <a:p>
             <a:fld id="{DBFE168D-5F09-4613-B279-C53C85B5CCCA}" type="slidenum">
               <a:rPr lang="en-US" smtClean="0"/>
-              <a:t>7</a:t>
+              <a:t>6</a:t>
             </a:fld>
             <a:endParaRPr lang="en-US"/>
           </a:p>
@@ -12356,7 +12435,7 @@
     </p:spTree>
     <p:extLst>
       <p:ext uri="{BB962C8B-B14F-4D97-AF65-F5344CB8AC3E}">
-        <p14:creationId xmlns:p14="http://schemas.microsoft.com/office/powerpoint/2010/main" val="63296611"/>
+        <p14:creationId xmlns:p14="http://schemas.microsoft.com/office/powerpoint/2010/main" val="2909175685"/>
       </p:ext>
     </p:extLst>
   </p:cSld>
@@ -12410,58 +12489,7 @@
           <a:bodyPr/>
           <a:lstStyle/>
           <a:p>
-            <a:r>
-              <a:rPr lang="en-US" dirty="0"/>
-              <a:t>All interactions with k8s happen through the API Server</a:t>
-            </a:r>
-          </a:p>
-          <a:p>
             <a:endParaRPr lang="en-US" dirty="0"/>
-          </a:p>
-          <a:p>
-            <a:r>
-              <a:rPr lang="en-US" dirty="0" err="1"/>
-              <a:t>Etcd</a:t>
-            </a:r>
-            <a:r>
-              <a:rPr lang="en-US" dirty="0"/>
-              <a:t> is where all the state data of everything in the cluster is stored</a:t>
-            </a:r>
-          </a:p>
-          <a:p>
-            <a:endParaRPr lang="en-US" dirty="0"/>
-          </a:p>
-          <a:p>
-            <a:r>
-              <a:rPr lang="en-US" dirty="0"/>
-              <a:t>The scheduler is the most important part to grasp in terms of “how it works”</a:t>
-            </a:r>
-          </a:p>
-          <a:p>
-            <a:endParaRPr lang="en-US" dirty="0"/>
-          </a:p>
-          <a:p>
-            <a:r>
-              <a:rPr lang="en-US" dirty="0"/>
-              <a:t>Scheduler watches for new pod requests, determines the worker to send the pod to, and then the “</a:t>
-            </a:r>
-            <a:r>
-              <a:rPr lang="en-US" dirty="0" err="1"/>
-              <a:t>kubelet</a:t>
-            </a:r>
-            <a:r>
-              <a:rPr lang="en-US" dirty="0"/>
-              <a:t>” on the worker creates the pod on using images from some image repository, like Docker Hub or Azure Container Registry</a:t>
-            </a:r>
-          </a:p>
-          <a:p>
-            <a:endParaRPr lang="en-US" dirty="0"/>
-          </a:p>
-          <a:p>
-            <a:r>
-              <a:rPr lang="en-US" dirty="0"/>
-              <a:t>You can scale out your cluster by adding worker nodes, and since the pods can be spread to it immediately, your performance improvement is linear.</a:t>
-            </a:r>
           </a:p>
         </p:txBody>
       </p:sp>
@@ -12482,7 +12510,7 @@
           <a:p>
             <a:fld id="{DBFE168D-5F09-4613-B279-C53C85B5CCCA}" type="slidenum">
               <a:rPr lang="en-US" smtClean="0"/>
-              <a:t>8</a:t>
+              <a:t>7</a:t>
             </a:fld>
             <a:endParaRPr lang="en-US"/>
           </a:p>
@@ -12491,7 +12519,7 @@
     </p:spTree>
     <p:extLst>
       <p:ext uri="{BB962C8B-B14F-4D97-AF65-F5344CB8AC3E}">
-        <p14:creationId xmlns:p14="http://schemas.microsoft.com/office/powerpoint/2010/main" val="1395940134"/>
+        <p14:creationId xmlns:p14="http://schemas.microsoft.com/office/powerpoint/2010/main" val="63296611"/>
       </p:ext>
     </p:extLst>
   </p:cSld>
@@ -12547,69 +12575,55 @@
           <a:p>
             <a:r>
               <a:rPr lang="en-US" dirty="0"/>
-              <a:t>A “pod” is the most fundamental object in Kubernetes.  </a:t>
+              <a:t>All interactions with k8s happen through the API Server</a:t>
             </a:r>
           </a:p>
           <a:p>
+            <a:endParaRPr lang="en-US" dirty="0"/>
+          </a:p>
+          <a:p>
+            <a:r>
+              <a:rPr lang="en-US" dirty="0" err="1"/>
+              <a:t>Etcd</a:t>
+            </a:r>
             <a:r>
               <a:rPr lang="en-US" dirty="0"/>
-              <a:t>	A single pod contains one (or more) containers</a:t>
+              <a:t> is where all the state data of everything in the cluster is stored</a:t>
             </a:r>
+          </a:p>
+          <a:p>
+            <a:endParaRPr lang="en-US" dirty="0"/>
           </a:p>
           <a:p>
             <a:r>
               <a:rPr lang="en-US" dirty="0"/>
-              <a:t>	Is allocated a single IP address within the cluster.  In the case of multiple containers inside a single pod, they share the same address and can actually communicate to each other on address 127.0.0.1.</a:t>
+              <a:t>The scheduler is the most important part to grasp in terms of “how it works”</a:t>
             </a:r>
-            <a:br>
-              <a:rPr lang="en-US" dirty="0"/>
-            </a:br>
+          </a:p>
+          <a:p>
+            <a:endParaRPr lang="en-US" dirty="0"/>
+          </a:p>
+          <a:p>
             <a:r>
               <a:rPr lang="en-US" dirty="0"/>
-              <a:t>	Is monitored to verify that it is either “up” or “down”</a:t>
-            </a:r>
-          </a:p>
-          <a:p>
-            <a:endParaRPr lang="en-US" dirty="0"/>
-          </a:p>
-          <a:p>
-            <a:r>
-              <a:rPr lang="en-US" dirty="0"/>
-              <a:t>A k8s “deployment” is a specific type of object that defines the pod, the containers it has within it, and the number of replicas of each.  This way you can create/destroy a deployment that contains multiple objects with a single command.  </a:t>
-            </a:r>
-          </a:p>
-          <a:p>
-            <a:endParaRPr lang="en-US" dirty="0"/>
-          </a:p>
-          <a:p>
-            <a:r>
-              <a:rPr lang="en-US" dirty="0"/>
-              <a:t>A k8s “service” is a separate object that provides a single IP address endpoint for a set of pods so you can change out the pods without breaking other apps that are communicating to them.  </a:t>
+              <a:t>Scheduler watches for new pod requests, determines the worker to send the pod to, and then the “</a:t>
             </a:r>
             <a:r>
               <a:rPr lang="en-US" dirty="0" err="1"/>
-              <a:t>Kinda</a:t>
+              <a:t>kubelet</a:t>
             </a:r>
             <a:r>
               <a:rPr lang="en-US" dirty="0"/>
-              <a:t> like a load-balancer inside the cluster.   If you have 2 pods behind a single service, and a 3</a:t>
+              <a:t>” on the worker creates the pod on using images from some image repository, like Docker Hub or Azure Container Registry</a:t>
             </a:r>
-            <a:r>
-              <a:rPr lang="en-US" baseline="30000" dirty="0"/>
-              <a:t>rd</a:t>
-            </a:r>
+          </a:p>
+          <a:p>
+            <a:endParaRPr lang="en-US" dirty="0"/>
+          </a:p>
+          <a:p>
             <a:r>
               <a:rPr lang="en-US" dirty="0"/>
-              <a:t> pod that needs to communicate to them, it can talk to the “service” and get routed to the appropriate pod.</a:t>
-            </a:r>
-          </a:p>
-          <a:p>
-            <a:endParaRPr lang="en-US" dirty="0"/>
-          </a:p>
-          <a:p>
-            <a:r>
-              <a:rPr lang="en-US" dirty="0"/>
-              <a:t>A k8s “ingress” object is external to the Service and is configured to allow inbound access to the service or pod with an address on the outside of the cluster.</a:t>
+              <a:t>You can scale out your cluster by adding worker nodes, and since the pods can be spread to it immediately, your performance improvement is linear.</a:t>
             </a:r>
           </a:p>
         </p:txBody>
@@ -12631,7 +12645,7 @@
           <a:p>
             <a:fld id="{DBFE168D-5F09-4613-B279-C53C85B5CCCA}" type="slidenum">
               <a:rPr lang="en-US" smtClean="0"/>
-              <a:t>9</a:t>
+              <a:t>8</a:t>
             </a:fld>
             <a:endParaRPr lang="en-US"/>
           </a:p>
@@ -12640,7 +12654,7 @@
     </p:spTree>
     <p:extLst>
       <p:ext uri="{BB962C8B-B14F-4D97-AF65-F5344CB8AC3E}">
-        <p14:creationId xmlns:p14="http://schemas.microsoft.com/office/powerpoint/2010/main" val="2964863432"/>
+        <p14:creationId xmlns:p14="http://schemas.microsoft.com/office/powerpoint/2010/main" val="1395940134"/>
       </p:ext>
     </p:extLst>
   </p:cSld>
@@ -12696,7 +12710,69 @@
           <a:p>
             <a:r>
               <a:rPr lang="en-US" dirty="0"/>
-              <a:t>So you now a bit about what Kubernetes is and how to interact with it.  You know that you CAN put your containers on it and run them.  But how do you do that?  One answer is HELM.</a:t>
+              <a:t>A “pod” is the most fundamental object in Kubernetes.  </a:t>
+            </a:r>
+          </a:p>
+          <a:p>
+            <a:r>
+              <a:rPr lang="en-US" dirty="0"/>
+              <a:t>	A single pod contains one (or more) containers</a:t>
+            </a:r>
+          </a:p>
+          <a:p>
+            <a:r>
+              <a:rPr lang="en-US" dirty="0"/>
+              <a:t>	Is allocated a single IP address within the cluster.  In the case of multiple containers inside a single pod, they share the same address and can actually communicate to each other on address 127.0.0.1.</a:t>
+            </a:r>
+            <a:br>
+              <a:rPr lang="en-US" dirty="0"/>
+            </a:br>
+            <a:r>
+              <a:rPr lang="en-US" dirty="0"/>
+              <a:t>	Is monitored to verify that it is either “up” or “down”</a:t>
+            </a:r>
+          </a:p>
+          <a:p>
+            <a:endParaRPr lang="en-US" dirty="0"/>
+          </a:p>
+          <a:p>
+            <a:r>
+              <a:rPr lang="en-US" dirty="0"/>
+              <a:t>A k8s “deployment” is a specific type of object that defines the pod, the containers it has within it, and the number of replicas of each.  This way you can create/destroy a deployment that contains multiple objects with a single command.  </a:t>
+            </a:r>
+          </a:p>
+          <a:p>
+            <a:endParaRPr lang="en-US" dirty="0"/>
+          </a:p>
+          <a:p>
+            <a:r>
+              <a:rPr lang="en-US" dirty="0"/>
+              <a:t>A k8s “service” is a separate object that provides a single IP address endpoint for a set of pods so you can change out the pods without breaking other apps that are communicating to them.  </a:t>
+            </a:r>
+            <a:r>
+              <a:rPr lang="en-US" dirty="0" err="1"/>
+              <a:t>Kinda</a:t>
+            </a:r>
+            <a:r>
+              <a:rPr lang="en-US" dirty="0"/>
+              <a:t> like a load-balancer inside the cluster.   If you have 2 pods behind a single service, and a 3</a:t>
+            </a:r>
+            <a:r>
+              <a:rPr lang="en-US" baseline="30000" dirty="0"/>
+              <a:t>rd</a:t>
+            </a:r>
+            <a:r>
+              <a:rPr lang="en-US" dirty="0"/>
+              <a:t> pod that needs to communicate to them, it can talk to the “service” and get routed to the appropriate pod.</a:t>
+            </a:r>
+          </a:p>
+          <a:p>
+            <a:endParaRPr lang="en-US" dirty="0"/>
+          </a:p>
+          <a:p>
+            <a:r>
+              <a:rPr lang="en-US" dirty="0"/>
+              <a:t>A k8s “ingress” object is external to the Service and is configured to allow inbound access to the service or pod with an address on the outside of the cluster.</a:t>
             </a:r>
           </a:p>
         </p:txBody>
@@ -12718,7 +12794,7 @@
           <a:p>
             <a:fld id="{DBFE168D-5F09-4613-B279-C53C85B5CCCA}" type="slidenum">
               <a:rPr lang="en-US" smtClean="0"/>
-              <a:t>12</a:t>
+              <a:t>9</a:t>
             </a:fld>
             <a:endParaRPr lang="en-US"/>
           </a:p>
@@ -12727,7 +12803,7 @@
     </p:spTree>
     <p:extLst>
       <p:ext uri="{BB962C8B-B14F-4D97-AF65-F5344CB8AC3E}">
-        <p14:creationId xmlns:p14="http://schemas.microsoft.com/office/powerpoint/2010/main" val="2592289527"/>
+        <p14:creationId xmlns:p14="http://schemas.microsoft.com/office/powerpoint/2010/main" val="2964863432"/>
       </p:ext>
     </p:extLst>
   </p:cSld>
@@ -12781,7 +12857,10 @@
           <a:bodyPr/>
           <a:lstStyle/>
           <a:p>
-            <a:endParaRPr lang="en-US" dirty="0"/>
+            <a:r>
+              <a:rPr lang="en-US" dirty="0"/>
+              <a:t>So you now a bit about what Kubernetes is and how to interact with it.  You know that you CAN put your containers on it and run them.  But how do you do that?  One answer is HELM.</a:t>
+            </a:r>
           </a:p>
         </p:txBody>
       </p:sp>
@@ -12802,7 +12881,7 @@
           <a:p>
             <a:fld id="{DBFE168D-5F09-4613-B279-C53C85B5CCCA}" type="slidenum">
               <a:rPr lang="en-US" smtClean="0"/>
-              <a:t>13</a:t>
+              <a:t>12</a:t>
             </a:fld>
             <a:endParaRPr lang="en-US"/>
           </a:p>
@@ -12811,7 +12890,7 @@
     </p:spTree>
     <p:extLst>
       <p:ext uri="{BB962C8B-B14F-4D97-AF65-F5344CB8AC3E}">
-        <p14:creationId xmlns:p14="http://schemas.microsoft.com/office/powerpoint/2010/main" val="1859979071"/>
+        <p14:creationId xmlns:p14="http://schemas.microsoft.com/office/powerpoint/2010/main" val="2592289527"/>
       </p:ext>
     </p:extLst>
   </p:cSld>
@@ -16269,7 +16348,7 @@
           <p:nvPr/>
         </p:nvPicPr>
         <p:blipFill>
-          <a:blip r:embed="rId2"/>
+          <a:blip r:embed="rId3"/>
           <a:stretch>
             <a:fillRect/>
           </a:stretch>
